--- a/企画書/カットビ企画書.pptx
+++ b/企画書/カットビ企画書.pptx
@@ -7,12 +7,12 @@
   <p:sldIdLst>
     <p:sldId id="256" r:id="rId2"/>
     <p:sldId id="260" r:id="rId3"/>
-    <p:sldId id="265" r:id="rId4"/>
+    <p:sldId id="259" r:id="rId4"/>
     <p:sldId id="258" r:id="rId5"/>
-    <p:sldId id="259" r:id="rId6"/>
-    <p:sldId id="262" r:id="rId7"/>
+    <p:sldId id="262" r:id="rId6"/>
+    <p:sldId id="267" r:id="rId7"/>
     <p:sldId id="263" r:id="rId8"/>
-    <p:sldId id="264" r:id="rId9"/>
+    <p:sldId id="266" r:id="rId9"/>
   </p:sldIdLst>
   <p:sldSz cx="12192000" cy="6858000"/>
   <p:notesSz cx="6858000" cy="9144000"/>
@@ -266,7 +266,7 @@
           <a:p>
             <a:fld id="{D3F3F0CB-2965-4B73-9552-621131830563}" type="datetimeFigureOut">
               <a:rPr kumimoji="1" lang="ja-JP" altLang="en-US" smtClean="0"/>
-              <a:t>2024/10/7</a:t>
+              <a:t>2024/10/8</a:t>
             </a:fld>
             <a:endParaRPr kumimoji="1" lang="ja-JP" altLang="en-US"/>
           </a:p>
@@ -496,7 +496,7 @@
           <a:p>
             <a:fld id="{D3F3F0CB-2965-4B73-9552-621131830563}" type="datetimeFigureOut">
               <a:rPr kumimoji="1" lang="ja-JP" altLang="en-US" smtClean="0"/>
-              <a:t>2024/10/7</a:t>
+              <a:t>2024/10/8</a:t>
             </a:fld>
             <a:endParaRPr kumimoji="1" lang="ja-JP" altLang="en-US"/>
           </a:p>
@@ -736,7 +736,7 @@
           <a:p>
             <a:fld id="{D3F3F0CB-2965-4B73-9552-621131830563}" type="datetimeFigureOut">
               <a:rPr kumimoji="1" lang="ja-JP" altLang="en-US" smtClean="0"/>
-              <a:t>2024/10/7</a:t>
+              <a:t>2024/10/8</a:t>
             </a:fld>
             <a:endParaRPr kumimoji="1" lang="ja-JP" altLang="en-US"/>
           </a:p>
@@ -966,7 +966,7 @@
           <a:p>
             <a:fld id="{D3F3F0CB-2965-4B73-9552-621131830563}" type="datetimeFigureOut">
               <a:rPr kumimoji="1" lang="ja-JP" altLang="en-US" smtClean="0"/>
-              <a:t>2024/10/7</a:t>
+              <a:t>2024/10/8</a:t>
             </a:fld>
             <a:endParaRPr kumimoji="1" lang="ja-JP" altLang="en-US"/>
           </a:p>
@@ -1241,7 +1241,7 @@
           <a:p>
             <a:fld id="{D3F3F0CB-2965-4B73-9552-621131830563}" type="datetimeFigureOut">
               <a:rPr kumimoji="1" lang="ja-JP" altLang="en-US" smtClean="0"/>
-              <a:t>2024/10/7</a:t>
+              <a:t>2024/10/8</a:t>
             </a:fld>
             <a:endParaRPr kumimoji="1" lang="ja-JP" altLang="en-US"/>
           </a:p>
@@ -1570,7 +1570,7 @@
           <a:p>
             <a:fld id="{D3F3F0CB-2965-4B73-9552-621131830563}" type="datetimeFigureOut">
               <a:rPr kumimoji="1" lang="ja-JP" altLang="en-US" smtClean="0"/>
-              <a:t>2024/10/7</a:t>
+              <a:t>2024/10/8</a:t>
             </a:fld>
             <a:endParaRPr kumimoji="1" lang="ja-JP" altLang="en-US"/>
           </a:p>
@@ -2046,7 +2046,7 @@
           <a:p>
             <a:fld id="{D3F3F0CB-2965-4B73-9552-621131830563}" type="datetimeFigureOut">
               <a:rPr kumimoji="1" lang="ja-JP" altLang="en-US" smtClean="0"/>
-              <a:t>2024/10/7</a:t>
+              <a:t>2024/10/8</a:t>
             </a:fld>
             <a:endParaRPr kumimoji="1" lang="ja-JP" altLang="en-US"/>
           </a:p>
@@ -2187,7 +2187,7 @@
           <a:p>
             <a:fld id="{D3F3F0CB-2965-4B73-9552-621131830563}" type="datetimeFigureOut">
               <a:rPr kumimoji="1" lang="ja-JP" altLang="en-US" smtClean="0"/>
-              <a:t>2024/10/7</a:t>
+              <a:t>2024/10/8</a:t>
             </a:fld>
             <a:endParaRPr kumimoji="1" lang="ja-JP" altLang="en-US"/>
           </a:p>
@@ -2300,7 +2300,7 @@
           <a:p>
             <a:fld id="{D3F3F0CB-2965-4B73-9552-621131830563}" type="datetimeFigureOut">
               <a:rPr kumimoji="1" lang="ja-JP" altLang="en-US" smtClean="0"/>
-              <a:t>2024/10/7</a:t>
+              <a:t>2024/10/8</a:t>
             </a:fld>
             <a:endParaRPr kumimoji="1" lang="ja-JP" altLang="en-US"/>
           </a:p>
@@ -2643,7 +2643,7 @@
           <a:p>
             <a:fld id="{D3F3F0CB-2965-4B73-9552-621131830563}" type="datetimeFigureOut">
               <a:rPr kumimoji="1" lang="ja-JP" altLang="en-US" smtClean="0"/>
-              <a:t>2024/10/7</a:t>
+              <a:t>2024/10/8</a:t>
             </a:fld>
             <a:endParaRPr kumimoji="1" lang="ja-JP" altLang="en-US"/>
           </a:p>
@@ -2931,7 +2931,7 @@
           <a:p>
             <a:fld id="{D3F3F0CB-2965-4B73-9552-621131830563}" type="datetimeFigureOut">
               <a:rPr kumimoji="1" lang="ja-JP" altLang="en-US" smtClean="0"/>
-              <a:t>2024/10/7</a:t>
+              <a:t>2024/10/8</a:t>
             </a:fld>
             <a:endParaRPr kumimoji="1" lang="ja-JP" altLang="en-US"/>
           </a:p>
@@ -3204,7 +3204,7 @@
           <a:p>
             <a:fld id="{D3F3F0CB-2965-4B73-9552-621131830563}" type="datetimeFigureOut">
               <a:rPr kumimoji="1" lang="ja-JP" altLang="en-US" smtClean="0"/>
-              <a:t>2024/10/7</a:t>
+              <a:t>2024/10/8</a:t>
             </a:fld>
             <a:endParaRPr kumimoji="1" lang="ja-JP" altLang="en-US"/>
           </a:p>
@@ -3635,8 +3635,8 @@
         </p:nvSpPr>
         <p:spPr>
           <a:xfrm>
-            <a:off x="4837483" y="2726616"/>
-            <a:ext cx="2517036" cy="830997"/>
+            <a:off x="3087002" y="1490008"/>
+            <a:ext cx="6017994" cy="1938992"/>
           </a:xfrm>
           <a:prstGeom prst="rect">
             <a:avLst/>
@@ -3651,7 +3651,7 @@
           <a:p>
             <a:pPr algn="ctr"/>
             <a:r>
-              <a:rPr kumimoji="1" lang="ja-JP" altLang="en-US" sz="2400" dirty="0">
+              <a:rPr kumimoji="1" lang="ja-JP" altLang="en-US" sz="6000" dirty="0">
                 <a:effectLst>
                   <a:glow rad="127000">
                     <a:schemeClr val="bg1"/>
@@ -3667,7 +3667,7 @@
               </a:rPr>
               <a:t>カットビ！宅配くん</a:t>
             </a:r>
-            <a:endParaRPr kumimoji="1" lang="en-US" altLang="ja-JP" sz="2400" dirty="0">
+            <a:endParaRPr kumimoji="1" lang="en-US" altLang="ja-JP" sz="6000" dirty="0">
               <a:effectLst>
                 <a:glow rad="127000">
                   <a:schemeClr val="bg1"/>
@@ -3685,7 +3685,7 @@
           <a:p>
             <a:pPr algn="ctr"/>
             <a:r>
-              <a:rPr kumimoji="1" lang="ja-JP" altLang="en-US" sz="2400" dirty="0">
+              <a:rPr kumimoji="1" lang="ja-JP" altLang="en-US" sz="6000" dirty="0">
                 <a:effectLst>
                   <a:glow rad="127000">
                     <a:schemeClr val="bg1"/>
@@ -3718,8 +3718,8 @@
         </p:nvSpPr>
         <p:spPr>
           <a:xfrm>
-            <a:off x="5079537" y="4330121"/>
-            <a:ext cx="2032929" cy="923330"/>
+            <a:off x="4976141" y="4479411"/>
+            <a:ext cx="2239716" cy="1015663"/>
           </a:xfrm>
           <a:prstGeom prst="rect">
             <a:avLst/>
@@ -3733,7 +3733,7 @@
           <a:lstStyle/>
           <a:p>
             <a:r>
-              <a:rPr kumimoji="1" lang="ja-JP" altLang="en-US" dirty="0">
+              <a:rPr kumimoji="1" lang="ja-JP" altLang="en-US" sz="2000" dirty="0">
                 <a:effectLst>
                   <a:glow rad="127000">
                     <a:schemeClr val="bg1"/>
@@ -3749,7 +3749,7 @@
               </a:rPr>
               <a:t>ジャンル：レース</a:t>
             </a:r>
-            <a:endParaRPr kumimoji="1" lang="en-US" altLang="ja-JP" dirty="0">
+            <a:endParaRPr kumimoji="1" lang="en-US" altLang="ja-JP" sz="2000" dirty="0">
               <a:effectLst>
                 <a:glow rad="127000">
                   <a:schemeClr val="bg1"/>
@@ -3766,7 +3766,7 @@
           </a:p>
           <a:p>
             <a:r>
-              <a:rPr lang="ja-JP" altLang="en-US" dirty="0">
+              <a:rPr lang="ja-JP" altLang="en-US" sz="2000" dirty="0">
                 <a:effectLst>
                   <a:glow rad="127000">
                     <a:schemeClr val="bg1"/>
@@ -3783,7 +3783,7 @@
               <a:t>プラットフォーム：</a:t>
             </a:r>
             <a:r>
-              <a:rPr lang="en-US" altLang="ja-JP" dirty="0">
+              <a:rPr lang="en-US" altLang="ja-JP" sz="2000" dirty="0">
                 <a:effectLst>
                   <a:glow rad="127000">
                     <a:schemeClr val="bg1"/>
@@ -3799,7 +3799,7 @@
               </a:rPr>
               <a:t>PC</a:t>
             </a:r>
-            <a:endParaRPr kumimoji="1" lang="en-US" altLang="ja-JP" dirty="0">
+            <a:endParaRPr kumimoji="1" lang="en-US" altLang="ja-JP" sz="2000" dirty="0">
               <a:effectLst>
                 <a:glow rad="127000">
                   <a:schemeClr val="bg1"/>
@@ -3816,7 +3816,7 @@
           </a:p>
           <a:p>
             <a:r>
-              <a:rPr kumimoji="1" lang="ja-JP" altLang="en-US" dirty="0">
+              <a:rPr kumimoji="1" lang="ja-JP" altLang="en-US" sz="2000" dirty="0">
                 <a:effectLst>
                   <a:glow rad="127000">
                     <a:schemeClr val="bg1"/>
@@ -3880,12 +3880,21 @@
         <p:spPr>
           <a:xfrm>
             <a:off x="366340" y="180000"/>
-            <a:ext cx="1114408" cy="369332"/>
+            <a:ext cx="1633781" cy="523220"/>
           </a:xfrm>
           <a:prstGeom prst="rect">
             <a:avLst/>
           </a:prstGeom>
-          <a:noFill/>
+          <a:solidFill>
+            <a:schemeClr val="accent2"/>
+          </a:solidFill>
+          <a:effectLst>
+            <a:outerShdw blurRad="50800" dist="38100" dir="2700000" algn="tl" rotWithShape="0">
+              <a:prstClr val="black">
+                <a:alpha val="40000"/>
+              </a:prstClr>
+            </a:outerShdw>
+          </a:effectLst>
         </p:spPr>
         <p:txBody>
           <a:bodyPr wrap="none" rtlCol="0">
@@ -3894,7 +3903,7 @@
           <a:lstStyle/>
           <a:p>
             <a:r>
-              <a:rPr kumimoji="1" lang="ja-JP" altLang="en-US" dirty="0">
+              <a:rPr kumimoji="1" lang="ja-JP" altLang="en-US" sz="2800" dirty="0">
                 <a:effectLst>
                   <a:glow rad="127000">
                     <a:schemeClr val="bg1"/>
@@ -3927,8 +3936,8 @@
         </p:nvSpPr>
         <p:spPr>
           <a:xfrm>
-            <a:off x="2163673" y="3167390"/>
-            <a:ext cx="7864653" cy="523220"/>
+            <a:off x="1183230" y="1536174"/>
+            <a:ext cx="9836346" cy="4524315"/>
           </a:xfrm>
           <a:prstGeom prst="rect">
             <a:avLst/>
@@ -3943,7 +3952,10 @@
           <a:p>
             <a:pPr algn="ctr"/>
             <a:r>
-              <a:rPr lang="ja-JP" altLang="en-US" sz="2800" dirty="0">
+              <a:rPr lang="ja-JP" altLang="en-US" sz="4800" dirty="0">
+                <a:solidFill>
+                  <a:srgbClr val="FF0000"/>
+                </a:solidFill>
                 <a:effectLst>
                   <a:glow rad="127000">
                     <a:schemeClr val="bg1"/>
@@ -3957,10 +3969,53 @@
                 <a:latin typeface="HGP創英角ｺﾞｼｯｸUB" panose="020B0900000000000000" pitchFamily="50" charset="-128"/>
                 <a:ea typeface="HGP創英角ｺﾞｼｯｸUB" panose="020B0900000000000000" pitchFamily="50" charset="-128"/>
               </a:rPr>
-              <a:t>怪しまれないように動く緊張感を</a:t>
-            </a:r>
-            <a:r>
-              <a:rPr kumimoji="1" lang="ja-JP" altLang="en-US" sz="2800" dirty="0">
+              <a:t>怪しまれないように動く</a:t>
+            </a:r>
+            <a:endParaRPr lang="en-US" altLang="ja-JP" sz="4800" dirty="0">
+              <a:solidFill>
+                <a:srgbClr val="FF0000"/>
+              </a:solidFill>
+              <a:effectLst>
+                <a:glow rad="127000">
+                  <a:schemeClr val="bg1"/>
+                </a:glow>
+                <a:outerShdw blurRad="38100" dist="38100" dir="2700000" algn="tl">
+                  <a:srgbClr val="000000">
+                    <a:alpha val="43137"/>
+                  </a:srgbClr>
+                </a:outerShdw>
+              </a:effectLst>
+              <a:latin typeface="HGP創英角ｺﾞｼｯｸUB" panose="020B0900000000000000" pitchFamily="50" charset="-128"/>
+              <a:ea typeface="HGP創英角ｺﾞｼｯｸUB" panose="020B0900000000000000" pitchFamily="50" charset="-128"/>
+            </a:endParaRPr>
+          </a:p>
+          <a:p>
+            <a:pPr algn="ctr"/>
+            <a:r>
+              <a:rPr lang="ja-JP" altLang="en-US" sz="4800" dirty="0">
+                <a:solidFill>
+                  <a:srgbClr val="FF0000"/>
+                </a:solidFill>
+                <a:effectLst>
+                  <a:glow rad="127000">
+                    <a:schemeClr val="bg1"/>
+                  </a:glow>
+                  <a:outerShdw blurRad="38100" dist="38100" dir="2700000" algn="tl">
+                    <a:srgbClr val="000000">
+                      <a:alpha val="43137"/>
+                    </a:srgbClr>
+                  </a:outerShdw>
+                </a:effectLst>
+                <a:latin typeface="HGP創英角ｺﾞｼｯｸUB" panose="020B0900000000000000" pitchFamily="50" charset="-128"/>
+                <a:ea typeface="HGP創英角ｺﾞｼｯｸUB" panose="020B0900000000000000" pitchFamily="50" charset="-128"/>
+              </a:rPr>
+              <a:t>緊張感を</a:t>
+            </a:r>
+            <a:r>
+              <a:rPr kumimoji="1" lang="ja-JP" altLang="en-US" sz="4800" dirty="0">
+                <a:solidFill>
+                  <a:srgbClr val="FF0000"/>
+                </a:solidFill>
                 <a:effectLst>
                   <a:glow rad="127000">
                     <a:schemeClr val="bg1"/>
@@ -3976,6 +4031,163 @@
               </a:rPr>
               <a:t>体験できるゲーム</a:t>
             </a:r>
+            <a:endParaRPr kumimoji="1" lang="en-US" altLang="ja-JP" sz="4800" dirty="0">
+              <a:solidFill>
+                <a:srgbClr val="FF0000"/>
+              </a:solidFill>
+              <a:effectLst>
+                <a:glow rad="127000">
+                  <a:schemeClr val="bg1"/>
+                </a:glow>
+                <a:outerShdw blurRad="38100" dist="38100" dir="2700000" algn="tl">
+                  <a:srgbClr val="000000">
+                    <a:alpha val="43137"/>
+                  </a:srgbClr>
+                </a:outerShdw>
+              </a:effectLst>
+              <a:latin typeface="HGP創英角ｺﾞｼｯｸUB" panose="020B0900000000000000" pitchFamily="50" charset="-128"/>
+              <a:ea typeface="HGP創英角ｺﾞｼｯｸUB" panose="020B0900000000000000" pitchFamily="50" charset="-128"/>
+            </a:endParaRPr>
+          </a:p>
+          <a:p>
+            <a:pPr algn="ctr"/>
+            <a:endParaRPr lang="en-US" altLang="ja-JP" sz="4800" dirty="0">
+              <a:solidFill>
+                <a:srgbClr val="FF0000"/>
+              </a:solidFill>
+              <a:effectLst>
+                <a:glow rad="127000">
+                  <a:schemeClr val="bg1"/>
+                </a:glow>
+                <a:outerShdw blurRad="38100" dist="38100" dir="2700000" algn="tl">
+                  <a:srgbClr val="000000">
+                    <a:alpha val="43137"/>
+                  </a:srgbClr>
+                </a:outerShdw>
+              </a:effectLst>
+              <a:latin typeface="HGP創英角ｺﾞｼｯｸUB" panose="020B0900000000000000" pitchFamily="50" charset="-128"/>
+              <a:ea typeface="HGP創英角ｺﾞｼｯｸUB" panose="020B0900000000000000" pitchFamily="50" charset="-128"/>
+            </a:endParaRPr>
+          </a:p>
+          <a:p>
+            <a:pPr algn="ctr"/>
+            <a:r>
+              <a:rPr kumimoji="1" lang="ja-JP" altLang="en-US" sz="4800" dirty="0">
+                <a:solidFill>
+                  <a:srgbClr val="FF0000"/>
+                </a:solidFill>
+                <a:effectLst>
+                  <a:glow rad="127000">
+                    <a:schemeClr val="bg1"/>
+                  </a:glow>
+                  <a:outerShdw blurRad="38100" dist="38100" dir="2700000" algn="tl">
+                    <a:srgbClr val="000000">
+                      <a:alpha val="43137"/>
+                    </a:srgbClr>
+                  </a:outerShdw>
+                </a:effectLst>
+                <a:latin typeface="HGP創英角ｺﾞｼｯｸUB" panose="020B0900000000000000" pitchFamily="50" charset="-128"/>
+                <a:ea typeface="HGP創英角ｺﾞｼｯｸUB" panose="020B0900000000000000" pitchFamily="50" charset="-128"/>
+              </a:rPr>
+              <a:t>怪しまれないよう隠密に時には大胆に</a:t>
+            </a:r>
+            <a:endParaRPr kumimoji="1" lang="en-US" altLang="ja-JP" sz="4800" dirty="0">
+              <a:solidFill>
+                <a:srgbClr val="FF0000"/>
+              </a:solidFill>
+              <a:effectLst>
+                <a:glow rad="127000">
+                  <a:schemeClr val="bg1"/>
+                </a:glow>
+                <a:outerShdw blurRad="38100" dist="38100" dir="2700000" algn="tl">
+                  <a:srgbClr val="000000">
+                    <a:alpha val="43137"/>
+                  </a:srgbClr>
+                </a:outerShdw>
+              </a:effectLst>
+              <a:latin typeface="HGP創英角ｺﾞｼｯｸUB" panose="020B0900000000000000" pitchFamily="50" charset="-128"/>
+              <a:ea typeface="HGP創英角ｺﾞｼｯｸUB" panose="020B0900000000000000" pitchFamily="50" charset="-128"/>
+            </a:endParaRPr>
+          </a:p>
+          <a:p>
+            <a:pPr algn="ctr"/>
+            <a:r>
+              <a:rPr lang="ja-JP" altLang="en-US" sz="4800" dirty="0">
+                <a:solidFill>
+                  <a:srgbClr val="FF0000"/>
+                </a:solidFill>
+                <a:effectLst>
+                  <a:glow rad="127000">
+                    <a:schemeClr val="bg1"/>
+                  </a:glow>
+                  <a:outerShdw blurRad="38100" dist="38100" dir="2700000" algn="tl">
+                    <a:srgbClr val="000000">
+                      <a:alpha val="43137"/>
+                    </a:srgbClr>
+                  </a:outerShdw>
+                </a:effectLst>
+                <a:latin typeface="HGP創英角ｺﾞｼｯｸUB" panose="020B0900000000000000" pitchFamily="50" charset="-128"/>
+                <a:ea typeface="HGP創英角ｺﾞｼｯｸUB" panose="020B0900000000000000" pitchFamily="50" charset="-128"/>
+              </a:rPr>
+              <a:t>顧客満足度に関わる</a:t>
+            </a:r>
+            <a:endParaRPr lang="en-US" altLang="ja-JP" sz="4800" dirty="0">
+              <a:solidFill>
+                <a:srgbClr val="FF0000"/>
+              </a:solidFill>
+              <a:effectLst>
+                <a:glow rad="127000">
+                  <a:schemeClr val="bg1"/>
+                </a:glow>
+                <a:outerShdw blurRad="38100" dist="38100" dir="2700000" algn="tl">
+                  <a:srgbClr val="000000">
+                    <a:alpha val="43137"/>
+                  </a:srgbClr>
+                </a:outerShdw>
+              </a:effectLst>
+              <a:latin typeface="HGP創英角ｺﾞｼｯｸUB" panose="020B0900000000000000" pitchFamily="50" charset="-128"/>
+              <a:ea typeface="HGP創英角ｺﾞｼｯｸUB" panose="020B0900000000000000" pitchFamily="50" charset="-128"/>
+            </a:endParaRPr>
+          </a:p>
+          <a:p>
+            <a:pPr algn="ctr"/>
+            <a:r>
+              <a:rPr lang="ja-JP" altLang="en-US" sz="4800" dirty="0">
+                <a:solidFill>
+                  <a:srgbClr val="FF0000"/>
+                </a:solidFill>
+                <a:effectLst>
+                  <a:glow rad="127000">
+                    <a:schemeClr val="bg1"/>
+                  </a:glow>
+                  <a:outerShdw blurRad="38100" dist="38100" dir="2700000" algn="tl">
+                    <a:srgbClr val="000000">
+                      <a:alpha val="43137"/>
+                    </a:srgbClr>
+                  </a:outerShdw>
+                </a:effectLst>
+                <a:latin typeface="HGP創英角ｺﾞｼｯｸUB" panose="020B0900000000000000" pitchFamily="50" charset="-128"/>
+                <a:ea typeface="HGP創英角ｺﾞｼｯｸUB" panose="020B0900000000000000" pitchFamily="50" charset="-128"/>
+              </a:rPr>
+              <a:t>ゲーム</a:t>
+            </a:r>
+            <a:endParaRPr kumimoji="1" lang="ja-JP" altLang="en-US" sz="4800" dirty="0">
+              <a:solidFill>
+                <a:srgbClr val="FF0000"/>
+              </a:solidFill>
+              <a:effectLst>
+                <a:glow rad="127000">
+                  <a:schemeClr val="bg1"/>
+                </a:glow>
+                <a:outerShdw blurRad="38100" dist="38100" dir="2700000" algn="tl">
+                  <a:srgbClr val="000000">
+                    <a:alpha val="43137"/>
+                  </a:srgbClr>
+                </a:outerShdw>
+              </a:effectLst>
+              <a:latin typeface="HGP創英角ｺﾞｼｯｸUB" panose="020B0900000000000000" pitchFamily="50" charset="-128"/>
+              <a:ea typeface="HGP創英角ｺﾞｼｯｸUB" panose="020B0900000000000000" pitchFamily="50" charset="-128"/>
+            </a:endParaRPr>
           </a:p>
         </p:txBody>
       </p:sp>
@@ -4011,10 +4223,10 @@
       </p:grpSpPr>
       <p:sp>
         <p:nvSpPr>
-          <p:cNvPr id="9" name="テキスト ボックス 8">
-            <a:extLst>
-              <a:ext uri="{FF2B5EF4-FFF2-40B4-BE49-F238E27FC236}">
-                <a16:creationId xmlns:a16="http://schemas.microsoft.com/office/drawing/2014/main" id="{86E12423-9D65-55CD-A311-909E0D7E9317}"/>
+          <p:cNvPr id="6" name="テキスト ボックス 5">
+            <a:extLst>
+              <a:ext uri="{FF2B5EF4-FFF2-40B4-BE49-F238E27FC236}">
+                <a16:creationId xmlns:a16="http://schemas.microsoft.com/office/drawing/2014/main" id="{3666960A-2EC9-0E83-931F-430C6B8807FD}"/>
               </a:ext>
             </a:extLst>
           </p:cNvPr>
@@ -4023,13 +4235,22 @@
         </p:nvSpPr>
         <p:spPr>
           <a:xfrm>
-            <a:off x="2235809" y="2819399"/>
-            <a:ext cx="7720383" cy="1569660"/>
+            <a:off x="366340" y="180000"/>
+            <a:ext cx="1853392" cy="523220"/>
           </a:xfrm>
           <a:prstGeom prst="rect">
             <a:avLst/>
           </a:prstGeom>
-          <a:noFill/>
+          <a:solidFill>
+            <a:schemeClr val="accent2"/>
+          </a:solidFill>
+          <a:effectLst>
+            <a:outerShdw blurRad="50800" dist="38100" dir="2700000" algn="tl" rotWithShape="0">
+              <a:prstClr val="black">
+                <a:alpha val="40000"/>
+              </a:prstClr>
+            </a:outerShdw>
+          </a:effectLst>
         </p:spPr>
         <p:txBody>
           <a:bodyPr wrap="none" rtlCol="0">
@@ -4037,9 +4258,8 @@
           </a:bodyPr>
           <a:lstStyle/>
           <a:p>
-            <a:pPr algn="ctr"/>
-            <a:r>
-              <a:rPr kumimoji="1" lang="ja-JP" altLang="en-US" sz="3200" dirty="0">
+            <a:r>
+              <a:rPr kumimoji="1" lang="ja-JP" altLang="en-US" sz="2800" dirty="0">
                 <a:effectLst>
                   <a:glow rad="127000">
                     <a:schemeClr val="bg1"/>
@@ -4053,8 +4273,39 @@
                 <a:latin typeface="HGP創英角ｺﾞｼｯｸUB" panose="020B0900000000000000" pitchFamily="50" charset="-128"/>
                 <a:ea typeface="HGP創英角ｺﾞｼｯｸUB" panose="020B0900000000000000" pitchFamily="50" charset="-128"/>
               </a:rPr>
-              <a:t>プレイヤーはスクーターのアイス</a:t>
-            </a:r>
+              <a:t>ゲーム概要</a:t>
+            </a:r>
+          </a:p>
+        </p:txBody>
+      </p:sp>
+      <p:sp>
+        <p:nvSpPr>
+          <p:cNvPr id="2" name="テキスト ボックス 1">
+            <a:extLst>
+              <a:ext uri="{FF2B5EF4-FFF2-40B4-BE49-F238E27FC236}">
+                <a16:creationId xmlns:a16="http://schemas.microsoft.com/office/drawing/2014/main" id="{0AEC2305-2689-7EE5-12D2-0F95AF32D5AB}"/>
+              </a:ext>
+            </a:extLst>
+          </p:cNvPr>
+          <p:cNvSpPr txBox="1"/>
+          <p:nvPr/>
+        </p:nvSpPr>
+        <p:spPr>
+          <a:xfrm>
+            <a:off x="1471699" y="1033331"/>
+            <a:ext cx="4455066" cy="1631216"/>
+          </a:xfrm>
+          <a:prstGeom prst="rect">
+            <a:avLst/>
+          </a:prstGeom>
+          <a:noFill/>
+        </p:spPr>
+        <p:txBody>
+          <a:bodyPr wrap="none" rtlCol="0">
+            <a:spAutoFit/>
+          </a:bodyPr>
+          <a:lstStyle/>
+          <a:p>
             <a:r>
               <a:rPr lang="ja-JP" altLang="en-US" sz="3200" dirty="0">
                 <a:effectLst>
@@ -4070,9 +4321,9 @@
                 <a:latin typeface="HGP創英角ｺﾞｼｯｸUB" panose="020B0900000000000000" pitchFamily="50" charset="-128"/>
                 <a:ea typeface="HGP創英角ｺﾞｼｯｸUB" panose="020B0900000000000000" pitchFamily="50" charset="-128"/>
               </a:rPr>
-              <a:t>の運び屋</a:t>
-            </a:r>
-            <a:endParaRPr kumimoji="1" lang="en-US" altLang="ja-JP" sz="3200" dirty="0">
+              <a:t>アイスが溶ける前に</a:t>
+            </a:r>
+            <a:endParaRPr lang="en-US" altLang="ja-JP" sz="3200" dirty="0">
               <a:effectLst>
                 <a:glow rad="127000">
                   <a:schemeClr val="bg1"/>
@@ -4088,9 +4339,376 @@
             </a:endParaRPr>
           </a:p>
           <a:p>
+            <a:r>
+              <a:rPr lang="ja-JP" altLang="en-US" sz="3200" dirty="0">
+                <a:effectLst>
+                  <a:glow rad="127000">
+                    <a:schemeClr val="bg1"/>
+                  </a:glow>
+                  <a:outerShdw blurRad="38100" dist="38100" dir="2700000" algn="tl">
+                    <a:srgbClr val="000000">
+                      <a:alpha val="43137"/>
+                    </a:srgbClr>
+                  </a:outerShdw>
+                </a:effectLst>
+                <a:latin typeface="HGP創英角ｺﾞｼｯｸUB" panose="020B0900000000000000" pitchFamily="50" charset="-128"/>
+                <a:ea typeface="HGP創英角ｺﾞｼｯｸUB" panose="020B0900000000000000" pitchFamily="50" charset="-128"/>
+              </a:rPr>
+              <a:t>複数の目的地へ届けよう</a:t>
+            </a:r>
+            <a:endParaRPr lang="en-US" altLang="ja-JP" sz="3200" dirty="0">
+              <a:effectLst>
+                <a:glow rad="127000">
+                  <a:schemeClr val="bg1"/>
+                </a:glow>
+                <a:outerShdw blurRad="38100" dist="38100" dir="2700000" algn="tl">
+                  <a:srgbClr val="000000">
+                    <a:alpha val="43137"/>
+                  </a:srgbClr>
+                </a:outerShdw>
+              </a:effectLst>
+              <a:latin typeface="HGP創英角ｺﾞｼｯｸUB" panose="020B0900000000000000" pitchFamily="50" charset="-128"/>
+              <a:ea typeface="HGP創英角ｺﾞｼｯｸUB" panose="020B0900000000000000" pitchFamily="50" charset="-128"/>
+            </a:endParaRPr>
+          </a:p>
+          <a:p>
+            <a:r>
+              <a:rPr kumimoji="1" lang="ja-JP" altLang="en-US" sz="3600" dirty="0">
+                <a:solidFill>
+                  <a:srgbClr val="FF0000"/>
+                </a:solidFill>
+                <a:effectLst>
+                  <a:glow rad="127000">
+                    <a:schemeClr val="bg1"/>
+                  </a:glow>
+                  <a:outerShdw blurRad="38100" dist="38100" dir="2700000" algn="tl">
+                    <a:srgbClr val="000000">
+                      <a:alpha val="43137"/>
+                    </a:srgbClr>
+                  </a:outerShdw>
+                </a:effectLst>
+                <a:latin typeface="HGP創英角ｺﾞｼｯｸUB" panose="020B0900000000000000" pitchFamily="50" charset="-128"/>
+                <a:ea typeface="HGP創英角ｺﾞｼｯｸUB" panose="020B0900000000000000" pitchFamily="50" charset="-128"/>
+              </a:rPr>
+              <a:t>届ける順番は自由</a:t>
+            </a:r>
+          </a:p>
+        </p:txBody>
+      </p:sp>
+      <p:sp>
+        <p:nvSpPr>
+          <p:cNvPr id="5" name="テキスト ボックス 4">
+            <a:extLst>
+              <a:ext uri="{FF2B5EF4-FFF2-40B4-BE49-F238E27FC236}">
+                <a16:creationId xmlns:a16="http://schemas.microsoft.com/office/drawing/2014/main" id="{CC52A559-CEAF-EDA5-FA88-A19373AE00BC}"/>
+              </a:ext>
+            </a:extLst>
+          </p:cNvPr>
+          <p:cNvSpPr txBox="1"/>
+          <p:nvPr/>
+        </p:nvSpPr>
+        <p:spPr>
+          <a:xfrm>
+            <a:off x="6356981" y="2168144"/>
+            <a:ext cx="5075428" cy="1015663"/>
+          </a:xfrm>
+          <a:prstGeom prst="rect">
+            <a:avLst/>
+          </a:prstGeom>
+          <a:noFill/>
+        </p:spPr>
+        <p:txBody>
+          <a:bodyPr wrap="none">
+            <a:spAutoFit/>
+          </a:bodyPr>
+          <a:lstStyle/>
+          <a:p>
+            <a:r>
+              <a:rPr kumimoji="1" lang="ja-JP" altLang="en-US" sz="2800" dirty="0">
+                <a:effectLst>
+                  <a:glow rad="127000">
+                    <a:schemeClr val="bg1"/>
+                  </a:glow>
+                  <a:outerShdw blurRad="38100" dist="38100" dir="2700000" algn="tl">
+                    <a:srgbClr val="000000">
+                      <a:alpha val="43137"/>
+                    </a:srgbClr>
+                  </a:outerShdw>
+                </a:effectLst>
+                <a:latin typeface="HGP創英角ｺﾞｼｯｸUB" panose="020B0900000000000000" pitchFamily="50" charset="-128"/>
+                <a:ea typeface="HGP創英角ｺﾞｼｯｸUB" panose="020B0900000000000000" pitchFamily="50" charset="-128"/>
+              </a:rPr>
+              <a:t>アイスはすれ違いざまに手渡し</a:t>
+            </a:r>
+            <a:endParaRPr kumimoji="1" lang="en-US" altLang="ja-JP" sz="2800" dirty="0">
+              <a:effectLst>
+                <a:glow rad="127000">
+                  <a:schemeClr val="bg1"/>
+                </a:glow>
+                <a:outerShdw blurRad="38100" dist="38100" dir="2700000" algn="tl">
+                  <a:srgbClr val="000000">
+                    <a:alpha val="43137"/>
+                  </a:srgbClr>
+                </a:outerShdw>
+              </a:effectLst>
+              <a:latin typeface="HGP創英角ｺﾞｼｯｸUB" panose="020B0900000000000000" pitchFamily="50" charset="-128"/>
+              <a:ea typeface="HGP創英角ｺﾞｼｯｸUB" panose="020B0900000000000000" pitchFamily="50" charset="-128"/>
+            </a:endParaRPr>
+          </a:p>
+          <a:p>
+            <a:r>
+              <a:rPr kumimoji="1" lang="ja-JP" altLang="en-US" sz="2800" dirty="0">
+                <a:effectLst>
+                  <a:glow rad="127000">
+                    <a:schemeClr val="bg1"/>
+                  </a:glow>
+                  <a:outerShdw blurRad="38100" dist="38100" dir="2700000" algn="tl">
+                    <a:srgbClr val="000000">
+                      <a:alpha val="43137"/>
+                    </a:srgbClr>
+                  </a:outerShdw>
+                </a:effectLst>
+                <a:latin typeface="HGP創英角ｺﾞｼｯｸUB" panose="020B0900000000000000" pitchFamily="50" charset="-128"/>
+                <a:ea typeface="HGP創英角ｺﾞｼｯｸUB" panose="020B0900000000000000" pitchFamily="50" charset="-128"/>
+              </a:rPr>
+              <a:t>でも</a:t>
+            </a:r>
+            <a:r>
+              <a:rPr kumimoji="1" lang="ja-JP" altLang="en-US" sz="3200" dirty="0">
+                <a:solidFill>
+                  <a:srgbClr val="FF0000"/>
+                </a:solidFill>
+                <a:effectLst>
+                  <a:glow rad="127000">
+                    <a:schemeClr val="bg1"/>
+                  </a:glow>
+                  <a:outerShdw blurRad="38100" dist="38100" dir="2700000" algn="tl">
+                    <a:srgbClr val="000000">
+                      <a:alpha val="43137"/>
+                    </a:srgbClr>
+                  </a:outerShdw>
+                </a:effectLst>
+                <a:latin typeface="HGP創英角ｺﾞｼｯｸUB" panose="020B0900000000000000" pitchFamily="50" charset="-128"/>
+                <a:ea typeface="HGP創英角ｺﾞｼｯｸUB" panose="020B0900000000000000" pitchFamily="50" charset="-128"/>
+              </a:rPr>
+              <a:t>速すぎるとうまく渡せない</a:t>
+            </a:r>
+            <a:endParaRPr kumimoji="1" lang="en-US" altLang="ja-JP" sz="2800" dirty="0">
+              <a:solidFill>
+                <a:srgbClr val="FF0000"/>
+              </a:solidFill>
+              <a:effectLst>
+                <a:glow rad="127000">
+                  <a:schemeClr val="bg1"/>
+                </a:glow>
+                <a:outerShdw blurRad="38100" dist="38100" dir="2700000" algn="tl">
+                  <a:srgbClr val="000000">
+                    <a:alpha val="43137"/>
+                  </a:srgbClr>
+                </a:outerShdw>
+              </a:effectLst>
+              <a:latin typeface="HGP創英角ｺﾞｼｯｸUB" panose="020B0900000000000000" pitchFamily="50" charset="-128"/>
+              <a:ea typeface="HGP創英角ｺﾞｼｯｸUB" panose="020B0900000000000000" pitchFamily="50" charset="-128"/>
+            </a:endParaRPr>
+          </a:p>
+        </p:txBody>
+      </p:sp>
+      <p:pic>
+        <p:nvPicPr>
+          <p:cNvPr id="11" name="図 10" descr="バイクに乗っている人のイラスト&#10;&#10;低い精度で自動的に生成された説明">
+            <a:extLst>
+              <a:ext uri="{FF2B5EF4-FFF2-40B4-BE49-F238E27FC236}">
+                <a16:creationId xmlns:a16="http://schemas.microsoft.com/office/drawing/2014/main" id="{FD41AED3-8881-588E-8CE2-AF7CDA00C3B5}"/>
+              </a:ext>
+            </a:extLst>
+          </p:cNvPr>
+          <p:cNvPicPr>
+            <a:picLocks noChangeAspect="1"/>
+          </p:cNvPicPr>
+          <p:nvPr/>
+        </p:nvPicPr>
+        <p:blipFill>
+          <a:blip r:embed="rId2">
+            <a:extLst>
+              <a:ext uri="{28A0092B-C50C-407E-A947-70E740481C1C}">
+                <a14:useLocalDpi xmlns:a14="http://schemas.microsoft.com/office/drawing/2010/main" val="0"/>
+              </a:ext>
+            </a:extLst>
+          </a:blip>
+          <a:srcRect l="31847"/>
+          <a:stretch/>
+        </p:blipFill>
+        <p:spPr>
+          <a:xfrm>
+            <a:off x="8318450" y="60226"/>
+            <a:ext cx="2080733" cy="2290664"/>
+          </a:xfrm>
+          <a:prstGeom prst="rect">
+            <a:avLst/>
+          </a:prstGeom>
+          <a:effectLst>
+            <a:outerShdw blurRad="50800" dist="38100" dir="2700000" algn="tl" rotWithShape="0">
+              <a:prstClr val="black">
+                <a:alpha val="40000"/>
+              </a:prstClr>
+            </a:outerShdw>
+          </a:effectLst>
+        </p:spPr>
+      </p:pic>
+      <p:pic>
+        <p:nvPicPr>
+          <p:cNvPr id="16" name="図 15" descr="アイコン&#10;&#10;自動的に生成された説明">
+            <a:extLst>
+              <a:ext uri="{FF2B5EF4-FFF2-40B4-BE49-F238E27FC236}">
+                <a16:creationId xmlns:a16="http://schemas.microsoft.com/office/drawing/2014/main" id="{542C0060-0378-A5CB-FA6F-81B33FB43698}"/>
+              </a:ext>
+            </a:extLst>
+          </p:cNvPr>
+          <p:cNvPicPr>
+            <a:picLocks noChangeAspect="1"/>
+          </p:cNvPicPr>
+          <p:nvPr/>
+        </p:nvPicPr>
+        <p:blipFill>
+          <a:blip r:embed="rId3">
+            <a:extLst>
+              <a:ext uri="{28A0092B-C50C-407E-A947-70E740481C1C}">
+                <a14:useLocalDpi xmlns:a14="http://schemas.microsoft.com/office/drawing/2010/main" val="0"/>
+              </a:ext>
+            </a:extLst>
+          </a:blip>
+          <a:stretch>
+            <a:fillRect/>
+          </a:stretch>
+        </p:blipFill>
+        <p:spPr>
+          <a:xfrm rot="20447033" flipH="1">
+            <a:off x="8172060" y="29742"/>
+            <a:ext cx="292780" cy="661898"/>
+          </a:xfrm>
+          <a:prstGeom prst="rect">
+            <a:avLst/>
+          </a:prstGeom>
+          <a:effectLst>
+            <a:glow rad="12700">
+              <a:schemeClr val="tx1"/>
+            </a:glow>
+            <a:outerShdw blurRad="50800" dist="38100" dir="2700000" algn="tl" rotWithShape="0">
+              <a:prstClr val="black">
+                <a:alpha val="40000"/>
+              </a:prstClr>
+            </a:outerShdw>
+          </a:effectLst>
+        </p:spPr>
+      </p:pic>
+      <p:sp>
+        <p:nvSpPr>
+          <p:cNvPr id="18" name="テキスト ボックス 17">
+            <a:extLst>
+              <a:ext uri="{FF2B5EF4-FFF2-40B4-BE49-F238E27FC236}">
+                <a16:creationId xmlns:a16="http://schemas.microsoft.com/office/drawing/2014/main" id="{86E12423-9D65-55CD-A311-909E0D7E9317}"/>
+              </a:ext>
+            </a:extLst>
+          </p:cNvPr>
+          <p:cNvSpPr txBox="1"/>
+          <p:nvPr/>
+        </p:nvSpPr>
+        <p:spPr>
+          <a:xfrm>
+            <a:off x="1292441" y="4648730"/>
+            <a:ext cx="9607117" cy="2000548"/>
+          </a:xfrm>
+          <a:prstGeom prst="rect">
+            <a:avLst/>
+          </a:prstGeom>
+          <a:noFill/>
+        </p:spPr>
+        <p:txBody>
+          <a:bodyPr wrap="none" rtlCol="0">
+            <a:spAutoFit/>
+          </a:bodyPr>
+          <a:lstStyle/>
+          <a:p>
             <a:pPr algn="ctr"/>
             <a:r>
-              <a:rPr kumimoji="1" lang="ja-JP" altLang="en-US" sz="3200" dirty="0">
+              <a:rPr kumimoji="1" lang="ja-JP" altLang="en-US" sz="4000" dirty="0">
+                <a:effectLst>
+                  <a:glow rad="127000">
+                    <a:schemeClr val="bg1"/>
+                  </a:glow>
+                  <a:outerShdw blurRad="38100" dist="38100" dir="2700000" algn="tl">
+                    <a:srgbClr val="000000">
+                      <a:alpha val="43137"/>
+                    </a:srgbClr>
+                  </a:outerShdw>
+                </a:effectLst>
+                <a:latin typeface="HGP創英角ｺﾞｼｯｸUB" panose="020B0900000000000000" pitchFamily="50" charset="-128"/>
+                <a:ea typeface="HGP創英角ｺﾞｼｯｸUB" panose="020B0900000000000000" pitchFamily="50" charset="-128"/>
+              </a:rPr>
+              <a:t>プレイヤーはスクーターの</a:t>
+            </a:r>
+            <a:r>
+              <a:rPr kumimoji="1" lang="ja-JP" altLang="en-US" sz="4000" dirty="0">
+                <a:solidFill>
+                  <a:srgbClr val="FF0000"/>
+                </a:solidFill>
+                <a:effectLst>
+                  <a:glow rad="127000">
+                    <a:schemeClr val="bg1"/>
+                  </a:glow>
+                  <a:outerShdw blurRad="38100" dist="38100" dir="2700000" algn="tl">
+                    <a:srgbClr val="000000">
+                      <a:alpha val="43137"/>
+                    </a:srgbClr>
+                  </a:outerShdw>
+                </a:effectLst>
+                <a:latin typeface="HGP創英角ｺﾞｼｯｸUB" panose="020B0900000000000000" pitchFamily="50" charset="-128"/>
+                <a:ea typeface="HGP創英角ｺﾞｼｯｸUB" panose="020B0900000000000000" pitchFamily="50" charset="-128"/>
+              </a:rPr>
+              <a:t>アイス</a:t>
+            </a:r>
+            <a:r>
+              <a:rPr lang="ja-JP" altLang="en-US" sz="4000" dirty="0">
+                <a:solidFill>
+                  <a:srgbClr val="FF0000"/>
+                </a:solidFill>
+                <a:effectLst>
+                  <a:glow rad="127000">
+                    <a:schemeClr val="bg1"/>
+                  </a:glow>
+                  <a:outerShdw blurRad="38100" dist="38100" dir="2700000" algn="tl">
+                    <a:srgbClr val="000000">
+                      <a:alpha val="43137"/>
+                    </a:srgbClr>
+                  </a:outerShdw>
+                </a:effectLst>
+                <a:latin typeface="HGP創英角ｺﾞｼｯｸUB" panose="020B0900000000000000" pitchFamily="50" charset="-128"/>
+                <a:ea typeface="HGP創英角ｺﾞｼｯｸUB" panose="020B0900000000000000" pitchFamily="50" charset="-128"/>
+              </a:rPr>
+              <a:t>の運び屋</a:t>
+            </a:r>
+            <a:endParaRPr kumimoji="1" lang="en-US" altLang="ja-JP" sz="4000" dirty="0">
+              <a:solidFill>
+                <a:srgbClr val="FF0000"/>
+              </a:solidFill>
+              <a:effectLst>
+                <a:glow rad="127000">
+                  <a:schemeClr val="bg1"/>
+                </a:glow>
+                <a:outerShdw blurRad="38100" dist="38100" dir="2700000" algn="tl">
+                  <a:srgbClr val="000000">
+                    <a:alpha val="43137"/>
+                  </a:srgbClr>
+                </a:outerShdw>
+              </a:effectLst>
+              <a:latin typeface="HGP創英角ｺﾞｼｯｸUB" panose="020B0900000000000000" pitchFamily="50" charset="-128"/>
+              <a:ea typeface="HGP創英角ｺﾞｼｯｸUB" panose="020B0900000000000000" pitchFamily="50" charset="-128"/>
+            </a:endParaRPr>
+          </a:p>
+          <a:p>
+            <a:pPr algn="ctr"/>
+            <a:r>
+              <a:rPr kumimoji="1" lang="ja-JP" altLang="en-US" sz="4000" dirty="0">
                 <a:effectLst>
                   <a:glow rad="127000">
                     <a:schemeClr val="bg1"/>
@@ -4106,7 +4724,7 @@
               </a:rPr>
               <a:t>危険運転（ヘッドホン片手運転）しているため</a:t>
             </a:r>
-            <a:endParaRPr kumimoji="1" lang="en-US" altLang="ja-JP" sz="3200" dirty="0">
+            <a:endParaRPr kumimoji="1" lang="en-US" altLang="ja-JP" sz="4000" dirty="0">
               <a:effectLst>
                 <a:glow rad="127000">
                   <a:schemeClr val="bg1"/>
@@ -4124,7 +4742,10 @@
           <a:p>
             <a:pPr algn="ctr"/>
             <a:r>
-              <a:rPr kumimoji="1" lang="ja-JP" altLang="en-US" sz="3200" dirty="0">
+              <a:rPr kumimoji="1" lang="ja-JP" altLang="en-US" sz="4400" dirty="0">
+                <a:solidFill>
+                  <a:srgbClr val="FF0000"/>
+                </a:solidFill>
                 <a:effectLst>
                   <a:glow rad="127000">
                     <a:schemeClr val="bg1"/>
@@ -4143,108 +4764,95 @@
           </a:p>
         </p:txBody>
       </p:sp>
-      <p:sp>
-        <p:nvSpPr>
-          <p:cNvPr id="6" name="テキスト ボックス 5">
-            <a:extLst>
-              <a:ext uri="{FF2B5EF4-FFF2-40B4-BE49-F238E27FC236}">
-                <a16:creationId xmlns:a16="http://schemas.microsoft.com/office/drawing/2014/main" id="{518B1585-3A2E-4159-2B76-3E5FA1DB91F8}"/>
-              </a:ext>
-            </a:extLst>
-          </p:cNvPr>
-          <p:cNvSpPr txBox="1"/>
+      <p:pic>
+        <p:nvPicPr>
+          <p:cNvPr id="19" name="図 18" descr="図形&#10;&#10;低い精度で自動的に生成された説明">
+            <a:extLst>
+              <a:ext uri="{FF2B5EF4-FFF2-40B4-BE49-F238E27FC236}">
+                <a16:creationId xmlns:a16="http://schemas.microsoft.com/office/drawing/2014/main" id="{F7EAC367-3BEE-B4F5-5CCA-CFFACEBCA92A}"/>
+              </a:ext>
+            </a:extLst>
+          </p:cNvPr>
+          <p:cNvPicPr>
+            <a:picLocks noChangeAspect="1"/>
+          </p:cNvPicPr>
           <p:nvPr/>
-        </p:nvSpPr>
-        <p:spPr>
-          <a:xfrm>
-            <a:off x="4313302" y="5212633"/>
-            <a:ext cx="3565400" cy="461665"/>
+        </p:nvPicPr>
+        <p:blipFill>
+          <a:blip r:embed="rId4">
+            <a:extLst>
+              <a:ext uri="{28A0092B-C50C-407E-A947-70E740481C1C}">
+                <a14:useLocalDpi xmlns:a14="http://schemas.microsoft.com/office/drawing/2010/main" val="0"/>
+              </a:ext>
+            </a:extLst>
+          </a:blip>
+          <a:stretch>
+            <a:fillRect/>
+          </a:stretch>
+        </p:blipFill>
+        <p:spPr>
+          <a:xfrm>
+            <a:off x="4061927" y="3429000"/>
+            <a:ext cx="1358341" cy="1358341"/>
           </a:xfrm>
           <a:prstGeom prst="rect">
             <a:avLst/>
           </a:prstGeom>
-          <a:noFill/>
-        </p:spPr>
-        <p:txBody>
-          <a:bodyPr wrap="none" rtlCol="0">
-            <a:spAutoFit/>
-          </a:bodyPr>
-          <a:lstStyle/>
-          <a:p>
-            <a:pPr algn="ctr"/>
-            <a:r>
-              <a:rPr kumimoji="1" lang="ja-JP" altLang="en-US" sz="2400" dirty="0">
-                <a:effectLst>
-                  <a:glow rad="127000">
-                    <a:schemeClr val="bg1"/>
-                  </a:glow>
-                  <a:outerShdw blurRad="38100" dist="38100" dir="2700000" algn="tl">
-                    <a:srgbClr val="000000">
-                      <a:alpha val="43137"/>
-                    </a:srgbClr>
-                  </a:outerShdw>
-                </a:effectLst>
-                <a:latin typeface="HGP創英角ｺﾞｼｯｸUB" panose="020B0900000000000000" pitchFamily="50" charset="-128"/>
-                <a:ea typeface="HGP創英角ｺﾞｼｯｸUB" panose="020B0900000000000000" pitchFamily="50" charset="-128"/>
-              </a:rPr>
-              <a:t>転ばないように動く緊張感</a:t>
-            </a:r>
-          </a:p>
-        </p:txBody>
-      </p:sp>
-      <p:sp>
-        <p:nvSpPr>
-          <p:cNvPr id="4" name="テキスト ボックス 3">
-            <a:extLst>
-              <a:ext uri="{FF2B5EF4-FFF2-40B4-BE49-F238E27FC236}">
-                <a16:creationId xmlns:a16="http://schemas.microsoft.com/office/drawing/2014/main" id="{D1F2464D-5DA5-8E2F-C3A6-4689B5BF8921}"/>
-              </a:ext>
-            </a:extLst>
-          </p:cNvPr>
-          <p:cNvSpPr txBox="1"/>
+          <a:effectLst>
+            <a:outerShdw blurRad="50800" dist="38100" dir="2700000" algn="tl" rotWithShape="0">
+              <a:prstClr val="black">
+                <a:alpha val="40000"/>
+              </a:prstClr>
+            </a:outerShdw>
+          </a:effectLst>
+        </p:spPr>
+      </p:pic>
+      <p:pic>
+        <p:nvPicPr>
+          <p:cNvPr id="20" name="図 19" descr="ロゴ が含まれている画像&#10;&#10;自動的に生成された説明">
+            <a:extLst>
+              <a:ext uri="{FF2B5EF4-FFF2-40B4-BE49-F238E27FC236}">
+                <a16:creationId xmlns:a16="http://schemas.microsoft.com/office/drawing/2014/main" id="{2BE94F9D-D832-9C4A-7CA0-C0776C11F817}"/>
+              </a:ext>
+            </a:extLst>
+          </p:cNvPr>
+          <p:cNvPicPr>
+            <a:picLocks noChangeAspect="1"/>
+          </p:cNvPicPr>
           <p:nvPr/>
-        </p:nvSpPr>
-        <p:spPr>
-          <a:xfrm>
-            <a:off x="3194405" y="5896898"/>
-            <a:ext cx="5803191" cy="461665"/>
+        </p:nvPicPr>
+        <p:blipFill>
+          <a:blip r:embed="rId5">
+            <a:extLst>
+              <a:ext uri="{28A0092B-C50C-407E-A947-70E740481C1C}">
+                <a14:useLocalDpi xmlns:a14="http://schemas.microsoft.com/office/drawing/2010/main" val="0"/>
+              </a:ext>
+            </a:extLst>
+          </a:blip>
+          <a:srcRect t="31062" b="26719"/>
+          <a:stretch/>
+        </p:blipFill>
+        <p:spPr>
+          <a:xfrm>
+            <a:off x="5926765" y="3528787"/>
+            <a:ext cx="2967930" cy="1253035"/>
           </a:xfrm>
           <a:prstGeom prst="rect">
             <a:avLst/>
           </a:prstGeom>
-          <a:noFill/>
-        </p:spPr>
-        <p:txBody>
-          <a:bodyPr wrap="none" rtlCol="0">
-            <a:spAutoFit/>
-          </a:bodyPr>
-          <a:lstStyle/>
-          <a:p>
-            <a:pPr algn="ctr"/>
-            <a:r>
-              <a:rPr kumimoji="1" lang="ja-JP" altLang="en-US" sz="2400" dirty="0">
-                <a:effectLst>
-                  <a:glow rad="127000">
-                    <a:schemeClr val="bg1"/>
-                  </a:glow>
-                  <a:outerShdw blurRad="38100" dist="38100" dir="2700000" algn="tl">
-                    <a:srgbClr val="000000">
-                      <a:alpha val="43137"/>
-                    </a:srgbClr>
-                  </a:outerShdw>
-                </a:effectLst>
-                <a:latin typeface="HGP創英角ｺﾞｼｯｸUB" panose="020B0900000000000000" pitchFamily="50" charset="-128"/>
-                <a:ea typeface="HGP創英角ｺﾞｼｯｸUB" panose="020B0900000000000000" pitchFamily="50" charset="-128"/>
-              </a:rPr>
-              <a:t>届ける順番やギミックの使い方を考える思考</a:t>
-            </a:r>
-          </a:p>
-        </p:txBody>
-      </p:sp>
+          <a:effectLst>
+            <a:outerShdw blurRad="50800" dist="38100" dir="2700000" algn="tl" rotWithShape="0">
+              <a:prstClr val="black">
+                <a:alpha val="40000"/>
+              </a:prstClr>
+            </a:outerShdw>
+          </a:effectLst>
+        </p:spPr>
+      </p:pic>
     </p:spTree>
     <p:extLst>
       <p:ext uri="{BB962C8B-B14F-4D97-AF65-F5344CB8AC3E}">
-        <p14:creationId xmlns:p14="http://schemas.microsoft.com/office/powerpoint/2010/main" val="1350461429"/>
+        <p14:creationId xmlns:p14="http://schemas.microsoft.com/office/powerpoint/2010/main" val="507747641"/>
       </p:ext>
     </p:extLst>
   </p:cSld>
@@ -4273,6 +4881,97 @@
       </p:grpSpPr>
       <p:sp>
         <p:nvSpPr>
+          <p:cNvPr id="3" name="テキスト ボックス 2">
+            <a:extLst>
+              <a:ext uri="{FF2B5EF4-FFF2-40B4-BE49-F238E27FC236}">
+                <a16:creationId xmlns:a16="http://schemas.microsoft.com/office/drawing/2014/main" id="{28744D5F-776D-BACD-4154-971B3DFAD1E6}"/>
+              </a:ext>
+            </a:extLst>
+          </p:cNvPr>
+          <p:cNvSpPr txBox="1"/>
+          <p:nvPr/>
+        </p:nvSpPr>
+        <p:spPr>
+          <a:xfrm>
+            <a:off x="366340" y="180000"/>
+            <a:ext cx="3515706" cy="523220"/>
+          </a:xfrm>
+          <a:prstGeom prst="rect">
+            <a:avLst/>
+          </a:prstGeom>
+          <a:solidFill>
+            <a:schemeClr val="accent2"/>
+          </a:solidFill>
+          <a:effectLst>
+            <a:outerShdw blurRad="50800" dist="38100" dir="2700000" algn="tl" rotWithShape="0">
+              <a:prstClr val="black">
+                <a:alpha val="40000"/>
+              </a:prstClr>
+            </a:outerShdw>
+          </a:effectLst>
+        </p:spPr>
+        <p:txBody>
+          <a:bodyPr wrap="none" rtlCol="0">
+            <a:spAutoFit/>
+          </a:bodyPr>
+          <a:lstStyle/>
+          <a:p>
+            <a:r>
+              <a:rPr kumimoji="1" lang="ja-JP" altLang="en-US" sz="2800" dirty="0">
+                <a:effectLst>
+                  <a:glow rad="127000">
+                    <a:schemeClr val="bg1"/>
+                  </a:glow>
+                  <a:outerShdw blurRad="38100" dist="38100" dir="2700000" algn="tl">
+                    <a:srgbClr val="000000">
+                      <a:alpha val="43137"/>
+                    </a:srgbClr>
+                  </a:outerShdw>
+                </a:effectLst>
+                <a:latin typeface="HGP創英角ｺﾞｼｯｸUB" panose="020B0900000000000000" pitchFamily="50" charset="-128"/>
+                <a:ea typeface="HGP創英角ｺﾞｼｯｸUB" panose="020B0900000000000000" pitchFamily="50" charset="-128"/>
+              </a:rPr>
+              <a:t>ゲーム画面</a:t>
+            </a:r>
+            <a:r>
+              <a:rPr kumimoji="1" lang="en-US" altLang="ja-JP" sz="2800" dirty="0">
+                <a:effectLst>
+                  <a:glow rad="127000">
+                    <a:schemeClr val="bg1"/>
+                  </a:glow>
+                  <a:outerShdw blurRad="38100" dist="38100" dir="2700000" algn="tl">
+                    <a:srgbClr val="000000">
+                      <a:alpha val="43137"/>
+                    </a:srgbClr>
+                  </a:outerShdw>
+                </a:effectLst>
+                <a:latin typeface="HGP創英角ｺﾞｼｯｸUB" panose="020B0900000000000000" pitchFamily="50" charset="-128"/>
+                <a:ea typeface="HGP創英角ｺﾞｼｯｸUB" panose="020B0900000000000000" pitchFamily="50" charset="-128"/>
+              </a:rPr>
+              <a:t>+</a:t>
+            </a:r>
+            <a:r>
+              <a:rPr kumimoji="1" lang="ja-JP" altLang="en-US" sz="2800" dirty="0">
+                <a:effectLst>
+                  <a:glow rad="127000">
+                    <a:schemeClr val="bg1"/>
+                  </a:glow>
+                  <a:outerShdw blurRad="38100" dist="38100" dir="2700000" algn="tl">
+                    <a:srgbClr val="000000">
+                      <a:alpha val="43137"/>
+                    </a:srgbClr>
+                  </a:outerShdw>
+                </a:effectLst>
+                <a:latin typeface="HGP創英角ｺﾞｼｯｸUB" panose="020B0900000000000000" pitchFamily="50" charset="-128"/>
+                <a:ea typeface="HGP創英角ｺﾞｼｯｸUB" panose="020B0900000000000000" pitchFamily="50" charset="-128"/>
+              </a:rPr>
+              <a:t>操作説明</a:t>
+            </a:r>
+          </a:p>
+        </p:txBody>
+      </p:sp>
+      <p:sp>
+        <p:nvSpPr>
           <p:cNvPr id="8" name="正方形/長方形 7">
             <a:extLst>
               <a:ext uri="{FF2B5EF4-FFF2-40B4-BE49-F238E27FC236}">
@@ -4285,7 +4984,7 @@
         </p:nvSpPr>
         <p:spPr>
           <a:xfrm>
-            <a:off x="3107750" y="1627296"/>
+            <a:off x="3107750" y="1367196"/>
             <a:ext cx="5976500" cy="3279232"/>
           </a:xfrm>
           <a:prstGeom prst="rect">
@@ -4294,6 +4993,13 @@
           <a:solidFill>
             <a:schemeClr val="bg1"/>
           </a:solidFill>
+          <a:effectLst>
+            <a:outerShdw blurRad="50800" dist="38100" dir="2700000" algn="tl" rotWithShape="0">
+              <a:prstClr val="black">
+                <a:alpha val="40000"/>
+              </a:prstClr>
+            </a:outerShdw>
+          </a:effectLst>
         </p:spPr>
         <p:style>
           <a:lnRef idx="2">
@@ -4320,216 +5026,6 @@
           </a:p>
         </p:txBody>
       </p:sp>
-      <p:sp>
-        <p:nvSpPr>
-          <p:cNvPr id="4" name="テキスト ボックス 3">
-            <a:extLst>
-              <a:ext uri="{FF2B5EF4-FFF2-40B4-BE49-F238E27FC236}">
-                <a16:creationId xmlns:a16="http://schemas.microsoft.com/office/drawing/2014/main" id="{E14DF23B-8785-6743-F56A-296C9F1DBD4F}"/>
-              </a:ext>
-            </a:extLst>
-          </p:cNvPr>
-          <p:cNvSpPr txBox="1"/>
-          <p:nvPr/>
-        </p:nvSpPr>
-        <p:spPr>
-          <a:xfrm>
-            <a:off x="297514" y="180000"/>
-            <a:ext cx="2326278" cy="369332"/>
-          </a:xfrm>
-          <a:prstGeom prst="rect">
-            <a:avLst/>
-          </a:prstGeom>
-          <a:noFill/>
-        </p:spPr>
-        <p:txBody>
-          <a:bodyPr wrap="none" rtlCol="0">
-            <a:spAutoFit/>
-          </a:bodyPr>
-          <a:lstStyle/>
-          <a:p>
-            <a:r>
-              <a:rPr kumimoji="1" lang="ja-JP" altLang="en-US" dirty="0">
-                <a:effectLst>
-                  <a:glow rad="127000">
-                    <a:schemeClr val="bg1"/>
-                  </a:glow>
-                  <a:outerShdw blurRad="38100" dist="38100" dir="2700000" algn="tl">
-                    <a:srgbClr val="000000">
-                      <a:alpha val="43137"/>
-                    </a:srgbClr>
-                  </a:outerShdw>
-                </a:effectLst>
-                <a:latin typeface="HGP創英角ｺﾞｼｯｸUB" panose="020B0900000000000000" pitchFamily="50" charset="-128"/>
-                <a:ea typeface="HGP創英角ｺﾞｼｯｸUB" panose="020B0900000000000000" pitchFamily="50" charset="-128"/>
-              </a:rPr>
-              <a:t>ゲーム画面</a:t>
-            </a:r>
-            <a:r>
-              <a:rPr kumimoji="1" lang="en-US" altLang="ja-JP" dirty="0">
-                <a:effectLst>
-                  <a:glow rad="127000">
-                    <a:schemeClr val="bg1"/>
-                  </a:glow>
-                  <a:outerShdw blurRad="38100" dist="38100" dir="2700000" algn="tl">
-                    <a:srgbClr val="000000">
-                      <a:alpha val="43137"/>
-                    </a:srgbClr>
-                  </a:outerShdw>
-                </a:effectLst>
-                <a:latin typeface="HGP創英角ｺﾞｼｯｸUB" panose="020B0900000000000000" pitchFamily="50" charset="-128"/>
-                <a:ea typeface="HGP創英角ｺﾞｼｯｸUB" panose="020B0900000000000000" pitchFamily="50" charset="-128"/>
-              </a:rPr>
-              <a:t>+</a:t>
-            </a:r>
-            <a:r>
-              <a:rPr kumimoji="1" lang="ja-JP" altLang="en-US" dirty="0">
-                <a:effectLst>
-                  <a:glow rad="127000">
-                    <a:schemeClr val="bg1"/>
-                  </a:glow>
-                  <a:outerShdw blurRad="38100" dist="38100" dir="2700000" algn="tl">
-                    <a:srgbClr val="000000">
-                      <a:alpha val="43137"/>
-                    </a:srgbClr>
-                  </a:outerShdw>
-                </a:effectLst>
-                <a:latin typeface="HGP創英角ｺﾞｼｯｸUB" panose="020B0900000000000000" pitchFamily="50" charset="-128"/>
-                <a:ea typeface="HGP創英角ｺﾞｼｯｸUB" panose="020B0900000000000000" pitchFamily="50" charset="-128"/>
-              </a:rPr>
-              <a:t>操作説明</a:t>
-            </a:r>
-          </a:p>
-        </p:txBody>
-      </p:sp>
-      <p:sp>
-        <p:nvSpPr>
-          <p:cNvPr id="2" name="テキスト ボックス 1">
-            <a:extLst>
-              <a:ext uri="{FF2B5EF4-FFF2-40B4-BE49-F238E27FC236}">
-                <a16:creationId xmlns:a16="http://schemas.microsoft.com/office/drawing/2014/main" id="{08424826-65E8-85A3-084A-4050B9B3E7E7}"/>
-              </a:ext>
-            </a:extLst>
-          </p:cNvPr>
-          <p:cNvSpPr txBox="1"/>
-          <p:nvPr/>
-        </p:nvSpPr>
-        <p:spPr>
-          <a:xfrm>
-            <a:off x="2917663" y="5230704"/>
-            <a:ext cx="1620957" cy="1384995"/>
-          </a:xfrm>
-          <a:prstGeom prst="rect">
-            <a:avLst/>
-          </a:prstGeom>
-          <a:noFill/>
-        </p:spPr>
-        <p:txBody>
-          <a:bodyPr wrap="none" rtlCol="0">
-            <a:spAutoFit/>
-          </a:bodyPr>
-          <a:lstStyle/>
-          <a:p>
-            <a:r>
-              <a:rPr kumimoji="1" lang="ja-JP" altLang="en-US" sz="2800" dirty="0">
-                <a:effectLst>
-                  <a:glow rad="127000">
-                    <a:schemeClr val="bg1"/>
-                  </a:glow>
-                  <a:outerShdw blurRad="38100" dist="38100" dir="2700000" algn="tl">
-                    <a:srgbClr val="000000">
-                      <a:alpha val="43137"/>
-                    </a:srgbClr>
-                  </a:outerShdw>
-                </a:effectLst>
-                <a:latin typeface="HGP創英角ｺﾞｼｯｸUB" panose="020B0900000000000000" pitchFamily="50" charset="-128"/>
-                <a:ea typeface="HGP創英角ｺﾞｼｯｸUB" panose="020B0900000000000000" pitchFamily="50" charset="-128"/>
-              </a:rPr>
-              <a:t>アクセル</a:t>
-            </a:r>
-            <a:endParaRPr kumimoji="1" lang="en-US" altLang="ja-JP" sz="2800" dirty="0">
-              <a:effectLst>
-                <a:glow rad="127000">
-                  <a:schemeClr val="bg1"/>
-                </a:glow>
-                <a:outerShdw blurRad="38100" dist="38100" dir="2700000" algn="tl">
-                  <a:srgbClr val="000000">
-                    <a:alpha val="43137"/>
-                  </a:srgbClr>
-                </a:outerShdw>
-              </a:effectLst>
-              <a:latin typeface="HGP創英角ｺﾞｼｯｸUB" panose="020B0900000000000000" pitchFamily="50" charset="-128"/>
-              <a:ea typeface="HGP創英角ｺﾞｼｯｸUB" panose="020B0900000000000000" pitchFamily="50" charset="-128"/>
-            </a:endParaRPr>
-          </a:p>
-          <a:p>
-            <a:r>
-              <a:rPr lang="ja-JP" altLang="en-US" sz="2800" dirty="0">
-                <a:effectLst>
-                  <a:glow rad="127000">
-                    <a:schemeClr val="bg1"/>
-                  </a:glow>
-                  <a:outerShdw blurRad="38100" dist="38100" dir="2700000" algn="tl">
-                    <a:srgbClr val="000000">
-                      <a:alpha val="43137"/>
-                    </a:srgbClr>
-                  </a:outerShdw>
-                </a:effectLst>
-                <a:latin typeface="HGP創英角ｺﾞｼｯｸUB" panose="020B0900000000000000" pitchFamily="50" charset="-128"/>
-                <a:ea typeface="HGP創英角ｺﾞｼｯｸUB" panose="020B0900000000000000" pitchFamily="50" charset="-128"/>
-              </a:rPr>
-              <a:t>ブレーキ</a:t>
-            </a:r>
-            <a:endParaRPr lang="en-US" altLang="ja-JP" sz="2800" dirty="0">
-              <a:effectLst>
-                <a:glow rad="127000">
-                  <a:schemeClr val="bg1"/>
-                </a:glow>
-                <a:outerShdw blurRad="38100" dist="38100" dir="2700000" algn="tl">
-                  <a:srgbClr val="000000">
-                    <a:alpha val="43137"/>
-                  </a:srgbClr>
-                </a:outerShdw>
-              </a:effectLst>
-              <a:latin typeface="HGP創英角ｺﾞｼｯｸUB" panose="020B0900000000000000" pitchFamily="50" charset="-128"/>
-              <a:ea typeface="HGP創英角ｺﾞｼｯｸUB" panose="020B0900000000000000" pitchFamily="50" charset="-128"/>
-            </a:endParaRPr>
-          </a:p>
-          <a:p>
-            <a:r>
-              <a:rPr lang="ja-JP" altLang="en-US" sz="2800" dirty="0">
-                <a:effectLst>
-                  <a:glow rad="127000">
-                    <a:schemeClr val="bg1"/>
-                  </a:glow>
-                  <a:outerShdw blurRad="38100" dist="38100" dir="2700000" algn="tl">
-                    <a:srgbClr val="000000">
-                      <a:alpha val="43137"/>
-                    </a:srgbClr>
-                  </a:outerShdw>
-                </a:effectLst>
-                <a:latin typeface="HGP創英角ｺﾞｼｯｸUB" panose="020B0900000000000000" pitchFamily="50" charset="-128"/>
-                <a:ea typeface="HGP創英角ｺﾞｼｯｸUB" panose="020B0900000000000000" pitchFamily="50" charset="-128"/>
-              </a:rPr>
-              <a:t>移動方向</a:t>
-            </a:r>
-            <a:endParaRPr kumimoji="1" lang="ja-JP" altLang="en-US" sz="2800" dirty="0">
-              <a:effectLst>
-                <a:glow rad="127000">
-                  <a:schemeClr val="bg1"/>
-                </a:glow>
-                <a:outerShdw blurRad="38100" dist="38100" dir="2700000" algn="tl">
-                  <a:srgbClr val="000000">
-                    <a:alpha val="43137"/>
-                  </a:srgbClr>
-                </a:outerShdw>
-              </a:effectLst>
-              <a:latin typeface="HGP創英角ｺﾞｼｯｸUB" panose="020B0900000000000000" pitchFamily="50" charset="-128"/>
-              <a:ea typeface="HGP創英角ｺﾞｼｯｸUB" panose="020B0900000000000000" pitchFamily="50" charset="-128"/>
-            </a:endParaRPr>
-          </a:p>
-        </p:txBody>
-      </p:sp>
       <p:pic>
         <p:nvPicPr>
           <p:cNvPr id="1026" name="Picture 2" descr="カットビ宅配くん - レトロゲームの殿堂 - atwiki（アットウィキ）">
@@ -4557,7 +5053,7 @@
         </p:blipFill>
         <p:spPr bwMode="auto">
           <a:xfrm>
-            <a:off x="4090856" y="1627296"/>
+            <a:off x="4280943" y="1367196"/>
             <a:ext cx="3630114" cy="3281966"/>
           </a:xfrm>
           <a:prstGeom prst="rect">
@@ -4589,7 +5085,7 @@
         </p:nvSpPr>
         <p:spPr>
           <a:xfrm>
-            <a:off x="9319540" y="2274771"/>
+            <a:off x="9319540" y="1756948"/>
             <a:ext cx="2792752" cy="461665"/>
           </a:xfrm>
           <a:prstGeom prst="rect">
@@ -4668,7 +5164,7 @@
         </p:nvSpPr>
         <p:spPr>
           <a:xfrm>
-            <a:off x="9332373" y="3591796"/>
+            <a:off x="9332373" y="3073973"/>
             <a:ext cx="1194558" cy="461665"/>
           </a:xfrm>
           <a:prstGeom prst="rect">
@@ -4716,7 +5212,7 @@
         </p:nvSpPr>
         <p:spPr>
           <a:xfrm>
-            <a:off x="9332373" y="2914332"/>
+            <a:off x="9332373" y="2396509"/>
             <a:ext cx="949299" cy="461665"/>
           </a:xfrm>
           <a:prstGeom prst="rect">
@@ -4764,7 +5260,7 @@
         </p:nvSpPr>
         <p:spPr>
           <a:xfrm>
-            <a:off x="9359470" y="4218192"/>
+            <a:off x="9359470" y="3700369"/>
             <a:ext cx="1415772" cy="461665"/>
           </a:xfrm>
           <a:prstGeom prst="rect">
@@ -4800,10 +5296,10 @@
       </p:sp>
       <p:sp>
         <p:nvSpPr>
-          <p:cNvPr id="12" name="テキスト ボックス 11">
-            <a:extLst>
-              <a:ext uri="{FF2B5EF4-FFF2-40B4-BE49-F238E27FC236}">
-                <a16:creationId xmlns:a16="http://schemas.microsoft.com/office/drawing/2014/main" id="{99C84DC4-489F-24D5-8BE9-313AAC8BC5D3}"/>
+          <p:cNvPr id="13" name="テキスト ボックス 12">
+            <a:extLst>
+              <a:ext uri="{FF2B5EF4-FFF2-40B4-BE49-F238E27FC236}">
+                <a16:creationId xmlns:a16="http://schemas.microsoft.com/office/drawing/2014/main" id="{7A981D26-AC98-79BF-9285-0A61C6C9CEF7}"/>
               </a:ext>
             </a:extLst>
           </p:cNvPr>
@@ -4812,55 +5308,7 @@
         </p:nvSpPr>
         <p:spPr>
           <a:xfrm>
-            <a:off x="1460653" y="5620086"/>
-            <a:ext cx="902811" cy="523220"/>
-          </a:xfrm>
-          <a:prstGeom prst="rect">
-            <a:avLst/>
-          </a:prstGeom>
-          <a:noFill/>
-        </p:spPr>
-        <p:txBody>
-          <a:bodyPr wrap="none" rtlCol="0">
-            <a:spAutoFit/>
-          </a:bodyPr>
-          <a:lstStyle/>
-          <a:p>
-            <a:r>
-              <a:rPr kumimoji="1" lang="ja-JP" altLang="en-US" sz="2800" dirty="0">
-                <a:effectLst>
-                  <a:glow rad="127000">
-                    <a:schemeClr val="bg1"/>
-                  </a:glow>
-                  <a:outerShdw blurRad="38100" dist="38100" dir="2700000" algn="tl">
-                    <a:srgbClr val="000000">
-                      <a:alpha val="43137"/>
-                    </a:srgbClr>
-                  </a:outerShdw>
-                </a:effectLst>
-                <a:latin typeface="HGP創英角ｺﾞｼｯｸUB" panose="020B0900000000000000" pitchFamily="50" charset="-128"/>
-                <a:ea typeface="HGP創英角ｺﾞｼｯｸUB" panose="020B0900000000000000" pitchFamily="50" charset="-128"/>
-              </a:rPr>
-              <a:t>操作</a:t>
-            </a:r>
-          </a:p>
-        </p:txBody>
-      </p:sp>
-      <p:sp>
-        <p:nvSpPr>
-          <p:cNvPr id="13" name="テキスト ボックス 12">
-            <a:extLst>
-              <a:ext uri="{FF2B5EF4-FFF2-40B4-BE49-F238E27FC236}">
-                <a16:creationId xmlns:a16="http://schemas.microsoft.com/office/drawing/2014/main" id="{7A981D26-AC98-79BF-9285-0A61C6C9CEF7}"/>
-              </a:ext>
-            </a:extLst>
-          </p:cNvPr>
-          <p:cNvSpPr txBox="1"/>
-          <p:nvPr/>
-        </p:nvSpPr>
-        <p:spPr>
-          <a:xfrm>
-            <a:off x="9710842" y="1445955"/>
+            <a:off x="9693208" y="1010673"/>
             <a:ext cx="1620957" cy="523220"/>
           </a:xfrm>
           <a:prstGeom prst="rect">
@@ -4908,7 +5356,7 @@
         </p:nvSpPr>
         <p:spPr>
           <a:xfrm>
-            <a:off x="1815803" y="1817381"/>
+            <a:off x="1220119" y="1237925"/>
             <a:ext cx="2807179" cy="954107"/>
           </a:xfrm>
           <a:prstGeom prst="rect">
@@ -4972,6 +5420,586 @@
               </a:rPr>
               <a:t>見下ろし画面</a:t>
             </a:r>
+          </a:p>
+        </p:txBody>
+      </p:sp>
+      <p:pic>
+        <p:nvPicPr>
+          <p:cNvPr id="11" name="図 10" descr="ゲームのリモコン&#10;&#10;低い精度で自動的に生成された説明">
+            <a:extLst>
+              <a:ext uri="{FF2B5EF4-FFF2-40B4-BE49-F238E27FC236}">
+                <a16:creationId xmlns:a16="http://schemas.microsoft.com/office/drawing/2014/main" id="{AD758575-8C2D-40B8-DCF1-E2C2D9CAD905}"/>
+              </a:ext>
+            </a:extLst>
+          </p:cNvPr>
+          <p:cNvPicPr>
+            <a:picLocks noChangeAspect="1"/>
+          </p:cNvPicPr>
+          <p:nvPr/>
+        </p:nvPicPr>
+        <p:blipFill>
+          <a:blip r:embed="rId3">
+            <a:extLst>
+              <a:ext uri="{28A0092B-C50C-407E-A947-70E740481C1C}">
+                <a14:useLocalDpi xmlns:a14="http://schemas.microsoft.com/office/drawing/2010/main" val="0"/>
+              </a:ext>
+            </a:extLst>
+          </a:blip>
+          <a:stretch>
+            <a:fillRect/>
+          </a:stretch>
+        </p:blipFill>
+        <p:spPr>
+          <a:xfrm>
+            <a:off x="4429706" y="4496042"/>
+            <a:ext cx="3332588" cy="2526450"/>
+          </a:xfrm>
+          <a:prstGeom prst="rect">
+            <a:avLst/>
+          </a:prstGeom>
+        </p:spPr>
+      </p:pic>
+      <p:sp>
+        <p:nvSpPr>
+          <p:cNvPr id="15" name="テキスト ボックス 14">
+            <a:extLst>
+              <a:ext uri="{FF2B5EF4-FFF2-40B4-BE49-F238E27FC236}">
+                <a16:creationId xmlns:a16="http://schemas.microsoft.com/office/drawing/2014/main" id="{A4A528AE-3876-7402-F3BA-1D287186A734}"/>
+              </a:ext>
+            </a:extLst>
+          </p:cNvPr>
+          <p:cNvSpPr txBox="1"/>
+          <p:nvPr/>
+        </p:nvSpPr>
+        <p:spPr>
+          <a:xfrm>
+            <a:off x="8917997" y="6161613"/>
+            <a:ext cx="1585690" cy="523220"/>
+          </a:xfrm>
+          <a:prstGeom prst="rect">
+            <a:avLst/>
+          </a:prstGeom>
+          <a:noFill/>
+        </p:spPr>
+        <p:txBody>
+          <a:bodyPr wrap="none" rtlCol="0">
+            <a:spAutoFit/>
+          </a:bodyPr>
+          <a:lstStyle/>
+          <a:p>
+            <a:r>
+              <a:rPr kumimoji="1" lang="ja-JP" altLang="en-US" sz="2800" dirty="0">
+                <a:effectLst>
+                  <a:glow rad="127000">
+                    <a:schemeClr val="bg1"/>
+                  </a:glow>
+                  <a:outerShdw blurRad="38100" dist="38100" dir="2700000" algn="tl">
+                    <a:srgbClr val="000000">
+                      <a:alpha val="43137"/>
+                    </a:srgbClr>
+                  </a:outerShdw>
+                </a:effectLst>
+                <a:latin typeface="HGP創英角ｺﾞｼｯｸUB" panose="020B0900000000000000" pitchFamily="50" charset="-128"/>
+                <a:ea typeface="HGP創英角ｺﾞｼｯｸUB" panose="020B0900000000000000" pitchFamily="50" charset="-128"/>
+              </a:rPr>
+              <a:t>ニトロ（</a:t>
+            </a:r>
+            <a:r>
+              <a:rPr kumimoji="1" lang="en-US" altLang="ja-JP" sz="2800" dirty="0">
+                <a:effectLst>
+                  <a:glow rad="127000">
+                    <a:schemeClr val="bg1"/>
+                  </a:glow>
+                  <a:outerShdw blurRad="38100" dist="38100" dir="2700000" algn="tl">
+                    <a:srgbClr val="000000">
+                      <a:alpha val="43137"/>
+                    </a:srgbClr>
+                  </a:outerShdw>
+                </a:effectLst>
+                <a:latin typeface="HGP創英角ｺﾞｼｯｸUB" panose="020B0900000000000000" pitchFamily="50" charset="-128"/>
+                <a:ea typeface="HGP創英角ｺﾞｼｯｸUB" panose="020B0900000000000000" pitchFamily="50" charset="-128"/>
+              </a:rPr>
+              <a:t>A</a:t>
+            </a:r>
+            <a:r>
+              <a:rPr kumimoji="1" lang="ja-JP" altLang="en-US" sz="2800" dirty="0">
+                <a:effectLst>
+                  <a:glow rad="127000">
+                    <a:schemeClr val="bg1"/>
+                  </a:glow>
+                  <a:outerShdw blurRad="38100" dist="38100" dir="2700000" algn="tl">
+                    <a:srgbClr val="000000">
+                      <a:alpha val="43137"/>
+                    </a:srgbClr>
+                  </a:outerShdw>
+                </a:effectLst>
+                <a:latin typeface="HGP創英角ｺﾞｼｯｸUB" panose="020B0900000000000000" pitchFamily="50" charset="-128"/>
+                <a:ea typeface="HGP創英角ｺﾞｼｯｸUB" panose="020B0900000000000000" pitchFamily="50" charset="-128"/>
+              </a:rPr>
+              <a:t>）</a:t>
+            </a:r>
+          </a:p>
+        </p:txBody>
+      </p:sp>
+      <p:cxnSp>
+        <p:nvCxnSpPr>
+          <p:cNvPr id="17" name="直線矢印コネクタ 16">
+            <a:extLst>
+              <a:ext uri="{FF2B5EF4-FFF2-40B4-BE49-F238E27FC236}">
+                <a16:creationId xmlns:a16="http://schemas.microsoft.com/office/drawing/2014/main" id="{B8EE753C-07F1-EBD9-495B-434046D983CF}"/>
+              </a:ext>
+            </a:extLst>
+          </p:cNvPr>
+          <p:cNvCxnSpPr>
+            <a:cxnSpLocks/>
+            <a:stCxn id="15" idx="1"/>
+          </p:cNvCxnSpPr>
+          <p:nvPr/>
+        </p:nvCxnSpPr>
+        <p:spPr>
+          <a:xfrm flipH="1" flipV="1">
+            <a:off x="6867331" y="5677853"/>
+            <a:ext cx="2050666" cy="745370"/>
+          </a:xfrm>
+          <a:prstGeom prst="straightConnector1">
+            <a:avLst/>
+          </a:prstGeom>
+          <a:ln w="57150">
+            <a:solidFill>
+              <a:srgbClr val="FF0000"/>
+            </a:solidFill>
+            <a:tailEnd type="triangle"/>
+          </a:ln>
+          <a:effectLst>
+            <a:outerShdw blurRad="50800" dist="38100" dir="2700000" algn="tl" rotWithShape="0">
+              <a:prstClr val="black">
+                <a:alpha val="40000"/>
+              </a:prstClr>
+            </a:outerShdw>
+          </a:effectLst>
+        </p:spPr>
+        <p:style>
+          <a:lnRef idx="2">
+            <a:schemeClr val="accent1"/>
+          </a:lnRef>
+          <a:fillRef idx="0">
+            <a:schemeClr val="accent1"/>
+          </a:fillRef>
+          <a:effectRef idx="1">
+            <a:schemeClr val="accent1"/>
+          </a:effectRef>
+          <a:fontRef idx="minor">
+            <a:schemeClr val="tx1"/>
+          </a:fontRef>
+        </p:style>
+      </p:cxnSp>
+      <p:sp>
+        <p:nvSpPr>
+          <p:cNvPr id="21" name="テキスト ボックス 20">
+            <a:extLst>
+              <a:ext uri="{FF2B5EF4-FFF2-40B4-BE49-F238E27FC236}">
+                <a16:creationId xmlns:a16="http://schemas.microsoft.com/office/drawing/2014/main" id="{CBA634E1-1E34-BADA-F5BC-8183378AEBB2}"/>
+              </a:ext>
+            </a:extLst>
+          </p:cNvPr>
+          <p:cNvSpPr txBox="1"/>
+          <p:nvPr/>
+        </p:nvSpPr>
+        <p:spPr>
+          <a:xfrm>
+            <a:off x="8917997" y="5148072"/>
+            <a:ext cx="2217274" cy="523220"/>
+          </a:xfrm>
+          <a:prstGeom prst="rect">
+            <a:avLst/>
+          </a:prstGeom>
+          <a:noFill/>
+        </p:spPr>
+        <p:txBody>
+          <a:bodyPr wrap="none" rtlCol="0">
+            <a:spAutoFit/>
+          </a:bodyPr>
+          <a:lstStyle/>
+          <a:p>
+            <a:r>
+              <a:rPr kumimoji="1" lang="ja-JP" altLang="en-US" sz="2800" dirty="0">
+                <a:effectLst>
+                  <a:glow rad="127000">
+                    <a:schemeClr val="bg1"/>
+                  </a:glow>
+                  <a:outerShdw blurRad="38100" dist="38100" dir="2700000" algn="tl">
+                    <a:srgbClr val="000000">
+                      <a:alpha val="43137"/>
+                    </a:srgbClr>
+                  </a:outerShdw>
+                </a:effectLst>
+                <a:latin typeface="HGP創英角ｺﾞｼｯｸUB" panose="020B0900000000000000" pitchFamily="50" charset="-128"/>
+                <a:ea typeface="HGP創英角ｺﾞｼｯｸUB" panose="020B0900000000000000" pitchFamily="50" charset="-128"/>
+              </a:rPr>
+              <a:t>アクセル（</a:t>
+            </a:r>
+            <a:r>
+              <a:rPr kumimoji="1" lang="en-US" altLang="ja-JP" sz="2800" dirty="0">
+                <a:effectLst>
+                  <a:glow rad="127000">
+                    <a:schemeClr val="bg1"/>
+                  </a:glow>
+                  <a:outerShdw blurRad="38100" dist="38100" dir="2700000" algn="tl">
+                    <a:srgbClr val="000000">
+                      <a:alpha val="43137"/>
+                    </a:srgbClr>
+                  </a:outerShdw>
+                </a:effectLst>
+                <a:latin typeface="HGP創英角ｺﾞｼｯｸUB" panose="020B0900000000000000" pitchFamily="50" charset="-128"/>
+                <a:ea typeface="HGP創英角ｺﾞｼｯｸUB" panose="020B0900000000000000" pitchFamily="50" charset="-128"/>
+              </a:rPr>
+              <a:t>RT</a:t>
+            </a:r>
+            <a:r>
+              <a:rPr kumimoji="1" lang="ja-JP" altLang="en-US" sz="2800" dirty="0">
+                <a:effectLst>
+                  <a:glow rad="127000">
+                    <a:schemeClr val="bg1"/>
+                  </a:glow>
+                  <a:outerShdw blurRad="38100" dist="38100" dir="2700000" algn="tl">
+                    <a:srgbClr val="000000">
+                      <a:alpha val="43137"/>
+                    </a:srgbClr>
+                  </a:outerShdw>
+                </a:effectLst>
+                <a:latin typeface="HGP創英角ｺﾞｼｯｸUB" panose="020B0900000000000000" pitchFamily="50" charset="-128"/>
+                <a:ea typeface="HGP創英角ｺﾞｼｯｸUB" panose="020B0900000000000000" pitchFamily="50" charset="-128"/>
+              </a:rPr>
+              <a:t>）</a:t>
+            </a:r>
+            <a:endParaRPr kumimoji="1" lang="en-US" altLang="ja-JP" sz="2800" dirty="0">
+              <a:effectLst>
+                <a:glow rad="127000">
+                  <a:schemeClr val="bg1"/>
+                </a:glow>
+                <a:outerShdw blurRad="38100" dist="38100" dir="2700000" algn="tl">
+                  <a:srgbClr val="000000">
+                    <a:alpha val="43137"/>
+                  </a:srgbClr>
+                </a:outerShdw>
+              </a:effectLst>
+              <a:latin typeface="HGP創英角ｺﾞｼｯｸUB" panose="020B0900000000000000" pitchFamily="50" charset="-128"/>
+              <a:ea typeface="HGP創英角ｺﾞｼｯｸUB" panose="020B0900000000000000" pitchFamily="50" charset="-128"/>
+            </a:endParaRPr>
+          </a:p>
+        </p:txBody>
+      </p:sp>
+      <p:cxnSp>
+        <p:nvCxnSpPr>
+          <p:cNvPr id="22" name="直線矢印コネクタ 21">
+            <a:extLst>
+              <a:ext uri="{FF2B5EF4-FFF2-40B4-BE49-F238E27FC236}">
+                <a16:creationId xmlns:a16="http://schemas.microsoft.com/office/drawing/2014/main" id="{8471D7A4-9060-39C1-A391-D087F497C85D}"/>
+              </a:ext>
+            </a:extLst>
+          </p:cNvPr>
+          <p:cNvCxnSpPr>
+            <a:cxnSpLocks/>
+            <a:stCxn id="21" idx="1"/>
+          </p:cNvCxnSpPr>
+          <p:nvPr/>
+        </p:nvCxnSpPr>
+        <p:spPr>
+          <a:xfrm flipH="1" flipV="1">
+            <a:off x="6867331" y="5160018"/>
+            <a:ext cx="2050666" cy="249664"/>
+          </a:xfrm>
+          <a:prstGeom prst="straightConnector1">
+            <a:avLst/>
+          </a:prstGeom>
+          <a:ln w="57150">
+            <a:solidFill>
+              <a:srgbClr val="FF0000"/>
+            </a:solidFill>
+            <a:tailEnd type="triangle"/>
+          </a:ln>
+          <a:effectLst>
+            <a:outerShdw blurRad="50800" dist="38100" dir="2700000" algn="tl" rotWithShape="0">
+              <a:prstClr val="black">
+                <a:alpha val="40000"/>
+              </a:prstClr>
+            </a:outerShdw>
+          </a:effectLst>
+        </p:spPr>
+        <p:style>
+          <a:lnRef idx="2">
+            <a:schemeClr val="accent1"/>
+          </a:lnRef>
+          <a:fillRef idx="0">
+            <a:schemeClr val="accent1"/>
+          </a:fillRef>
+          <a:effectRef idx="1">
+            <a:schemeClr val="accent1"/>
+          </a:effectRef>
+          <a:fontRef idx="minor">
+            <a:schemeClr val="tx1"/>
+          </a:fontRef>
+        </p:style>
+      </p:cxnSp>
+      <p:sp>
+        <p:nvSpPr>
+          <p:cNvPr id="25" name="テキスト ボックス 24">
+            <a:extLst>
+              <a:ext uri="{FF2B5EF4-FFF2-40B4-BE49-F238E27FC236}">
+                <a16:creationId xmlns:a16="http://schemas.microsoft.com/office/drawing/2014/main" id="{7AA01F7F-7A1D-0981-3EBF-BB6E2B8E01A3}"/>
+              </a:ext>
+            </a:extLst>
+          </p:cNvPr>
+          <p:cNvSpPr txBox="1"/>
+          <p:nvPr/>
+        </p:nvSpPr>
+        <p:spPr>
+          <a:xfrm>
+            <a:off x="2407604" y="5033815"/>
+            <a:ext cx="2167581" cy="523220"/>
+          </a:xfrm>
+          <a:prstGeom prst="rect">
+            <a:avLst/>
+          </a:prstGeom>
+          <a:noFill/>
+        </p:spPr>
+        <p:txBody>
+          <a:bodyPr wrap="none" rtlCol="0">
+            <a:spAutoFit/>
+          </a:bodyPr>
+          <a:lstStyle/>
+          <a:p>
+            <a:r>
+              <a:rPr lang="ja-JP" altLang="en-US" sz="2800" dirty="0">
+                <a:effectLst>
+                  <a:glow rad="127000">
+                    <a:schemeClr val="bg1"/>
+                  </a:glow>
+                  <a:outerShdw blurRad="38100" dist="38100" dir="2700000" algn="tl">
+                    <a:srgbClr val="000000">
+                      <a:alpha val="43137"/>
+                    </a:srgbClr>
+                  </a:outerShdw>
+                </a:effectLst>
+                <a:latin typeface="HGP創英角ｺﾞｼｯｸUB" panose="020B0900000000000000" pitchFamily="50" charset="-128"/>
+                <a:ea typeface="HGP創英角ｺﾞｼｯｸUB" panose="020B0900000000000000" pitchFamily="50" charset="-128"/>
+              </a:rPr>
+              <a:t>ブレーキ（</a:t>
+            </a:r>
+            <a:r>
+              <a:rPr lang="en-US" altLang="ja-JP" sz="2800" dirty="0">
+                <a:effectLst>
+                  <a:glow rad="127000">
+                    <a:schemeClr val="bg1"/>
+                  </a:glow>
+                  <a:outerShdw blurRad="38100" dist="38100" dir="2700000" algn="tl">
+                    <a:srgbClr val="000000">
+                      <a:alpha val="43137"/>
+                    </a:srgbClr>
+                  </a:outerShdw>
+                </a:effectLst>
+                <a:latin typeface="HGP創英角ｺﾞｼｯｸUB" panose="020B0900000000000000" pitchFamily="50" charset="-128"/>
+                <a:ea typeface="HGP創英角ｺﾞｼｯｸUB" panose="020B0900000000000000" pitchFamily="50" charset="-128"/>
+              </a:rPr>
+              <a:t>LT</a:t>
+            </a:r>
+            <a:r>
+              <a:rPr lang="ja-JP" altLang="en-US" sz="2800" dirty="0">
+                <a:effectLst>
+                  <a:glow rad="127000">
+                    <a:schemeClr val="bg1"/>
+                  </a:glow>
+                  <a:outerShdw blurRad="38100" dist="38100" dir="2700000" algn="tl">
+                    <a:srgbClr val="000000">
+                      <a:alpha val="43137"/>
+                    </a:srgbClr>
+                  </a:outerShdw>
+                </a:effectLst>
+                <a:latin typeface="HGP創英角ｺﾞｼｯｸUB" panose="020B0900000000000000" pitchFamily="50" charset="-128"/>
+                <a:ea typeface="HGP創英角ｺﾞｼｯｸUB" panose="020B0900000000000000" pitchFamily="50" charset="-128"/>
+              </a:rPr>
+              <a:t>）</a:t>
+            </a:r>
+            <a:endParaRPr lang="en-US" altLang="ja-JP" sz="2800" dirty="0">
+              <a:effectLst>
+                <a:glow rad="127000">
+                  <a:schemeClr val="bg1"/>
+                </a:glow>
+                <a:outerShdw blurRad="38100" dist="38100" dir="2700000" algn="tl">
+                  <a:srgbClr val="000000">
+                    <a:alpha val="43137"/>
+                  </a:srgbClr>
+                </a:outerShdw>
+              </a:effectLst>
+              <a:latin typeface="HGP創英角ｺﾞｼｯｸUB" panose="020B0900000000000000" pitchFamily="50" charset="-128"/>
+              <a:ea typeface="HGP創英角ｺﾞｼｯｸUB" panose="020B0900000000000000" pitchFamily="50" charset="-128"/>
+            </a:endParaRPr>
+          </a:p>
+        </p:txBody>
+      </p:sp>
+      <p:cxnSp>
+        <p:nvCxnSpPr>
+          <p:cNvPr id="26" name="直線矢印コネクタ 25">
+            <a:extLst>
+              <a:ext uri="{FF2B5EF4-FFF2-40B4-BE49-F238E27FC236}">
+                <a16:creationId xmlns:a16="http://schemas.microsoft.com/office/drawing/2014/main" id="{9A14BC78-7AC6-02A8-B5BB-F3DB569D289D}"/>
+              </a:ext>
+            </a:extLst>
+          </p:cNvPr>
+          <p:cNvCxnSpPr>
+            <a:cxnSpLocks/>
+            <a:stCxn id="25" idx="3"/>
+          </p:cNvCxnSpPr>
+          <p:nvPr/>
+        </p:nvCxnSpPr>
+        <p:spPr>
+          <a:xfrm flipV="1">
+            <a:off x="4575185" y="5148072"/>
+            <a:ext cx="743264" cy="147353"/>
+          </a:xfrm>
+          <a:prstGeom prst="straightConnector1">
+            <a:avLst/>
+          </a:prstGeom>
+          <a:ln w="57150">
+            <a:solidFill>
+              <a:srgbClr val="FF0000"/>
+            </a:solidFill>
+            <a:tailEnd type="triangle"/>
+          </a:ln>
+          <a:effectLst>
+            <a:outerShdw blurRad="50800" dist="38100" dir="2700000" algn="tl" rotWithShape="0">
+              <a:prstClr val="black">
+                <a:alpha val="40000"/>
+              </a:prstClr>
+            </a:outerShdw>
+          </a:effectLst>
+        </p:spPr>
+        <p:style>
+          <a:lnRef idx="2">
+            <a:schemeClr val="accent1"/>
+          </a:lnRef>
+          <a:fillRef idx="0">
+            <a:schemeClr val="accent1"/>
+          </a:fillRef>
+          <a:effectRef idx="1">
+            <a:schemeClr val="accent1"/>
+          </a:effectRef>
+          <a:fontRef idx="minor">
+            <a:schemeClr val="tx1"/>
+          </a:fontRef>
+        </p:style>
+      </p:cxnSp>
+      <p:cxnSp>
+        <p:nvCxnSpPr>
+          <p:cNvPr id="29" name="直線矢印コネクタ 28">
+            <a:extLst>
+              <a:ext uri="{FF2B5EF4-FFF2-40B4-BE49-F238E27FC236}">
+                <a16:creationId xmlns:a16="http://schemas.microsoft.com/office/drawing/2014/main" id="{892A8F19-B5EB-2973-298A-8A60FB4820D7}"/>
+              </a:ext>
+            </a:extLst>
+          </p:cNvPr>
+          <p:cNvCxnSpPr>
+            <a:cxnSpLocks/>
+            <a:stCxn id="2" idx="3"/>
+          </p:cNvCxnSpPr>
+          <p:nvPr/>
+        </p:nvCxnSpPr>
+        <p:spPr>
+          <a:xfrm flipV="1">
+            <a:off x="4895248" y="5497657"/>
+            <a:ext cx="338850" cy="855693"/>
+          </a:xfrm>
+          <a:prstGeom prst="straightConnector1">
+            <a:avLst/>
+          </a:prstGeom>
+          <a:ln w="57150">
+            <a:solidFill>
+              <a:srgbClr val="FF0000"/>
+            </a:solidFill>
+            <a:tailEnd type="triangle"/>
+          </a:ln>
+          <a:effectLst>
+            <a:outerShdw blurRad="50800" dist="38100" dir="2700000" algn="tl" rotWithShape="0">
+              <a:prstClr val="black">
+                <a:alpha val="40000"/>
+              </a:prstClr>
+            </a:outerShdw>
+          </a:effectLst>
+        </p:spPr>
+        <p:style>
+          <a:lnRef idx="2">
+            <a:schemeClr val="accent1"/>
+          </a:lnRef>
+          <a:fillRef idx="0">
+            <a:schemeClr val="accent1"/>
+          </a:fillRef>
+          <a:effectRef idx="1">
+            <a:schemeClr val="accent1"/>
+          </a:effectRef>
+          <a:fontRef idx="minor">
+            <a:schemeClr val="tx1"/>
+          </a:fontRef>
+        </p:style>
+      </p:cxnSp>
+      <p:sp>
+        <p:nvSpPr>
+          <p:cNvPr id="2" name="テキスト ボックス 1">
+            <a:extLst>
+              <a:ext uri="{FF2B5EF4-FFF2-40B4-BE49-F238E27FC236}">
+                <a16:creationId xmlns:a16="http://schemas.microsoft.com/office/drawing/2014/main" id="{08424826-65E8-85A3-084A-4050B9B3E7E7}"/>
+              </a:ext>
+            </a:extLst>
+          </p:cNvPr>
+          <p:cNvSpPr txBox="1"/>
+          <p:nvPr/>
+        </p:nvSpPr>
+        <p:spPr>
+          <a:xfrm>
+            <a:off x="1156724" y="6091740"/>
+            <a:ext cx="3738524" cy="523220"/>
+          </a:xfrm>
+          <a:prstGeom prst="rect">
+            <a:avLst/>
+          </a:prstGeom>
+          <a:noFill/>
+        </p:spPr>
+        <p:txBody>
+          <a:bodyPr wrap="none" rtlCol="0">
+            <a:spAutoFit/>
+          </a:bodyPr>
+          <a:lstStyle/>
+          <a:p>
+            <a:r>
+              <a:rPr lang="ja-JP" altLang="en-US" sz="2800" dirty="0">
+                <a:effectLst>
+                  <a:glow rad="127000">
+                    <a:schemeClr val="bg1"/>
+                  </a:glow>
+                  <a:outerShdw blurRad="38100" dist="38100" dir="2700000" algn="tl">
+                    <a:srgbClr val="000000">
+                      <a:alpha val="43137"/>
+                    </a:srgbClr>
+                  </a:outerShdw>
+                </a:effectLst>
+                <a:latin typeface="HGP創英角ｺﾞｼｯｸUB" panose="020B0900000000000000" pitchFamily="50" charset="-128"/>
+                <a:ea typeface="HGP創英角ｺﾞｼｯｸUB" panose="020B0900000000000000" pitchFamily="50" charset="-128"/>
+              </a:rPr>
+              <a:t>移動方向（左スティック）</a:t>
+            </a:r>
+            <a:endParaRPr lang="en-US" altLang="ja-JP" sz="2800" dirty="0">
+              <a:effectLst>
+                <a:glow rad="127000">
+                  <a:schemeClr val="bg1"/>
+                </a:glow>
+                <a:outerShdw blurRad="38100" dist="38100" dir="2700000" algn="tl">
+                  <a:srgbClr val="000000">
+                    <a:alpha val="43137"/>
+                  </a:srgbClr>
+                </a:outerShdw>
+              </a:effectLst>
+              <a:latin typeface="HGP創英角ｺﾞｼｯｸUB" panose="020B0900000000000000" pitchFamily="50" charset="-128"/>
+              <a:ea typeface="HGP創英角ｺﾞｼｯｸUB" panose="020B0900000000000000" pitchFamily="50" charset="-128"/>
+            </a:endParaRPr>
           </a:p>
         </p:txBody>
       </p:sp>
@@ -5005,12 +6033,743 @@
           <a:chExt cx="0" cy="0"/>
         </a:xfrm>
       </p:grpSpPr>
-      <p:sp>
-        <p:nvSpPr>
-          <p:cNvPr id="7" name="テキスト ボックス 6">
-            <a:extLst>
-              <a:ext uri="{FF2B5EF4-FFF2-40B4-BE49-F238E27FC236}">
-                <a16:creationId xmlns:a16="http://schemas.microsoft.com/office/drawing/2014/main" id="{CF1664D5-8A35-4E58-A853-6E80E97AC5DD}"/>
+      <p:graphicFrame>
+        <p:nvGraphicFramePr>
+          <p:cNvPr id="102" name="表 101">
+            <a:extLst>
+              <a:ext uri="{FF2B5EF4-FFF2-40B4-BE49-F238E27FC236}">
+                <a16:creationId xmlns:a16="http://schemas.microsoft.com/office/drawing/2014/main" id="{B631AE86-D849-9847-CB9C-0EEE58AB0169}"/>
+              </a:ext>
+            </a:extLst>
+          </p:cNvPr>
+          <p:cNvGraphicFramePr>
+            <a:graphicFrameLocks noGrp="1"/>
+          </p:cNvGraphicFramePr>
+          <p:nvPr>
+            <p:extLst>
+              <p:ext uri="{D42A27DB-BD31-4B8C-83A1-F6EECF244321}">
+                <p14:modId xmlns:p14="http://schemas.microsoft.com/office/powerpoint/2010/main" val="738266858"/>
+              </p:ext>
+            </p:extLst>
+          </p:nvPr>
+        </p:nvGraphicFramePr>
+        <p:xfrm>
+          <a:off x="209641" y="1950097"/>
+          <a:ext cx="5174122" cy="4848968"/>
+        </p:xfrm>
+        <a:graphic>
+          <a:graphicData uri="http://schemas.openxmlformats.org/drawingml/2006/table">
+            <a:tbl>
+              <a:tblPr firstRow="1" bandRow="1">
+                <a:effectLst>
+                  <a:outerShdw blurRad="50800" dist="38100" dir="2700000" algn="tl" rotWithShape="0">
+                    <a:prstClr val="black">
+                      <a:alpha val="40000"/>
+                    </a:prstClr>
+                  </a:outerShdw>
+                </a:effectLst>
+                <a:tableStyleId>{93296810-A885-4BE3-A3E7-6D5BEEA58F35}</a:tableStyleId>
+              </a:tblPr>
+              <a:tblGrid>
+                <a:gridCol w="1753416">
+                  <a:extLst>
+                    <a:ext uri="{9D8B030D-6E8A-4147-A177-3AD203B41FA5}">
+                      <a16:colId xmlns:a16="http://schemas.microsoft.com/office/drawing/2014/main" val="2551062401"/>
+                    </a:ext>
+                  </a:extLst>
+                </a:gridCol>
+                <a:gridCol w="1246674">
+                  <a:extLst>
+                    <a:ext uri="{9D8B030D-6E8A-4147-A177-3AD203B41FA5}">
+                      <a16:colId xmlns:a16="http://schemas.microsoft.com/office/drawing/2014/main" val="2323905"/>
+                    </a:ext>
+                  </a:extLst>
+                </a:gridCol>
+                <a:gridCol w="1110342">
+                  <a:extLst>
+                    <a:ext uri="{9D8B030D-6E8A-4147-A177-3AD203B41FA5}">
+                      <a16:colId xmlns:a16="http://schemas.microsoft.com/office/drawing/2014/main" val="58662618"/>
+                    </a:ext>
+                  </a:extLst>
+                </a:gridCol>
+                <a:gridCol w="1063690">
+                  <a:extLst>
+                    <a:ext uri="{9D8B030D-6E8A-4147-A177-3AD203B41FA5}">
+                      <a16:colId xmlns:a16="http://schemas.microsoft.com/office/drawing/2014/main" val="2178547104"/>
+                    </a:ext>
+                  </a:extLst>
+                </a:gridCol>
+              </a:tblGrid>
+              <a:tr h="606121">
+                <a:tc>
+                  <a:txBody>
+                    <a:bodyPr/>
+                    <a:lstStyle/>
+                    <a:p>
+                      <a:endParaRPr kumimoji="1" lang="ja-JP" altLang="en-US" dirty="0"/>
+                    </a:p>
+                  </a:txBody>
+                  <a:tcPr/>
+                </a:tc>
+                <a:tc>
+                  <a:txBody>
+                    <a:bodyPr/>
+                    <a:lstStyle/>
+                    <a:p>
+                      <a:pPr marL="0" marR="0" lvl="0" indent="0" algn="ctr" defTabSz="914400" rtl="0" eaLnBrk="1" fontAlgn="auto" latinLnBrk="0" hangingPunct="1">
+                        <a:lnSpc>
+                          <a:spcPct val="100000"/>
+                        </a:lnSpc>
+                        <a:spcBef>
+                          <a:spcPts val="0"/>
+                        </a:spcBef>
+                        <a:spcAft>
+                          <a:spcPts val="0"/>
+                        </a:spcAft>
+                        <a:buClrTx/>
+                        <a:buSzTx/>
+                        <a:buFontTx/>
+                        <a:buNone/>
+                        <a:tabLst/>
+                        <a:defRPr/>
+                      </a:pPr>
+                      <a:r>
+                        <a:rPr lang="ja-JP" altLang="en-US" sz="1800" dirty="0">
+                          <a:solidFill>
+                            <a:schemeClr val="tx1"/>
+                          </a:solidFill>
+                          <a:effectLst>
+                            <a:glow rad="127000">
+                              <a:schemeClr val="bg1"/>
+                            </a:glow>
+                            <a:outerShdw blurRad="38100" dist="38100" dir="2700000" algn="tl">
+                              <a:srgbClr val="000000">
+                                <a:alpha val="43137"/>
+                              </a:srgbClr>
+                            </a:outerShdw>
+                          </a:effectLst>
+                          <a:latin typeface="HGP創英角ｺﾞｼｯｸUB" panose="020B0900000000000000" pitchFamily="50" charset="-128"/>
+                          <a:ea typeface="HGP創英角ｺﾞｼｯｸUB" panose="020B0900000000000000" pitchFamily="50" charset="-128"/>
+                        </a:rPr>
+                        <a:t>すれ違い</a:t>
+                      </a:r>
+                      <a:endParaRPr kumimoji="1" lang="en-US" altLang="ja-JP" sz="1800" dirty="0">
+                        <a:solidFill>
+                          <a:schemeClr val="tx1"/>
+                        </a:solidFill>
+                        <a:effectLst>
+                          <a:glow rad="127000">
+                            <a:schemeClr val="bg1"/>
+                          </a:glow>
+                          <a:outerShdw blurRad="38100" dist="38100" dir="2700000" algn="tl">
+                            <a:srgbClr val="000000">
+                              <a:alpha val="43137"/>
+                            </a:srgbClr>
+                          </a:outerShdw>
+                        </a:effectLst>
+                        <a:latin typeface="HGP創英角ｺﾞｼｯｸUB" panose="020B0900000000000000" pitchFamily="50" charset="-128"/>
+                        <a:ea typeface="HGP創英角ｺﾞｼｯｸUB" panose="020B0900000000000000" pitchFamily="50" charset="-128"/>
+                      </a:endParaRPr>
+                    </a:p>
+                  </a:txBody>
+                  <a:tcPr anchor="ctr"/>
+                </a:tc>
+                <a:tc>
+                  <a:txBody>
+                    <a:bodyPr/>
+                    <a:lstStyle/>
+                    <a:p>
+                      <a:pPr algn="ctr"/>
+                      <a:r>
+                        <a:rPr lang="ja-JP" altLang="en-US" sz="1800" dirty="0">
+                          <a:solidFill>
+                            <a:schemeClr val="tx1"/>
+                          </a:solidFill>
+                          <a:effectLst>
+                            <a:glow rad="127000">
+                              <a:schemeClr val="bg1"/>
+                            </a:glow>
+                            <a:outerShdw blurRad="38100" dist="38100" dir="2700000" algn="tl">
+                              <a:srgbClr val="000000">
+                                <a:alpha val="43137"/>
+                              </a:srgbClr>
+                            </a:outerShdw>
+                          </a:effectLst>
+                          <a:latin typeface="HGP創英角ｺﾞｼｯｸUB" panose="020B0900000000000000" pitchFamily="50" charset="-128"/>
+                          <a:ea typeface="HGP創英角ｺﾞｼｯｸUB" panose="020B0900000000000000" pitchFamily="50" charset="-128"/>
+                        </a:rPr>
+                        <a:t>近い</a:t>
+                      </a:r>
+                      <a:endParaRPr kumimoji="1" lang="ja-JP" altLang="en-US" dirty="0">
+                        <a:latin typeface="HGP創英角ｺﾞｼｯｸUB" panose="020B0900000000000000" pitchFamily="50" charset="-128"/>
+                        <a:ea typeface="HGP創英角ｺﾞｼｯｸUB" panose="020B0900000000000000" pitchFamily="50" charset="-128"/>
+                      </a:endParaRPr>
+                    </a:p>
+                  </a:txBody>
+                  <a:tcPr anchor="ctr"/>
+                </a:tc>
+                <a:tc>
+                  <a:txBody>
+                    <a:bodyPr/>
+                    <a:lstStyle/>
+                    <a:p>
+                      <a:pPr algn="ctr"/>
+                      <a:r>
+                        <a:rPr lang="ja-JP" altLang="en-US" sz="1800" dirty="0">
+                          <a:solidFill>
+                            <a:schemeClr val="tx1"/>
+                          </a:solidFill>
+                          <a:effectLst>
+                            <a:glow rad="127000">
+                              <a:schemeClr val="bg1"/>
+                            </a:glow>
+                            <a:outerShdw blurRad="38100" dist="38100" dir="2700000" algn="tl">
+                              <a:srgbClr val="000000">
+                                <a:alpha val="43137"/>
+                              </a:srgbClr>
+                            </a:outerShdw>
+                          </a:effectLst>
+                          <a:latin typeface="HGP創英角ｺﾞｼｯｸUB" panose="020B0900000000000000" pitchFamily="50" charset="-128"/>
+                          <a:ea typeface="HGP創英角ｺﾞｼｯｸUB" panose="020B0900000000000000" pitchFamily="50" charset="-128"/>
+                        </a:rPr>
+                        <a:t>遠い</a:t>
+                      </a:r>
+                      <a:endParaRPr kumimoji="1" lang="ja-JP" altLang="en-US" dirty="0">
+                        <a:latin typeface="HGP創英角ｺﾞｼｯｸUB" panose="020B0900000000000000" pitchFamily="50" charset="-128"/>
+                        <a:ea typeface="HGP創英角ｺﾞｼｯｸUB" panose="020B0900000000000000" pitchFamily="50" charset="-128"/>
+                      </a:endParaRPr>
+                    </a:p>
+                  </a:txBody>
+                  <a:tcPr anchor="ctr"/>
+                </a:tc>
+                <a:extLst>
+                  <a:ext uri="{0D108BD9-81ED-4DB2-BD59-A6C34878D82A}">
+                    <a16:rowId xmlns:a16="http://schemas.microsoft.com/office/drawing/2014/main" val="4085134588"/>
+                  </a:ext>
+                </a:extLst>
+              </a:tr>
+              <a:tr h="606121">
+                <a:tc>
+                  <a:txBody>
+                    <a:bodyPr/>
+                    <a:lstStyle/>
+                    <a:p>
+                      <a:endParaRPr kumimoji="1" lang="ja-JP" altLang="en-US"/>
+                    </a:p>
+                  </a:txBody>
+                  <a:tcPr/>
+                </a:tc>
+                <a:tc>
+                  <a:txBody>
+                    <a:bodyPr/>
+                    <a:lstStyle/>
+                    <a:p>
+                      <a:endParaRPr kumimoji="1" lang="ja-JP" altLang="en-US"/>
+                    </a:p>
+                  </a:txBody>
+                  <a:tcPr/>
+                </a:tc>
+                <a:tc>
+                  <a:txBody>
+                    <a:bodyPr/>
+                    <a:lstStyle/>
+                    <a:p>
+                      <a:endParaRPr kumimoji="1" lang="ja-JP" altLang="en-US"/>
+                    </a:p>
+                  </a:txBody>
+                  <a:tcPr/>
+                </a:tc>
+                <a:tc>
+                  <a:txBody>
+                    <a:bodyPr/>
+                    <a:lstStyle/>
+                    <a:p>
+                      <a:endParaRPr kumimoji="1" lang="ja-JP" altLang="en-US"/>
+                    </a:p>
+                  </a:txBody>
+                  <a:tcPr/>
+                </a:tc>
+                <a:extLst>
+                  <a:ext uri="{0D108BD9-81ED-4DB2-BD59-A6C34878D82A}">
+                    <a16:rowId xmlns:a16="http://schemas.microsoft.com/office/drawing/2014/main" val="2042211675"/>
+                  </a:ext>
+                </a:extLst>
+              </a:tr>
+              <a:tr h="606121">
+                <a:tc>
+                  <a:txBody>
+                    <a:bodyPr/>
+                    <a:lstStyle/>
+                    <a:p>
+                      <a:endParaRPr kumimoji="1" lang="ja-JP" altLang="en-US"/>
+                    </a:p>
+                  </a:txBody>
+                  <a:tcPr/>
+                </a:tc>
+                <a:tc>
+                  <a:txBody>
+                    <a:bodyPr/>
+                    <a:lstStyle/>
+                    <a:p>
+                      <a:endParaRPr kumimoji="1" lang="ja-JP" altLang="en-US"/>
+                    </a:p>
+                  </a:txBody>
+                  <a:tcPr/>
+                </a:tc>
+                <a:tc>
+                  <a:txBody>
+                    <a:bodyPr/>
+                    <a:lstStyle/>
+                    <a:p>
+                      <a:endParaRPr kumimoji="1" lang="ja-JP" altLang="en-US"/>
+                    </a:p>
+                  </a:txBody>
+                  <a:tcPr/>
+                </a:tc>
+                <a:tc>
+                  <a:txBody>
+                    <a:bodyPr/>
+                    <a:lstStyle/>
+                    <a:p>
+                      <a:endParaRPr kumimoji="1" lang="ja-JP" altLang="en-US"/>
+                    </a:p>
+                  </a:txBody>
+                  <a:tcPr/>
+                </a:tc>
+                <a:extLst>
+                  <a:ext uri="{0D108BD9-81ED-4DB2-BD59-A6C34878D82A}">
+                    <a16:rowId xmlns:a16="http://schemas.microsoft.com/office/drawing/2014/main" val="2025616798"/>
+                  </a:ext>
+                </a:extLst>
+              </a:tr>
+              <a:tr h="606121">
+                <a:tc>
+                  <a:txBody>
+                    <a:bodyPr/>
+                    <a:lstStyle/>
+                    <a:p>
+                      <a:endParaRPr kumimoji="1" lang="ja-JP" altLang="en-US"/>
+                    </a:p>
+                  </a:txBody>
+                  <a:tcPr/>
+                </a:tc>
+                <a:tc>
+                  <a:txBody>
+                    <a:bodyPr/>
+                    <a:lstStyle/>
+                    <a:p>
+                      <a:endParaRPr kumimoji="1" lang="ja-JP" altLang="en-US"/>
+                    </a:p>
+                  </a:txBody>
+                  <a:tcPr/>
+                </a:tc>
+                <a:tc>
+                  <a:txBody>
+                    <a:bodyPr/>
+                    <a:lstStyle/>
+                    <a:p>
+                      <a:endParaRPr kumimoji="1" lang="ja-JP" altLang="en-US"/>
+                    </a:p>
+                  </a:txBody>
+                  <a:tcPr/>
+                </a:tc>
+                <a:tc>
+                  <a:txBody>
+                    <a:bodyPr/>
+                    <a:lstStyle/>
+                    <a:p>
+                      <a:endParaRPr kumimoji="1" lang="ja-JP" altLang="en-US"/>
+                    </a:p>
+                  </a:txBody>
+                  <a:tcPr/>
+                </a:tc>
+                <a:extLst>
+                  <a:ext uri="{0D108BD9-81ED-4DB2-BD59-A6C34878D82A}">
+                    <a16:rowId xmlns:a16="http://schemas.microsoft.com/office/drawing/2014/main" val="3850387225"/>
+                  </a:ext>
+                </a:extLst>
+              </a:tr>
+              <a:tr h="606121">
+                <a:tc>
+                  <a:txBody>
+                    <a:bodyPr/>
+                    <a:lstStyle/>
+                    <a:p>
+                      <a:endParaRPr kumimoji="1" lang="ja-JP" altLang="en-US"/>
+                    </a:p>
+                  </a:txBody>
+                  <a:tcPr/>
+                </a:tc>
+                <a:tc>
+                  <a:txBody>
+                    <a:bodyPr/>
+                    <a:lstStyle/>
+                    <a:p>
+                      <a:endParaRPr kumimoji="1" lang="ja-JP" altLang="en-US"/>
+                    </a:p>
+                  </a:txBody>
+                  <a:tcPr/>
+                </a:tc>
+                <a:tc>
+                  <a:txBody>
+                    <a:bodyPr/>
+                    <a:lstStyle/>
+                    <a:p>
+                      <a:endParaRPr kumimoji="1" lang="ja-JP" altLang="en-US"/>
+                    </a:p>
+                  </a:txBody>
+                  <a:tcPr/>
+                </a:tc>
+                <a:tc>
+                  <a:txBody>
+                    <a:bodyPr/>
+                    <a:lstStyle/>
+                    <a:p>
+                      <a:endParaRPr kumimoji="1" lang="ja-JP" altLang="en-US"/>
+                    </a:p>
+                  </a:txBody>
+                  <a:tcPr/>
+                </a:tc>
+                <a:extLst>
+                  <a:ext uri="{0D108BD9-81ED-4DB2-BD59-A6C34878D82A}">
+                    <a16:rowId xmlns:a16="http://schemas.microsoft.com/office/drawing/2014/main" val="1477144610"/>
+                  </a:ext>
+                </a:extLst>
+              </a:tr>
+              <a:tr h="606121">
+                <a:tc>
+                  <a:txBody>
+                    <a:bodyPr/>
+                    <a:lstStyle/>
+                    <a:p>
+                      <a:endParaRPr kumimoji="1" lang="ja-JP" altLang="en-US"/>
+                    </a:p>
+                  </a:txBody>
+                  <a:tcPr/>
+                </a:tc>
+                <a:tc>
+                  <a:txBody>
+                    <a:bodyPr/>
+                    <a:lstStyle/>
+                    <a:p>
+                      <a:endParaRPr kumimoji="1" lang="ja-JP" altLang="en-US"/>
+                    </a:p>
+                  </a:txBody>
+                  <a:tcPr/>
+                </a:tc>
+                <a:tc>
+                  <a:txBody>
+                    <a:bodyPr/>
+                    <a:lstStyle/>
+                    <a:p>
+                      <a:endParaRPr kumimoji="1" lang="ja-JP" altLang="en-US"/>
+                    </a:p>
+                  </a:txBody>
+                  <a:tcPr/>
+                </a:tc>
+                <a:tc>
+                  <a:txBody>
+                    <a:bodyPr/>
+                    <a:lstStyle/>
+                    <a:p>
+                      <a:endParaRPr kumimoji="1" lang="ja-JP" altLang="en-US"/>
+                    </a:p>
+                  </a:txBody>
+                  <a:tcPr/>
+                </a:tc>
+                <a:extLst>
+                  <a:ext uri="{0D108BD9-81ED-4DB2-BD59-A6C34878D82A}">
+                    <a16:rowId xmlns:a16="http://schemas.microsoft.com/office/drawing/2014/main" val="2668402086"/>
+                  </a:ext>
+                </a:extLst>
+              </a:tr>
+              <a:tr h="606121">
+                <a:tc>
+                  <a:txBody>
+                    <a:bodyPr/>
+                    <a:lstStyle/>
+                    <a:p>
+                      <a:endParaRPr kumimoji="1" lang="ja-JP" altLang="en-US"/>
+                    </a:p>
+                  </a:txBody>
+                  <a:tcPr/>
+                </a:tc>
+                <a:tc>
+                  <a:txBody>
+                    <a:bodyPr/>
+                    <a:lstStyle/>
+                    <a:p>
+                      <a:endParaRPr kumimoji="1" lang="ja-JP" altLang="en-US"/>
+                    </a:p>
+                  </a:txBody>
+                  <a:tcPr/>
+                </a:tc>
+                <a:tc>
+                  <a:txBody>
+                    <a:bodyPr/>
+                    <a:lstStyle/>
+                    <a:p>
+                      <a:endParaRPr kumimoji="1" lang="ja-JP" altLang="en-US"/>
+                    </a:p>
+                  </a:txBody>
+                  <a:tcPr/>
+                </a:tc>
+                <a:tc>
+                  <a:txBody>
+                    <a:bodyPr/>
+                    <a:lstStyle/>
+                    <a:p>
+                      <a:endParaRPr kumimoji="1" lang="ja-JP" altLang="en-US"/>
+                    </a:p>
+                  </a:txBody>
+                  <a:tcPr/>
+                </a:tc>
+                <a:extLst>
+                  <a:ext uri="{0D108BD9-81ED-4DB2-BD59-A6C34878D82A}">
+                    <a16:rowId xmlns:a16="http://schemas.microsoft.com/office/drawing/2014/main" val="1314432972"/>
+                  </a:ext>
+                </a:extLst>
+              </a:tr>
+              <a:tr h="606121">
+                <a:tc>
+                  <a:txBody>
+                    <a:bodyPr/>
+                    <a:lstStyle/>
+                    <a:p>
+                      <a:endParaRPr kumimoji="1" lang="ja-JP" altLang="en-US"/>
+                    </a:p>
+                  </a:txBody>
+                  <a:tcPr/>
+                </a:tc>
+                <a:tc>
+                  <a:txBody>
+                    <a:bodyPr/>
+                    <a:lstStyle/>
+                    <a:p>
+                      <a:endParaRPr kumimoji="1" lang="ja-JP" altLang="en-US"/>
+                    </a:p>
+                  </a:txBody>
+                  <a:tcPr/>
+                </a:tc>
+                <a:tc>
+                  <a:txBody>
+                    <a:bodyPr/>
+                    <a:lstStyle/>
+                    <a:p>
+                      <a:endParaRPr kumimoji="1" lang="ja-JP" altLang="en-US"/>
+                    </a:p>
+                  </a:txBody>
+                  <a:tcPr/>
+                </a:tc>
+                <a:tc>
+                  <a:txBody>
+                    <a:bodyPr/>
+                    <a:lstStyle/>
+                    <a:p>
+                      <a:endParaRPr kumimoji="1" lang="ja-JP" altLang="en-US" dirty="0"/>
+                    </a:p>
+                  </a:txBody>
+                  <a:tcPr/>
+                </a:tc>
+                <a:extLst>
+                  <a:ext uri="{0D108BD9-81ED-4DB2-BD59-A6C34878D82A}">
+                    <a16:rowId xmlns:a16="http://schemas.microsoft.com/office/drawing/2014/main" val="216326891"/>
+                  </a:ext>
+                </a:extLst>
+              </a:tr>
+            </a:tbl>
+          </a:graphicData>
+        </a:graphic>
+      </p:graphicFrame>
+      <p:pic>
+        <p:nvPicPr>
+          <p:cNvPr id="110" name="図 109" descr="アイコン&#10;&#10;低い精度で自動的に生成された説明">
+            <a:extLst>
+              <a:ext uri="{FF2B5EF4-FFF2-40B4-BE49-F238E27FC236}">
+                <a16:creationId xmlns:a16="http://schemas.microsoft.com/office/drawing/2014/main" id="{3B71C6F0-6F58-F866-EF29-E7B2255429B2}"/>
+              </a:ext>
+            </a:extLst>
+          </p:cNvPr>
+          <p:cNvPicPr>
+            <a:picLocks noChangeAspect="1"/>
+          </p:cNvPicPr>
+          <p:nvPr/>
+        </p:nvPicPr>
+        <p:blipFill>
+          <a:blip r:embed="rId2">
+            <a:extLst>
+              <a:ext uri="{28A0092B-C50C-407E-A947-70E740481C1C}">
+                <a14:useLocalDpi xmlns:a14="http://schemas.microsoft.com/office/drawing/2010/main" val="0"/>
+              </a:ext>
+            </a:extLst>
+          </a:blip>
+          <a:stretch>
+            <a:fillRect/>
+          </a:stretch>
+        </p:blipFill>
+        <p:spPr>
+          <a:xfrm flipH="1">
+            <a:off x="436721" y="3764039"/>
+            <a:ext cx="609790" cy="578886"/>
+          </a:xfrm>
+          <a:prstGeom prst="rect">
+            <a:avLst/>
+          </a:prstGeom>
+          <a:effectLst>
+            <a:outerShdw blurRad="50800" dist="38100" dir="2700000" algn="tl" rotWithShape="0">
+              <a:prstClr val="black">
+                <a:alpha val="40000"/>
+              </a:prstClr>
+            </a:outerShdw>
+          </a:effectLst>
+        </p:spPr>
+      </p:pic>
+      <p:sp>
+        <p:nvSpPr>
+          <p:cNvPr id="95" name="矢印: 下カーブ 94">
+            <a:extLst>
+              <a:ext uri="{FF2B5EF4-FFF2-40B4-BE49-F238E27FC236}">
+                <a16:creationId xmlns:a16="http://schemas.microsoft.com/office/drawing/2014/main" id="{767C0ECB-B78C-088D-3623-B79EC6FD5598}"/>
+              </a:ext>
+            </a:extLst>
+          </p:cNvPr>
+          <p:cNvSpPr>
+            <a:spLocks/>
+          </p:cNvSpPr>
+          <p:nvPr/>
+        </p:nvSpPr>
+        <p:spPr>
+          <a:xfrm>
+            <a:off x="359130" y="4363522"/>
+            <a:ext cx="631811" cy="264418"/>
+          </a:xfrm>
+          <a:prstGeom prst="curvedDownArrow">
+            <a:avLst/>
+          </a:prstGeom>
+        </p:spPr>
+        <p:style>
+          <a:lnRef idx="2">
+            <a:schemeClr val="accent1">
+              <a:shade val="50000"/>
+            </a:schemeClr>
+          </a:lnRef>
+          <a:fillRef idx="1">
+            <a:schemeClr val="accent1"/>
+          </a:fillRef>
+          <a:effectRef idx="0">
+            <a:schemeClr val="accent1"/>
+          </a:effectRef>
+          <a:fontRef idx="minor">
+            <a:schemeClr val="lt1"/>
+          </a:fontRef>
+        </p:style>
+        <p:txBody>
+          <a:bodyPr rtlCol="0" anchor="ctr"/>
+          <a:lstStyle/>
+          <a:p>
+            <a:pPr algn="ctr"/>
+            <a:endParaRPr kumimoji="1" lang="ja-JP" altLang="en-US">
+              <a:solidFill>
+                <a:schemeClr val="tx1"/>
+              </a:solidFill>
+            </a:endParaRPr>
+          </a:p>
+        </p:txBody>
+      </p:sp>
+      <p:sp>
+        <p:nvSpPr>
+          <p:cNvPr id="96" name="矢印: 上カーブ 95">
+            <a:extLst>
+              <a:ext uri="{FF2B5EF4-FFF2-40B4-BE49-F238E27FC236}">
+                <a16:creationId xmlns:a16="http://schemas.microsoft.com/office/drawing/2014/main" id="{84D2716A-3C38-2AA9-190E-CCCE7DFC1811}"/>
+              </a:ext>
+            </a:extLst>
+          </p:cNvPr>
+          <p:cNvSpPr>
+            <a:spLocks/>
+          </p:cNvSpPr>
+          <p:nvPr/>
+        </p:nvSpPr>
+        <p:spPr>
+          <a:xfrm flipH="1">
+            <a:off x="359131" y="4865109"/>
+            <a:ext cx="631811" cy="177846"/>
+          </a:xfrm>
+          <a:prstGeom prst="curvedUpArrow">
+            <a:avLst/>
+          </a:prstGeom>
+        </p:spPr>
+        <p:style>
+          <a:lnRef idx="2">
+            <a:schemeClr val="accent1">
+              <a:shade val="50000"/>
+            </a:schemeClr>
+          </a:lnRef>
+          <a:fillRef idx="1">
+            <a:schemeClr val="accent1"/>
+          </a:fillRef>
+          <a:effectRef idx="0">
+            <a:schemeClr val="accent1"/>
+          </a:effectRef>
+          <a:fontRef idx="minor">
+            <a:schemeClr val="lt1"/>
+          </a:fontRef>
+        </p:style>
+        <p:txBody>
+          <a:bodyPr rtlCol="0" anchor="ctr"/>
+          <a:lstStyle/>
+          <a:p>
+            <a:pPr algn="ctr"/>
+            <a:endParaRPr kumimoji="1" lang="ja-JP" altLang="en-US">
+              <a:solidFill>
+                <a:schemeClr val="tx1"/>
+              </a:solidFill>
+            </a:endParaRPr>
+          </a:p>
+        </p:txBody>
+      </p:sp>
+      <p:pic>
+        <p:nvPicPr>
+          <p:cNvPr id="97" name="図 96">
+            <a:extLst>
+              <a:ext uri="{FF2B5EF4-FFF2-40B4-BE49-F238E27FC236}">
+                <a16:creationId xmlns:a16="http://schemas.microsoft.com/office/drawing/2014/main" id="{081CEFF9-CD0F-4B00-6DA0-694F537810B2}"/>
+              </a:ext>
+            </a:extLst>
+          </p:cNvPr>
+          <p:cNvPicPr>
+            <a:picLocks noChangeAspect="1"/>
+          </p:cNvPicPr>
+          <p:nvPr/>
+        </p:nvPicPr>
+        <p:blipFill>
+          <a:blip r:embed="rId2">
+            <a:extLst>
+              <a:ext uri="{28A0092B-C50C-407E-A947-70E740481C1C}">
+                <a14:useLocalDpi xmlns:a14="http://schemas.microsoft.com/office/drawing/2010/main" val="0"/>
+              </a:ext>
+            </a:extLst>
+          </a:blip>
+          <a:srcRect/>
+          <a:stretch/>
+        </p:blipFill>
+        <p:spPr>
+          <a:xfrm flipH="1">
+            <a:off x="365165" y="4419585"/>
+            <a:ext cx="594655" cy="564519"/>
+          </a:xfrm>
+          <a:prstGeom prst="rect">
+            <a:avLst/>
+          </a:prstGeom>
+          <a:effectLst/>
+        </p:spPr>
+      </p:pic>
+      <p:sp>
+        <p:nvSpPr>
+          <p:cNvPr id="36" name="テキスト ボックス 35">
+            <a:extLst>
+              <a:ext uri="{FF2B5EF4-FFF2-40B4-BE49-F238E27FC236}">
+                <a16:creationId xmlns:a16="http://schemas.microsoft.com/office/drawing/2014/main" id="{8DF925B7-0EF1-1AAC-4B90-177874B34AFE}"/>
               </a:ext>
             </a:extLst>
           </p:cNvPr>
@@ -5019,8 +6778,8 @@
         </p:nvSpPr>
         <p:spPr>
           <a:xfrm>
-            <a:off x="7272354" y="1903717"/>
-            <a:ext cx="3525324" cy="523220"/>
+            <a:off x="1197235" y="4458185"/>
+            <a:ext cx="697627" cy="400110"/>
           </a:xfrm>
           <a:prstGeom prst="rect">
             <a:avLst/>
@@ -5033,6 +6792,69 @@
           </a:bodyPr>
           <a:lstStyle/>
           <a:p>
+            <a:r>
+              <a:rPr kumimoji="1" lang="ja-JP" altLang="en-US" sz="2000" dirty="0">
+                <a:effectLst>
+                  <a:glow rad="127000">
+                    <a:schemeClr val="bg1"/>
+                  </a:glow>
+                  <a:outerShdw blurRad="38100" dist="38100" dir="2700000" algn="tl">
+                    <a:srgbClr val="000000">
+                      <a:alpha val="43137"/>
+                    </a:srgbClr>
+                  </a:outerShdw>
+                </a:effectLst>
+                <a:latin typeface="HGP創英角ｺﾞｼｯｸUB" panose="020B0900000000000000" pitchFamily="50" charset="-128"/>
+                <a:ea typeface="HGP創英角ｺﾞｼｯｸUB" panose="020B0900000000000000" pitchFamily="50" charset="-128"/>
+              </a:rPr>
+              <a:t>旋回</a:t>
+            </a:r>
+            <a:endParaRPr kumimoji="1" lang="en-US" altLang="ja-JP" sz="2000" dirty="0">
+              <a:effectLst>
+                <a:glow rad="127000">
+                  <a:schemeClr val="bg1"/>
+                </a:glow>
+                <a:outerShdw blurRad="38100" dist="38100" dir="2700000" algn="tl">
+                  <a:srgbClr val="000000">
+                    <a:alpha val="43137"/>
+                  </a:srgbClr>
+                </a:outerShdw>
+              </a:effectLst>
+              <a:latin typeface="HGP創英角ｺﾞｼｯｸUB" panose="020B0900000000000000" pitchFamily="50" charset="-128"/>
+              <a:ea typeface="HGP創英角ｺﾞｼｯｸUB" panose="020B0900000000000000" pitchFamily="50" charset="-128"/>
+            </a:endParaRPr>
+          </a:p>
+        </p:txBody>
+      </p:sp>
+      <p:sp>
+        <p:nvSpPr>
+          <p:cNvPr id="9" name="テキスト ボックス 8">
+            <a:extLst>
+              <a:ext uri="{FF2B5EF4-FFF2-40B4-BE49-F238E27FC236}">
+                <a16:creationId xmlns:a16="http://schemas.microsoft.com/office/drawing/2014/main" id="{2742D42E-A927-21D1-1E06-83C343AA5AC4}"/>
+              </a:ext>
+            </a:extLst>
+          </p:cNvPr>
+          <p:cNvSpPr txBox="1"/>
+          <p:nvPr/>
+        </p:nvSpPr>
+        <p:spPr>
+          <a:xfrm>
+            <a:off x="0" y="913458"/>
+            <a:ext cx="6609502" cy="1015663"/>
+          </a:xfrm>
+          <a:prstGeom prst="rect">
+            <a:avLst/>
+          </a:prstGeom>
+          <a:noFill/>
+        </p:spPr>
+        <p:txBody>
+          <a:bodyPr wrap="none" rtlCol="0">
+            <a:spAutoFit/>
+          </a:bodyPr>
+          <a:lstStyle/>
+          <a:p>
+            <a:pPr algn="ctr"/>
             <a:r>
               <a:rPr kumimoji="1" lang="ja-JP" altLang="en-US" sz="2800" dirty="0">
                 <a:effectLst>
@@ -5048,8 +6870,25 @@
                 <a:latin typeface="HGP創英角ｺﾞｼｯｸUB" panose="020B0900000000000000" pitchFamily="50" charset="-128"/>
                 <a:ea typeface="HGP創英角ｺﾞｼｯｸUB" panose="020B0900000000000000" pitchFamily="50" charset="-128"/>
               </a:rPr>
-              <a:t>狭い路地</a:t>
-            </a:r>
+              <a:t>警察に見つかると追跡してくる</a:t>
+            </a:r>
+            <a:endParaRPr kumimoji="1" lang="en-US" altLang="ja-JP" sz="2800" dirty="0">
+              <a:effectLst>
+                <a:glow rad="127000">
+                  <a:schemeClr val="bg1"/>
+                </a:glow>
+                <a:outerShdw blurRad="38100" dist="38100" dir="2700000" algn="tl">
+                  <a:srgbClr val="000000">
+                    <a:alpha val="43137"/>
+                  </a:srgbClr>
+                </a:outerShdw>
+              </a:effectLst>
+              <a:latin typeface="HGP創英角ｺﾞｼｯｸUB" panose="020B0900000000000000" pitchFamily="50" charset="-128"/>
+              <a:ea typeface="HGP創英角ｺﾞｼｯｸUB" panose="020B0900000000000000" pitchFamily="50" charset="-128"/>
+            </a:endParaRPr>
+          </a:p>
+          <a:p>
+            <a:pPr algn="ctr"/>
             <a:r>
               <a:rPr lang="ja-JP" altLang="en-US" sz="2800" dirty="0">
                 <a:effectLst>
@@ -5065,7 +6904,95 @@
                 <a:latin typeface="HGP創英角ｺﾞｼｯｸUB" panose="020B0900000000000000" pitchFamily="50" charset="-128"/>
                 <a:ea typeface="HGP創英角ｺﾞｼｯｸUB" panose="020B0900000000000000" pitchFamily="50" charset="-128"/>
               </a:rPr>
-              <a:t>を</a:t>
+              <a:t>状況によって</a:t>
+            </a:r>
+            <a:r>
+              <a:rPr lang="ja-JP" altLang="en-US" sz="3200" dirty="0">
+                <a:solidFill>
+                  <a:srgbClr val="FF0000"/>
+                </a:solidFill>
+                <a:effectLst>
+                  <a:glow rad="127000">
+                    <a:schemeClr val="bg1"/>
+                  </a:glow>
+                  <a:outerShdw blurRad="38100" dist="38100" dir="2700000" algn="tl">
+                    <a:srgbClr val="000000">
+                      <a:alpha val="43137"/>
+                    </a:srgbClr>
+                  </a:outerShdw>
+                </a:effectLst>
+                <a:latin typeface="HGP創英角ｺﾞｼｯｸUB" panose="020B0900000000000000" pitchFamily="50" charset="-128"/>
+                <a:ea typeface="HGP創英角ｺﾞｼｯｸUB" panose="020B0900000000000000" pitchFamily="50" charset="-128"/>
+              </a:rPr>
+              <a:t>バレるまでの距離が変わる</a:t>
+            </a:r>
+            <a:endParaRPr kumimoji="1" lang="ja-JP" altLang="en-US" sz="2800" dirty="0">
+              <a:solidFill>
+                <a:srgbClr val="FF0000"/>
+              </a:solidFill>
+              <a:effectLst>
+                <a:glow rad="127000">
+                  <a:schemeClr val="bg1"/>
+                </a:glow>
+                <a:outerShdw blurRad="38100" dist="38100" dir="2700000" algn="tl">
+                  <a:srgbClr val="000000">
+                    <a:alpha val="43137"/>
+                  </a:srgbClr>
+                </a:outerShdw>
+              </a:effectLst>
+              <a:latin typeface="HGP創英角ｺﾞｼｯｸUB" panose="020B0900000000000000" pitchFamily="50" charset="-128"/>
+              <a:ea typeface="HGP創英角ｺﾞｼｯｸUB" panose="020B0900000000000000" pitchFamily="50" charset="-128"/>
+            </a:endParaRPr>
+          </a:p>
+        </p:txBody>
+      </p:sp>
+      <p:sp>
+        <p:nvSpPr>
+          <p:cNvPr id="11" name="テキスト ボックス 10">
+            <a:extLst>
+              <a:ext uri="{FF2B5EF4-FFF2-40B4-BE49-F238E27FC236}">
+                <a16:creationId xmlns:a16="http://schemas.microsoft.com/office/drawing/2014/main" id="{9436EA0D-C9BA-840B-F7DD-8AFA48F3140A}"/>
+              </a:ext>
+            </a:extLst>
+          </p:cNvPr>
+          <p:cNvSpPr txBox="1"/>
+          <p:nvPr/>
+        </p:nvSpPr>
+        <p:spPr>
+          <a:xfrm>
+            <a:off x="8826405" y="3769213"/>
+            <a:ext cx="2908168" cy="1015663"/>
+          </a:xfrm>
+          <a:prstGeom prst="rect">
+            <a:avLst/>
+          </a:prstGeom>
+          <a:noFill/>
+        </p:spPr>
+        <p:txBody>
+          <a:bodyPr wrap="none" rtlCol="0">
+            <a:spAutoFit/>
+          </a:bodyPr>
+          <a:lstStyle/>
+          <a:p>
+            <a:r>
+              <a:rPr kumimoji="1" lang="ja-JP" altLang="en-US" sz="3200" dirty="0">
+                <a:solidFill>
+                  <a:srgbClr val="FF0000"/>
+                </a:solidFill>
+                <a:effectLst>
+                  <a:glow rad="127000">
+                    <a:schemeClr val="bg1"/>
+                  </a:glow>
+                  <a:outerShdw blurRad="38100" dist="38100" dir="2700000" algn="tl">
+                    <a:srgbClr val="000000">
+                      <a:alpha val="43137"/>
+                    </a:srgbClr>
+                  </a:outerShdw>
+                </a:effectLst>
+                <a:latin typeface="HGP創英角ｺﾞｼｯｸUB" panose="020B0900000000000000" pitchFamily="50" charset="-128"/>
+                <a:ea typeface="HGP創英角ｺﾞｼｯｸUB" panose="020B0900000000000000" pitchFamily="50" charset="-128"/>
+              </a:rPr>
+              <a:t>ニトロで加速</a:t>
             </a:r>
             <a:r>
               <a:rPr kumimoji="1" lang="ja-JP" altLang="en-US" sz="2800" dirty="0">
@@ -5082,17 +7009,64 @@
                 <a:latin typeface="HGP創英角ｺﾞｼｯｸUB" panose="020B0900000000000000" pitchFamily="50" charset="-128"/>
                 <a:ea typeface="HGP創英角ｺﾞｼｯｸUB" panose="020B0900000000000000" pitchFamily="50" charset="-128"/>
               </a:rPr>
-              <a:t>通り抜けろ</a:t>
-            </a:r>
-          </a:p>
-        </p:txBody>
-      </p:sp>
-      <p:sp>
-        <p:nvSpPr>
-          <p:cNvPr id="13" name="テキスト ボックス 12">
-            <a:extLst>
-              <a:ext uri="{FF2B5EF4-FFF2-40B4-BE49-F238E27FC236}">
-                <a16:creationId xmlns:a16="http://schemas.microsoft.com/office/drawing/2014/main" id="{04EF476C-CCA6-DAC3-5909-2213B7BC81EE}"/>
+              <a:t>して</a:t>
+            </a:r>
+            <a:endParaRPr kumimoji="1" lang="en-US" altLang="ja-JP" sz="2800" dirty="0">
+              <a:effectLst>
+                <a:glow rad="127000">
+                  <a:schemeClr val="bg1"/>
+                </a:glow>
+                <a:outerShdw blurRad="38100" dist="38100" dir="2700000" algn="tl">
+                  <a:srgbClr val="000000">
+                    <a:alpha val="43137"/>
+                  </a:srgbClr>
+                </a:outerShdw>
+              </a:effectLst>
+              <a:latin typeface="HGP創英角ｺﾞｼｯｸUB" panose="020B0900000000000000" pitchFamily="50" charset="-128"/>
+              <a:ea typeface="HGP創英角ｺﾞｼｯｸUB" panose="020B0900000000000000" pitchFamily="50" charset="-128"/>
+            </a:endParaRPr>
+          </a:p>
+          <a:p>
+            <a:r>
+              <a:rPr kumimoji="1" lang="ja-JP" altLang="en-US" sz="2800" dirty="0">
+                <a:effectLst>
+                  <a:glow rad="127000">
+                    <a:schemeClr val="bg1"/>
+                  </a:glow>
+                  <a:outerShdw blurRad="38100" dist="38100" dir="2700000" algn="tl">
+                    <a:srgbClr val="000000">
+                      <a:alpha val="43137"/>
+                    </a:srgbClr>
+                  </a:outerShdw>
+                </a:effectLst>
+                <a:latin typeface="HGP創英角ｺﾞｼｯｸUB" panose="020B0900000000000000" pitchFamily="50" charset="-128"/>
+                <a:ea typeface="HGP創英角ｺﾞｼｯｸUB" panose="020B0900000000000000" pitchFamily="50" charset="-128"/>
+              </a:rPr>
+              <a:t>警察を撒こう</a:t>
+            </a:r>
+            <a:endParaRPr kumimoji="1" lang="en-US" altLang="ja-JP" sz="2800" dirty="0">
+              <a:effectLst>
+                <a:glow rad="127000">
+                  <a:schemeClr val="bg1"/>
+                </a:glow>
+                <a:outerShdw blurRad="38100" dist="38100" dir="2700000" algn="tl">
+                  <a:srgbClr val="000000">
+                    <a:alpha val="43137"/>
+                  </a:srgbClr>
+                </a:outerShdw>
+              </a:effectLst>
+              <a:latin typeface="HGP創英角ｺﾞｼｯｸUB" panose="020B0900000000000000" pitchFamily="50" charset="-128"/>
+              <a:ea typeface="HGP創英角ｺﾞｼｯｸUB" panose="020B0900000000000000" pitchFamily="50" charset="-128"/>
+            </a:endParaRPr>
+          </a:p>
+        </p:txBody>
+      </p:sp>
+      <p:sp>
+        <p:nvSpPr>
+          <p:cNvPr id="12" name="テキスト ボックス 11">
+            <a:extLst>
+              <a:ext uri="{FF2B5EF4-FFF2-40B4-BE49-F238E27FC236}">
+                <a16:creationId xmlns:a16="http://schemas.microsoft.com/office/drawing/2014/main" id="{FE4A51E7-E36C-84A8-B7E0-48CE8AC33476}"/>
               </a:ext>
             </a:extLst>
           </p:cNvPr>
@@ -5101,8 +7075,8 @@
         </p:nvSpPr>
         <p:spPr>
           <a:xfrm>
-            <a:off x="6341804" y="5074877"/>
-            <a:ext cx="5654112" cy="954107"/>
+            <a:off x="6958026" y="1724036"/>
+            <a:ext cx="5052986" cy="1015663"/>
           </a:xfrm>
           <a:prstGeom prst="rect">
             <a:avLst/>
@@ -5115,6 +7089,59 @@
           </a:bodyPr>
           <a:lstStyle/>
           <a:p>
+            <a:r>
+              <a:rPr kumimoji="1" lang="ja-JP" altLang="en-US" sz="2800" dirty="0">
+                <a:effectLst>
+                  <a:glow rad="127000">
+                    <a:schemeClr val="bg1"/>
+                  </a:glow>
+                  <a:outerShdw blurRad="38100" dist="38100" dir="2700000" algn="tl">
+                    <a:srgbClr val="000000">
+                      <a:alpha val="43137"/>
+                    </a:srgbClr>
+                  </a:outerShdw>
+                </a:effectLst>
+                <a:latin typeface="HGP創英角ｺﾞｼｯｸUB" panose="020B0900000000000000" pitchFamily="50" charset="-128"/>
+                <a:ea typeface="HGP創英角ｺﾞｼｯｸUB" panose="020B0900000000000000" pitchFamily="50" charset="-128"/>
+              </a:rPr>
+              <a:t>同じ場所で旋回し続けるなどの</a:t>
+            </a:r>
+            <a:endParaRPr kumimoji="1" lang="en-US" altLang="ja-JP" sz="2800" dirty="0">
+              <a:effectLst>
+                <a:glow rad="127000">
+                  <a:schemeClr val="bg1"/>
+                </a:glow>
+                <a:outerShdw blurRad="38100" dist="38100" dir="2700000" algn="tl">
+                  <a:srgbClr val="000000">
+                    <a:alpha val="43137"/>
+                  </a:srgbClr>
+                </a:outerShdw>
+              </a:effectLst>
+              <a:latin typeface="HGP創英角ｺﾞｼｯｸUB" panose="020B0900000000000000" pitchFamily="50" charset="-128"/>
+              <a:ea typeface="HGP創英角ｺﾞｼｯｸUB" panose="020B0900000000000000" pitchFamily="50" charset="-128"/>
+            </a:endParaRPr>
+          </a:p>
+          <a:p>
+            <a:r>
+              <a:rPr lang="ja-JP" altLang="en-US" sz="3200" dirty="0">
+                <a:solidFill>
+                  <a:srgbClr val="FF0000"/>
+                </a:solidFill>
+                <a:effectLst>
+                  <a:glow rad="127000">
+                    <a:schemeClr val="bg1"/>
+                  </a:glow>
+                  <a:outerShdw blurRad="38100" dist="38100" dir="2700000" algn="tl">
+                    <a:srgbClr val="000000">
+                      <a:alpha val="43137"/>
+                    </a:srgbClr>
+                  </a:outerShdw>
+                </a:effectLst>
+                <a:latin typeface="HGP創英角ｺﾞｼｯｸUB" panose="020B0900000000000000" pitchFamily="50" charset="-128"/>
+                <a:ea typeface="HGP創英角ｺﾞｼｯｸUB" panose="020B0900000000000000" pitchFamily="50" charset="-128"/>
+              </a:rPr>
+              <a:t>怪しい動きに警察は反応</a:t>
+            </a:r>
             <a:r>
               <a:rPr lang="ja-JP" altLang="en-US" sz="2800" dirty="0">
                 <a:effectLst>
@@ -5130,7 +7157,69 @@
                 <a:latin typeface="HGP創英角ｺﾞｼｯｸUB" panose="020B0900000000000000" pitchFamily="50" charset="-128"/>
                 <a:ea typeface="HGP創英角ｺﾞｼｯｸUB" panose="020B0900000000000000" pitchFamily="50" charset="-128"/>
               </a:rPr>
-              <a:t>ブレーキや壁にぶつかって停止すると</a:t>
+              <a:t>する</a:t>
+            </a:r>
+            <a:endParaRPr kumimoji="1" lang="en-US" altLang="ja-JP" sz="2800" dirty="0">
+              <a:effectLst>
+                <a:glow rad="127000">
+                  <a:schemeClr val="bg1"/>
+                </a:glow>
+                <a:outerShdw blurRad="38100" dist="38100" dir="2700000" algn="tl">
+                  <a:srgbClr val="000000">
+                    <a:alpha val="43137"/>
+                  </a:srgbClr>
+                </a:outerShdw>
+              </a:effectLst>
+              <a:latin typeface="HGP創英角ｺﾞｼｯｸUB" panose="020B0900000000000000" pitchFamily="50" charset="-128"/>
+              <a:ea typeface="HGP創英角ｺﾞｼｯｸUB" panose="020B0900000000000000" pitchFamily="50" charset="-128"/>
+            </a:endParaRPr>
+          </a:p>
+        </p:txBody>
+      </p:sp>
+      <p:sp>
+        <p:nvSpPr>
+          <p:cNvPr id="5" name="テキスト ボックス 4">
+            <a:extLst>
+              <a:ext uri="{FF2B5EF4-FFF2-40B4-BE49-F238E27FC236}">
+                <a16:creationId xmlns:a16="http://schemas.microsoft.com/office/drawing/2014/main" id="{C0B34E16-9C9C-1373-D26A-A5CE579EE149}"/>
+              </a:ext>
+            </a:extLst>
+          </p:cNvPr>
+          <p:cNvSpPr txBox="1"/>
+          <p:nvPr/>
+        </p:nvSpPr>
+        <p:spPr>
+          <a:xfrm>
+            <a:off x="5364560" y="5296566"/>
+            <a:ext cx="6923690" cy="1015663"/>
+          </a:xfrm>
+          <a:prstGeom prst="rect">
+            <a:avLst/>
+          </a:prstGeom>
+          <a:noFill/>
+        </p:spPr>
+        <p:txBody>
+          <a:bodyPr wrap="none">
+            <a:spAutoFit/>
+          </a:bodyPr>
+          <a:lstStyle/>
+          <a:p>
+            <a:r>
+              <a:rPr lang="ja-JP" altLang="en-US" sz="2800" dirty="0">
+                <a:effectLst>
+                  <a:glow rad="127000">
+                    <a:schemeClr val="bg1"/>
+                  </a:glow>
+                  <a:outerShdw blurRad="38100" dist="38100" dir="2700000" algn="tl">
+                    <a:srgbClr val="000000">
+                      <a:alpha val="43137"/>
+                    </a:srgbClr>
+                  </a:outerShdw>
+                </a:effectLst>
+                <a:latin typeface="HGP創英角ｺﾞｼｯｸUB" panose="020B0900000000000000" pitchFamily="50" charset="-128"/>
+                <a:ea typeface="HGP創英角ｺﾞｼｯｸUB" panose="020B0900000000000000" pitchFamily="50" charset="-128"/>
+              </a:rPr>
+              <a:t>ニトロはいつでも発動できるが発動しすぎると</a:t>
             </a:r>
             <a:endParaRPr lang="en-US" altLang="ja-JP" sz="2800" dirty="0">
               <a:effectLst>
@@ -5149,6 +7238,2915 @@
           </a:p>
           <a:p>
             <a:r>
+              <a:rPr lang="ja-JP" altLang="en-US" sz="2800" dirty="0">
+                <a:effectLst>
+                  <a:glow rad="127000">
+                    <a:schemeClr val="bg1"/>
+                  </a:glow>
+                  <a:outerShdw blurRad="38100" dist="38100" dir="2700000" algn="tl">
+                    <a:srgbClr val="000000">
+                      <a:alpha val="43137"/>
+                    </a:srgbClr>
+                  </a:outerShdw>
+                </a:effectLst>
+                <a:latin typeface="HGP創英角ｺﾞｼｯｸUB" panose="020B0900000000000000" pitchFamily="50" charset="-128"/>
+                <a:ea typeface="HGP創英角ｺﾞｼｯｸUB" panose="020B0900000000000000" pitchFamily="50" charset="-128"/>
+              </a:rPr>
+              <a:t>ダメージを負って煙で</a:t>
+            </a:r>
+            <a:r>
+              <a:rPr lang="ja-JP" altLang="en-US" sz="3200" dirty="0">
+                <a:solidFill>
+                  <a:srgbClr val="FF0000"/>
+                </a:solidFill>
+                <a:effectLst>
+                  <a:glow rad="127000">
+                    <a:schemeClr val="bg1"/>
+                  </a:glow>
+                  <a:outerShdw blurRad="38100" dist="38100" dir="2700000" algn="tl">
+                    <a:srgbClr val="000000">
+                      <a:alpha val="43137"/>
+                    </a:srgbClr>
+                  </a:outerShdw>
+                </a:effectLst>
+                <a:latin typeface="HGP創英角ｺﾞｼｯｸUB" panose="020B0900000000000000" pitchFamily="50" charset="-128"/>
+                <a:ea typeface="HGP創英角ｺﾞｼｯｸUB" panose="020B0900000000000000" pitchFamily="50" charset="-128"/>
+              </a:rPr>
+              <a:t>警察にバレやすくなる</a:t>
+            </a:r>
+            <a:endParaRPr lang="en-US" altLang="ja-JP" sz="2800" dirty="0">
+              <a:solidFill>
+                <a:srgbClr val="FF0000"/>
+              </a:solidFill>
+              <a:effectLst>
+                <a:glow rad="127000">
+                  <a:schemeClr val="bg1"/>
+                </a:glow>
+                <a:outerShdw blurRad="38100" dist="38100" dir="2700000" algn="tl">
+                  <a:srgbClr val="000000">
+                    <a:alpha val="43137"/>
+                  </a:srgbClr>
+                </a:outerShdw>
+              </a:effectLst>
+              <a:latin typeface="HGP創英角ｺﾞｼｯｸUB" panose="020B0900000000000000" pitchFamily="50" charset="-128"/>
+              <a:ea typeface="HGP創英角ｺﾞｼｯｸUB" panose="020B0900000000000000" pitchFamily="50" charset="-128"/>
+            </a:endParaRPr>
+          </a:p>
+        </p:txBody>
+      </p:sp>
+      <p:sp>
+        <p:nvSpPr>
+          <p:cNvPr id="18" name="テキスト ボックス 17">
+            <a:extLst>
+              <a:ext uri="{FF2B5EF4-FFF2-40B4-BE49-F238E27FC236}">
+                <a16:creationId xmlns:a16="http://schemas.microsoft.com/office/drawing/2014/main" id="{EA399A61-6D08-D2BD-B140-DC11B012E31A}"/>
+              </a:ext>
+            </a:extLst>
+          </p:cNvPr>
+          <p:cNvSpPr txBox="1">
+            <a:spLocks/>
+          </p:cNvSpPr>
+          <p:nvPr/>
+        </p:nvSpPr>
+        <p:spPr>
+          <a:xfrm>
+            <a:off x="1344603" y="3257887"/>
+            <a:ext cx="441146" cy="400110"/>
+          </a:xfrm>
+          <a:prstGeom prst="rect">
+            <a:avLst/>
+          </a:prstGeom>
+          <a:noFill/>
+        </p:spPr>
+        <p:txBody>
+          <a:bodyPr wrap="none" rtlCol="0">
+            <a:spAutoFit/>
+          </a:bodyPr>
+          <a:lstStyle/>
+          <a:p>
+            <a:r>
+              <a:rPr kumimoji="1" lang="ja-JP" altLang="en-US" sz="2000" dirty="0">
+                <a:effectLst>
+                  <a:glow rad="127000">
+                    <a:schemeClr val="bg1"/>
+                  </a:glow>
+                  <a:outerShdw blurRad="38100" dist="38100" dir="2700000" algn="tl">
+                    <a:srgbClr val="000000">
+                      <a:alpha val="43137"/>
+                    </a:srgbClr>
+                  </a:outerShdw>
+                </a:effectLst>
+                <a:latin typeface="HGP創英角ｺﾞｼｯｸUB" panose="020B0900000000000000" pitchFamily="50" charset="-128"/>
+                <a:ea typeface="HGP創英角ｺﾞｼｯｸUB" panose="020B0900000000000000" pitchFamily="50" charset="-128"/>
+              </a:rPr>
+              <a:t>傷</a:t>
+            </a:r>
+            <a:endParaRPr kumimoji="1" lang="en-US" altLang="ja-JP" sz="2000" dirty="0">
+              <a:effectLst>
+                <a:glow rad="127000">
+                  <a:schemeClr val="bg1"/>
+                </a:glow>
+                <a:outerShdw blurRad="38100" dist="38100" dir="2700000" algn="tl">
+                  <a:srgbClr val="000000">
+                    <a:alpha val="43137"/>
+                  </a:srgbClr>
+                </a:outerShdw>
+              </a:effectLst>
+              <a:latin typeface="HGP創英角ｺﾞｼｯｸUB" panose="020B0900000000000000" pitchFamily="50" charset="-128"/>
+              <a:ea typeface="HGP創英角ｺﾞｼｯｸUB" panose="020B0900000000000000" pitchFamily="50" charset="-128"/>
+            </a:endParaRPr>
+          </a:p>
+        </p:txBody>
+      </p:sp>
+      <p:pic>
+        <p:nvPicPr>
+          <p:cNvPr id="3" name="グラフィックス 2" descr="警察官男性 単色塗りつぶし">
+            <a:extLst>
+              <a:ext uri="{FF2B5EF4-FFF2-40B4-BE49-F238E27FC236}">
+                <a16:creationId xmlns:a16="http://schemas.microsoft.com/office/drawing/2014/main" id="{F3792101-69DC-641E-08AA-CAB4B9E0BF55}"/>
+              </a:ext>
+            </a:extLst>
+          </p:cNvPr>
+          <p:cNvPicPr>
+            <a:picLocks noChangeAspect="1"/>
+          </p:cNvPicPr>
+          <p:nvPr/>
+        </p:nvPicPr>
+        <p:blipFill>
+          <a:blip r:embed="rId3">
+            <a:extLst>
+              <a:ext uri="{96DAC541-7B7A-43D3-8B79-37D633B846F1}">
+                <asvg:svgBlip xmlns:asvg="http://schemas.microsoft.com/office/drawing/2016/SVG/main" r:embed="rId4"/>
+              </a:ext>
+            </a:extLst>
+          </a:blip>
+          <a:stretch>
+            <a:fillRect/>
+          </a:stretch>
+        </p:blipFill>
+        <p:spPr>
+          <a:xfrm>
+            <a:off x="3471344" y="3234733"/>
+            <a:ext cx="507594" cy="507594"/>
+          </a:xfrm>
+          <a:prstGeom prst="rect">
+            <a:avLst/>
+          </a:prstGeom>
+          <a:effectLst>
+            <a:outerShdw blurRad="50800" dist="38100" dir="2700000" algn="tl" rotWithShape="0">
+              <a:prstClr val="black">
+                <a:alpha val="40000"/>
+              </a:prstClr>
+            </a:outerShdw>
+          </a:effectLst>
+        </p:spPr>
+      </p:pic>
+      <p:sp>
+        <p:nvSpPr>
+          <p:cNvPr id="20" name="テキスト ボックス 19">
+            <a:extLst>
+              <a:ext uri="{FF2B5EF4-FFF2-40B4-BE49-F238E27FC236}">
+                <a16:creationId xmlns:a16="http://schemas.microsoft.com/office/drawing/2014/main" id="{2721DF3B-20AE-A71F-F45D-7CE4C04E308A}"/>
+              </a:ext>
+            </a:extLst>
+          </p:cNvPr>
+          <p:cNvSpPr txBox="1"/>
+          <p:nvPr/>
+        </p:nvSpPr>
+        <p:spPr>
+          <a:xfrm>
+            <a:off x="3725141" y="3085024"/>
+            <a:ext cx="395549" cy="370827"/>
+          </a:xfrm>
+          <a:prstGeom prst="rect">
+            <a:avLst/>
+          </a:prstGeom>
+          <a:noFill/>
+        </p:spPr>
+        <p:txBody>
+          <a:bodyPr wrap="none" rtlCol="0">
+            <a:spAutoFit/>
+          </a:bodyPr>
+          <a:lstStyle/>
+          <a:p>
+            <a:r>
+              <a:rPr lang="ja-JP" altLang="en-US" sz="2400" dirty="0">
+                <a:solidFill>
+                  <a:srgbClr val="FF0000"/>
+                </a:solidFill>
+                <a:effectLst>
+                  <a:glow rad="127000">
+                    <a:schemeClr val="bg1"/>
+                  </a:glow>
+                  <a:outerShdw blurRad="38100" dist="38100" dir="2700000" algn="tl">
+                    <a:srgbClr val="000000">
+                      <a:alpha val="43137"/>
+                    </a:srgbClr>
+                  </a:outerShdw>
+                </a:effectLst>
+                <a:latin typeface="HGP創英角ｺﾞｼｯｸUB" panose="020B0900000000000000" pitchFamily="50" charset="-128"/>
+                <a:ea typeface="HGP創英角ｺﾞｼｯｸUB" panose="020B0900000000000000" pitchFamily="50" charset="-128"/>
+              </a:rPr>
+              <a:t>！</a:t>
+            </a:r>
+            <a:endParaRPr kumimoji="1" lang="en-US" altLang="ja-JP" sz="2400" dirty="0">
+              <a:solidFill>
+                <a:srgbClr val="FF0000"/>
+              </a:solidFill>
+              <a:effectLst>
+                <a:glow rad="127000">
+                  <a:schemeClr val="bg1"/>
+                </a:glow>
+                <a:outerShdw blurRad="38100" dist="38100" dir="2700000" algn="tl">
+                  <a:srgbClr val="000000">
+                    <a:alpha val="43137"/>
+                  </a:srgbClr>
+                </a:outerShdw>
+              </a:effectLst>
+              <a:latin typeface="HGP創英角ｺﾞｼｯｸUB" panose="020B0900000000000000" pitchFamily="50" charset="-128"/>
+              <a:ea typeface="HGP創英角ｺﾞｼｯｸUB" panose="020B0900000000000000" pitchFamily="50" charset="-128"/>
+            </a:endParaRPr>
+          </a:p>
+        </p:txBody>
+      </p:sp>
+      <p:pic>
+        <p:nvPicPr>
+          <p:cNvPr id="24" name="図 23">
+            <a:extLst>
+              <a:ext uri="{FF2B5EF4-FFF2-40B4-BE49-F238E27FC236}">
+                <a16:creationId xmlns:a16="http://schemas.microsoft.com/office/drawing/2014/main" id="{2E66D420-1796-9A39-C4D6-E952954169E0}"/>
+              </a:ext>
+            </a:extLst>
+          </p:cNvPr>
+          <p:cNvPicPr>
+            <a:picLocks noChangeAspect="1"/>
+          </p:cNvPicPr>
+          <p:nvPr/>
+        </p:nvPicPr>
+        <p:blipFill>
+          <a:blip r:embed="rId5">
+            <a:extLst>
+              <a:ext uri="{28A0092B-C50C-407E-A947-70E740481C1C}">
+                <a14:useLocalDpi xmlns:a14="http://schemas.microsoft.com/office/drawing/2010/main" val="0"/>
+              </a:ext>
+            </a:extLst>
+          </a:blip>
+          <a:stretch>
+            <a:fillRect/>
+          </a:stretch>
+        </p:blipFill>
+        <p:spPr>
+          <a:xfrm rot="1503867">
+            <a:off x="869853" y="3706380"/>
+            <a:ext cx="315640" cy="466463"/>
+          </a:xfrm>
+          <a:prstGeom prst="rect">
+            <a:avLst/>
+          </a:prstGeom>
+          <a:effectLst/>
+        </p:spPr>
+      </p:pic>
+      <p:pic>
+        <p:nvPicPr>
+          <p:cNvPr id="25" name="図 24">
+            <a:extLst>
+              <a:ext uri="{FF2B5EF4-FFF2-40B4-BE49-F238E27FC236}">
+                <a16:creationId xmlns:a16="http://schemas.microsoft.com/office/drawing/2014/main" id="{42BA996B-0328-9E4E-52D9-EF5FB7186167}"/>
+              </a:ext>
+            </a:extLst>
+          </p:cNvPr>
+          <p:cNvPicPr>
+            <a:picLocks noChangeAspect="1"/>
+          </p:cNvPicPr>
+          <p:nvPr/>
+        </p:nvPicPr>
+        <p:blipFill>
+          <a:blip r:embed="rId5">
+            <a:extLst>
+              <a:ext uri="{28A0092B-C50C-407E-A947-70E740481C1C}">
+                <a14:useLocalDpi xmlns:a14="http://schemas.microsoft.com/office/drawing/2010/main" val="0"/>
+              </a:ext>
+            </a:extLst>
+          </a:blip>
+          <a:stretch>
+            <a:fillRect/>
+          </a:stretch>
+        </p:blipFill>
+        <p:spPr>
+          <a:xfrm rot="20509965">
+            <a:off x="398156" y="3708551"/>
+            <a:ext cx="204688" cy="302494"/>
+          </a:xfrm>
+          <a:prstGeom prst="rect">
+            <a:avLst/>
+          </a:prstGeom>
+          <a:effectLst/>
+        </p:spPr>
+      </p:pic>
+      <p:sp>
+        <p:nvSpPr>
+          <p:cNvPr id="26" name="テキスト ボックス 25">
+            <a:extLst>
+              <a:ext uri="{FF2B5EF4-FFF2-40B4-BE49-F238E27FC236}">
+                <a16:creationId xmlns:a16="http://schemas.microsoft.com/office/drawing/2014/main" id="{9F4EC2D4-42BA-94E5-C037-E66AB4B098EF}"/>
+              </a:ext>
+            </a:extLst>
+          </p:cNvPr>
+          <p:cNvSpPr txBox="1"/>
+          <p:nvPr/>
+        </p:nvSpPr>
+        <p:spPr>
+          <a:xfrm>
+            <a:off x="1323018" y="3885012"/>
+            <a:ext cx="441146" cy="400110"/>
+          </a:xfrm>
+          <a:prstGeom prst="rect">
+            <a:avLst/>
+          </a:prstGeom>
+          <a:noFill/>
+        </p:spPr>
+        <p:txBody>
+          <a:bodyPr wrap="none" rtlCol="0">
+            <a:spAutoFit/>
+          </a:bodyPr>
+          <a:lstStyle/>
+          <a:p>
+            <a:r>
+              <a:rPr lang="ja-JP" altLang="en-US" sz="2000" dirty="0">
+                <a:effectLst>
+                  <a:glow rad="127000">
+                    <a:schemeClr val="bg1"/>
+                  </a:glow>
+                  <a:outerShdw blurRad="38100" dist="38100" dir="2700000" algn="tl">
+                    <a:srgbClr val="000000">
+                      <a:alpha val="43137"/>
+                    </a:srgbClr>
+                  </a:outerShdw>
+                </a:effectLst>
+                <a:latin typeface="HGP創英角ｺﾞｼｯｸUB" panose="020B0900000000000000" pitchFamily="50" charset="-128"/>
+                <a:ea typeface="HGP創英角ｺﾞｼｯｸUB" panose="020B0900000000000000" pitchFamily="50" charset="-128"/>
+              </a:rPr>
+              <a:t>煙</a:t>
+            </a:r>
+            <a:endParaRPr kumimoji="1" lang="en-US" altLang="ja-JP" sz="2000" dirty="0">
+              <a:effectLst>
+                <a:glow rad="127000">
+                  <a:schemeClr val="bg1"/>
+                </a:glow>
+                <a:outerShdw blurRad="38100" dist="38100" dir="2700000" algn="tl">
+                  <a:srgbClr val="000000">
+                    <a:alpha val="43137"/>
+                  </a:srgbClr>
+                </a:outerShdw>
+              </a:effectLst>
+              <a:latin typeface="HGP創英角ｺﾞｼｯｸUB" panose="020B0900000000000000" pitchFamily="50" charset="-128"/>
+              <a:ea typeface="HGP創英角ｺﾞｼｯｸUB" panose="020B0900000000000000" pitchFamily="50" charset="-128"/>
+            </a:endParaRPr>
+          </a:p>
+        </p:txBody>
+      </p:sp>
+      <p:pic>
+        <p:nvPicPr>
+          <p:cNvPr id="28" name="グラフィックス 27" descr="警察官男性 単色塗りつぶし">
+            <a:extLst>
+              <a:ext uri="{FF2B5EF4-FFF2-40B4-BE49-F238E27FC236}">
+                <a16:creationId xmlns:a16="http://schemas.microsoft.com/office/drawing/2014/main" id="{DE863B5F-6CDE-8EE0-F08F-F26572DADC41}"/>
+              </a:ext>
+            </a:extLst>
+          </p:cNvPr>
+          <p:cNvPicPr>
+            <a:picLocks noChangeAspect="1"/>
+          </p:cNvPicPr>
+          <p:nvPr/>
+        </p:nvPicPr>
+        <p:blipFill>
+          <a:blip r:embed="rId3">
+            <a:extLst>
+              <a:ext uri="{96DAC541-7B7A-43D3-8B79-37D633B846F1}">
+                <asvg:svgBlip xmlns:asvg="http://schemas.microsoft.com/office/drawing/2016/SVG/main" r:embed="rId4"/>
+              </a:ext>
+            </a:extLst>
+          </a:blip>
+          <a:stretch>
+            <a:fillRect/>
+          </a:stretch>
+        </p:blipFill>
+        <p:spPr>
+          <a:xfrm>
+            <a:off x="3441917" y="3819611"/>
+            <a:ext cx="507594" cy="507594"/>
+          </a:xfrm>
+          <a:prstGeom prst="rect">
+            <a:avLst/>
+          </a:prstGeom>
+          <a:effectLst>
+            <a:outerShdw blurRad="50800" dist="38100" dir="2700000" algn="tl" rotWithShape="0">
+              <a:prstClr val="black">
+                <a:alpha val="40000"/>
+              </a:prstClr>
+            </a:outerShdw>
+          </a:effectLst>
+        </p:spPr>
+      </p:pic>
+      <p:sp>
+        <p:nvSpPr>
+          <p:cNvPr id="29" name="テキスト ボックス 28">
+            <a:extLst>
+              <a:ext uri="{FF2B5EF4-FFF2-40B4-BE49-F238E27FC236}">
+                <a16:creationId xmlns:a16="http://schemas.microsoft.com/office/drawing/2014/main" id="{B481C74B-C871-37CC-89BE-F4EB5E8E807F}"/>
+              </a:ext>
+            </a:extLst>
+          </p:cNvPr>
+          <p:cNvSpPr txBox="1"/>
+          <p:nvPr/>
+        </p:nvSpPr>
+        <p:spPr>
+          <a:xfrm>
+            <a:off x="3695714" y="3669902"/>
+            <a:ext cx="395549" cy="370827"/>
+          </a:xfrm>
+          <a:prstGeom prst="rect">
+            <a:avLst/>
+          </a:prstGeom>
+          <a:noFill/>
+        </p:spPr>
+        <p:txBody>
+          <a:bodyPr wrap="none" rtlCol="0">
+            <a:spAutoFit/>
+          </a:bodyPr>
+          <a:lstStyle/>
+          <a:p>
+            <a:r>
+              <a:rPr lang="ja-JP" altLang="en-US" sz="2400" dirty="0">
+                <a:solidFill>
+                  <a:srgbClr val="FF0000"/>
+                </a:solidFill>
+                <a:effectLst>
+                  <a:glow rad="127000">
+                    <a:schemeClr val="bg1"/>
+                  </a:glow>
+                  <a:outerShdw blurRad="38100" dist="38100" dir="2700000" algn="tl">
+                    <a:srgbClr val="000000">
+                      <a:alpha val="43137"/>
+                    </a:srgbClr>
+                  </a:outerShdw>
+                </a:effectLst>
+                <a:latin typeface="HGP創英角ｺﾞｼｯｸUB" panose="020B0900000000000000" pitchFamily="50" charset="-128"/>
+                <a:ea typeface="HGP創英角ｺﾞｼｯｸUB" panose="020B0900000000000000" pitchFamily="50" charset="-128"/>
+              </a:rPr>
+              <a:t>！</a:t>
+            </a:r>
+            <a:endParaRPr kumimoji="1" lang="en-US" altLang="ja-JP" sz="2400" dirty="0">
+              <a:solidFill>
+                <a:srgbClr val="FF0000"/>
+              </a:solidFill>
+              <a:effectLst>
+                <a:glow rad="127000">
+                  <a:schemeClr val="bg1"/>
+                </a:glow>
+                <a:outerShdw blurRad="38100" dist="38100" dir="2700000" algn="tl">
+                  <a:srgbClr val="000000">
+                    <a:alpha val="43137"/>
+                  </a:srgbClr>
+                </a:outerShdw>
+              </a:effectLst>
+              <a:latin typeface="HGP創英角ｺﾞｼｯｸUB" panose="020B0900000000000000" pitchFamily="50" charset="-128"/>
+              <a:ea typeface="HGP創英角ｺﾞｼｯｸUB" panose="020B0900000000000000" pitchFamily="50" charset="-128"/>
+            </a:endParaRPr>
+          </a:p>
+        </p:txBody>
+      </p:sp>
+      <p:pic>
+        <p:nvPicPr>
+          <p:cNvPr id="30" name="グラフィックス 29" descr="警察官男性 単色塗りつぶし">
+            <a:extLst>
+              <a:ext uri="{FF2B5EF4-FFF2-40B4-BE49-F238E27FC236}">
+                <a16:creationId xmlns:a16="http://schemas.microsoft.com/office/drawing/2014/main" id="{A5F13771-D36E-BAE6-75A4-6744331B846D}"/>
+              </a:ext>
+            </a:extLst>
+          </p:cNvPr>
+          <p:cNvPicPr>
+            <a:picLocks noChangeAspect="1"/>
+          </p:cNvPicPr>
+          <p:nvPr/>
+        </p:nvPicPr>
+        <p:blipFill>
+          <a:blip r:embed="rId3">
+            <a:extLst>
+              <a:ext uri="{96DAC541-7B7A-43D3-8B79-37D633B846F1}">
+                <asvg:svgBlip xmlns:asvg="http://schemas.microsoft.com/office/drawing/2016/SVG/main" r:embed="rId4"/>
+              </a:ext>
+            </a:extLst>
+          </a:blip>
+          <a:stretch>
+            <a:fillRect/>
+          </a:stretch>
+        </p:blipFill>
+        <p:spPr>
+          <a:xfrm>
+            <a:off x="4527645" y="3842506"/>
+            <a:ext cx="507594" cy="507594"/>
+          </a:xfrm>
+          <a:prstGeom prst="rect">
+            <a:avLst/>
+          </a:prstGeom>
+          <a:effectLst>
+            <a:outerShdw blurRad="50800" dist="38100" dir="2700000" algn="tl" rotWithShape="0">
+              <a:prstClr val="black">
+                <a:alpha val="40000"/>
+              </a:prstClr>
+            </a:outerShdw>
+          </a:effectLst>
+        </p:spPr>
+      </p:pic>
+      <p:sp>
+        <p:nvSpPr>
+          <p:cNvPr id="31" name="テキスト ボックス 30">
+            <a:extLst>
+              <a:ext uri="{FF2B5EF4-FFF2-40B4-BE49-F238E27FC236}">
+                <a16:creationId xmlns:a16="http://schemas.microsoft.com/office/drawing/2014/main" id="{E9366ED7-C493-6A97-DE53-C92E1D5EEB50}"/>
+              </a:ext>
+            </a:extLst>
+          </p:cNvPr>
+          <p:cNvSpPr txBox="1"/>
+          <p:nvPr/>
+        </p:nvSpPr>
+        <p:spPr>
+          <a:xfrm>
+            <a:off x="4781442" y="3692797"/>
+            <a:ext cx="395549" cy="370827"/>
+          </a:xfrm>
+          <a:prstGeom prst="rect">
+            <a:avLst/>
+          </a:prstGeom>
+          <a:noFill/>
+        </p:spPr>
+        <p:txBody>
+          <a:bodyPr wrap="none" rtlCol="0">
+            <a:spAutoFit/>
+          </a:bodyPr>
+          <a:lstStyle/>
+          <a:p>
+            <a:r>
+              <a:rPr lang="ja-JP" altLang="en-US" sz="2400" dirty="0">
+                <a:solidFill>
+                  <a:srgbClr val="FF0000"/>
+                </a:solidFill>
+                <a:effectLst>
+                  <a:glow rad="127000">
+                    <a:schemeClr val="bg1"/>
+                  </a:glow>
+                  <a:outerShdw blurRad="38100" dist="38100" dir="2700000" algn="tl">
+                    <a:srgbClr val="000000">
+                      <a:alpha val="43137"/>
+                    </a:srgbClr>
+                  </a:outerShdw>
+                </a:effectLst>
+                <a:latin typeface="HGP創英角ｺﾞｼｯｸUB" panose="020B0900000000000000" pitchFamily="50" charset="-128"/>
+                <a:ea typeface="HGP創英角ｺﾞｼｯｸUB" panose="020B0900000000000000" pitchFamily="50" charset="-128"/>
+              </a:rPr>
+              <a:t>！</a:t>
+            </a:r>
+            <a:endParaRPr kumimoji="1" lang="en-US" altLang="ja-JP" sz="2400" dirty="0">
+              <a:solidFill>
+                <a:srgbClr val="FF0000"/>
+              </a:solidFill>
+              <a:effectLst>
+                <a:glow rad="127000">
+                  <a:schemeClr val="bg1"/>
+                </a:glow>
+                <a:outerShdw blurRad="38100" dist="38100" dir="2700000" algn="tl">
+                  <a:srgbClr val="000000">
+                    <a:alpha val="43137"/>
+                  </a:srgbClr>
+                </a:outerShdw>
+              </a:effectLst>
+              <a:latin typeface="HGP創英角ｺﾞｼｯｸUB" panose="020B0900000000000000" pitchFamily="50" charset="-128"/>
+              <a:ea typeface="HGP創英角ｺﾞｼｯｸUB" panose="020B0900000000000000" pitchFamily="50" charset="-128"/>
+            </a:endParaRPr>
+          </a:p>
+        </p:txBody>
+      </p:sp>
+      <p:sp>
+        <p:nvSpPr>
+          <p:cNvPr id="37" name="テキスト ボックス 36">
+            <a:extLst>
+              <a:ext uri="{FF2B5EF4-FFF2-40B4-BE49-F238E27FC236}">
+                <a16:creationId xmlns:a16="http://schemas.microsoft.com/office/drawing/2014/main" id="{78C7595B-7632-1724-E5A2-EB582B5DA18B}"/>
+              </a:ext>
+            </a:extLst>
+          </p:cNvPr>
+          <p:cNvSpPr txBox="1"/>
+          <p:nvPr/>
+        </p:nvSpPr>
+        <p:spPr>
+          <a:xfrm>
+            <a:off x="1185959" y="5046997"/>
+            <a:ext cx="697627" cy="400110"/>
+          </a:xfrm>
+          <a:prstGeom prst="rect">
+            <a:avLst/>
+          </a:prstGeom>
+          <a:noFill/>
+        </p:spPr>
+        <p:txBody>
+          <a:bodyPr wrap="none" rtlCol="0">
+            <a:spAutoFit/>
+          </a:bodyPr>
+          <a:lstStyle/>
+          <a:p>
+            <a:r>
+              <a:rPr kumimoji="1" lang="ja-JP" altLang="en-US" sz="2000" dirty="0">
+                <a:effectLst>
+                  <a:glow rad="127000">
+                    <a:schemeClr val="bg1"/>
+                  </a:glow>
+                  <a:outerShdw blurRad="38100" dist="38100" dir="2700000" algn="tl">
+                    <a:srgbClr val="000000">
+                      <a:alpha val="43137"/>
+                    </a:srgbClr>
+                  </a:outerShdw>
+                </a:effectLst>
+                <a:latin typeface="HGP創英角ｺﾞｼｯｸUB" panose="020B0900000000000000" pitchFamily="50" charset="-128"/>
+                <a:ea typeface="HGP創英角ｺﾞｼｯｸUB" panose="020B0900000000000000" pitchFamily="50" charset="-128"/>
+              </a:rPr>
+              <a:t>事故</a:t>
+            </a:r>
+            <a:endParaRPr kumimoji="1" lang="en-US" altLang="ja-JP" sz="2000" dirty="0">
+              <a:effectLst>
+                <a:glow rad="127000">
+                  <a:schemeClr val="bg1"/>
+                </a:glow>
+                <a:outerShdw blurRad="38100" dist="38100" dir="2700000" algn="tl">
+                  <a:srgbClr val="000000">
+                    <a:alpha val="43137"/>
+                  </a:srgbClr>
+                </a:outerShdw>
+              </a:effectLst>
+              <a:latin typeface="HGP創英角ｺﾞｼｯｸUB" panose="020B0900000000000000" pitchFamily="50" charset="-128"/>
+              <a:ea typeface="HGP創英角ｺﾞｼｯｸUB" panose="020B0900000000000000" pitchFamily="50" charset="-128"/>
+            </a:endParaRPr>
+          </a:p>
+        </p:txBody>
+      </p:sp>
+      <p:sp>
+        <p:nvSpPr>
+          <p:cNvPr id="38" name="テキスト ボックス 37">
+            <a:extLst>
+              <a:ext uri="{FF2B5EF4-FFF2-40B4-BE49-F238E27FC236}">
+                <a16:creationId xmlns:a16="http://schemas.microsoft.com/office/drawing/2014/main" id="{C013DC70-DB7D-314F-C47B-3C1A113EF380}"/>
+              </a:ext>
+            </a:extLst>
+          </p:cNvPr>
+          <p:cNvSpPr txBox="1"/>
+          <p:nvPr/>
+        </p:nvSpPr>
+        <p:spPr>
+          <a:xfrm>
+            <a:off x="945589" y="5662802"/>
+            <a:ext cx="1034257" cy="400110"/>
+          </a:xfrm>
+          <a:prstGeom prst="rect">
+            <a:avLst/>
+          </a:prstGeom>
+          <a:noFill/>
+        </p:spPr>
+        <p:txBody>
+          <a:bodyPr wrap="none" rtlCol="0">
+            <a:spAutoFit/>
+          </a:bodyPr>
+          <a:lstStyle/>
+          <a:p>
+            <a:r>
+              <a:rPr kumimoji="1" lang="ja-JP" altLang="en-US" sz="2000" dirty="0">
+                <a:effectLst>
+                  <a:glow rad="127000">
+                    <a:schemeClr val="bg1"/>
+                  </a:glow>
+                  <a:outerShdw blurRad="38100" dist="38100" dir="2700000" algn="tl">
+                    <a:srgbClr val="000000">
+                      <a:alpha val="43137"/>
+                    </a:srgbClr>
+                  </a:outerShdw>
+                </a:effectLst>
+                <a:latin typeface="HGP創英角ｺﾞｼｯｸUB" panose="020B0900000000000000" pitchFamily="50" charset="-128"/>
+                <a:ea typeface="HGP創英角ｺﾞｼｯｸUB" panose="020B0900000000000000" pitchFamily="50" charset="-128"/>
+              </a:rPr>
+              <a:t>ジャンプ</a:t>
+            </a:r>
+            <a:endParaRPr kumimoji="1" lang="en-US" altLang="ja-JP" sz="2000" dirty="0">
+              <a:effectLst>
+                <a:glow rad="127000">
+                  <a:schemeClr val="bg1"/>
+                </a:glow>
+                <a:outerShdw blurRad="38100" dist="38100" dir="2700000" algn="tl">
+                  <a:srgbClr val="000000">
+                    <a:alpha val="43137"/>
+                  </a:srgbClr>
+                </a:outerShdw>
+              </a:effectLst>
+              <a:latin typeface="HGP創英角ｺﾞｼｯｸUB" panose="020B0900000000000000" pitchFamily="50" charset="-128"/>
+              <a:ea typeface="HGP創英角ｺﾞｼｯｸUB" panose="020B0900000000000000" pitchFamily="50" charset="-128"/>
+            </a:endParaRPr>
+          </a:p>
+        </p:txBody>
+      </p:sp>
+      <p:sp>
+        <p:nvSpPr>
+          <p:cNvPr id="39" name="テキスト ボックス 38">
+            <a:extLst>
+              <a:ext uri="{FF2B5EF4-FFF2-40B4-BE49-F238E27FC236}">
+                <a16:creationId xmlns:a16="http://schemas.microsoft.com/office/drawing/2014/main" id="{2C75A924-B75F-EDC4-AAD7-67BEE998FE69}"/>
+              </a:ext>
+            </a:extLst>
+          </p:cNvPr>
+          <p:cNvSpPr txBox="1"/>
+          <p:nvPr/>
+        </p:nvSpPr>
+        <p:spPr>
+          <a:xfrm>
+            <a:off x="1164228" y="6288399"/>
+            <a:ext cx="697627" cy="400110"/>
+          </a:xfrm>
+          <a:prstGeom prst="rect">
+            <a:avLst/>
+          </a:prstGeom>
+          <a:noFill/>
+        </p:spPr>
+        <p:txBody>
+          <a:bodyPr wrap="none" rtlCol="0">
+            <a:spAutoFit/>
+          </a:bodyPr>
+          <a:lstStyle/>
+          <a:p>
+            <a:r>
+              <a:rPr kumimoji="1" lang="ja-JP" altLang="en-US" sz="2000" dirty="0">
+                <a:effectLst>
+                  <a:glow rad="127000">
+                    <a:schemeClr val="bg1"/>
+                  </a:glow>
+                  <a:outerShdw blurRad="38100" dist="38100" dir="2700000" algn="tl">
+                    <a:srgbClr val="000000">
+                      <a:alpha val="43137"/>
+                    </a:srgbClr>
+                  </a:outerShdw>
+                </a:effectLst>
+                <a:latin typeface="HGP創英角ｺﾞｼｯｸUB" panose="020B0900000000000000" pitchFamily="50" charset="-128"/>
+                <a:ea typeface="HGP創英角ｺﾞｼｯｸUB" panose="020B0900000000000000" pitchFamily="50" charset="-128"/>
+              </a:rPr>
+              <a:t>加速</a:t>
+            </a:r>
+            <a:endParaRPr kumimoji="1" lang="en-US" altLang="ja-JP" sz="2000" dirty="0">
+              <a:effectLst>
+                <a:glow rad="127000">
+                  <a:schemeClr val="bg1"/>
+                </a:glow>
+                <a:outerShdw blurRad="38100" dist="38100" dir="2700000" algn="tl">
+                  <a:srgbClr val="000000">
+                    <a:alpha val="43137"/>
+                  </a:srgbClr>
+                </a:outerShdw>
+              </a:effectLst>
+              <a:latin typeface="HGP創英角ｺﾞｼｯｸUB" panose="020B0900000000000000" pitchFamily="50" charset="-128"/>
+              <a:ea typeface="HGP創英角ｺﾞｼｯｸUB" panose="020B0900000000000000" pitchFamily="50" charset="-128"/>
+            </a:endParaRPr>
+          </a:p>
+        </p:txBody>
+      </p:sp>
+      <p:sp>
+        <p:nvSpPr>
+          <p:cNvPr id="40" name="テキスト ボックス 39">
+            <a:extLst>
+              <a:ext uri="{FF2B5EF4-FFF2-40B4-BE49-F238E27FC236}">
+                <a16:creationId xmlns:a16="http://schemas.microsoft.com/office/drawing/2014/main" id="{A362F97E-DAD3-C2B0-973A-E444019BF22D}"/>
+              </a:ext>
+            </a:extLst>
+          </p:cNvPr>
+          <p:cNvSpPr txBox="1"/>
+          <p:nvPr/>
+        </p:nvSpPr>
+        <p:spPr>
+          <a:xfrm>
+            <a:off x="369115" y="2634143"/>
+            <a:ext cx="1547218" cy="400110"/>
+          </a:xfrm>
+          <a:prstGeom prst="rect">
+            <a:avLst/>
+          </a:prstGeom>
+          <a:noFill/>
+        </p:spPr>
+        <p:txBody>
+          <a:bodyPr wrap="none" rtlCol="0">
+            <a:spAutoFit/>
+          </a:bodyPr>
+          <a:lstStyle/>
+          <a:p>
+            <a:r>
+              <a:rPr kumimoji="1" lang="ja-JP" altLang="en-US" sz="2000" dirty="0">
+                <a:effectLst>
+                  <a:glow rad="127000">
+                    <a:schemeClr val="bg1"/>
+                  </a:glow>
+                  <a:outerShdw blurRad="38100" dist="38100" dir="2700000" algn="tl">
+                    <a:srgbClr val="000000">
+                      <a:alpha val="43137"/>
+                    </a:srgbClr>
+                  </a:outerShdw>
+                </a:effectLst>
+                <a:latin typeface="HGP創英角ｺﾞｼｯｸUB" panose="020B0900000000000000" pitchFamily="50" charset="-128"/>
+                <a:ea typeface="HGP創英角ｺﾞｼｯｸUB" panose="020B0900000000000000" pitchFamily="50" charset="-128"/>
+              </a:rPr>
+              <a:t>何もしてない</a:t>
+            </a:r>
+            <a:endParaRPr kumimoji="1" lang="en-US" altLang="ja-JP" sz="2000" dirty="0">
+              <a:effectLst>
+                <a:glow rad="127000">
+                  <a:schemeClr val="bg1"/>
+                </a:glow>
+                <a:outerShdw blurRad="38100" dist="38100" dir="2700000" algn="tl">
+                  <a:srgbClr val="000000">
+                    <a:alpha val="43137"/>
+                  </a:srgbClr>
+                </a:outerShdw>
+              </a:effectLst>
+              <a:latin typeface="HGP創英角ｺﾞｼｯｸUB" panose="020B0900000000000000" pitchFamily="50" charset="-128"/>
+              <a:ea typeface="HGP創英角ｺﾞｼｯｸUB" panose="020B0900000000000000" pitchFamily="50" charset="-128"/>
+            </a:endParaRPr>
+          </a:p>
+        </p:txBody>
+      </p:sp>
+      <p:pic>
+        <p:nvPicPr>
+          <p:cNvPr id="43" name="グラフィックス 42" descr="警察官男性 単色塗りつぶし">
+            <a:extLst>
+              <a:ext uri="{FF2B5EF4-FFF2-40B4-BE49-F238E27FC236}">
+                <a16:creationId xmlns:a16="http://schemas.microsoft.com/office/drawing/2014/main" id="{A070C046-04B6-71F3-116D-67FC63BDFBEB}"/>
+              </a:ext>
+            </a:extLst>
+          </p:cNvPr>
+          <p:cNvPicPr>
+            <a:picLocks noChangeAspect="1"/>
+          </p:cNvPicPr>
+          <p:nvPr/>
+        </p:nvPicPr>
+        <p:blipFill>
+          <a:blip r:embed="rId6">
+            <a:extLst>
+              <a:ext uri="{96DAC541-7B7A-43D3-8B79-37D633B846F1}">
+                <asvg:svgBlip xmlns:asvg="http://schemas.microsoft.com/office/drawing/2016/SVG/main" r:embed="rId7"/>
+              </a:ext>
+            </a:extLst>
+          </a:blip>
+          <a:stretch>
+            <a:fillRect/>
+          </a:stretch>
+        </p:blipFill>
+        <p:spPr>
+          <a:xfrm>
+            <a:off x="4527447" y="2606244"/>
+            <a:ext cx="507594" cy="507594"/>
+          </a:xfrm>
+          <a:prstGeom prst="rect">
+            <a:avLst/>
+          </a:prstGeom>
+          <a:effectLst>
+            <a:outerShdw blurRad="50800" dist="38100" dir="2700000" algn="tl" rotWithShape="0">
+              <a:prstClr val="black">
+                <a:alpha val="40000"/>
+              </a:prstClr>
+            </a:outerShdw>
+          </a:effectLst>
+        </p:spPr>
+      </p:pic>
+      <p:sp>
+        <p:nvSpPr>
+          <p:cNvPr id="44" name="テキスト ボックス 43">
+            <a:extLst>
+              <a:ext uri="{FF2B5EF4-FFF2-40B4-BE49-F238E27FC236}">
+                <a16:creationId xmlns:a16="http://schemas.microsoft.com/office/drawing/2014/main" id="{B00B6854-BE67-30BA-E3AA-E866F12B5A59}"/>
+              </a:ext>
+            </a:extLst>
+          </p:cNvPr>
+          <p:cNvSpPr txBox="1"/>
+          <p:nvPr/>
+        </p:nvSpPr>
+        <p:spPr>
+          <a:xfrm>
+            <a:off x="4754733" y="2414223"/>
+            <a:ext cx="395548" cy="370827"/>
+          </a:xfrm>
+          <a:prstGeom prst="rect">
+            <a:avLst/>
+          </a:prstGeom>
+          <a:noFill/>
+        </p:spPr>
+        <p:txBody>
+          <a:bodyPr wrap="none" rtlCol="0">
+            <a:spAutoFit/>
+          </a:bodyPr>
+          <a:lstStyle/>
+          <a:p>
+            <a:r>
+              <a:rPr lang="ja-JP" altLang="en-US" sz="2400" dirty="0">
+                <a:solidFill>
+                  <a:srgbClr val="0070C0"/>
+                </a:solidFill>
+                <a:effectLst>
+                  <a:glow rad="127000">
+                    <a:schemeClr val="bg1"/>
+                  </a:glow>
+                  <a:outerShdw blurRad="38100" dist="38100" dir="2700000" algn="tl">
+                    <a:srgbClr val="000000">
+                      <a:alpha val="43137"/>
+                    </a:srgbClr>
+                  </a:outerShdw>
+                </a:effectLst>
+                <a:latin typeface="HGP創英角ｺﾞｼｯｸUB" panose="020B0900000000000000" pitchFamily="50" charset="-128"/>
+                <a:ea typeface="HGP創英角ｺﾞｼｯｸUB" panose="020B0900000000000000" pitchFamily="50" charset="-128"/>
+              </a:rPr>
+              <a:t>？</a:t>
+            </a:r>
+            <a:endParaRPr kumimoji="1" lang="en-US" altLang="ja-JP" sz="2400" dirty="0">
+              <a:solidFill>
+                <a:srgbClr val="0070C0"/>
+              </a:solidFill>
+              <a:effectLst>
+                <a:glow rad="127000">
+                  <a:schemeClr val="bg1"/>
+                </a:glow>
+                <a:outerShdw blurRad="38100" dist="38100" dir="2700000" algn="tl">
+                  <a:srgbClr val="000000">
+                    <a:alpha val="43137"/>
+                  </a:srgbClr>
+                </a:outerShdw>
+              </a:effectLst>
+              <a:latin typeface="HGP創英角ｺﾞｼｯｸUB" panose="020B0900000000000000" pitchFamily="50" charset="-128"/>
+              <a:ea typeface="HGP創英角ｺﾞｼｯｸUB" panose="020B0900000000000000" pitchFamily="50" charset="-128"/>
+            </a:endParaRPr>
+          </a:p>
+        </p:txBody>
+      </p:sp>
+      <p:pic>
+        <p:nvPicPr>
+          <p:cNvPr id="19" name="グラフィックス 18" descr="警察官男性 単色塗りつぶし">
+            <a:extLst>
+              <a:ext uri="{FF2B5EF4-FFF2-40B4-BE49-F238E27FC236}">
+                <a16:creationId xmlns:a16="http://schemas.microsoft.com/office/drawing/2014/main" id="{384A76B3-3E3F-EBD5-F18F-12F869DD3F22}"/>
+              </a:ext>
+            </a:extLst>
+          </p:cNvPr>
+          <p:cNvPicPr>
+            <a:picLocks noChangeAspect="1"/>
+          </p:cNvPicPr>
+          <p:nvPr/>
+        </p:nvPicPr>
+        <p:blipFill>
+          <a:blip r:embed="rId6">
+            <a:extLst>
+              <a:ext uri="{96DAC541-7B7A-43D3-8B79-37D633B846F1}">
+                <asvg:svgBlip xmlns:asvg="http://schemas.microsoft.com/office/drawing/2016/SVG/main" r:embed="rId7"/>
+              </a:ext>
+            </a:extLst>
+          </a:blip>
+          <a:stretch>
+            <a:fillRect/>
+          </a:stretch>
+        </p:blipFill>
+        <p:spPr>
+          <a:xfrm>
+            <a:off x="4504855" y="4467488"/>
+            <a:ext cx="507594" cy="507594"/>
+          </a:xfrm>
+          <a:prstGeom prst="rect">
+            <a:avLst/>
+          </a:prstGeom>
+          <a:effectLst>
+            <a:outerShdw blurRad="50800" dist="38100" dir="2700000" algn="tl" rotWithShape="0">
+              <a:prstClr val="black">
+                <a:alpha val="40000"/>
+              </a:prstClr>
+            </a:outerShdw>
+          </a:effectLst>
+        </p:spPr>
+      </p:pic>
+      <p:sp>
+        <p:nvSpPr>
+          <p:cNvPr id="21" name="テキスト ボックス 20">
+            <a:extLst>
+              <a:ext uri="{FF2B5EF4-FFF2-40B4-BE49-F238E27FC236}">
+                <a16:creationId xmlns:a16="http://schemas.microsoft.com/office/drawing/2014/main" id="{60A172D1-2BF6-09DB-2B4B-9456665A3F29}"/>
+              </a:ext>
+            </a:extLst>
+          </p:cNvPr>
+          <p:cNvSpPr txBox="1"/>
+          <p:nvPr/>
+        </p:nvSpPr>
+        <p:spPr>
+          <a:xfrm>
+            <a:off x="4732141" y="4275467"/>
+            <a:ext cx="395548" cy="370827"/>
+          </a:xfrm>
+          <a:prstGeom prst="rect">
+            <a:avLst/>
+          </a:prstGeom>
+          <a:noFill/>
+        </p:spPr>
+        <p:txBody>
+          <a:bodyPr wrap="none" rtlCol="0">
+            <a:spAutoFit/>
+          </a:bodyPr>
+          <a:lstStyle/>
+          <a:p>
+            <a:r>
+              <a:rPr lang="ja-JP" altLang="en-US" sz="2400" dirty="0">
+                <a:solidFill>
+                  <a:srgbClr val="0070C0"/>
+                </a:solidFill>
+                <a:effectLst>
+                  <a:glow rad="127000">
+                    <a:schemeClr val="bg1"/>
+                  </a:glow>
+                  <a:outerShdw blurRad="38100" dist="38100" dir="2700000" algn="tl">
+                    <a:srgbClr val="000000">
+                      <a:alpha val="43137"/>
+                    </a:srgbClr>
+                  </a:outerShdw>
+                </a:effectLst>
+                <a:latin typeface="HGP創英角ｺﾞｼｯｸUB" panose="020B0900000000000000" pitchFamily="50" charset="-128"/>
+                <a:ea typeface="HGP創英角ｺﾞｼｯｸUB" panose="020B0900000000000000" pitchFamily="50" charset="-128"/>
+              </a:rPr>
+              <a:t>？</a:t>
+            </a:r>
+            <a:endParaRPr kumimoji="1" lang="en-US" altLang="ja-JP" sz="2400" dirty="0">
+              <a:solidFill>
+                <a:srgbClr val="0070C0"/>
+              </a:solidFill>
+              <a:effectLst>
+                <a:glow rad="127000">
+                  <a:schemeClr val="bg1"/>
+                </a:glow>
+                <a:outerShdw blurRad="38100" dist="38100" dir="2700000" algn="tl">
+                  <a:srgbClr val="000000">
+                    <a:alpha val="43137"/>
+                  </a:srgbClr>
+                </a:outerShdw>
+              </a:effectLst>
+              <a:latin typeface="HGP創英角ｺﾞｼｯｸUB" panose="020B0900000000000000" pitchFamily="50" charset="-128"/>
+              <a:ea typeface="HGP創英角ｺﾞｼｯｸUB" panose="020B0900000000000000" pitchFamily="50" charset="-128"/>
+            </a:endParaRPr>
+          </a:p>
+        </p:txBody>
+      </p:sp>
+      <p:pic>
+        <p:nvPicPr>
+          <p:cNvPr id="46" name="グラフィックス 45" descr="警察官男性 単色塗りつぶし">
+            <a:extLst>
+              <a:ext uri="{FF2B5EF4-FFF2-40B4-BE49-F238E27FC236}">
+                <a16:creationId xmlns:a16="http://schemas.microsoft.com/office/drawing/2014/main" id="{09F13C75-A2A0-9F35-B7C6-62004E352527}"/>
+              </a:ext>
+            </a:extLst>
+          </p:cNvPr>
+          <p:cNvPicPr>
+            <a:picLocks noChangeAspect="1"/>
+          </p:cNvPicPr>
+          <p:nvPr/>
+        </p:nvPicPr>
+        <p:blipFill>
+          <a:blip r:embed="rId6">
+            <a:extLst>
+              <a:ext uri="{96DAC541-7B7A-43D3-8B79-37D633B846F1}">
+                <asvg:svgBlip xmlns:asvg="http://schemas.microsoft.com/office/drawing/2016/SVG/main" r:embed="rId7"/>
+              </a:ext>
+            </a:extLst>
+          </a:blip>
+          <a:stretch>
+            <a:fillRect/>
+          </a:stretch>
+        </p:blipFill>
+        <p:spPr>
+          <a:xfrm>
+            <a:off x="3445446" y="2628431"/>
+            <a:ext cx="507594" cy="507594"/>
+          </a:xfrm>
+          <a:prstGeom prst="rect">
+            <a:avLst/>
+          </a:prstGeom>
+          <a:effectLst>
+            <a:outerShdw blurRad="50800" dist="38100" dir="2700000" algn="tl" rotWithShape="0">
+              <a:prstClr val="black">
+                <a:alpha val="40000"/>
+              </a:prstClr>
+            </a:outerShdw>
+          </a:effectLst>
+        </p:spPr>
+      </p:pic>
+      <p:sp>
+        <p:nvSpPr>
+          <p:cNvPr id="47" name="テキスト ボックス 46">
+            <a:extLst>
+              <a:ext uri="{FF2B5EF4-FFF2-40B4-BE49-F238E27FC236}">
+                <a16:creationId xmlns:a16="http://schemas.microsoft.com/office/drawing/2014/main" id="{45AA24AD-0D12-9C09-E995-0B6F26675AB0}"/>
+              </a:ext>
+            </a:extLst>
+          </p:cNvPr>
+          <p:cNvSpPr txBox="1"/>
+          <p:nvPr/>
+        </p:nvSpPr>
+        <p:spPr>
+          <a:xfrm>
+            <a:off x="3672732" y="2436410"/>
+            <a:ext cx="395548" cy="370827"/>
+          </a:xfrm>
+          <a:prstGeom prst="rect">
+            <a:avLst/>
+          </a:prstGeom>
+          <a:noFill/>
+        </p:spPr>
+        <p:txBody>
+          <a:bodyPr wrap="none" rtlCol="0">
+            <a:spAutoFit/>
+          </a:bodyPr>
+          <a:lstStyle/>
+          <a:p>
+            <a:r>
+              <a:rPr lang="ja-JP" altLang="en-US" sz="2400" dirty="0">
+                <a:solidFill>
+                  <a:srgbClr val="0070C0"/>
+                </a:solidFill>
+                <a:effectLst>
+                  <a:glow rad="127000">
+                    <a:schemeClr val="bg1"/>
+                  </a:glow>
+                  <a:outerShdw blurRad="38100" dist="38100" dir="2700000" algn="tl">
+                    <a:srgbClr val="000000">
+                      <a:alpha val="43137"/>
+                    </a:srgbClr>
+                  </a:outerShdw>
+                </a:effectLst>
+                <a:latin typeface="HGP創英角ｺﾞｼｯｸUB" panose="020B0900000000000000" pitchFamily="50" charset="-128"/>
+                <a:ea typeface="HGP創英角ｺﾞｼｯｸUB" panose="020B0900000000000000" pitchFamily="50" charset="-128"/>
+              </a:rPr>
+              <a:t>？</a:t>
+            </a:r>
+            <a:endParaRPr kumimoji="1" lang="en-US" altLang="ja-JP" sz="2400" dirty="0">
+              <a:solidFill>
+                <a:srgbClr val="0070C0"/>
+              </a:solidFill>
+              <a:effectLst>
+                <a:glow rad="127000">
+                  <a:schemeClr val="bg1"/>
+                </a:glow>
+                <a:outerShdw blurRad="38100" dist="38100" dir="2700000" algn="tl">
+                  <a:srgbClr val="000000">
+                    <a:alpha val="43137"/>
+                  </a:srgbClr>
+                </a:outerShdw>
+              </a:effectLst>
+              <a:latin typeface="HGP創英角ｺﾞｼｯｸUB" panose="020B0900000000000000" pitchFamily="50" charset="-128"/>
+              <a:ea typeface="HGP創英角ｺﾞｼｯｸUB" panose="020B0900000000000000" pitchFamily="50" charset="-128"/>
+            </a:endParaRPr>
+          </a:p>
+        </p:txBody>
+      </p:sp>
+      <p:pic>
+        <p:nvPicPr>
+          <p:cNvPr id="49" name="グラフィックス 48" descr="警察官男性 単色塗りつぶし">
+            <a:extLst>
+              <a:ext uri="{FF2B5EF4-FFF2-40B4-BE49-F238E27FC236}">
+                <a16:creationId xmlns:a16="http://schemas.microsoft.com/office/drawing/2014/main" id="{9E406E68-41DB-3B16-86A8-9E6A631B4BAD}"/>
+              </a:ext>
+            </a:extLst>
+          </p:cNvPr>
+          <p:cNvPicPr>
+            <a:picLocks noChangeAspect="1"/>
+          </p:cNvPicPr>
+          <p:nvPr/>
+        </p:nvPicPr>
+        <p:blipFill>
+          <a:blip r:embed="rId3">
+            <a:extLst>
+              <a:ext uri="{96DAC541-7B7A-43D3-8B79-37D633B846F1}">
+                <asvg:svgBlip xmlns:asvg="http://schemas.microsoft.com/office/drawing/2016/SVG/main" r:embed="rId4"/>
+              </a:ext>
+            </a:extLst>
+          </a:blip>
+          <a:stretch>
+            <a:fillRect/>
+          </a:stretch>
+        </p:blipFill>
+        <p:spPr>
+          <a:xfrm>
+            <a:off x="2264857" y="2632291"/>
+            <a:ext cx="507594" cy="507594"/>
+          </a:xfrm>
+          <a:prstGeom prst="rect">
+            <a:avLst/>
+          </a:prstGeom>
+          <a:effectLst>
+            <a:outerShdw blurRad="50800" dist="38100" dir="2700000" algn="tl" rotWithShape="0">
+              <a:prstClr val="black">
+                <a:alpha val="40000"/>
+              </a:prstClr>
+            </a:outerShdw>
+          </a:effectLst>
+        </p:spPr>
+      </p:pic>
+      <p:sp>
+        <p:nvSpPr>
+          <p:cNvPr id="50" name="テキスト ボックス 49">
+            <a:extLst>
+              <a:ext uri="{FF2B5EF4-FFF2-40B4-BE49-F238E27FC236}">
+                <a16:creationId xmlns:a16="http://schemas.microsoft.com/office/drawing/2014/main" id="{FC0B14C4-82A7-A3C3-24B0-68B35E704B29}"/>
+              </a:ext>
+            </a:extLst>
+          </p:cNvPr>
+          <p:cNvSpPr txBox="1"/>
+          <p:nvPr/>
+        </p:nvSpPr>
+        <p:spPr>
+          <a:xfrm>
+            <a:off x="2518654" y="2482582"/>
+            <a:ext cx="395549" cy="370827"/>
+          </a:xfrm>
+          <a:prstGeom prst="rect">
+            <a:avLst/>
+          </a:prstGeom>
+          <a:noFill/>
+        </p:spPr>
+        <p:txBody>
+          <a:bodyPr wrap="none" rtlCol="0">
+            <a:spAutoFit/>
+          </a:bodyPr>
+          <a:lstStyle/>
+          <a:p>
+            <a:r>
+              <a:rPr lang="ja-JP" altLang="en-US" sz="2400" dirty="0">
+                <a:solidFill>
+                  <a:srgbClr val="FF0000"/>
+                </a:solidFill>
+                <a:effectLst>
+                  <a:glow rad="127000">
+                    <a:schemeClr val="bg1"/>
+                  </a:glow>
+                  <a:outerShdw blurRad="38100" dist="38100" dir="2700000" algn="tl">
+                    <a:srgbClr val="000000">
+                      <a:alpha val="43137"/>
+                    </a:srgbClr>
+                  </a:outerShdw>
+                </a:effectLst>
+                <a:latin typeface="HGP創英角ｺﾞｼｯｸUB" panose="020B0900000000000000" pitchFamily="50" charset="-128"/>
+                <a:ea typeface="HGP創英角ｺﾞｼｯｸUB" panose="020B0900000000000000" pitchFamily="50" charset="-128"/>
+              </a:rPr>
+              <a:t>！</a:t>
+            </a:r>
+            <a:endParaRPr kumimoji="1" lang="en-US" altLang="ja-JP" sz="2400" dirty="0">
+              <a:solidFill>
+                <a:srgbClr val="FF0000"/>
+              </a:solidFill>
+              <a:effectLst>
+                <a:glow rad="127000">
+                  <a:schemeClr val="bg1"/>
+                </a:glow>
+                <a:outerShdw blurRad="38100" dist="38100" dir="2700000" algn="tl">
+                  <a:srgbClr val="000000">
+                    <a:alpha val="43137"/>
+                  </a:srgbClr>
+                </a:outerShdw>
+              </a:effectLst>
+              <a:latin typeface="HGP創英角ｺﾞｼｯｸUB" panose="020B0900000000000000" pitchFamily="50" charset="-128"/>
+              <a:ea typeface="HGP創英角ｺﾞｼｯｸUB" panose="020B0900000000000000" pitchFamily="50" charset="-128"/>
+            </a:endParaRPr>
+          </a:p>
+        </p:txBody>
+      </p:sp>
+      <p:pic>
+        <p:nvPicPr>
+          <p:cNvPr id="52" name="グラフィックス 51" descr="警察官男性 単色塗りつぶし">
+            <a:extLst>
+              <a:ext uri="{FF2B5EF4-FFF2-40B4-BE49-F238E27FC236}">
+                <a16:creationId xmlns:a16="http://schemas.microsoft.com/office/drawing/2014/main" id="{E1547290-F96E-254D-D55E-8549C011C6EB}"/>
+              </a:ext>
+            </a:extLst>
+          </p:cNvPr>
+          <p:cNvPicPr>
+            <a:picLocks noChangeAspect="1"/>
+          </p:cNvPicPr>
+          <p:nvPr/>
+        </p:nvPicPr>
+        <p:blipFill>
+          <a:blip r:embed="rId3">
+            <a:extLst>
+              <a:ext uri="{96DAC541-7B7A-43D3-8B79-37D633B846F1}">
+                <asvg:svgBlip xmlns:asvg="http://schemas.microsoft.com/office/drawing/2016/SVG/main" r:embed="rId4"/>
+              </a:ext>
+            </a:extLst>
+          </a:blip>
+          <a:stretch>
+            <a:fillRect/>
+          </a:stretch>
+        </p:blipFill>
+        <p:spPr>
+          <a:xfrm>
+            <a:off x="2254915" y="3243396"/>
+            <a:ext cx="507594" cy="507594"/>
+          </a:xfrm>
+          <a:prstGeom prst="rect">
+            <a:avLst/>
+          </a:prstGeom>
+          <a:effectLst>
+            <a:outerShdw blurRad="50800" dist="38100" dir="2700000" algn="tl" rotWithShape="0">
+              <a:prstClr val="black">
+                <a:alpha val="40000"/>
+              </a:prstClr>
+            </a:outerShdw>
+          </a:effectLst>
+        </p:spPr>
+      </p:pic>
+      <p:sp>
+        <p:nvSpPr>
+          <p:cNvPr id="53" name="テキスト ボックス 52">
+            <a:extLst>
+              <a:ext uri="{FF2B5EF4-FFF2-40B4-BE49-F238E27FC236}">
+                <a16:creationId xmlns:a16="http://schemas.microsoft.com/office/drawing/2014/main" id="{1797344F-DA76-799A-9B0C-66A6DDE317AD}"/>
+              </a:ext>
+            </a:extLst>
+          </p:cNvPr>
+          <p:cNvSpPr txBox="1"/>
+          <p:nvPr/>
+        </p:nvSpPr>
+        <p:spPr>
+          <a:xfrm>
+            <a:off x="2508712" y="3093687"/>
+            <a:ext cx="395549" cy="370827"/>
+          </a:xfrm>
+          <a:prstGeom prst="rect">
+            <a:avLst/>
+          </a:prstGeom>
+          <a:noFill/>
+        </p:spPr>
+        <p:txBody>
+          <a:bodyPr wrap="none" rtlCol="0">
+            <a:spAutoFit/>
+          </a:bodyPr>
+          <a:lstStyle/>
+          <a:p>
+            <a:r>
+              <a:rPr lang="ja-JP" altLang="en-US" sz="2400" dirty="0">
+                <a:solidFill>
+                  <a:srgbClr val="FF0000"/>
+                </a:solidFill>
+                <a:effectLst>
+                  <a:glow rad="127000">
+                    <a:schemeClr val="bg1"/>
+                  </a:glow>
+                  <a:outerShdw blurRad="38100" dist="38100" dir="2700000" algn="tl">
+                    <a:srgbClr val="000000">
+                      <a:alpha val="43137"/>
+                    </a:srgbClr>
+                  </a:outerShdw>
+                </a:effectLst>
+                <a:latin typeface="HGP創英角ｺﾞｼｯｸUB" panose="020B0900000000000000" pitchFamily="50" charset="-128"/>
+                <a:ea typeface="HGP創英角ｺﾞｼｯｸUB" panose="020B0900000000000000" pitchFamily="50" charset="-128"/>
+              </a:rPr>
+              <a:t>！</a:t>
+            </a:r>
+            <a:endParaRPr kumimoji="1" lang="en-US" altLang="ja-JP" sz="2400" dirty="0">
+              <a:solidFill>
+                <a:srgbClr val="FF0000"/>
+              </a:solidFill>
+              <a:effectLst>
+                <a:glow rad="127000">
+                  <a:schemeClr val="bg1"/>
+                </a:glow>
+                <a:outerShdw blurRad="38100" dist="38100" dir="2700000" algn="tl">
+                  <a:srgbClr val="000000">
+                    <a:alpha val="43137"/>
+                  </a:srgbClr>
+                </a:outerShdw>
+              </a:effectLst>
+              <a:latin typeface="HGP創英角ｺﾞｼｯｸUB" panose="020B0900000000000000" pitchFamily="50" charset="-128"/>
+              <a:ea typeface="HGP創英角ｺﾞｼｯｸUB" panose="020B0900000000000000" pitchFamily="50" charset="-128"/>
+            </a:endParaRPr>
+          </a:p>
+        </p:txBody>
+      </p:sp>
+      <p:pic>
+        <p:nvPicPr>
+          <p:cNvPr id="55" name="グラフィックス 54" descr="警察官男性 単色塗りつぶし">
+            <a:extLst>
+              <a:ext uri="{FF2B5EF4-FFF2-40B4-BE49-F238E27FC236}">
+                <a16:creationId xmlns:a16="http://schemas.microsoft.com/office/drawing/2014/main" id="{0BF37A0E-C4E3-D492-47AE-06CE6C591EBF}"/>
+              </a:ext>
+            </a:extLst>
+          </p:cNvPr>
+          <p:cNvPicPr>
+            <a:picLocks noChangeAspect="1"/>
+          </p:cNvPicPr>
+          <p:nvPr/>
+        </p:nvPicPr>
+        <p:blipFill>
+          <a:blip r:embed="rId3">
+            <a:extLst>
+              <a:ext uri="{96DAC541-7B7A-43D3-8B79-37D633B846F1}">
+                <asvg:svgBlip xmlns:asvg="http://schemas.microsoft.com/office/drawing/2016/SVG/main" r:embed="rId4"/>
+              </a:ext>
+            </a:extLst>
+          </a:blip>
+          <a:stretch>
+            <a:fillRect/>
+          </a:stretch>
+        </p:blipFill>
+        <p:spPr>
+          <a:xfrm>
+            <a:off x="2264855" y="3841232"/>
+            <a:ext cx="507594" cy="507594"/>
+          </a:xfrm>
+          <a:prstGeom prst="rect">
+            <a:avLst/>
+          </a:prstGeom>
+          <a:effectLst>
+            <a:outerShdw blurRad="50800" dist="38100" dir="2700000" algn="tl" rotWithShape="0">
+              <a:prstClr val="black">
+                <a:alpha val="40000"/>
+              </a:prstClr>
+            </a:outerShdw>
+          </a:effectLst>
+        </p:spPr>
+      </p:pic>
+      <p:sp>
+        <p:nvSpPr>
+          <p:cNvPr id="56" name="テキスト ボックス 55">
+            <a:extLst>
+              <a:ext uri="{FF2B5EF4-FFF2-40B4-BE49-F238E27FC236}">
+                <a16:creationId xmlns:a16="http://schemas.microsoft.com/office/drawing/2014/main" id="{1A5836D5-009D-B158-241F-0356B2E9FEFC}"/>
+              </a:ext>
+            </a:extLst>
+          </p:cNvPr>
+          <p:cNvSpPr txBox="1"/>
+          <p:nvPr/>
+        </p:nvSpPr>
+        <p:spPr>
+          <a:xfrm>
+            <a:off x="2487589" y="3691329"/>
+            <a:ext cx="395548" cy="370827"/>
+          </a:xfrm>
+          <a:prstGeom prst="rect">
+            <a:avLst/>
+          </a:prstGeom>
+          <a:noFill/>
+        </p:spPr>
+        <p:txBody>
+          <a:bodyPr wrap="none" rtlCol="0">
+            <a:spAutoFit/>
+          </a:bodyPr>
+          <a:lstStyle/>
+          <a:p>
+            <a:r>
+              <a:rPr lang="ja-JP" altLang="en-US" sz="2400" dirty="0">
+                <a:solidFill>
+                  <a:srgbClr val="FF0000"/>
+                </a:solidFill>
+                <a:effectLst>
+                  <a:glow rad="127000">
+                    <a:schemeClr val="bg1"/>
+                  </a:glow>
+                  <a:outerShdw blurRad="38100" dist="38100" dir="2700000" algn="tl">
+                    <a:srgbClr val="000000">
+                      <a:alpha val="43137"/>
+                    </a:srgbClr>
+                  </a:outerShdw>
+                </a:effectLst>
+                <a:latin typeface="HGP創英角ｺﾞｼｯｸUB" panose="020B0900000000000000" pitchFamily="50" charset="-128"/>
+                <a:ea typeface="HGP創英角ｺﾞｼｯｸUB" panose="020B0900000000000000" pitchFamily="50" charset="-128"/>
+              </a:rPr>
+              <a:t>！</a:t>
+            </a:r>
+            <a:endParaRPr kumimoji="1" lang="en-US" altLang="ja-JP" sz="2400" dirty="0">
+              <a:solidFill>
+                <a:srgbClr val="FF0000"/>
+              </a:solidFill>
+              <a:effectLst>
+                <a:glow rad="127000">
+                  <a:schemeClr val="bg1"/>
+                </a:glow>
+                <a:outerShdw blurRad="38100" dist="38100" dir="2700000" algn="tl">
+                  <a:srgbClr val="000000">
+                    <a:alpha val="43137"/>
+                  </a:srgbClr>
+                </a:outerShdw>
+              </a:effectLst>
+              <a:latin typeface="HGP創英角ｺﾞｼｯｸUB" panose="020B0900000000000000" pitchFamily="50" charset="-128"/>
+              <a:ea typeface="HGP創英角ｺﾞｼｯｸUB" panose="020B0900000000000000" pitchFamily="50" charset="-128"/>
+            </a:endParaRPr>
+          </a:p>
+        </p:txBody>
+      </p:sp>
+      <p:pic>
+        <p:nvPicPr>
+          <p:cNvPr id="59" name="グラフィックス 58" descr="警察官男性 単色塗りつぶし">
+            <a:extLst>
+              <a:ext uri="{FF2B5EF4-FFF2-40B4-BE49-F238E27FC236}">
+                <a16:creationId xmlns:a16="http://schemas.microsoft.com/office/drawing/2014/main" id="{AB321BFE-D16A-9837-3BCA-E7F116BE8B79}"/>
+              </a:ext>
+            </a:extLst>
+          </p:cNvPr>
+          <p:cNvPicPr>
+            <a:picLocks noChangeAspect="1"/>
+          </p:cNvPicPr>
+          <p:nvPr/>
+        </p:nvPicPr>
+        <p:blipFill>
+          <a:blip r:embed="rId3">
+            <a:extLst>
+              <a:ext uri="{96DAC541-7B7A-43D3-8B79-37D633B846F1}">
+                <asvg:svgBlip xmlns:asvg="http://schemas.microsoft.com/office/drawing/2016/SVG/main" r:embed="rId4"/>
+              </a:ext>
+            </a:extLst>
+          </a:blip>
+          <a:stretch>
+            <a:fillRect/>
+          </a:stretch>
+        </p:blipFill>
+        <p:spPr>
+          <a:xfrm>
+            <a:off x="2254915" y="4470587"/>
+            <a:ext cx="507594" cy="507594"/>
+          </a:xfrm>
+          <a:prstGeom prst="rect">
+            <a:avLst/>
+          </a:prstGeom>
+          <a:effectLst>
+            <a:outerShdw blurRad="50800" dist="38100" dir="2700000" algn="tl" rotWithShape="0">
+              <a:prstClr val="black">
+                <a:alpha val="40000"/>
+              </a:prstClr>
+            </a:outerShdw>
+          </a:effectLst>
+        </p:spPr>
+      </p:pic>
+      <p:sp>
+        <p:nvSpPr>
+          <p:cNvPr id="60" name="テキスト ボックス 59">
+            <a:extLst>
+              <a:ext uri="{FF2B5EF4-FFF2-40B4-BE49-F238E27FC236}">
+                <a16:creationId xmlns:a16="http://schemas.microsoft.com/office/drawing/2014/main" id="{DBF52810-B46E-2E41-21E1-CBF43164B560}"/>
+              </a:ext>
+            </a:extLst>
+          </p:cNvPr>
+          <p:cNvSpPr txBox="1"/>
+          <p:nvPr/>
+        </p:nvSpPr>
+        <p:spPr>
+          <a:xfrm>
+            <a:off x="2477649" y="4320684"/>
+            <a:ext cx="395548" cy="370827"/>
+          </a:xfrm>
+          <a:prstGeom prst="rect">
+            <a:avLst/>
+          </a:prstGeom>
+          <a:noFill/>
+        </p:spPr>
+        <p:txBody>
+          <a:bodyPr wrap="none" rtlCol="0">
+            <a:spAutoFit/>
+          </a:bodyPr>
+          <a:lstStyle/>
+          <a:p>
+            <a:r>
+              <a:rPr lang="ja-JP" altLang="en-US" sz="2400" dirty="0">
+                <a:solidFill>
+                  <a:srgbClr val="FF0000"/>
+                </a:solidFill>
+                <a:effectLst>
+                  <a:glow rad="127000">
+                    <a:schemeClr val="bg1"/>
+                  </a:glow>
+                  <a:outerShdw blurRad="38100" dist="38100" dir="2700000" algn="tl">
+                    <a:srgbClr val="000000">
+                      <a:alpha val="43137"/>
+                    </a:srgbClr>
+                  </a:outerShdw>
+                </a:effectLst>
+                <a:latin typeface="HGP創英角ｺﾞｼｯｸUB" panose="020B0900000000000000" pitchFamily="50" charset="-128"/>
+                <a:ea typeface="HGP創英角ｺﾞｼｯｸUB" panose="020B0900000000000000" pitchFamily="50" charset="-128"/>
+              </a:rPr>
+              <a:t>！</a:t>
+            </a:r>
+            <a:endParaRPr kumimoji="1" lang="en-US" altLang="ja-JP" sz="2400" dirty="0">
+              <a:solidFill>
+                <a:srgbClr val="FF0000"/>
+              </a:solidFill>
+              <a:effectLst>
+                <a:glow rad="127000">
+                  <a:schemeClr val="bg1"/>
+                </a:glow>
+                <a:outerShdw blurRad="38100" dist="38100" dir="2700000" algn="tl">
+                  <a:srgbClr val="000000">
+                    <a:alpha val="43137"/>
+                  </a:srgbClr>
+                </a:outerShdw>
+              </a:effectLst>
+              <a:latin typeface="HGP創英角ｺﾞｼｯｸUB" panose="020B0900000000000000" pitchFamily="50" charset="-128"/>
+              <a:ea typeface="HGP創英角ｺﾞｼｯｸUB" panose="020B0900000000000000" pitchFamily="50" charset="-128"/>
+            </a:endParaRPr>
+          </a:p>
+        </p:txBody>
+      </p:sp>
+      <p:pic>
+        <p:nvPicPr>
+          <p:cNvPr id="62" name="グラフィックス 61" descr="警察官男性 単色塗りつぶし">
+            <a:extLst>
+              <a:ext uri="{FF2B5EF4-FFF2-40B4-BE49-F238E27FC236}">
+                <a16:creationId xmlns:a16="http://schemas.microsoft.com/office/drawing/2014/main" id="{78302B3D-F030-60A2-F20C-0AA83AA8607F}"/>
+              </a:ext>
+            </a:extLst>
+          </p:cNvPr>
+          <p:cNvPicPr>
+            <a:picLocks noChangeAspect="1"/>
+          </p:cNvPicPr>
+          <p:nvPr/>
+        </p:nvPicPr>
+        <p:blipFill>
+          <a:blip r:embed="rId3">
+            <a:extLst>
+              <a:ext uri="{96DAC541-7B7A-43D3-8B79-37D633B846F1}">
+                <asvg:svgBlip xmlns:asvg="http://schemas.microsoft.com/office/drawing/2016/SVG/main" r:embed="rId4"/>
+              </a:ext>
+            </a:extLst>
+          </a:blip>
+          <a:stretch>
+            <a:fillRect/>
+          </a:stretch>
+        </p:blipFill>
+        <p:spPr>
+          <a:xfrm>
+            <a:off x="2268145" y="5075609"/>
+            <a:ext cx="507594" cy="507594"/>
+          </a:xfrm>
+          <a:prstGeom prst="rect">
+            <a:avLst/>
+          </a:prstGeom>
+          <a:effectLst>
+            <a:outerShdw blurRad="50800" dist="38100" dir="2700000" algn="tl" rotWithShape="0">
+              <a:prstClr val="black">
+                <a:alpha val="40000"/>
+              </a:prstClr>
+            </a:outerShdw>
+          </a:effectLst>
+        </p:spPr>
+      </p:pic>
+      <p:sp>
+        <p:nvSpPr>
+          <p:cNvPr id="63" name="テキスト ボックス 62">
+            <a:extLst>
+              <a:ext uri="{FF2B5EF4-FFF2-40B4-BE49-F238E27FC236}">
+                <a16:creationId xmlns:a16="http://schemas.microsoft.com/office/drawing/2014/main" id="{B33215C1-8AEE-3C48-59C4-A2C9AD3E4A26}"/>
+              </a:ext>
+            </a:extLst>
+          </p:cNvPr>
+          <p:cNvSpPr txBox="1"/>
+          <p:nvPr/>
+        </p:nvSpPr>
+        <p:spPr>
+          <a:xfrm>
+            <a:off x="2490877" y="4925705"/>
+            <a:ext cx="395548" cy="370827"/>
+          </a:xfrm>
+          <a:prstGeom prst="rect">
+            <a:avLst/>
+          </a:prstGeom>
+          <a:noFill/>
+        </p:spPr>
+        <p:txBody>
+          <a:bodyPr wrap="none" rtlCol="0">
+            <a:spAutoFit/>
+          </a:bodyPr>
+          <a:lstStyle/>
+          <a:p>
+            <a:r>
+              <a:rPr lang="ja-JP" altLang="en-US" sz="2400" dirty="0">
+                <a:solidFill>
+                  <a:srgbClr val="FF0000"/>
+                </a:solidFill>
+                <a:effectLst>
+                  <a:glow rad="127000">
+                    <a:schemeClr val="bg1"/>
+                  </a:glow>
+                  <a:outerShdw blurRad="38100" dist="38100" dir="2700000" algn="tl">
+                    <a:srgbClr val="000000">
+                      <a:alpha val="43137"/>
+                    </a:srgbClr>
+                  </a:outerShdw>
+                </a:effectLst>
+                <a:latin typeface="HGP創英角ｺﾞｼｯｸUB" panose="020B0900000000000000" pitchFamily="50" charset="-128"/>
+                <a:ea typeface="HGP創英角ｺﾞｼｯｸUB" panose="020B0900000000000000" pitchFamily="50" charset="-128"/>
+              </a:rPr>
+              <a:t>！</a:t>
+            </a:r>
+            <a:endParaRPr kumimoji="1" lang="en-US" altLang="ja-JP" sz="2400" dirty="0">
+              <a:solidFill>
+                <a:srgbClr val="FF0000"/>
+              </a:solidFill>
+              <a:effectLst>
+                <a:glow rad="127000">
+                  <a:schemeClr val="bg1"/>
+                </a:glow>
+                <a:outerShdw blurRad="38100" dist="38100" dir="2700000" algn="tl">
+                  <a:srgbClr val="000000">
+                    <a:alpha val="43137"/>
+                  </a:srgbClr>
+                </a:outerShdw>
+              </a:effectLst>
+              <a:latin typeface="HGP創英角ｺﾞｼｯｸUB" panose="020B0900000000000000" pitchFamily="50" charset="-128"/>
+              <a:ea typeface="HGP創英角ｺﾞｼｯｸUB" panose="020B0900000000000000" pitchFamily="50" charset="-128"/>
+            </a:endParaRPr>
+          </a:p>
+        </p:txBody>
+      </p:sp>
+      <p:pic>
+        <p:nvPicPr>
+          <p:cNvPr id="65" name="グラフィックス 64" descr="警察官男性 単色塗りつぶし">
+            <a:extLst>
+              <a:ext uri="{FF2B5EF4-FFF2-40B4-BE49-F238E27FC236}">
+                <a16:creationId xmlns:a16="http://schemas.microsoft.com/office/drawing/2014/main" id="{5AF7C44B-DA20-A4DC-D2F9-1BFA4F7DBA1D}"/>
+              </a:ext>
+            </a:extLst>
+          </p:cNvPr>
+          <p:cNvPicPr>
+            <a:picLocks noChangeAspect="1"/>
+          </p:cNvPicPr>
+          <p:nvPr/>
+        </p:nvPicPr>
+        <p:blipFill>
+          <a:blip r:embed="rId3">
+            <a:extLst>
+              <a:ext uri="{96DAC541-7B7A-43D3-8B79-37D633B846F1}">
+                <asvg:svgBlip xmlns:asvg="http://schemas.microsoft.com/office/drawing/2016/SVG/main" r:embed="rId4"/>
+              </a:ext>
+            </a:extLst>
+          </a:blip>
+          <a:stretch>
+            <a:fillRect/>
+          </a:stretch>
+        </p:blipFill>
+        <p:spPr>
+          <a:xfrm>
+            <a:off x="3414169" y="5021578"/>
+            <a:ext cx="507594" cy="507594"/>
+          </a:xfrm>
+          <a:prstGeom prst="rect">
+            <a:avLst/>
+          </a:prstGeom>
+          <a:effectLst>
+            <a:outerShdw blurRad="50800" dist="38100" dir="2700000" algn="tl" rotWithShape="0">
+              <a:prstClr val="black">
+                <a:alpha val="40000"/>
+              </a:prstClr>
+            </a:outerShdw>
+          </a:effectLst>
+        </p:spPr>
+      </p:pic>
+      <p:sp>
+        <p:nvSpPr>
+          <p:cNvPr id="66" name="テキスト ボックス 65">
+            <a:extLst>
+              <a:ext uri="{FF2B5EF4-FFF2-40B4-BE49-F238E27FC236}">
+                <a16:creationId xmlns:a16="http://schemas.microsoft.com/office/drawing/2014/main" id="{336F4250-58B9-13DD-5252-9A50377E18E8}"/>
+              </a:ext>
+            </a:extLst>
+          </p:cNvPr>
+          <p:cNvSpPr txBox="1"/>
+          <p:nvPr/>
+        </p:nvSpPr>
+        <p:spPr>
+          <a:xfrm>
+            <a:off x="3636901" y="4871674"/>
+            <a:ext cx="395548" cy="370827"/>
+          </a:xfrm>
+          <a:prstGeom prst="rect">
+            <a:avLst/>
+          </a:prstGeom>
+          <a:noFill/>
+        </p:spPr>
+        <p:txBody>
+          <a:bodyPr wrap="none" rtlCol="0">
+            <a:spAutoFit/>
+          </a:bodyPr>
+          <a:lstStyle/>
+          <a:p>
+            <a:r>
+              <a:rPr lang="ja-JP" altLang="en-US" sz="2400" dirty="0">
+                <a:solidFill>
+                  <a:srgbClr val="FF0000"/>
+                </a:solidFill>
+                <a:effectLst>
+                  <a:glow rad="127000">
+                    <a:schemeClr val="bg1"/>
+                  </a:glow>
+                  <a:outerShdw blurRad="38100" dist="38100" dir="2700000" algn="tl">
+                    <a:srgbClr val="000000">
+                      <a:alpha val="43137"/>
+                    </a:srgbClr>
+                  </a:outerShdw>
+                </a:effectLst>
+                <a:latin typeface="HGP創英角ｺﾞｼｯｸUB" panose="020B0900000000000000" pitchFamily="50" charset="-128"/>
+                <a:ea typeface="HGP創英角ｺﾞｼｯｸUB" panose="020B0900000000000000" pitchFamily="50" charset="-128"/>
+              </a:rPr>
+              <a:t>！</a:t>
+            </a:r>
+            <a:endParaRPr kumimoji="1" lang="en-US" altLang="ja-JP" sz="2400" dirty="0">
+              <a:solidFill>
+                <a:srgbClr val="FF0000"/>
+              </a:solidFill>
+              <a:effectLst>
+                <a:glow rad="127000">
+                  <a:schemeClr val="bg1"/>
+                </a:glow>
+                <a:outerShdw blurRad="38100" dist="38100" dir="2700000" algn="tl">
+                  <a:srgbClr val="000000">
+                    <a:alpha val="43137"/>
+                  </a:srgbClr>
+                </a:outerShdw>
+              </a:effectLst>
+              <a:latin typeface="HGP創英角ｺﾞｼｯｸUB" panose="020B0900000000000000" pitchFamily="50" charset="-128"/>
+              <a:ea typeface="HGP創英角ｺﾞｼｯｸUB" panose="020B0900000000000000" pitchFamily="50" charset="-128"/>
+            </a:endParaRPr>
+          </a:p>
+        </p:txBody>
+      </p:sp>
+      <p:pic>
+        <p:nvPicPr>
+          <p:cNvPr id="68" name="グラフィックス 67" descr="警察官男性 単色塗りつぶし">
+            <a:extLst>
+              <a:ext uri="{FF2B5EF4-FFF2-40B4-BE49-F238E27FC236}">
+                <a16:creationId xmlns:a16="http://schemas.microsoft.com/office/drawing/2014/main" id="{FEAE5418-5293-FDD1-748B-7C2931275500}"/>
+              </a:ext>
+            </a:extLst>
+          </p:cNvPr>
+          <p:cNvPicPr>
+            <a:picLocks noChangeAspect="1"/>
+          </p:cNvPicPr>
+          <p:nvPr/>
+        </p:nvPicPr>
+        <p:blipFill>
+          <a:blip r:embed="rId3">
+            <a:extLst>
+              <a:ext uri="{96DAC541-7B7A-43D3-8B79-37D633B846F1}">
+                <asvg:svgBlip xmlns:asvg="http://schemas.microsoft.com/office/drawing/2016/SVG/main" r:embed="rId4"/>
+              </a:ext>
+            </a:extLst>
+          </a:blip>
+          <a:stretch>
+            <a:fillRect/>
+          </a:stretch>
+        </p:blipFill>
+        <p:spPr>
+          <a:xfrm>
+            <a:off x="2261968" y="5691029"/>
+            <a:ext cx="507594" cy="507594"/>
+          </a:xfrm>
+          <a:prstGeom prst="rect">
+            <a:avLst/>
+          </a:prstGeom>
+          <a:effectLst>
+            <a:outerShdw blurRad="50800" dist="38100" dir="2700000" algn="tl" rotWithShape="0">
+              <a:prstClr val="black">
+                <a:alpha val="40000"/>
+              </a:prstClr>
+            </a:outerShdw>
+          </a:effectLst>
+        </p:spPr>
+      </p:pic>
+      <p:sp>
+        <p:nvSpPr>
+          <p:cNvPr id="69" name="テキスト ボックス 68">
+            <a:extLst>
+              <a:ext uri="{FF2B5EF4-FFF2-40B4-BE49-F238E27FC236}">
+                <a16:creationId xmlns:a16="http://schemas.microsoft.com/office/drawing/2014/main" id="{379218B7-BA70-7662-C736-2D9F26B0D26C}"/>
+              </a:ext>
+            </a:extLst>
+          </p:cNvPr>
+          <p:cNvSpPr txBox="1"/>
+          <p:nvPr/>
+        </p:nvSpPr>
+        <p:spPr>
+          <a:xfrm>
+            <a:off x="2484700" y="5541125"/>
+            <a:ext cx="395548" cy="370827"/>
+          </a:xfrm>
+          <a:prstGeom prst="rect">
+            <a:avLst/>
+          </a:prstGeom>
+          <a:noFill/>
+        </p:spPr>
+        <p:txBody>
+          <a:bodyPr wrap="none" rtlCol="0">
+            <a:spAutoFit/>
+          </a:bodyPr>
+          <a:lstStyle/>
+          <a:p>
+            <a:r>
+              <a:rPr lang="ja-JP" altLang="en-US" sz="2400" dirty="0">
+                <a:solidFill>
+                  <a:srgbClr val="FF0000"/>
+                </a:solidFill>
+                <a:effectLst>
+                  <a:glow rad="127000">
+                    <a:schemeClr val="bg1"/>
+                  </a:glow>
+                  <a:outerShdw blurRad="38100" dist="38100" dir="2700000" algn="tl">
+                    <a:srgbClr val="000000">
+                      <a:alpha val="43137"/>
+                    </a:srgbClr>
+                  </a:outerShdw>
+                </a:effectLst>
+                <a:latin typeface="HGP創英角ｺﾞｼｯｸUB" panose="020B0900000000000000" pitchFamily="50" charset="-128"/>
+                <a:ea typeface="HGP創英角ｺﾞｼｯｸUB" panose="020B0900000000000000" pitchFamily="50" charset="-128"/>
+              </a:rPr>
+              <a:t>！</a:t>
+            </a:r>
+            <a:endParaRPr kumimoji="1" lang="en-US" altLang="ja-JP" sz="2400" dirty="0">
+              <a:solidFill>
+                <a:srgbClr val="FF0000"/>
+              </a:solidFill>
+              <a:effectLst>
+                <a:glow rad="127000">
+                  <a:schemeClr val="bg1"/>
+                </a:glow>
+                <a:outerShdw blurRad="38100" dist="38100" dir="2700000" algn="tl">
+                  <a:srgbClr val="000000">
+                    <a:alpha val="43137"/>
+                  </a:srgbClr>
+                </a:outerShdw>
+              </a:effectLst>
+              <a:latin typeface="HGP創英角ｺﾞｼｯｸUB" panose="020B0900000000000000" pitchFamily="50" charset="-128"/>
+              <a:ea typeface="HGP創英角ｺﾞｼｯｸUB" panose="020B0900000000000000" pitchFamily="50" charset="-128"/>
+            </a:endParaRPr>
+          </a:p>
+        </p:txBody>
+      </p:sp>
+      <p:pic>
+        <p:nvPicPr>
+          <p:cNvPr id="71" name="グラフィックス 70" descr="警察官男性 単色塗りつぶし">
+            <a:extLst>
+              <a:ext uri="{FF2B5EF4-FFF2-40B4-BE49-F238E27FC236}">
+                <a16:creationId xmlns:a16="http://schemas.microsoft.com/office/drawing/2014/main" id="{EC5CDCE0-4235-4B78-341D-E108CC1AE46D}"/>
+              </a:ext>
+            </a:extLst>
+          </p:cNvPr>
+          <p:cNvPicPr>
+            <a:picLocks noChangeAspect="1"/>
+          </p:cNvPicPr>
+          <p:nvPr/>
+        </p:nvPicPr>
+        <p:blipFill>
+          <a:blip r:embed="rId3">
+            <a:extLst>
+              <a:ext uri="{96DAC541-7B7A-43D3-8B79-37D633B846F1}">
+                <asvg:svgBlip xmlns:asvg="http://schemas.microsoft.com/office/drawing/2016/SVG/main" r:embed="rId4"/>
+              </a:ext>
+            </a:extLst>
+          </a:blip>
+          <a:stretch>
+            <a:fillRect/>
+          </a:stretch>
+        </p:blipFill>
+        <p:spPr>
+          <a:xfrm>
+            <a:off x="2245959" y="6320328"/>
+            <a:ext cx="507594" cy="507594"/>
+          </a:xfrm>
+          <a:prstGeom prst="rect">
+            <a:avLst/>
+          </a:prstGeom>
+          <a:effectLst>
+            <a:outerShdw blurRad="50800" dist="38100" dir="2700000" algn="tl" rotWithShape="0">
+              <a:prstClr val="black">
+                <a:alpha val="40000"/>
+              </a:prstClr>
+            </a:outerShdw>
+          </a:effectLst>
+        </p:spPr>
+      </p:pic>
+      <p:sp>
+        <p:nvSpPr>
+          <p:cNvPr id="72" name="テキスト ボックス 71">
+            <a:extLst>
+              <a:ext uri="{FF2B5EF4-FFF2-40B4-BE49-F238E27FC236}">
+                <a16:creationId xmlns:a16="http://schemas.microsoft.com/office/drawing/2014/main" id="{F2E0C3C6-72F9-4AEF-7017-C3F68171F98C}"/>
+              </a:ext>
+            </a:extLst>
+          </p:cNvPr>
+          <p:cNvSpPr txBox="1"/>
+          <p:nvPr/>
+        </p:nvSpPr>
+        <p:spPr>
+          <a:xfrm>
+            <a:off x="2468691" y="6170424"/>
+            <a:ext cx="395548" cy="370827"/>
+          </a:xfrm>
+          <a:prstGeom prst="rect">
+            <a:avLst/>
+          </a:prstGeom>
+          <a:noFill/>
+        </p:spPr>
+        <p:txBody>
+          <a:bodyPr wrap="none" rtlCol="0">
+            <a:spAutoFit/>
+          </a:bodyPr>
+          <a:lstStyle/>
+          <a:p>
+            <a:r>
+              <a:rPr lang="ja-JP" altLang="en-US" sz="2400" dirty="0">
+                <a:solidFill>
+                  <a:srgbClr val="FF0000"/>
+                </a:solidFill>
+                <a:effectLst>
+                  <a:glow rad="127000">
+                    <a:schemeClr val="bg1"/>
+                  </a:glow>
+                  <a:outerShdw blurRad="38100" dist="38100" dir="2700000" algn="tl">
+                    <a:srgbClr val="000000">
+                      <a:alpha val="43137"/>
+                    </a:srgbClr>
+                  </a:outerShdw>
+                </a:effectLst>
+                <a:latin typeface="HGP創英角ｺﾞｼｯｸUB" panose="020B0900000000000000" pitchFamily="50" charset="-128"/>
+                <a:ea typeface="HGP創英角ｺﾞｼｯｸUB" panose="020B0900000000000000" pitchFamily="50" charset="-128"/>
+              </a:rPr>
+              <a:t>！</a:t>
+            </a:r>
+            <a:endParaRPr kumimoji="1" lang="en-US" altLang="ja-JP" sz="2400" dirty="0">
+              <a:solidFill>
+                <a:srgbClr val="FF0000"/>
+              </a:solidFill>
+              <a:effectLst>
+                <a:glow rad="127000">
+                  <a:schemeClr val="bg1"/>
+                </a:glow>
+                <a:outerShdw blurRad="38100" dist="38100" dir="2700000" algn="tl">
+                  <a:srgbClr val="000000">
+                    <a:alpha val="43137"/>
+                  </a:srgbClr>
+                </a:outerShdw>
+              </a:effectLst>
+              <a:latin typeface="HGP創英角ｺﾞｼｯｸUB" panose="020B0900000000000000" pitchFamily="50" charset="-128"/>
+              <a:ea typeface="HGP創英角ｺﾞｼｯｸUB" panose="020B0900000000000000" pitchFamily="50" charset="-128"/>
+            </a:endParaRPr>
+          </a:p>
+        </p:txBody>
+      </p:sp>
+      <p:pic>
+        <p:nvPicPr>
+          <p:cNvPr id="74" name="グラフィックス 73" descr="警察官男性 単色塗りつぶし">
+            <a:extLst>
+              <a:ext uri="{FF2B5EF4-FFF2-40B4-BE49-F238E27FC236}">
+                <a16:creationId xmlns:a16="http://schemas.microsoft.com/office/drawing/2014/main" id="{52105B48-3DFF-E40E-6550-335334E62B35}"/>
+              </a:ext>
+            </a:extLst>
+          </p:cNvPr>
+          <p:cNvPicPr>
+            <a:picLocks noChangeAspect="1"/>
+          </p:cNvPicPr>
+          <p:nvPr/>
+        </p:nvPicPr>
+        <p:blipFill>
+          <a:blip r:embed="rId3">
+            <a:extLst>
+              <a:ext uri="{96DAC541-7B7A-43D3-8B79-37D633B846F1}">
+                <asvg:svgBlip xmlns:asvg="http://schemas.microsoft.com/office/drawing/2016/SVG/main" r:embed="rId4"/>
+              </a:ext>
+            </a:extLst>
+          </a:blip>
+          <a:stretch>
+            <a:fillRect/>
+          </a:stretch>
+        </p:blipFill>
+        <p:spPr>
+          <a:xfrm>
+            <a:off x="3409714" y="6291468"/>
+            <a:ext cx="507594" cy="507594"/>
+          </a:xfrm>
+          <a:prstGeom prst="rect">
+            <a:avLst/>
+          </a:prstGeom>
+          <a:effectLst>
+            <a:outerShdw blurRad="50800" dist="38100" dir="2700000" algn="tl" rotWithShape="0">
+              <a:prstClr val="black">
+                <a:alpha val="40000"/>
+              </a:prstClr>
+            </a:outerShdw>
+          </a:effectLst>
+        </p:spPr>
+      </p:pic>
+      <p:sp>
+        <p:nvSpPr>
+          <p:cNvPr id="75" name="テキスト ボックス 74">
+            <a:extLst>
+              <a:ext uri="{FF2B5EF4-FFF2-40B4-BE49-F238E27FC236}">
+                <a16:creationId xmlns:a16="http://schemas.microsoft.com/office/drawing/2014/main" id="{7C02A80F-2B17-7787-7E00-D3C1599AA7F6}"/>
+              </a:ext>
+            </a:extLst>
+          </p:cNvPr>
+          <p:cNvSpPr txBox="1"/>
+          <p:nvPr/>
+        </p:nvSpPr>
+        <p:spPr>
+          <a:xfrm>
+            <a:off x="3632446" y="6141564"/>
+            <a:ext cx="395548" cy="370827"/>
+          </a:xfrm>
+          <a:prstGeom prst="rect">
+            <a:avLst/>
+          </a:prstGeom>
+          <a:noFill/>
+        </p:spPr>
+        <p:txBody>
+          <a:bodyPr wrap="none" rtlCol="0">
+            <a:spAutoFit/>
+          </a:bodyPr>
+          <a:lstStyle/>
+          <a:p>
+            <a:r>
+              <a:rPr lang="ja-JP" altLang="en-US" sz="2400" dirty="0">
+                <a:solidFill>
+                  <a:srgbClr val="FF0000"/>
+                </a:solidFill>
+                <a:effectLst>
+                  <a:glow rad="127000">
+                    <a:schemeClr val="bg1"/>
+                  </a:glow>
+                  <a:outerShdw blurRad="38100" dist="38100" dir="2700000" algn="tl">
+                    <a:srgbClr val="000000">
+                      <a:alpha val="43137"/>
+                    </a:srgbClr>
+                  </a:outerShdw>
+                </a:effectLst>
+                <a:latin typeface="HGP創英角ｺﾞｼｯｸUB" panose="020B0900000000000000" pitchFamily="50" charset="-128"/>
+                <a:ea typeface="HGP創英角ｺﾞｼｯｸUB" panose="020B0900000000000000" pitchFamily="50" charset="-128"/>
+              </a:rPr>
+              <a:t>！</a:t>
+            </a:r>
+            <a:endParaRPr kumimoji="1" lang="en-US" altLang="ja-JP" sz="2400" dirty="0">
+              <a:solidFill>
+                <a:srgbClr val="FF0000"/>
+              </a:solidFill>
+              <a:effectLst>
+                <a:glow rad="127000">
+                  <a:schemeClr val="bg1"/>
+                </a:glow>
+                <a:outerShdw blurRad="38100" dist="38100" dir="2700000" algn="tl">
+                  <a:srgbClr val="000000">
+                    <a:alpha val="43137"/>
+                  </a:srgbClr>
+                </a:outerShdw>
+              </a:effectLst>
+              <a:latin typeface="HGP創英角ｺﾞｼｯｸUB" panose="020B0900000000000000" pitchFamily="50" charset="-128"/>
+              <a:ea typeface="HGP創英角ｺﾞｼｯｸUB" panose="020B0900000000000000" pitchFamily="50" charset="-128"/>
+            </a:endParaRPr>
+          </a:p>
+        </p:txBody>
+      </p:sp>
+      <p:pic>
+        <p:nvPicPr>
+          <p:cNvPr id="77" name="グラフィックス 76" descr="警察官男性 単色塗りつぶし">
+            <a:extLst>
+              <a:ext uri="{FF2B5EF4-FFF2-40B4-BE49-F238E27FC236}">
+                <a16:creationId xmlns:a16="http://schemas.microsoft.com/office/drawing/2014/main" id="{F2CF5654-240B-251F-F3A3-7383F097AD8A}"/>
+              </a:ext>
+            </a:extLst>
+          </p:cNvPr>
+          <p:cNvPicPr>
+            <a:picLocks noChangeAspect="1"/>
+          </p:cNvPicPr>
+          <p:nvPr/>
+        </p:nvPicPr>
+        <p:blipFill>
+          <a:blip r:embed="rId3">
+            <a:extLst>
+              <a:ext uri="{96DAC541-7B7A-43D3-8B79-37D633B846F1}">
+                <asvg:svgBlip xmlns:asvg="http://schemas.microsoft.com/office/drawing/2016/SVG/main" r:embed="rId4"/>
+              </a:ext>
+            </a:extLst>
+          </a:blip>
+          <a:stretch>
+            <a:fillRect/>
+          </a:stretch>
+        </p:blipFill>
+        <p:spPr>
+          <a:xfrm>
+            <a:off x="3409714" y="5642854"/>
+            <a:ext cx="507594" cy="507594"/>
+          </a:xfrm>
+          <a:prstGeom prst="rect">
+            <a:avLst/>
+          </a:prstGeom>
+          <a:effectLst>
+            <a:outerShdw blurRad="50800" dist="38100" dir="2700000" algn="tl" rotWithShape="0">
+              <a:prstClr val="black">
+                <a:alpha val="40000"/>
+              </a:prstClr>
+            </a:outerShdw>
+          </a:effectLst>
+        </p:spPr>
+      </p:pic>
+      <p:sp>
+        <p:nvSpPr>
+          <p:cNvPr id="78" name="テキスト ボックス 77">
+            <a:extLst>
+              <a:ext uri="{FF2B5EF4-FFF2-40B4-BE49-F238E27FC236}">
+                <a16:creationId xmlns:a16="http://schemas.microsoft.com/office/drawing/2014/main" id="{57635A80-FAAD-6421-60E3-288CB9A3BBAE}"/>
+              </a:ext>
+            </a:extLst>
+          </p:cNvPr>
+          <p:cNvSpPr txBox="1"/>
+          <p:nvPr/>
+        </p:nvSpPr>
+        <p:spPr>
+          <a:xfrm>
+            <a:off x="3632446" y="5492950"/>
+            <a:ext cx="395548" cy="370827"/>
+          </a:xfrm>
+          <a:prstGeom prst="rect">
+            <a:avLst/>
+          </a:prstGeom>
+          <a:noFill/>
+        </p:spPr>
+        <p:txBody>
+          <a:bodyPr wrap="none" rtlCol="0">
+            <a:spAutoFit/>
+          </a:bodyPr>
+          <a:lstStyle/>
+          <a:p>
+            <a:r>
+              <a:rPr lang="ja-JP" altLang="en-US" sz="2400" dirty="0">
+                <a:solidFill>
+                  <a:srgbClr val="FF0000"/>
+                </a:solidFill>
+                <a:effectLst>
+                  <a:glow rad="127000">
+                    <a:schemeClr val="bg1"/>
+                  </a:glow>
+                  <a:outerShdw blurRad="38100" dist="38100" dir="2700000" algn="tl">
+                    <a:srgbClr val="000000">
+                      <a:alpha val="43137"/>
+                    </a:srgbClr>
+                  </a:outerShdw>
+                </a:effectLst>
+                <a:latin typeface="HGP創英角ｺﾞｼｯｸUB" panose="020B0900000000000000" pitchFamily="50" charset="-128"/>
+                <a:ea typeface="HGP創英角ｺﾞｼｯｸUB" panose="020B0900000000000000" pitchFamily="50" charset="-128"/>
+              </a:rPr>
+              <a:t>！</a:t>
+            </a:r>
+            <a:endParaRPr kumimoji="1" lang="en-US" altLang="ja-JP" sz="2400" dirty="0">
+              <a:solidFill>
+                <a:srgbClr val="FF0000"/>
+              </a:solidFill>
+              <a:effectLst>
+                <a:glow rad="127000">
+                  <a:schemeClr val="bg1"/>
+                </a:glow>
+                <a:outerShdw blurRad="38100" dist="38100" dir="2700000" algn="tl">
+                  <a:srgbClr val="000000">
+                    <a:alpha val="43137"/>
+                  </a:srgbClr>
+                </a:outerShdw>
+              </a:effectLst>
+              <a:latin typeface="HGP創英角ｺﾞｼｯｸUB" panose="020B0900000000000000" pitchFamily="50" charset="-128"/>
+              <a:ea typeface="HGP創英角ｺﾞｼｯｸUB" panose="020B0900000000000000" pitchFamily="50" charset="-128"/>
+            </a:endParaRPr>
+          </a:p>
+        </p:txBody>
+      </p:sp>
+      <p:pic>
+        <p:nvPicPr>
+          <p:cNvPr id="80" name="グラフィックス 79" descr="警察官男性 単色塗りつぶし">
+            <a:extLst>
+              <a:ext uri="{FF2B5EF4-FFF2-40B4-BE49-F238E27FC236}">
+                <a16:creationId xmlns:a16="http://schemas.microsoft.com/office/drawing/2014/main" id="{A901178E-75FC-3FC0-CCA2-B7C1626E29AB}"/>
+              </a:ext>
+            </a:extLst>
+          </p:cNvPr>
+          <p:cNvPicPr>
+            <a:picLocks noChangeAspect="1"/>
+          </p:cNvPicPr>
+          <p:nvPr/>
+        </p:nvPicPr>
+        <p:blipFill>
+          <a:blip r:embed="rId3">
+            <a:extLst>
+              <a:ext uri="{96DAC541-7B7A-43D3-8B79-37D633B846F1}">
+                <asvg:svgBlip xmlns:asvg="http://schemas.microsoft.com/office/drawing/2016/SVG/main" r:embed="rId4"/>
+              </a:ext>
+            </a:extLst>
+          </a:blip>
+          <a:stretch>
+            <a:fillRect/>
+          </a:stretch>
+        </p:blipFill>
+        <p:spPr>
+          <a:xfrm>
+            <a:off x="3434065" y="4396171"/>
+            <a:ext cx="507594" cy="507594"/>
+          </a:xfrm>
+          <a:prstGeom prst="rect">
+            <a:avLst/>
+          </a:prstGeom>
+          <a:effectLst>
+            <a:outerShdw blurRad="50800" dist="38100" dir="2700000" algn="tl" rotWithShape="0">
+              <a:prstClr val="black">
+                <a:alpha val="40000"/>
+              </a:prstClr>
+            </a:outerShdw>
+          </a:effectLst>
+        </p:spPr>
+      </p:pic>
+      <p:sp>
+        <p:nvSpPr>
+          <p:cNvPr id="81" name="テキスト ボックス 80">
+            <a:extLst>
+              <a:ext uri="{FF2B5EF4-FFF2-40B4-BE49-F238E27FC236}">
+                <a16:creationId xmlns:a16="http://schemas.microsoft.com/office/drawing/2014/main" id="{D0ED8937-EAB6-EF60-7D18-9A671258D07B}"/>
+              </a:ext>
+            </a:extLst>
+          </p:cNvPr>
+          <p:cNvSpPr txBox="1"/>
+          <p:nvPr/>
+        </p:nvSpPr>
+        <p:spPr>
+          <a:xfrm>
+            <a:off x="3656797" y="4246267"/>
+            <a:ext cx="395548" cy="370827"/>
+          </a:xfrm>
+          <a:prstGeom prst="rect">
+            <a:avLst/>
+          </a:prstGeom>
+          <a:noFill/>
+        </p:spPr>
+        <p:txBody>
+          <a:bodyPr wrap="none" rtlCol="0">
+            <a:spAutoFit/>
+          </a:bodyPr>
+          <a:lstStyle/>
+          <a:p>
+            <a:r>
+              <a:rPr lang="ja-JP" altLang="en-US" sz="2400" dirty="0">
+                <a:solidFill>
+                  <a:srgbClr val="FF0000"/>
+                </a:solidFill>
+                <a:effectLst>
+                  <a:glow rad="127000">
+                    <a:schemeClr val="bg1"/>
+                  </a:glow>
+                  <a:outerShdw blurRad="38100" dist="38100" dir="2700000" algn="tl">
+                    <a:srgbClr val="000000">
+                      <a:alpha val="43137"/>
+                    </a:srgbClr>
+                  </a:outerShdw>
+                </a:effectLst>
+                <a:latin typeface="HGP創英角ｺﾞｼｯｸUB" panose="020B0900000000000000" pitchFamily="50" charset="-128"/>
+                <a:ea typeface="HGP創英角ｺﾞｼｯｸUB" panose="020B0900000000000000" pitchFamily="50" charset="-128"/>
+              </a:rPr>
+              <a:t>！</a:t>
+            </a:r>
+            <a:endParaRPr kumimoji="1" lang="en-US" altLang="ja-JP" sz="2400" dirty="0">
+              <a:solidFill>
+                <a:srgbClr val="FF0000"/>
+              </a:solidFill>
+              <a:effectLst>
+                <a:glow rad="127000">
+                  <a:schemeClr val="bg1"/>
+                </a:glow>
+                <a:outerShdw blurRad="38100" dist="38100" dir="2700000" algn="tl">
+                  <a:srgbClr val="000000">
+                    <a:alpha val="43137"/>
+                  </a:srgbClr>
+                </a:outerShdw>
+              </a:effectLst>
+              <a:latin typeface="HGP創英角ｺﾞｼｯｸUB" panose="020B0900000000000000" pitchFamily="50" charset="-128"/>
+              <a:ea typeface="HGP創英角ｺﾞｼｯｸUB" panose="020B0900000000000000" pitchFamily="50" charset="-128"/>
+            </a:endParaRPr>
+          </a:p>
+        </p:txBody>
+      </p:sp>
+      <p:pic>
+        <p:nvPicPr>
+          <p:cNvPr id="83" name="グラフィックス 82" descr="警察官男性 単色塗りつぶし">
+            <a:extLst>
+              <a:ext uri="{FF2B5EF4-FFF2-40B4-BE49-F238E27FC236}">
+                <a16:creationId xmlns:a16="http://schemas.microsoft.com/office/drawing/2014/main" id="{03CA9227-C90B-FD1F-5FA9-6C919DA83466}"/>
+              </a:ext>
+            </a:extLst>
+          </p:cNvPr>
+          <p:cNvPicPr>
+            <a:picLocks noChangeAspect="1"/>
+          </p:cNvPicPr>
+          <p:nvPr/>
+        </p:nvPicPr>
+        <p:blipFill>
+          <a:blip r:embed="rId3">
+            <a:extLst>
+              <a:ext uri="{96DAC541-7B7A-43D3-8B79-37D633B846F1}">
+                <asvg:svgBlip xmlns:asvg="http://schemas.microsoft.com/office/drawing/2016/SVG/main" r:embed="rId4"/>
+              </a:ext>
+            </a:extLst>
+          </a:blip>
+          <a:stretch>
+            <a:fillRect/>
+          </a:stretch>
+        </p:blipFill>
+        <p:spPr>
+          <a:xfrm>
+            <a:off x="4469330" y="5662830"/>
+            <a:ext cx="507594" cy="507594"/>
+          </a:xfrm>
+          <a:prstGeom prst="rect">
+            <a:avLst/>
+          </a:prstGeom>
+          <a:effectLst>
+            <a:outerShdw blurRad="50800" dist="38100" dir="2700000" algn="tl" rotWithShape="0">
+              <a:prstClr val="black">
+                <a:alpha val="40000"/>
+              </a:prstClr>
+            </a:outerShdw>
+          </a:effectLst>
+        </p:spPr>
+      </p:pic>
+      <p:sp>
+        <p:nvSpPr>
+          <p:cNvPr id="84" name="テキスト ボックス 83">
+            <a:extLst>
+              <a:ext uri="{FF2B5EF4-FFF2-40B4-BE49-F238E27FC236}">
+                <a16:creationId xmlns:a16="http://schemas.microsoft.com/office/drawing/2014/main" id="{B9AEE234-3FC4-20C5-B489-959BF5BA5D3D}"/>
+              </a:ext>
+            </a:extLst>
+          </p:cNvPr>
+          <p:cNvSpPr txBox="1"/>
+          <p:nvPr/>
+        </p:nvSpPr>
+        <p:spPr>
+          <a:xfrm>
+            <a:off x="4692062" y="5512926"/>
+            <a:ext cx="395548" cy="370827"/>
+          </a:xfrm>
+          <a:prstGeom prst="rect">
+            <a:avLst/>
+          </a:prstGeom>
+          <a:noFill/>
+        </p:spPr>
+        <p:txBody>
+          <a:bodyPr wrap="none" rtlCol="0">
+            <a:spAutoFit/>
+          </a:bodyPr>
+          <a:lstStyle/>
+          <a:p>
+            <a:r>
+              <a:rPr lang="ja-JP" altLang="en-US" sz="2400" dirty="0">
+                <a:solidFill>
+                  <a:srgbClr val="FF0000"/>
+                </a:solidFill>
+                <a:effectLst>
+                  <a:glow rad="127000">
+                    <a:schemeClr val="bg1"/>
+                  </a:glow>
+                  <a:outerShdw blurRad="38100" dist="38100" dir="2700000" algn="tl">
+                    <a:srgbClr val="000000">
+                      <a:alpha val="43137"/>
+                    </a:srgbClr>
+                  </a:outerShdw>
+                </a:effectLst>
+                <a:latin typeface="HGP創英角ｺﾞｼｯｸUB" panose="020B0900000000000000" pitchFamily="50" charset="-128"/>
+                <a:ea typeface="HGP創英角ｺﾞｼｯｸUB" panose="020B0900000000000000" pitchFamily="50" charset="-128"/>
+              </a:rPr>
+              <a:t>！</a:t>
+            </a:r>
+            <a:endParaRPr kumimoji="1" lang="en-US" altLang="ja-JP" sz="2400" dirty="0">
+              <a:solidFill>
+                <a:srgbClr val="FF0000"/>
+              </a:solidFill>
+              <a:effectLst>
+                <a:glow rad="127000">
+                  <a:schemeClr val="bg1"/>
+                </a:glow>
+                <a:outerShdw blurRad="38100" dist="38100" dir="2700000" algn="tl">
+                  <a:srgbClr val="000000">
+                    <a:alpha val="43137"/>
+                  </a:srgbClr>
+                </a:outerShdw>
+              </a:effectLst>
+              <a:latin typeface="HGP創英角ｺﾞｼｯｸUB" panose="020B0900000000000000" pitchFamily="50" charset="-128"/>
+              <a:ea typeface="HGP創英角ｺﾞｼｯｸUB" panose="020B0900000000000000" pitchFamily="50" charset="-128"/>
+            </a:endParaRPr>
+          </a:p>
+        </p:txBody>
+      </p:sp>
+      <p:pic>
+        <p:nvPicPr>
+          <p:cNvPr id="86" name="グラフィックス 85" descr="警察官男性 単色塗りつぶし">
+            <a:extLst>
+              <a:ext uri="{FF2B5EF4-FFF2-40B4-BE49-F238E27FC236}">
+                <a16:creationId xmlns:a16="http://schemas.microsoft.com/office/drawing/2014/main" id="{84F37536-1255-99E0-957A-6100446F0860}"/>
+              </a:ext>
+            </a:extLst>
+          </p:cNvPr>
+          <p:cNvPicPr>
+            <a:picLocks noChangeAspect="1"/>
+          </p:cNvPicPr>
+          <p:nvPr/>
+        </p:nvPicPr>
+        <p:blipFill>
+          <a:blip r:embed="rId6">
+            <a:extLst>
+              <a:ext uri="{96DAC541-7B7A-43D3-8B79-37D633B846F1}">
+                <asvg:svgBlip xmlns:asvg="http://schemas.microsoft.com/office/drawing/2016/SVG/main" r:embed="rId7"/>
+              </a:ext>
+            </a:extLst>
+          </a:blip>
+          <a:stretch>
+            <a:fillRect/>
+          </a:stretch>
+        </p:blipFill>
+        <p:spPr>
+          <a:xfrm>
+            <a:off x="4516250" y="3236277"/>
+            <a:ext cx="507594" cy="507594"/>
+          </a:xfrm>
+          <a:prstGeom prst="rect">
+            <a:avLst/>
+          </a:prstGeom>
+          <a:effectLst>
+            <a:outerShdw blurRad="50800" dist="38100" dir="2700000" algn="tl" rotWithShape="0">
+              <a:prstClr val="black">
+                <a:alpha val="40000"/>
+              </a:prstClr>
+            </a:outerShdw>
+          </a:effectLst>
+        </p:spPr>
+      </p:pic>
+      <p:sp>
+        <p:nvSpPr>
+          <p:cNvPr id="87" name="テキスト ボックス 86">
+            <a:extLst>
+              <a:ext uri="{FF2B5EF4-FFF2-40B4-BE49-F238E27FC236}">
+                <a16:creationId xmlns:a16="http://schemas.microsoft.com/office/drawing/2014/main" id="{440DEBFE-0490-5BD9-0F28-D3BCB00618D0}"/>
+              </a:ext>
+            </a:extLst>
+          </p:cNvPr>
+          <p:cNvSpPr txBox="1"/>
+          <p:nvPr/>
+        </p:nvSpPr>
+        <p:spPr>
+          <a:xfrm>
+            <a:off x="4743536" y="3044256"/>
+            <a:ext cx="395548" cy="370827"/>
+          </a:xfrm>
+          <a:prstGeom prst="rect">
+            <a:avLst/>
+          </a:prstGeom>
+          <a:noFill/>
+        </p:spPr>
+        <p:txBody>
+          <a:bodyPr wrap="none" rtlCol="0">
+            <a:spAutoFit/>
+          </a:bodyPr>
+          <a:lstStyle/>
+          <a:p>
+            <a:r>
+              <a:rPr lang="ja-JP" altLang="en-US" sz="2400" dirty="0">
+                <a:solidFill>
+                  <a:srgbClr val="0070C0"/>
+                </a:solidFill>
+                <a:effectLst>
+                  <a:glow rad="127000">
+                    <a:schemeClr val="bg1"/>
+                  </a:glow>
+                  <a:outerShdw blurRad="38100" dist="38100" dir="2700000" algn="tl">
+                    <a:srgbClr val="000000">
+                      <a:alpha val="43137"/>
+                    </a:srgbClr>
+                  </a:outerShdw>
+                </a:effectLst>
+                <a:latin typeface="HGP創英角ｺﾞｼｯｸUB" panose="020B0900000000000000" pitchFamily="50" charset="-128"/>
+                <a:ea typeface="HGP創英角ｺﾞｼｯｸUB" panose="020B0900000000000000" pitchFamily="50" charset="-128"/>
+              </a:rPr>
+              <a:t>？</a:t>
+            </a:r>
+            <a:endParaRPr kumimoji="1" lang="en-US" altLang="ja-JP" sz="2400" dirty="0">
+              <a:solidFill>
+                <a:srgbClr val="0070C0"/>
+              </a:solidFill>
+              <a:effectLst>
+                <a:glow rad="127000">
+                  <a:schemeClr val="bg1"/>
+                </a:glow>
+                <a:outerShdw blurRad="38100" dist="38100" dir="2700000" algn="tl">
+                  <a:srgbClr val="000000">
+                    <a:alpha val="43137"/>
+                  </a:srgbClr>
+                </a:outerShdw>
+              </a:effectLst>
+              <a:latin typeface="HGP創英角ｺﾞｼｯｸUB" panose="020B0900000000000000" pitchFamily="50" charset="-128"/>
+              <a:ea typeface="HGP創英角ｺﾞｼｯｸUB" panose="020B0900000000000000" pitchFamily="50" charset="-128"/>
+            </a:endParaRPr>
+          </a:p>
+        </p:txBody>
+      </p:sp>
+      <p:pic>
+        <p:nvPicPr>
+          <p:cNvPr id="89" name="グラフィックス 88" descr="警察官男性 単色塗りつぶし">
+            <a:extLst>
+              <a:ext uri="{FF2B5EF4-FFF2-40B4-BE49-F238E27FC236}">
+                <a16:creationId xmlns:a16="http://schemas.microsoft.com/office/drawing/2014/main" id="{3FC67067-B3E1-73F1-6539-E53B6B10AD77}"/>
+              </a:ext>
+            </a:extLst>
+          </p:cNvPr>
+          <p:cNvPicPr>
+            <a:picLocks noChangeAspect="1"/>
+          </p:cNvPicPr>
+          <p:nvPr/>
+        </p:nvPicPr>
+        <p:blipFill>
+          <a:blip r:embed="rId3">
+            <a:extLst>
+              <a:ext uri="{96DAC541-7B7A-43D3-8B79-37D633B846F1}">
+                <asvg:svgBlip xmlns:asvg="http://schemas.microsoft.com/office/drawing/2016/SVG/main" r:embed="rId4"/>
+              </a:ext>
+            </a:extLst>
+          </a:blip>
+          <a:stretch>
+            <a:fillRect/>
+          </a:stretch>
+        </p:blipFill>
+        <p:spPr>
+          <a:xfrm>
+            <a:off x="4460609" y="6305804"/>
+            <a:ext cx="507594" cy="507594"/>
+          </a:xfrm>
+          <a:prstGeom prst="rect">
+            <a:avLst/>
+          </a:prstGeom>
+          <a:effectLst>
+            <a:outerShdw blurRad="50800" dist="38100" dir="2700000" algn="tl" rotWithShape="0">
+              <a:prstClr val="black">
+                <a:alpha val="40000"/>
+              </a:prstClr>
+            </a:outerShdw>
+          </a:effectLst>
+        </p:spPr>
+      </p:pic>
+      <p:sp>
+        <p:nvSpPr>
+          <p:cNvPr id="90" name="テキスト ボックス 89">
+            <a:extLst>
+              <a:ext uri="{FF2B5EF4-FFF2-40B4-BE49-F238E27FC236}">
+                <a16:creationId xmlns:a16="http://schemas.microsoft.com/office/drawing/2014/main" id="{0461DFC9-9B34-096D-03B4-CE4B4CD00954}"/>
+              </a:ext>
+            </a:extLst>
+          </p:cNvPr>
+          <p:cNvSpPr txBox="1"/>
+          <p:nvPr/>
+        </p:nvSpPr>
+        <p:spPr>
+          <a:xfrm>
+            <a:off x="4683341" y="6155900"/>
+            <a:ext cx="395548" cy="370827"/>
+          </a:xfrm>
+          <a:prstGeom prst="rect">
+            <a:avLst/>
+          </a:prstGeom>
+          <a:noFill/>
+        </p:spPr>
+        <p:txBody>
+          <a:bodyPr wrap="none" rtlCol="0">
+            <a:spAutoFit/>
+          </a:bodyPr>
+          <a:lstStyle/>
+          <a:p>
+            <a:r>
+              <a:rPr lang="ja-JP" altLang="en-US" sz="2400" dirty="0">
+                <a:solidFill>
+                  <a:srgbClr val="FF0000"/>
+                </a:solidFill>
+                <a:effectLst>
+                  <a:glow rad="127000">
+                    <a:schemeClr val="bg1"/>
+                  </a:glow>
+                  <a:outerShdw blurRad="38100" dist="38100" dir="2700000" algn="tl">
+                    <a:srgbClr val="000000">
+                      <a:alpha val="43137"/>
+                    </a:srgbClr>
+                  </a:outerShdw>
+                </a:effectLst>
+                <a:latin typeface="HGP創英角ｺﾞｼｯｸUB" panose="020B0900000000000000" pitchFamily="50" charset="-128"/>
+                <a:ea typeface="HGP創英角ｺﾞｼｯｸUB" panose="020B0900000000000000" pitchFamily="50" charset="-128"/>
+              </a:rPr>
+              <a:t>！</a:t>
+            </a:r>
+            <a:endParaRPr kumimoji="1" lang="en-US" altLang="ja-JP" sz="2400" dirty="0">
+              <a:solidFill>
+                <a:srgbClr val="FF0000"/>
+              </a:solidFill>
+              <a:effectLst>
+                <a:glow rad="127000">
+                  <a:schemeClr val="bg1"/>
+                </a:glow>
+                <a:outerShdw blurRad="38100" dist="38100" dir="2700000" algn="tl">
+                  <a:srgbClr val="000000">
+                    <a:alpha val="43137"/>
+                  </a:srgbClr>
+                </a:outerShdw>
+              </a:effectLst>
+              <a:latin typeface="HGP創英角ｺﾞｼｯｸUB" panose="020B0900000000000000" pitchFamily="50" charset="-128"/>
+              <a:ea typeface="HGP創英角ｺﾞｼｯｸUB" panose="020B0900000000000000" pitchFamily="50" charset="-128"/>
+            </a:endParaRPr>
+          </a:p>
+        </p:txBody>
+      </p:sp>
+      <p:pic>
+        <p:nvPicPr>
+          <p:cNvPr id="92" name="グラフィックス 91" descr="警察官男性 単色塗りつぶし">
+            <a:extLst>
+              <a:ext uri="{FF2B5EF4-FFF2-40B4-BE49-F238E27FC236}">
+                <a16:creationId xmlns:a16="http://schemas.microsoft.com/office/drawing/2014/main" id="{4A7AF1C3-937D-30AF-D953-43EC78993C01}"/>
+              </a:ext>
+            </a:extLst>
+          </p:cNvPr>
+          <p:cNvPicPr>
+            <a:picLocks noChangeAspect="1"/>
+          </p:cNvPicPr>
+          <p:nvPr/>
+        </p:nvPicPr>
+        <p:blipFill>
+          <a:blip r:embed="rId3">
+            <a:extLst>
+              <a:ext uri="{96DAC541-7B7A-43D3-8B79-37D633B846F1}">
+                <asvg:svgBlip xmlns:asvg="http://schemas.microsoft.com/office/drawing/2016/SVG/main" r:embed="rId4"/>
+              </a:ext>
+            </a:extLst>
+          </a:blip>
+          <a:stretch>
+            <a:fillRect/>
+          </a:stretch>
+        </p:blipFill>
+        <p:spPr>
+          <a:xfrm>
+            <a:off x="4527645" y="5011583"/>
+            <a:ext cx="507594" cy="507594"/>
+          </a:xfrm>
+          <a:prstGeom prst="rect">
+            <a:avLst/>
+          </a:prstGeom>
+          <a:effectLst>
+            <a:outerShdw blurRad="50800" dist="38100" dir="2700000" algn="tl" rotWithShape="0">
+              <a:prstClr val="black">
+                <a:alpha val="40000"/>
+              </a:prstClr>
+            </a:outerShdw>
+          </a:effectLst>
+        </p:spPr>
+      </p:pic>
+      <p:sp>
+        <p:nvSpPr>
+          <p:cNvPr id="93" name="テキスト ボックス 92">
+            <a:extLst>
+              <a:ext uri="{FF2B5EF4-FFF2-40B4-BE49-F238E27FC236}">
+                <a16:creationId xmlns:a16="http://schemas.microsoft.com/office/drawing/2014/main" id="{66886DE9-4728-06BC-36E3-F2BA286B925B}"/>
+              </a:ext>
+            </a:extLst>
+          </p:cNvPr>
+          <p:cNvSpPr txBox="1"/>
+          <p:nvPr/>
+        </p:nvSpPr>
+        <p:spPr>
+          <a:xfrm>
+            <a:off x="4781442" y="4861874"/>
+            <a:ext cx="395549" cy="370827"/>
+          </a:xfrm>
+          <a:prstGeom prst="rect">
+            <a:avLst/>
+          </a:prstGeom>
+          <a:noFill/>
+        </p:spPr>
+        <p:txBody>
+          <a:bodyPr wrap="none" rtlCol="0">
+            <a:spAutoFit/>
+          </a:bodyPr>
+          <a:lstStyle/>
+          <a:p>
+            <a:r>
+              <a:rPr lang="ja-JP" altLang="en-US" sz="2400" dirty="0">
+                <a:solidFill>
+                  <a:srgbClr val="FF0000"/>
+                </a:solidFill>
+                <a:effectLst>
+                  <a:glow rad="127000">
+                    <a:schemeClr val="bg1"/>
+                  </a:glow>
+                  <a:outerShdw blurRad="38100" dist="38100" dir="2700000" algn="tl">
+                    <a:srgbClr val="000000">
+                      <a:alpha val="43137"/>
+                    </a:srgbClr>
+                  </a:outerShdw>
+                </a:effectLst>
+                <a:latin typeface="HGP創英角ｺﾞｼｯｸUB" panose="020B0900000000000000" pitchFamily="50" charset="-128"/>
+                <a:ea typeface="HGP創英角ｺﾞｼｯｸUB" panose="020B0900000000000000" pitchFamily="50" charset="-128"/>
+              </a:rPr>
+              <a:t>！</a:t>
+            </a:r>
+            <a:endParaRPr kumimoji="1" lang="en-US" altLang="ja-JP" sz="2400" dirty="0">
+              <a:solidFill>
+                <a:srgbClr val="FF0000"/>
+              </a:solidFill>
+              <a:effectLst>
+                <a:glow rad="127000">
+                  <a:schemeClr val="bg1"/>
+                </a:glow>
+                <a:outerShdw blurRad="38100" dist="38100" dir="2700000" algn="tl">
+                  <a:srgbClr val="000000">
+                    <a:alpha val="43137"/>
+                  </a:srgbClr>
+                </a:outerShdw>
+              </a:effectLst>
+              <a:latin typeface="HGP創英角ｺﾞｼｯｸUB" panose="020B0900000000000000" pitchFamily="50" charset="-128"/>
+              <a:ea typeface="HGP創英角ｺﾞｼｯｸUB" panose="020B0900000000000000" pitchFamily="50" charset="-128"/>
+            </a:endParaRPr>
+          </a:p>
+        </p:txBody>
+      </p:sp>
+      <p:pic>
+        <p:nvPicPr>
+          <p:cNvPr id="103" name="図 102">
+            <a:extLst>
+              <a:ext uri="{FF2B5EF4-FFF2-40B4-BE49-F238E27FC236}">
+                <a16:creationId xmlns:a16="http://schemas.microsoft.com/office/drawing/2014/main" id="{93C6DF57-F634-EE2C-7AA9-E0846EC87321}"/>
+              </a:ext>
+            </a:extLst>
+          </p:cNvPr>
+          <p:cNvPicPr>
+            <a:picLocks noChangeAspect="1"/>
+          </p:cNvPicPr>
+          <p:nvPr/>
+        </p:nvPicPr>
+        <p:blipFill>
+          <a:blip r:embed="rId8">
+            <a:extLst>
+              <a:ext uri="{28A0092B-C50C-407E-A947-70E740481C1C}">
+                <a14:useLocalDpi xmlns:a14="http://schemas.microsoft.com/office/drawing/2010/main" val="0"/>
+              </a:ext>
+            </a:extLst>
+          </a:blip>
+          <a:srcRect r="68370" b="-1892"/>
+          <a:stretch/>
+        </p:blipFill>
+        <p:spPr>
+          <a:xfrm rot="20981433" flipH="1">
+            <a:off x="281236" y="5643248"/>
+            <a:ext cx="711770" cy="451637"/>
+          </a:xfrm>
+          <a:prstGeom prst="rect">
+            <a:avLst/>
+          </a:prstGeom>
+          <a:effectLst/>
+        </p:spPr>
+      </p:pic>
+      <p:sp>
+        <p:nvSpPr>
+          <p:cNvPr id="106" name="テキスト ボックス 105">
+            <a:extLst>
+              <a:ext uri="{FF2B5EF4-FFF2-40B4-BE49-F238E27FC236}">
+                <a16:creationId xmlns:a16="http://schemas.microsoft.com/office/drawing/2014/main" id="{4117D67E-360F-8002-8374-BF624716F9AB}"/>
+              </a:ext>
+            </a:extLst>
+          </p:cNvPr>
+          <p:cNvSpPr txBox="1"/>
+          <p:nvPr/>
+        </p:nvSpPr>
+        <p:spPr>
+          <a:xfrm>
+            <a:off x="366340" y="180000"/>
+            <a:ext cx="1853392" cy="523220"/>
+          </a:xfrm>
+          <a:prstGeom prst="rect">
+            <a:avLst/>
+          </a:prstGeom>
+          <a:solidFill>
+            <a:schemeClr val="accent2"/>
+          </a:solidFill>
+          <a:effectLst>
+            <a:outerShdw blurRad="50800" dist="38100" dir="2700000" algn="tl" rotWithShape="0">
+              <a:prstClr val="black">
+                <a:alpha val="40000"/>
+              </a:prstClr>
+            </a:outerShdw>
+          </a:effectLst>
+        </p:spPr>
+        <p:txBody>
+          <a:bodyPr wrap="none" rtlCol="0">
+            <a:spAutoFit/>
+          </a:bodyPr>
+          <a:lstStyle/>
+          <a:p>
+            <a:r>
               <a:rPr kumimoji="1" lang="ja-JP" altLang="en-US" sz="2800" dirty="0">
                 <a:effectLst>
                   <a:glow rad="127000">
@@ -5163,17 +10161,447 @@
                 <a:latin typeface="HGP創英角ｺﾞｼｯｸUB" panose="020B0900000000000000" pitchFamily="50" charset="-128"/>
                 <a:ea typeface="HGP創英角ｺﾞｼｯｸUB" panose="020B0900000000000000" pitchFamily="50" charset="-128"/>
               </a:rPr>
-              <a:t>転んでゲームオーバー</a:t>
-            </a:r>
-          </a:p>
-        </p:txBody>
-      </p:sp>
-      <p:sp>
-        <p:nvSpPr>
-          <p:cNvPr id="15" name="テキスト ボックス 14">
-            <a:extLst>
-              <a:ext uri="{FF2B5EF4-FFF2-40B4-BE49-F238E27FC236}">
-                <a16:creationId xmlns:a16="http://schemas.microsoft.com/office/drawing/2014/main" id="{0FD0E080-451D-D14B-7228-A41C1164CEAB}"/>
+              <a:t>ゲーム概要</a:t>
+            </a:r>
+          </a:p>
+        </p:txBody>
+      </p:sp>
+      <p:pic>
+        <p:nvPicPr>
+          <p:cNvPr id="107" name="図 106" descr="ホイール が含まれている画像&#10;&#10;自動的に生成された説明">
+            <a:extLst>
+              <a:ext uri="{FF2B5EF4-FFF2-40B4-BE49-F238E27FC236}">
+                <a16:creationId xmlns:a16="http://schemas.microsoft.com/office/drawing/2014/main" id="{46F9DDE4-0B7F-7C51-EF7D-56259509D345}"/>
+              </a:ext>
+            </a:extLst>
+          </p:cNvPr>
+          <p:cNvPicPr>
+            <a:picLocks noChangeAspect="1"/>
+          </p:cNvPicPr>
+          <p:nvPr/>
+        </p:nvPicPr>
+        <p:blipFill>
+          <a:blip r:embed="rId9">
+            <a:extLst>
+              <a:ext uri="{28A0092B-C50C-407E-A947-70E740481C1C}">
+                <a14:useLocalDpi xmlns:a14="http://schemas.microsoft.com/office/drawing/2010/main" val="0"/>
+              </a:ext>
+            </a:extLst>
+          </a:blip>
+          <a:stretch>
+            <a:fillRect/>
+          </a:stretch>
+        </p:blipFill>
+        <p:spPr>
+          <a:xfrm>
+            <a:off x="258611" y="5088949"/>
+            <a:ext cx="913806" cy="355576"/>
+          </a:xfrm>
+          <a:prstGeom prst="rect">
+            <a:avLst/>
+          </a:prstGeom>
+          <a:effectLst>
+            <a:outerShdw blurRad="50800" dist="38100" dir="2700000" algn="tl" rotWithShape="0">
+              <a:prstClr val="black">
+                <a:alpha val="40000"/>
+              </a:prstClr>
+            </a:outerShdw>
+          </a:effectLst>
+        </p:spPr>
+      </p:pic>
+      <p:pic>
+        <p:nvPicPr>
+          <p:cNvPr id="109" name="図 108" descr="アイコン&#10;&#10;低い精度で自動的に生成された説明">
+            <a:extLst>
+              <a:ext uri="{FF2B5EF4-FFF2-40B4-BE49-F238E27FC236}">
+                <a16:creationId xmlns:a16="http://schemas.microsoft.com/office/drawing/2014/main" id="{B7FA6E09-37C8-B34E-447E-25FDA8F3BCBA}"/>
+              </a:ext>
+            </a:extLst>
+          </p:cNvPr>
+          <p:cNvPicPr>
+            <a:picLocks noChangeAspect="1"/>
+          </p:cNvPicPr>
+          <p:nvPr/>
+        </p:nvPicPr>
+        <p:blipFill>
+          <a:blip r:embed="rId2">
+            <a:extLst>
+              <a:ext uri="{28A0092B-C50C-407E-A947-70E740481C1C}">
+                <a14:useLocalDpi xmlns:a14="http://schemas.microsoft.com/office/drawing/2010/main" val="0"/>
+              </a:ext>
+            </a:extLst>
+          </a:blip>
+          <a:stretch>
+            <a:fillRect/>
+          </a:stretch>
+        </p:blipFill>
+        <p:spPr>
+          <a:xfrm flipH="1">
+            <a:off x="451501" y="3153764"/>
+            <a:ext cx="609790" cy="578886"/>
+          </a:xfrm>
+          <a:prstGeom prst="rect">
+            <a:avLst/>
+          </a:prstGeom>
+          <a:effectLst>
+            <a:outerShdw blurRad="50800" dist="38100" dir="2700000" algn="tl" rotWithShape="0">
+              <a:prstClr val="black">
+                <a:alpha val="40000"/>
+              </a:prstClr>
+            </a:outerShdw>
+          </a:effectLst>
+        </p:spPr>
+      </p:pic>
+      <p:pic>
+        <p:nvPicPr>
+          <p:cNvPr id="115" name="図 114" descr="アイコン&#10;&#10;自動的に生成された説明">
+            <a:extLst>
+              <a:ext uri="{FF2B5EF4-FFF2-40B4-BE49-F238E27FC236}">
+                <a16:creationId xmlns:a16="http://schemas.microsoft.com/office/drawing/2014/main" id="{C6599C56-CB41-BC05-81A5-1C084A14FB03}"/>
+              </a:ext>
+            </a:extLst>
+          </p:cNvPr>
+          <p:cNvPicPr>
+            <a:picLocks noChangeAspect="1"/>
+          </p:cNvPicPr>
+          <p:nvPr/>
+        </p:nvPicPr>
+        <p:blipFill>
+          <a:blip r:embed="rId10">
+            <a:extLst>
+              <a:ext uri="{28A0092B-C50C-407E-A947-70E740481C1C}">
+                <a14:useLocalDpi xmlns:a14="http://schemas.microsoft.com/office/drawing/2010/main" val="0"/>
+              </a:ext>
+            </a:extLst>
+          </a:blip>
+          <a:stretch>
+            <a:fillRect/>
+          </a:stretch>
+        </p:blipFill>
+        <p:spPr>
+          <a:xfrm rot="15851474">
+            <a:off x="147183" y="6334823"/>
+            <a:ext cx="470334" cy="470334"/>
+          </a:xfrm>
+          <a:prstGeom prst="rect">
+            <a:avLst/>
+          </a:prstGeom>
+        </p:spPr>
+      </p:pic>
+      <p:pic>
+        <p:nvPicPr>
+          <p:cNvPr id="117" name="図 116" descr="アイコン&#10;&#10;低い精度で自動的に生成された説明">
+            <a:extLst>
+              <a:ext uri="{FF2B5EF4-FFF2-40B4-BE49-F238E27FC236}">
+                <a16:creationId xmlns:a16="http://schemas.microsoft.com/office/drawing/2014/main" id="{529BA580-1C14-525B-D71A-4B8AAA7987CE}"/>
+              </a:ext>
+            </a:extLst>
+          </p:cNvPr>
+          <p:cNvPicPr>
+            <a:picLocks noChangeAspect="1"/>
+          </p:cNvPicPr>
+          <p:nvPr/>
+        </p:nvPicPr>
+        <p:blipFill>
+          <a:blip r:embed="rId2">
+            <a:extLst>
+              <a:ext uri="{28A0092B-C50C-407E-A947-70E740481C1C}">
+                <a14:useLocalDpi xmlns:a14="http://schemas.microsoft.com/office/drawing/2010/main" val="0"/>
+              </a:ext>
+            </a:extLst>
+          </a:blip>
+          <a:stretch>
+            <a:fillRect/>
+          </a:stretch>
+        </p:blipFill>
+        <p:spPr>
+          <a:xfrm rot="21251474" flipH="1">
+            <a:off x="499242" y="6198103"/>
+            <a:ext cx="632107" cy="600072"/>
+          </a:xfrm>
+          <a:prstGeom prst="rect">
+            <a:avLst/>
+          </a:prstGeom>
+        </p:spPr>
+      </p:pic>
+      <p:grpSp>
+        <p:nvGrpSpPr>
+          <p:cNvPr id="119" name="グループ化 118">
+            <a:extLst>
+              <a:ext uri="{FF2B5EF4-FFF2-40B4-BE49-F238E27FC236}">
+                <a16:creationId xmlns:a16="http://schemas.microsoft.com/office/drawing/2014/main" id="{37859094-381F-BD8A-0775-6B77FDD8BA2A}"/>
+              </a:ext>
+            </a:extLst>
+          </p:cNvPr>
+          <p:cNvGrpSpPr>
+            <a:grpSpLocks noChangeAspect="1"/>
+          </p:cNvGrpSpPr>
+          <p:nvPr/>
+        </p:nvGrpSpPr>
+        <p:grpSpPr>
+          <a:xfrm rot="21251474">
+            <a:off x="5787409" y="3573975"/>
+            <a:ext cx="2955848" cy="1793060"/>
+            <a:chOff x="2820067" y="1067639"/>
+            <a:chExt cx="4900950" cy="2972988"/>
+          </a:xfrm>
+          <a:effectLst>
+            <a:outerShdw blurRad="50800" dist="38100" dir="2700000" algn="tl" rotWithShape="0">
+              <a:prstClr val="black">
+                <a:alpha val="40000"/>
+              </a:prstClr>
+            </a:outerShdw>
+          </a:effectLst>
+        </p:grpSpPr>
+        <p:pic>
+          <p:nvPicPr>
+            <p:cNvPr id="120" name="図 119" descr="アイコン&#10;&#10;自動的に生成された説明">
+              <a:extLst>
+                <a:ext uri="{FF2B5EF4-FFF2-40B4-BE49-F238E27FC236}">
+                  <a16:creationId xmlns:a16="http://schemas.microsoft.com/office/drawing/2014/main" id="{3A43A02A-BB62-3C9E-A0BE-9E8D093A36CE}"/>
+                </a:ext>
+              </a:extLst>
+            </p:cNvPr>
+            <p:cNvPicPr>
+              <a:picLocks noChangeAspect="1"/>
+            </p:cNvPicPr>
+            <p:nvPr/>
+          </p:nvPicPr>
+          <p:blipFill>
+            <a:blip r:embed="rId10">
+              <a:extLst>
+                <a:ext uri="{28A0092B-C50C-407E-A947-70E740481C1C}">
+                  <a14:useLocalDpi xmlns:a14="http://schemas.microsoft.com/office/drawing/2010/main" val="0"/>
+                </a:ext>
+              </a:extLst>
+            </a:blip>
+            <a:stretch>
+              <a:fillRect/>
+            </a:stretch>
+          </p:blipFill>
+          <p:spPr>
+            <a:xfrm rot="16200000">
+              <a:off x="2820067" y="1526084"/>
+              <a:ext cx="2330214" cy="2330214"/>
+            </a:xfrm>
+            <a:prstGeom prst="rect">
+              <a:avLst/>
+            </a:prstGeom>
+          </p:spPr>
+        </p:pic>
+        <p:pic>
+          <p:nvPicPr>
+            <p:cNvPr id="121" name="図 120" descr="アイコン&#10;&#10;低い精度で自動的に生成された説明">
+              <a:extLst>
+                <a:ext uri="{FF2B5EF4-FFF2-40B4-BE49-F238E27FC236}">
+                  <a16:creationId xmlns:a16="http://schemas.microsoft.com/office/drawing/2014/main" id="{3F34A31B-1E30-0B99-652A-617B5BB6855E}"/>
+                </a:ext>
+              </a:extLst>
+            </p:cNvPr>
+            <p:cNvPicPr>
+              <a:picLocks noChangeAspect="1"/>
+            </p:cNvPicPr>
+            <p:nvPr/>
+          </p:nvPicPr>
+          <p:blipFill>
+            <a:blip r:embed="rId2">
+              <a:extLst>
+                <a:ext uri="{28A0092B-C50C-407E-A947-70E740481C1C}">
+                  <a14:useLocalDpi xmlns:a14="http://schemas.microsoft.com/office/drawing/2010/main" val="0"/>
+                </a:ext>
+              </a:extLst>
+            </a:blip>
+            <a:stretch>
+              <a:fillRect/>
+            </a:stretch>
+          </p:blipFill>
+          <p:spPr>
+            <a:xfrm flipH="1">
+              <a:off x="4589318" y="1067639"/>
+              <a:ext cx="3131699" cy="2972988"/>
+            </a:xfrm>
+            <a:prstGeom prst="rect">
+              <a:avLst/>
+            </a:prstGeom>
+          </p:spPr>
+        </p:pic>
+      </p:grpSp>
+      <p:grpSp>
+        <p:nvGrpSpPr>
+          <p:cNvPr id="125" name="グループ化 124">
+            <a:extLst>
+              <a:ext uri="{FF2B5EF4-FFF2-40B4-BE49-F238E27FC236}">
+                <a16:creationId xmlns:a16="http://schemas.microsoft.com/office/drawing/2014/main" id="{AA155101-45CB-7ABD-3DB0-95C192B720B6}"/>
+              </a:ext>
+            </a:extLst>
+          </p:cNvPr>
+          <p:cNvGrpSpPr>
+            <a:grpSpLocks noChangeAspect="1"/>
+          </p:cNvGrpSpPr>
+          <p:nvPr/>
+        </p:nvGrpSpPr>
+        <p:grpSpPr>
+          <a:xfrm>
+            <a:off x="7210499" y="250319"/>
+            <a:ext cx="1327012" cy="1427032"/>
+            <a:chOff x="7826730" y="476848"/>
+            <a:chExt cx="631812" cy="679433"/>
+          </a:xfrm>
+          <a:effectLst>
+            <a:outerShdw blurRad="50800" dist="38100" dir="2700000" algn="tl" rotWithShape="0">
+              <a:prstClr val="black">
+                <a:alpha val="40000"/>
+              </a:prstClr>
+            </a:outerShdw>
+          </a:effectLst>
+        </p:grpSpPr>
+        <p:sp>
+          <p:nvSpPr>
+            <p:cNvPr id="122" name="矢印: 下カーブ 121">
+              <a:extLst>
+                <a:ext uri="{FF2B5EF4-FFF2-40B4-BE49-F238E27FC236}">
+                  <a16:creationId xmlns:a16="http://schemas.microsoft.com/office/drawing/2014/main" id="{373C12C6-8E80-7CFB-78FA-4F10F5BD13C5}"/>
+                </a:ext>
+              </a:extLst>
+            </p:cNvPr>
+            <p:cNvSpPr>
+              <a:spLocks/>
+            </p:cNvSpPr>
+            <p:nvPr/>
+          </p:nvSpPr>
+          <p:spPr>
+            <a:xfrm>
+              <a:off x="7826730" y="476848"/>
+              <a:ext cx="631811" cy="264418"/>
+            </a:xfrm>
+            <a:prstGeom prst="curvedDownArrow">
+              <a:avLst/>
+            </a:prstGeom>
+          </p:spPr>
+          <p:style>
+            <a:lnRef idx="2">
+              <a:schemeClr val="accent1">
+                <a:shade val="50000"/>
+              </a:schemeClr>
+            </a:lnRef>
+            <a:fillRef idx="1">
+              <a:schemeClr val="accent1"/>
+            </a:fillRef>
+            <a:effectRef idx="0">
+              <a:schemeClr val="accent1"/>
+            </a:effectRef>
+            <a:fontRef idx="minor">
+              <a:schemeClr val="lt1"/>
+            </a:fontRef>
+          </p:style>
+          <p:txBody>
+            <a:bodyPr rtlCol="0" anchor="ctr"/>
+            <a:lstStyle/>
+            <a:p>
+              <a:pPr algn="ctr"/>
+              <a:endParaRPr kumimoji="1" lang="ja-JP" altLang="en-US">
+                <a:solidFill>
+                  <a:schemeClr val="tx1"/>
+                </a:solidFill>
+              </a:endParaRPr>
+            </a:p>
+          </p:txBody>
+        </p:sp>
+        <p:sp>
+          <p:nvSpPr>
+            <p:cNvPr id="123" name="矢印: 上カーブ 122">
+              <a:extLst>
+                <a:ext uri="{FF2B5EF4-FFF2-40B4-BE49-F238E27FC236}">
+                  <a16:creationId xmlns:a16="http://schemas.microsoft.com/office/drawing/2014/main" id="{9D2F47C3-048E-21CA-D157-8240D7B3A43C}"/>
+                </a:ext>
+              </a:extLst>
+            </p:cNvPr>
+            <p:cNvSpPr>
+              <a:spLocks/>
+            </p:cNvSpPr>
+            <p:nvPr/>
+          </p:nvSpPr>
+          <p:spPr>
+            <a:xfrm flipH="1">
+              <a:off x="7826731" y="978435"/>
+              <a:ext cx="631811" cy="177846"/>
+            </a:xfrm>
+            <a:prstGeom prst="curvedUpArrow">
+              <a:avLst/>
+            </a:prstGeom>
+          </p:spPr>
+          <p:style>
+            <a:lnRef idx="2">
+              <a:schemeClr val="accent1">
+                <a:shade val="50000"/>
+              </a:schemeClr>
+            </a:lnRef>
+            <a:fillRef idx="1">
+              <a:schemeClr val="accent1"/>
+            </a:fillRef>
+            <a:effectRef idx="0">
+              <a:schemeClr val="accent1"/>
+            </a:effectRef>
+            <a:fontRef idx="minor">
+              <a:schemeClr val="lt1"/>
+            </a:fontRef>
+          </p:style>
+          <p:txBody>
+            <a:bodyPr rtlCol="0" anchor="ctr"/>
+            <a:lstStyle/>
+            <a:p>
+              <a:pPr algn="ctr"/>
+              <a:endParaRPr kumimoji="1" lang="ja-JP" altLang="en-US">
+                <a:solidFill>
+                  <a:schemeClr val="tx1"/>
+                </a:solidFill>
+              </a:endParaRPr>
+            </a:p>
+          </p:txBody>
+        </p:sp>
+        <p:pic>
+          <p:nvPicPr>
+            <p:cNvPr id="124" name="図 123">
+              <a:extLst>
+                <a:ext uri="{FF2B5EF4-FFF2-40B4-BE49-F238E27FC236}">
+                  <a16:creationId xmlns:a16="http://schemas.microsoft.com/office/drawing/2014/main" id="{94596ED2-0F38-DFB9-DF57-9B4EBD3E8991}"/>
+                </a:ext>
+              </a:extLst>
+            </p:cNvPr>
+            <p:cNvPicPr>
+              <a:picLocks noChangeAspect="1"/>
+            </p:cNvPicPr>
+            <p:nvPr/>
+          </p:nvPicPr>
+          <p:blipFill>
+            <a:blip r:embed="rId2">
+              <a:extLst>
+                <a:ext uri="{28A0092B-C50C-407E-A947-70E740481C1C}">
+                  <a14:useLocalDpi xmlns:a14="http://schemas.microsoft.com/office/drawing/2010/main" val="0"/>
+                </a:ext>
+              </a:extLst>
+            </a:blip>
+            <a:srcRect/>
+            <a:stretch/>
+          </p:blipFill>
+          <p:spPr>
+            <a:xfrm flipH="1">
+              <a:off x="7832765" y="532911"/>
+              <a:ext cx="594655" cy="564519"/>
+            </a:xfrm>
+            <a:prstGeom prst="rect">
+              <a:avLst/>
+            </a:prstGeom>
+            <a:effectLst/>
+          </p:spPr>
+        </p:pic>
+      </p:grpSp>
+      <p:sp>
+        <p:nvSpPr>
+          <p:cNvPr id="128" name="テキスト ボックス 127">
+            <a:extLst>
+              <a:ext uri="{FF2B5EF4-FFF2-40B4-BE49-F238E27FC236}">
+                <a16:creationId xmlns:a16="http://schemas.microsoft.com/office/drawing/2014/main" id="{DCF004D1-2BFD-B55A-A9B5-ED20B8B21D83}"/>
               </a:ext>
             </a:extLst>
           </p:cNvPr>
@@ -5182,8 +10610,8 @@
         </p:nvSpPr>
         <p:spPr>
           <a:xfrm>
-            <a:off x="297514" y="180000"/>
-            <a:ext cx="1257075" cy="369332"/>
+            <a:off x="10112722" y="259579"/>
+            <a:ext cx="697627" cy="707885"/>
           </a:xfrm>
           <a:prstGeom prst="rect">
             <a:avLst/>
@@ -5197,7 +10625,10 @@
           <a:lstStyle/>
           <a:p>
             <a:r>
-              <a:rPr kumimoji="1" lang="ja-JP" altLang="en-US" dirty="0">
+              <a:rPr lang="ja-JP" altLang="en-US" sz="4000" dirty="0">
+                <a:solidFill>
+                  <a:srgbClr val="FF0000"/>
+                </a:solidFill>
                 <a:effectLst>
                   <a:glow rad="127000">
                     <a:schemeClr val="bg1"/>
@@ -5211,57 +10642,12 @@
                 <a:latin typeface="HGP創英角ｺﾞｼｯｸUB" panose="020B0900000000000000" pitchFamily="50" charset="-128"/>
                 <a:ea typeface="HGP創英角ｺﾞｼｯｸUB" panose="020B0900000000000000" pitchFamily="50" charset="-128"/>
               </a:rPr>
-              <a:t>ゲーム概要</a:t>
-            </a:r>
-          </a:p>
-        </p:txBody>
-      </p:sp>
-      <p:sp>
-        <p:nvSpPr>
-          <p:cNvPr id="2" name="テキスト ボックス 1">
-            <a:extLst>
-              <a:ext uri="{FF2B5EF4-FFF2-40B4-BE49-F238E27FC236}">
-                <a16:creationId xmlns:a16="http://schemas.microsoft.com/office/drawing/2014/main" id="{0AEC2305-2689-7EE5-12D2-0F95AF32D5AB}"/>
-              </a:ext>
-            </a:extLst>
-          </p:cNvPr>
-          <p:cNvSpPr txBox="1"/>
-          <p:nvPr/>
-        </p:nvSpPr>
-        <p:spPr>
-          <a:xfrm>
-            <a:off x="1394322" y="1903717"/>
-            <a:ext cx="3921266" cy="1384995"/>
-          </a:xfrm>
-          <a:prstGeom prst="rect">
-            <a:avLst/>
-          </a:prstGeom>
-          <a:noFill/>
-        </p:spPr>
-        <p:txBody>
-          <a:bodyPr wrap="none" rtlCol="0">
-            <a:spAutoFit/>
-          </a:bodyPr>
-          <a:lstStyle/>
-          <a:p>
-            <a:r>
-              <a:rPr lang="ja-JP" altLang="en-US" sz="2800" dirty="0">
-                <a:effectLst>
-                  <a:glow rad="127000">
-                    <a:schemeClr val="bg1"/>
-                  </a:glow>
-                  <a:outerShdw blurRad="38100" dist="38100" dir="2700000" algn="tl">
-                    <a:srgbClr val="000000">
-                      <a:alpha val="43137"/>
-                    </a:srgbClr>
-                  </a:outerShdw>
-                </a:effectLst>
-                <a:latin typeface="HGP創英角ｺﾞｼｯｸUB" panose="020B0900000000000000" pitchFamily="50" charset="-128"/>
-                <a:ea typeface="HGP創英角ｺﾞｼｯｸUB" panose="020B0900000000000000" pitchFamily="50" charset="-128"/>
-              </a:rPr>
-              <a:t>アイスが溶ける前に</a:t>
-            </a:r>
-            <a:endParaRPr lang="en-US" altLang="ja-JP" sz="2800" dirty="0">
+              <a:t>！</a:t>
+            </a:r>
+            <a:endParaRPr kumimoji="1" lang="en-US" altLang="ja-JP" sz="2400" dirty="0">
+              <a:solidFill>
+                <a:srgbClr val="FF0000"/>
+              </a:solidFill>
               <a:effectLst>
                 <a:glow rad="127000">
                   <a:schemeClr val="bg1"/>
@@ -5276,128 +10662,14 @@
               <a:ea typeface="HGP創英角ｺﾞｼｯｸUB" panose="020B0900000000000000" pitchFamily="50" charset="-128"/>
             </a:endParaRPr>
           </a:p>
-          <a:p>
-            <a:r>
-              <a:rPr lang="ja-JP" altLang="en-US" sz="2800" dirty="0">
-                <a:effectLst>
-                  <a:glow rad="127000">
-                    <a:schemeClr val="bg1"/>
-                  </a:glow>
-                  <a:outerShdw blurRad="38100" dist="38100" dir="2700000" algn="tl">
-                    <a:srgbClr val="000000">
-                      <a:alpha val="43137"/>
-                    </a:srgbClr>
-                  </a:outerShdw>
-                </a:effectLst>
-                <a:latin typeface="HGP創英角ｺﾞｼｯｸUB" panose="020B0900000000000000" pitchFamily="50" charset="-128"/>
-                <a:ea typeface="HGP創英角ｺﾞｼｯｸUB" panose="020B0900000000000000" pitchFamily="50" charset="-128"/>
-              </a:rPr>
-              <a:t>複数の目的地へ届けよう</a:t>
-            </a:r>
-            <a:endParaRPr lang="en-US" altLang="ja-JP" sz="2800" dirty="0">
-              <a:effectLst>
-                <a:glow rad="127000">
-                  <a:schemeClr val="bg1"/>
-                </a:glow>
-                <a:outerShdw blurRad="38100" dist="38100" dir="2700000" algn="tl">
-                  <a:srgbClr val="000000">
-                    <a:alpha val="43137"/>
-                  </a:srgbClr>
-                </a:outerShdw>
-              </a:effectLst>
-              <a:latin typeface="HGP創英角ｺﾞｼｯｸUB" panose="020B0900000000000000" pitchFamily="50" charset="-128"/>
-              <a:ea typeface="HGP創英角ｺﾞｼｯｸUB" panose="020B0900000000000000" pitchFamily="50" charset="-128"/>
-            </a:endParaRPr>
-          </a:p>
-          <a:p>
-            <a:r>
-              <a:rPr kumimoji="1" lang="ja-JP" altLang="en-US" sz="2800" dirty="0">
-                <a:effectLst>
-                  <a:glow rad="127000">
-                    <a:schemeClr val="bg1"/>
-                  </a:glow>
-                  <a:outerShdw blurRad="38100" dist="38100" dir="2700000" algn="tl">
-                    <a:srgbClr val="000000">
-                      <a:alpha val="43137"/>
-                    </a:srgbClr>
-                  </a:outerShdw>
-                </a:effectLst>
-                <a:latin typeface="HGP創英角ｺﾞｼｯｸUB" panose="020B0900000000000000" pitchFamily="50" charset="-128"/>
-                <a:ea typeface="HGP創英角ｺﾞｼｯｸUB" panose="020B0900000000000000" pitchFamily="50" charset="-128"/>
-              </a:rPr>
-              <a:t>届ける順番は自由</a:t>
-            </a:r>
-          </a:p>
-        </p:txBody>
-      </p:sp>
-      <p:sp>
-        <p:nvSpPr>
-          <p:cNvPr id="4" name="テキスト ボックス 3">
-            <a:extLst>
-              <a:ext uri="{FF2B5EF4-FFF2-40B4-BE49-F238E27FC236}">
-                <a16:creationId xmlns:a16="http://schemas.microsoft.com/office/drawing/2014/main" id="{635B4A42-6444-F845-B3D9-54DD9D78224C}"/>
-              </a:ext>
-            </a:extLst>
-          </p:cNvPr>
-          <p:cNvSpPr txBox="1"/>
-          <p:nvPr/>
-        </p:nvSpPr>
-        <p:spPr>
-          <a:xfrm>
-            <a:off x="926051" y="5166317"/>
-            <a:ext cx="4079963" cy="523220"/>
-          </a:xfrm>
-          <a:prstGeom prst="rect">
-            <a:avLst/>
-          </a:prstGeom>
-          <a:noFill/>
-        </p:spPr>
-        <p:txBody>
-          <a:bodyPr wrap="none" rtlCol="0">
-            <a:spAutoFit/>
-          </a:bodyPr>
-          <a:lstStyle/>
-          <a:p>
-            <a:r>
-              <a:rPr lang="ja-JP" altLang="en-US" sz="2800" dirty="0">
-                <a:effectLst>
-                  <a:glow rad="127000">
-                    <a:schemeClr val="bg1"/>
-                  </a:glow>
-                  <a:outerShdw blurRad="38100" dist="38100" dir="2700000" algn="tl">
-                    <a:srgbClr val="000000">
-                      <a:alpha val="43137"/>
-                    </a:srgbClr>
-                  </a:outerShdw>
-                </a:effectLst>
-                <a:latin typeface="HGP創英角ｺﾞｼｯｸUB" panose="020B0900000000000000" pitchFamily="50" charset="-128"/>
-                <a:ea typeface="HGP創英角ｺﾞｼｯｸUB" panose="020B0900000000000000" pitchFamily="50" charset="-128"/>
-              </a:rPr>
-              <a:t>車にぶつかりすぎると大破</a:t>
-            </a:r>
-            <a:endParaRPr lang="en-US" altLang="ja-JP" sz="2800" dirty="0">
-              <a:effectLst>
-                <a:glow rad="127000">
-                  <a:schemeClr val="bg1"/>
-                </a:glow>
-                <a:outerShdw blurRad="38100" dist="38100" dir="2700000" algn="tl">
-                  <a:srgbClr val="000000">
-                    <a:alpha val="43137"/>
-                  </a:srgbClr>
-                </a:outerShdw>
-              </a:effectLst>
-              <a:latin typeface="HGP創英角ｺﾞｼｯｸUB" panose="020B0900000000000000" pitchFamily="50" charset="-128"/>
-              <a:ea typeface="HGP創英角ｺﾞｼｯｸUB" panose="020B0900000000000000" pitchFamily="50" charset="-128"/>
-            </a:endParaRPr>
-          </a:p>
         </p:txBody>
       </p:sp>
       <p:pic>
         <p:nvPicPr>
-          <p:cNvPr id="14" name="図 13" descr="挿絵 が含まれている画像&#10;&#10;自動的に生成された説明">
-            <a:extLst>
-              <a:ext uri="{FF2B5EF4-FFF2-40B4-BE49-F238E27FC236}">
-                <a16:creationId xmlns:a16="http://schemas.microsoft.com/office/drawing/2014/main" id="{49D90631-B652-C6A7-1144-987C437C83D0}"/>
+          <p:cNvPr id="129" name="図 128" descr="ロゴ が含まれている画像&#10;&#10;自動的に生成された説明">
+            <a:extLst>
+              <a:ext uri="{FF2B5EF4-FFF2-40B4-BE49-F238E27FC236}">
+                <a16:creationId xmlns:a16="http://schemas.microsoft.com/office/drawing/2014/main" id="{7949589F-0236-C450-F7A8-90FD95829CA3}"/>
               </a:ext>
             </a:extLst>
           </p:cNvPr>
@@ -5407,31 +10679,45 @@
           <p:nvPr/>
         </p:nvPicPr>
         <p:blipFill>
-          <a:blip r:embed="rId2">
+          <a:blip r:embed="rId11">
+            <a:duotone>
+              <a:prstClr val="black"/>
+              <a:srgbClr val="FF0000">
+                <a:tint val="45000"/>
+                <a:satMod val="400000"/>
+              </a:srgbClr>
+            </a:duotone>
             <a:extLst>
               <a:ext uri="{28A0092B-C50C-407E-A947-70E740481C1C}">
                 <a14:useLocalDpi xmlns:a14="http://schemas.microsoft.com/office/drawing/2010/main" val="0"/>
               </a:ext>
             </a:extLst>
           </a:blip>
-          <a:stretch>
-            <a:fillRect/>
-          </a:stretch>
+          <a:srcRect t="31062" b="26719"/>
+          <a:stretch/>
         </p:blipFill>
         <p:spPr>
           <a:xfrm>
-            <a:off x="7921167" y="3849345"/>
-            <a:ext cx="2495387" cy="1075248"/>
+            <a:off x="9883607" y="770881"/>
+            <a:ext cx="2318281" cy="978759"/>
           </a:xfrm>
           <a:prstGeom prst="rect">
             <a:avLst/>
           </a:prstGeom>
+          <a:noFill/>
+          <a:effectLst>
+            <a:outerShdw blurRad="50800" dist="38100" dir="2700000" algn="tl" rotWithShape="0">
+              <a:prstClr val="black">
+                <a:alpha val="40000"/>
+              </a:prstClr>
+            </a:outerShdw>
+          </a:effectLst>
         </p:spPr>
       </p:pic>
     </p:spTree>
     <p:extLst>
       <p:ext uri="{BB962C8B-B14F-4D97-AF65-F5344CB8AC3E}">
-        <p14:creationId xmlns:p14="http://schemas.microsoft.com/office/powerpoint/2010/main" val="507747641"/>
+        <p14:creationId xmlns:p14="http://schemas.microsoft.com/office/powerpoint/2010/main" val="3650576426"/>
       </p:ext>
     </p:extLst>
   </p:cSld>
@@ -5460,10 +10746,10 @@
       </p:grpSpPr>
       <p:sp>
         <p:nvSpPr>
-          <p:cNvPr id="9" name="テキスト ボックス 8">
-            <a:extLst>
-              <a:ext uri="{FF2B5EF4-FFF2-40B4-BE49-F238E27FC236}">
-                <a16:creationId xmlns:a16="http://schemas.microsoft.com/office/drawing/2014/main" id="{2742D42E-A927-21D1-1E06-83C343AA5AC4}"/>
+          <p:cNvPr id="13" name="テキスト ボックス 12">
+            <a:extLst>
+              <a:ext uri="{FF2B5EF4-FFF2-40B4-BE49-F238E27FC236}">
+                <a16:creationId xmlns:a16="http://schemas.microsoft.com/office/drawing/2014/main" id="{04EF476C-CCA6-DAC3-5909-2213B7BC81EE}"/>
               </a:ext>
             </a:extLst>
           </p:cNvPr>
@@ -5472,8 +10758,8 @@
         </p:nvSpPr>
         <p:spPr>
           <a:xfrm>
-            <a:off x="665707" y="995709"/>
-            <a:ext cx="6050054" cy="954107"/>
+            <a:off x="5604575" y="4802076"/>
+            <a:ext cx="6048451" cy="1138773"/>
           </a:xfrm>
           <a:prstGeom prst="rect">
             <a:avLst/>
@@ -5486,7 +10772,307 @@
           </a:bodyPr>
           <a:lstStyle/>
           <a:p>
-            <a:pPr algn="ctr"/>
+            <a:r>
+              <a:rPr lang="ja-JP" altLang="en-US" sz="3200" dirty="0">
+                <a:effectLst>
+                  <a:glow rad="127000">
+                    <a:schemeClr val="bg1"/>
+                  </a:glow>
+                  <a:outerShdw blurRad="38100" dist="38100" dir="2700000" algn="tl">
+                    <a:srgbClr val="000000">
+                      <a:alpha val="43137"/>
+                    </a:srgbClr>
+                  </a:outerShdw>
+                </a:effectLst>
+                <a:latin typeface="HGP創英角ｺﾞｼｯｸUB" panose="020B0900000000000000" pitchFamily="50" charset="-128"/>
+                <a:ea typeface="HGP創英角ｺﾞｼｯｸUB" panose="020B0900000000000000" pitchFamily="50" charset="-128"/>
+              </a:rPr>
+              <a:t>ブレーキや壁にぶつかって</a:t>
+            </a:r>
+            <a:endParaRPr lang="en-US" altLang="ja-JP" sz="3200" dirty="0">
+              <a:effectLst>
+                <a:glow rad="127000">
+                  <a:schemeClr val="bg1"/>
+                </a:glow>
+                <a:outerShdw blurRad="38100" dist="38100" dir="2700000" algn="tl">
+                  <a:srgbClr val="000000">
+                    <a:alpha val="43137"/>
+                  </a:srgbClr>
+                </a:outerShdw>
+              </a:effectLst>
+              <a:latin typeface="HGP創英角ｺﾞｼｯｸUB" panose="020B0900000000000000" pitchFamily="50" charset="-128"/>
+              <a:ea typeface="HGP創英角ｺﾞｼｯｸUB" panose="020B0900000000000000" pitchFamily="50" charset="-128"/>
+            </a:endParaRPr>
+          </a:p>
+          <a:p>
+            <a:r>
+              <a:rPr lang="ja-JP" altLang="en-US" sz="3600" dirty="0">
+                <a:solidFill>
+                  <a:srgbClr val="FF0000"/>
+                </a:solidFill>
+                <a:effectLst>
+                  <a:glow rad="127000">
+                    <a:schemeClr val="bg1"/>
+                  </a:glow>
+                  <a:outerShdw blurRad="38100" dist="38100" dir="2700000" algn="tl">
+                    <a:srgbClr val="000000">
+                      <a:alpha val="43137"/>
+                    </a:srgbClr>
+                  </a:outerShdw>
+                </a:effectLst>
+                <a:latin typeface="HGP創英角ｺﾞｼｯｸUB" panose="020B0900000000000000" pitchFamily="50" charset="-128"/>
+                <a:ea typeface="HGP創英角ｺﾞｼｯｸUB" panose="020B0900000000000000" pitchFamily="50" charset="-128"/>
+              </a:rPr>
+              <a:t>停止すると</a:t>
+            </a:r>
+            <a:r>
+              <a:rPr kumimoji="1" lang="ja-JP" altLang="en-US" sz="3600" dirty="0">
+                <a:solidFill>
+                  <a:srgbClr val="FF0000"/>
+                </a:solidFill>
+                <a:effectLst>
+                  <a:glow rad="127000">
+                    <a:schemeClr val="bg1"/>
+                  </a:glow>
+                  <a:outerShdw blurRad="38100" dist="38100" dir="2700000" algn="tl">
+                    <a:srgbClr val="000000">
+                      <a:alpha val="43137"/>
+                    </a:srgbClr>
+                  </a:outerShdw>
+                </a:effectLst>
+                <a:latin typeface="HGP創英角ｺﾞｼｯｸUB" panose="020B0900000000000000" pitchFamily="50" charset="-128"/>
+                <a:ea typeface="HGP創英角ｺﾞｼｯｸUB" panose="020B0900000000000000" pitchFamily="50" charset="-128"/>
+              </a:rPr>
+              <a:t>転んで</a:t>
+            </a:r>
+            <a:r>
+              <a:rPr kumimoji="1" lang="ja-JP" altLang="en-US" sz="3200" dirty="0">
+                <a:effectLst>
+                  <a:glow rad="127000">
+                    <a:schemeClr val="bg1"/>
+                  </a:glow>
+                  <a:outerShdw blurRad="38100" dist="38100" dir="2700000" algn="tl">
+                    <a:srgbClr val="000000">
+                      <a:alpha val="43137"/>
+                    </a:srgbClr>
+                  </a:outerShdw>
+                </a:effectLst>
+                <a:latin typeface="HGP創英角ｺﾞｼｯｸUB" panose="020B0900000000000000" pitchFamily="50" charset="-128"/>
+                <a:ea typeface="HGP創英角ｺﾞｼｯｸUB" panose="020B0900000000000000" pitchFamily="50" charset="-128"/>
+              </a:rPr>
+              <a:t>ゲームオーバー</a:t>
+            </a:r>
+          </a:p>
+        </p:txBody>
+      </p:sp>
+      <p:sp>
+        <p:nvSpPr>
+          <p:cNvPr id="4" name="テキスト ボックス 3">
+            <a:extLst>
+              <a:ext uri="{FF2B5EF4-FFF2-40B4-BE49-F238E27FC236}">
+                <a16:creationId xmlns:a16="http://schemas.microsoft.com/office/drawing/2014/main" id="{635B4A42-6444-F845-B3D9-54DD9D78224C}"/>
+              </a:ext>
+            </a:extLst>
+          </p:cNvPr>
+          <p:cNvSpPr txBox="1"/>
+          <p:nvPr/>
+        </p:nvSpPr>
+        <p:spPr>
+          <a:xfrm>
+            <a:off x="1002939" y="3342506"/>
+            <a:ext cx="5093061" cy="646331"/>
+          </a:xfrm>
+          <a:prstGeom prst="rect">
+            <a:avLst/>
+          </a:prstGeom>
+          <a:noFill/>
+        </p:spPr>
+        <p:txBody>
+          <a:bodyPr wrap="none" rtlCol="0">
+            <a:spAutoFit/>
+          </a:bodyPr>
+          <a:lstStyle/>
+          <a:p>
+            <a:r>
+              <a:rPr lang="ja-JP" altLang="en-US" sz="3200" dirty="0">
+                <a:effectLst>
+                  <a:glow rad="127000">
+                    <a:schemeClr val="bg1"/>
+                  </a:glow>
+                  <a:outerShdw blurRad="38100" dist="38100" dir="2700000" algn="tl">
+                    <a:srgbClr val="000000">
+                      <a:alpha val="43137"/>
+                    </a:srgbClr>
+                  </a:outerShdw>
+                </a:effectLst>
+                <a:latin typeface="HGP創英角ｺﾞｼｯｸUB" panose="020B0900000000000000" pitchFamily="50" charset="-128"/>
+                <a:ea typeface="HGP創英角ｺﾞｼｯｸUB" panose="020B0900000000000000" pitchFamily="50" charset="-128"/>
+              </a:rPr>
+              <a:t>車に</a:t>
+            </a:r>
+            <a:r>
+              <a:rPr lang="ja-JP" altLang="en-US" sz="3600" dirty="0">
+                <a:solidFill>
+                  <a:srgbClr val="FF0000"/>
+                </a:solidFill>
+                <a:effectLst>
+                  <a:glow rad="127000">
+                    <a:schemeClr val="bg1"/>
+                  </a:glow>
+                  <a:outerShdw blurRad="38100" dist="38100" dir="2700000" algn="tl">
+                    <a:srgbClr val="000000">
+                      <a:alpha val="43137"/>
+                    </a:srgbClr>
+                  </a:outerShdw>
+                </a:effectLst>
+                <a:latin typeface="HGP創英角ｺﾞｼｯｸUB" panose="020B0900000000000000" pitchFamily="50" charset="-128"/>
+                <a:ea typeface="HGP創英角ｺﾞｼｯｸUB" panose="020B0900000000000000" pitchFamily="50" charset="-128"/>
+              </a:rPr>
+              <a:t>ぶつかりすぎると大破</a:t>
+            </a:r>
+            <a:endParaRPr lang="en-US" altLang="ja-JP" sz="3200" dirty="0">
+              <a:solidFill>
+                <a:srgbClr val="FF0000"/>
+              </a:solidFill>
+              <a:effectLst>
+                <a:glow rad="127000">
+                  <a:schemeClr val="bg1"/>
+                </a:glow>
+                <a:outerShdw blurRad="38100" dist="38100" dir="2700000" algn="tl">
+                  <a:srgbClr val="000000">
+                    <a:alpha val="43137"/>
+                  </a:srgbClr>
+                </a:outerShdw>
+              </a:effectLst>
+              <a:latin typeface="HGP創英角ｺﾞｼｯｸUB" panose="020B0900000000000000" pitchFamily="50" charset="-128"/>
+              <a:ea typeface="HGP創英角ｺﾞｼｯｸUB" panose="020B0900000000000000" pitchFamily="50" charset="-128"/>
+            </a:endParaRPr>
+          </a:p>
+        </p:txBody>
+      </p:sp>
+      <p:pic>
+        <p:nvPicPr>
+          <p:cNvPr id="14" name="図 13" descr="挿絵 が含まれている画像&#10;&#10;自動的に生成された説明">
+            <a:extLst>
+              <a:ext uri="{FF2B5EF4-FFF2-40B4-BE49-F238E27FC236}">
+                <a16:creationId xmlns:a16="http://schemas.microsoft.com/office/drawing/2014/main" id="{49D90631-B652-C6A7-1144-987C437C83D0}"/>
+              </a:ext>
+            </a:extLst>
+          </p:cNvPr>
+          <p:cNvPicPr>
+            <a:picLocks noChangeAspect="1"/>
+          </p:cNvPicPr>
+          <p:nvPr/>
+        </p:nvPicPr>
+        <p:blipFill>
+          <a:blip r:embed="rId2">
+            <a:extLst>
+              <a:ext uri="{28A0092B-C50C-407E-A947-70E740481C1C}">
+                <a14:useLocalDpi xmlns:a14="http://schemas.microsoft.com/office/drawing/2010/main" val="0"/>
+              </a:ext>
+            </a:extLst>
+          </a:blip>
+          <a:stretch>
+            <a:fillRect/>
+          </a:stretch>
+        </p:blipFill>
+        <p:spPr>
+          <a:xfrm>
+            <a:off x="6836925" y="3105834"/>
+            <a:ext cx="3583749" cy="1544216"/>
+          </a:xfrm>
+          <a:prstGeom prst="rect">
+            <a:avLst/>
+          </a:prstGeom>
+          <a:effectLst>
+            <a:outerShdw blurRad="50800" dist="38100" dir="2700000" algn="tl" rotWithShape="0">
+              <a:prstClr val="black">
+                <a:alpha val="40000"/>
+              </a:prstClr>
+            </a:outerShdw>
+          </a:effectLst>
+        </p:spPr>
+      </p:pic>
+      <p:pic>
+        <p:nvPicPr>
+          <p:cNvPr id="9" name="図 8" descr="ホイール が含まれている画像&#10;&#10;自動的に生成された説明">
+            <a:extLst>
+              <a:ext uri="{FF2B5EF4-FFF2-40B4-BE49-F238E27FC236}">
+                <a16:creationId xmlns:a16="http://schemas.microsoft.com/office/drawing/2014/main" id="{37DB2CF0-3C9B-7570-8A19-25F84DDBFAF5}"/>
+              </a:ext>
+            </a:extLst>
+          </p:cNvPr>
+          <p:cNvPicPr>
+            <a:picLocks noChangeAspect="1"/>
+          </p:cNvPicPr>
+          <p:nvPr/>
+        </p:nvPicPr>
+        <p:blipFill>
+          <a:blip r:embed="rId3">
+            <a:extLst>
+              <a:ext uri="{28A0092B-C50C-407E-A947-70E740481C1C}">
+                <a14:useLocalDpi xmlns:a14="http://schemas.microsoft.com/office/drawing/2010/main" val="0"/>
+              </a:ext>
+            </a:extLst>
+          </a:blip>
+          <a:stretch>
+            <a:fillRect/>
+          </a:stretch>
+        </p:blipFill>
+        <p:spPr>
+          <a:xfrm>
+            <a:off x="1105432" y="1562878"/>
+            <a:ext cx="4192438" cy="1631341"/>
+          </a:xfrm>
+          <a:prstGeom prst="rect">
+            <a:avLst/>
+          </a:prstGeom>
+          <a:effectLst>
+            <a:outerShdw blurRad="50800" dist="38100" dir="2700000" algn="tl" rotWithShape="0">
+              <a:prstClr val="black">
+                <a:alpha val="40000"/>
+              </a:prstClr>
+            </a:outerShdw>
+          </a:effectLst>
+        </p:spPr>
+      </p:pic>
+      <p:sp>
+        <p:nvSpPr>
+          <p:cNvPr id="5" name="テキスト ボックス 4">
+            <a:extLst>
+              <a:ext uri="{FF2B5EF4-FFF2-40B4-BE49-F238E27FC236}">
+                <a16:creationId xmlns:a16="http://schemas.microsoft.com/office/drawing/2014/main" id="{04418185-716E-C570-3D84-4993B4F1A0CD}"/>
+              </a:ext>
+            </a:extLst>
+          </p:cNvPr>
+          <p:cNvSpPr txBox="1"/>
+          <p:nvPr/>
+        </p:nvSpPr>
+        <p:spPr>
+          <a:xfrm>
+            <a:off x="366340" y="180000"/>
+            <a:ext cx="1853392" cy="523220"/>
+          </a:xfrm>
+          <a:prstGeom prst="rect">
+            <a:avLst/>
+          </a:prstGeom>
+          <a:solidFill>
+            <a:schemeClr val="accent2"/>
+          </a:solidFill>
+          <a:effectLst>
+            <a:outerShdw blurRad="50800" dist="38100" dir="2700000" algn="tl" rotWithShape="0">
+              <a:prstClr val="black">
+                <a:alpha val="40000"/>
+              </a:prstClr>
+            </a:outerShdw>
+          </a:effectLst>
+        </p:spPr>
+        <p:txBody>
+          <a:bodyPr wrap="none" rtlCol="0">
+            <a:spAutoFit/>
+          </a:bodyPr>
+          <a:lstStyle/>
+          <a:p>
             <a:r>
               <a:rPr kumimoji="1" lang="ja-JP" altLang="en-US" sz="2800" dirty="0">
                 <a:effectLst>
@@ -5502,495 +11088,15 @@
                 <a:latin typeface="HGP創英角ｺﾞｼｯｸUB" panose="020B0900000000000000" pitchFamily="50" charset="-128"/>
                 <a:ea typeface="HGP創英角ｺﾞｼｯｸUB" panose="020B0900000000000000" pitchFamily="50" charset="-128"/>
               </a:rPr>
-              <a:t>警察に見つかると追跡してくる</a:t>
-            </a:r>
-            <a:endParaRPr kumimoji="1" lang="en-US" altLang="ja-JP" sz="2800" dirty="0">
-              <a:effectLst>
-                <a:glow rad="127000">
-                  <a:schemeClr val="bg1"/>
-                </a:glow>
-                <a:outerShdw blurRad="38100" dist="38100" dir="2700000" algn="tl">
-                  <a:srgbClr val="000000">
-                    <a:alpha val="43137"/>
-                  </a:srgbClr>
-                </a:outerShdw>
-              </a:effectLst>
-              <a:latin typeface="HGP創英角ｺﾞｼｯｸUB" panose="020B0900000000000000" pitchFamily="50" charset="-128"/>
-              <a:ea typeface="HGP創英角ｺﾞｼｯｸUB" panose="020B0900000000000000" pitchFamily="50" charset="-128"/>
-            </a:endParaRPr>
-          </a:p>
-          <a:p>
-            <a:pPr algn="ctr"/>
-            <a:r>
-              <a:rPr lang="ja-JP" altLang="en-US" sz="2800" dirty="0">
-                <a:effectLst>
-                  <a:glow rad="127000">
-                    <a:schemeClr val="bg1"/>
-                  </a:glow>
-                  <a:outerShdw blurRad="38100" dist="38100" dir="2700000" algn="tl">
-                    <a:srgbClr val="000000">
-                      <a:alpha val="43137"/>
-                    </a:srgbClr>
-                  </a:outerShdw>
-                </a:effectLst>
-                <a:latin typeface="HGP創英角ｺﾞｼｯｸUB" panose="020B0900000000000000" pitchFamily="50" charset="-128"/>
-                <a:ea typeface="HGP創英角ｺﾞｼｯｸUB" panose="020B0900000000000000" pitchFamily="50" charset="-128"/>
-              </a:rPr>
-              <a:t>状況によってバレるまでの距離が変わる</a:t>
-            </a:r>
-            <a:endParaRPr kumimoji="1" lang="ja-JP" altLang="en-US" sz="2800" dirty="0">
-              <a:effectLst>
-                <a:glow rad="127000">
-                  <a:schemeClr val="bg1"/>
-                </a:glow>
-                <a:outerShdw blurRad="38100" dist="38100" dir="2700000" algn="tl">
-                  <a:srgbClr val="000000">
-                    <a:alpha val="43137"/>
-                  </a:srgbClr>
-                </a:outerShdw>
-              </a:effectLst>
-              <a:latin typeface="HGP創英角ｺﾞｼｯｸUB" panose="020B0900000000000000" pitchFamily="50" charset="-128"/>
-              <a:ea typeface="HGP創英角ｺﾞｼｯｸUB" panose="020B0900000000000000" pitchFamily="50" charset="-128"/>
-            </a:endParaRPr>
-          </a:p>
-        </p:txBody>
-      </p:sp>
-      <p:sp>
-        <p:nvSpPr>
-          <p:cNvPr id="11" name="テキスト ボックス 10">
-            <a:extLst>
-              <a:ext uri="{FF2B5EF4-FFF2-40B4-BE49-F238E27FC236}">
-                <a16:creationId xmlns:a16="http://schemas.microsoft.com/office/drawing/2014/main" id="{9436EA0D-C9BA-840B-F7DD-8AFA48F3140A}"/>
-              </a:ext>
-            </a:extLst>
-          </p:cNvPr>
-          <p:cNvSpPr txBox="1"/>
-          <p:nvPr/>
-        </p:nvSpPr>
-        <p:spPr>
-          <a:xfrm>
-            <a:off x="8302557" y="798086"/>
-            <a:ext cx="3648756" cy="954107"/>
-          </a:xfrm>
-          <a:prstGeom prst="rect">
-            <a:avLst/>
-          </a:prstGeom>
-          <a:noFill/>
-        </p:spPr>
-        <p:txBody>
-          <a:bodyPr wrap="none" rtlCol="0">
-            <a:spAutoFit/>
-          </a:bodyPr>
-          <a:lstStyle/>
-          <a:p>
-            <a:r>
-              <a:rPr kumimoji="1" lang="ja-JP" altLang="en-US" sz="2800" dirty="0">
-                <a:effectLst>
-                  <a:glow rad="127000">
-                    <a:schemeClr val="bg1"/>
-                  </a:glow>
-                  <a:outerShdw blurRad="38100" dist="38100" dir="2700000" algn="tl">
-                    <a:srgbClr val="000000">
-                      <a:alpha val="43137"/>
-                    </a:srgbClr>
-                  </a:outerShdw>
-                </a:effectLst>
-                <a:latin typeface="HGP創英角ｺﾞｼｯｸUB" panose="020B0900000000000000" pitchFamily="50" charset="-128"/>
-                <a:ea typeface="HGP創英角ｺﾞｼｯｸUB" panose="020B0900000000000000" pitchFamily="50" charset="-128"/>
-              </a:rPr>
-              <a:t>突進をうまく避けながら</a:t>
-            </a:r>
-            <a:endParaRPr kumimoji="1" lang="en-US" altLang="ja-JP" sz="2800" dirty="0">
-              <a:effectLst>
-                <a:glow rad="127000">
-                  <a:schemeClr val="bg1"/>
-                </a:glow>
-                <a:outerShdw blurRad="38100" dist="38100" dir="2700000" algn="tl">
-                  <a:srgbClr val="000000">
-                    <a:alpha val="43137"/>
-                  </a:srgbClr>
-                </a:outerShdw>
-              </a:effectLst>
-              <a:latin typeface="HGP創英角ｺﾞｼｯｸUB" panose="020B0900000000000000" pitchFamily="50" charset="-128"/>
-              <a:ea typeface="HGP創英角ｺﾞｼｯｸUB" panose="020B0900000000000000" pitchFamily="50" charset="-128"/>
-            </a:endParaRPr>
-          </a:p>
-          <a:p>
-            <a:r>
-              <a:rPr lang="ja-JP" altLang="en-US" sz="2800" dirty="0">
-                <a:effectLst>
-                  <a:glow rad="127000">
-                    <a:schemeClr val="bg1"/>
-                  </a:glow>
-                  <a:outerShdw blurRad="38100" dist="38100" dir="2700000" algn="tl">
-                    <a:srgbClr val="000000">
-                      <a:alpha val="43137"/>
-                    </a:srgbClr>
-                  </a:outerShdw>
-                </a:effectLst>
-                <a:latin typeface="HGP創英角ｺﾞｼｯｸUB" panose="020B0900000000000000" pitchFamily="50" charset="-128"/>
-                <a:ea typeface="HGP創英角ｺﾞｼｯｸUB" panose="020B0900000000000000" pitchFamily="50" charset="-128"/>
-              </a:rPr>
-              <a:t>警察を撒こう</a:t>
-            </a:r>
-            <a:endParaRPr kumimoji="1" lang="en-US" altLang="ja-JP" sz="2800" dirty="0">
-              <a:effectLst>
-                <a:glow rad="127000">
-                  <a:schemeClr val="bg1"/>
-                </a:glow>
-                <a:outerShdw blurRad="38100" dist="38100" dir="2700000" algn="tl">
-                  <a:srgbClr val="000000">
-                    <a:alpha val="43137"/>
-                  </a:srgbClr>
-                </a:outerShdw>
-              </a:effectLst>
-              <a:latin typeface="HGP創英角ｺﾞｼｯｸUB" panose="020B0900000000000000" pitchFamily="50" charset="-128"/>
-              <a:ea typeface="HGP創英角ｺﾞｼｯｸUB" panose="020B0900000000000000" pitchFamily="50" charset="-128"/>
-            </a:endParaRPr>
-          </a:p>
-        </p:txBody>
-      </p:sp>
-      <p:sp>
-        <p:nvSpPr>
-          <p:cNvPr id="7" name="テキスト ボックス 6">
-            <a:extLst>
-              <a:ext uri="{FF2B5EF4-FFF2-40B4-BE49-F238E27FC236}">
-                <a16:creationId xmlns:a16="http://schemas.microsoft.com/office/drawing/2014/main" id="{68BAC960-789D-CCF1-0E4F-783E0F7A48EE}"/>
-              </a:ext>
-            </a:extLst>
-          </p:cNvPr>
-          <p:cNvSpPr txBox="1"/>
-          <p:nvPr/>
-        </p:nvSpPr>
-        <p:spPr>
-          <a:xfrm>
-            <a:off x="297514" y="180000"/>
-            <a:ext cx="1257075" cy="369332"/>
-          </a:xfrm>
-          <a:prstGeom prst="rect">
-            <a:avLst/>
-          </a:prstGeom>
-          <a:noFill/>
-        </p:spPr>
-        <p:txBody>
-          <a:bodyPr wrap="none" rtlCol="0">
-            <a:spAutoFit/>
-          </a:bodyPr>
-          <a:lstStyle/>
-          <a:p>
-            <a:r>
-              <a:rPr kumimoji="1" lang="ja-JP" altLang="en-US" dirty="0">
-                <a:effectLst>
-                  <a:glow rad="127000">
-                    <a:schemeClr val="bg1"/>
-                  </a:glow>
-                  <a:outerShdw blurRad="38100" dist="38100" dir="2700000" algn="tl">
-                    <a:srgbClr val="000000">
-                      <a:alpha val="43137"/>
-                    </a:srgbClr>
-                  </a:outerShdw>
-                </a:effectLst>
-                <a:latin typeface="HGP創英角ｺﾞｼｯｸUB" panose="020B0900000000000000" pitchFamily="50" charset="-128"/>
-                <a:ea typeface="HGP創英角ｺﾞｼｯｸUB" panose="020B0900000000000000" pitchFamily="50" charset="-128"/>
-              </a:rPr>
               <a:t>ゲーム概要</a:t>
             </a:r>
-          </a:p>
-        </p:txBody>
-      </p:sp>
-      <p:sp>
-        <p:nvSpPr>
-          <p:cNvPr id="12" name="テキスト ボックス 11">
-            <a:extLst>
-              <a:ext uri="{FF2B5EF4-FFF2-40B4-BE49-F238E27FC236}">
-                <a16:creationId xmlns:a16="http://schemas.microsoft.com/office/drawing/2014/main" id="{FE4A51E7-E36C-84A8-B7E0-48CE8AC33476}"/>
-              </a:ext>
-            </a:extLst>
-          </p:cNvPr>
-          <p:cNvSpPr txBox="1"/>
-          <p:nvPr/>
-        </p:nvSpPr>
-        <p:spPr>
-          <a:xfrm>
-            <a:off x="4326325" y="2147440"/>
-            <a:ext cx="4778872" cy="954107"/>
-          </a:xfrm>
-          <a:prstGeom prst="rect">
-            <a:avLst/>
-          </a:prstGeom>
-          <a:noFill/>
-        </p:spPr>
-        <p:txBody>
-          <a:bodyPr wrap="none" rtlCol="0">
-            <a:spAutoFit/>
-          </a:bodyPr>
-          <a:lstStyle/>
-          <a:p>
-            <a:r>
-              <a:rPr kumimoji="1" lang="ja-JP" altLang="en-US" sz="2800" dirty="0">
-                <a:effectLst>
-                  <a:glow rad="127000">
-                    <a:schemeClr val="bg1"/>
-                  </a:glow>
-                  <a:outerShdw blurRad="38100" dist="38100" dir="2700000" algn="tl">
-                    <a:srgbClr val="000000">
-                      <a:alpha val="43137"/>
-                    </a:srgbClr>
-                  </a:outerShdw>
-                </a:effectLst>
-                <a:latin typeface="HGP創英角ｺﾞｼｯｸUB" panose="020B0900000000000000" pitchFamily="50" charset="-128"/>
-                <a:ea typeface="HGP創英角ｺﾞｼｯｸUB" panose="020B0900000000000000" pitchFamily="50" charset="-128"/>
-              </a:rPr>
-              <a:t>同じ場所で旋回し続けるなどの</a:t>
-            </a:r>
-            <a:endParaRPr kumimoji="1" lang="en-US" altLang="ja-JP" sz="2800" dirty="0">
-              <a:effectLst>
-                <a:glow rad="127000">
-                  <a:schemeClr val="bg1"/>
-                </a:glow>
-                <a:outerShdw blurRad="38100" dist="38100" dir="2700000" algn="tl">
-                  <a:srgbClr val="000000">
-                    <a:alpha val="43137"/>
-                  </a:srgbClr>
-                </a:outerShdw>
-              </a:effectLst>
-              <a:latin typeface="HGP創英角ｺﾞｼｯｸUB" panose="020B0900000000000000" pitchFamily="50" charset="-128"/>
-              <a:ea typeface="HGP創英角ｺﾞｼｯｸUB" panose="020B0900000000000000" pitchFamily="50" charset="-128"/>
-            </a:endParaRPr>
-          </a:p>
-          <a:p>
-            <a:r>
-              <a:rPr lang="ja-JP" altLang="en-US" sz="2800" dirty="0">
-                <a:effectLst>
-                  <a:glow rad="127000">
-                    <a:schemeClr val="bg1"/>
-                  </a:glow>
-                  <a:outerShdw blurRad="38100" dist="38100" dir="2700000" algn="tl">
-                    <a:srgbClr val="000000">
-                      <a:alpha val="43137"/>
-                    </a:srgbClr>
-                  </a:outerShdw>
-                </a:effectLst>
-                <a:latin typeface="HGP創英角ｺﾞｼｯｸUB" panose="020B0900000000000000" pitchFamily="50" charset="-128"/>
-                <a:ea typeface="HGP創英角ｺﾞｼｯｸUB" panose="020B0900000000000000" pitchFamily="50" charset="-128"/>
-              </a:rPr>
-              <a:t>怪しい動きに警察は反応する</a:t>
-            </a:r>
-            <a:endParaRPr kumimoji="1" lang="en-US" altLang="ja-JP" sz="2800" dirty="0">
-              <a:effectLst>
-                <a:glow rad="127000">
-                  <a:schemeClr val="bg1"/>
-                </a:glow>
-                <a:outerShdw blurRad="38100" dist="38100" dir="2700000" algn="tl">
-                  <a:srgbClr val="000000">
-                    <a:alpha val="43137"/>
-                  </a:srgbClr>
-                </a:outerShdw>
-              </a:effectLst>
-              <a:latin typeface="HGP創英角ｺﾞｼｯｸUB" panose="020B0900000000000000" pitchFamily="50" charset="-128"/>
-              <a:ea typeface="HGP創英角ｺﾞｼｯｸUB" panose="020B0900000000000000" pitchFamily="50" charset="-128"/>
-            </a:endParaRPr>
-          </a:p>
-        </p:txBody>
-      </p:sp>
-      <p:sp>
-        <p:nvSpPr>
-          <p:cNvPr id="14" name="テキスト ボックス 13">
-            <a:extLst>
-              <a:ext uri="{FF2B5EF4-FFF2-40B4-BE49-F238E27FC236}">
-                <a16:creationId xmlns:a16="http://schemas.microsoft.com/office/drawing/2014/main" id="{CCDD7A25-9A8C-C12F-7B19-B94EDD829804}"/>
-              </a:ext>
-            </a:extLst>
-          </p:cNvPr>
-          <p:cNvSpPr txBox="1"/>
-          <p:nvPr/>
-        </p:nvSpPr>
-        <p:spPr>
-          <a:xfrm>
-            <a:off x="297514" y="3101547"/>
-            <a:ext cx="3469219" cy="1323439"/>
-          </a:xfrm>
-          <a:prstGeom prst="rect">
-            <a:avLst/>
-          </a:prstGeom>
-          <a:noFill/>
-        </p:spPr>
-        <p:txBody>
-          <a:bodyPr wrap="none" rtlCol="0">
-            <a:spAutoFit/>
-          </a:bodyPr>
-          <a:lstStyle/>
-          <a:p>
-            <a:r>
-              <a:rPr kumimoji="1" lang="ja-JP" altLang="en-US" sz="1600" dirty="0">
-                <a:effectLst>
-                  <a:glow rad="127000">
-                    <a:schemeClr val="bg1"/>
-                  </a:glow>
-                  <a:outerShdw blurRad="38100" dist="38100" dir="2700000" algn="tl">
-                    <a:srgbClr val="000000">
-                      <a:alpha val="43137"/>
-                    </a:srgbClr>
-                  </a:outerShdw>
-                </a:effectLst>
-                <a:latin typeface="HGP創英角ｺﾞｼｯｸUB" panose="020B0900000000000000" pitchFamily="50" charset="-128"/>
-                <a:ea typeface="HGP創英角ｺﾞｼｯｸUB" panose="020B0900000000000000" pitchFamily="50" charset="-128"/>
-              </a:rPr>
-              <a:t>何もしてない⇒すれ違うときのみバレる</a:t>
-            </a:r>
-            <a:endParaRPr kumimoji="1" lang="en-US" altLang="ja-JP" sz="1600" dirty="0">
-              <a:effectLst>
-                <a:glow rad="127000">
-                  <a:schemeClr val="bg1"/>
-                </a:glow>
-                <a:outerShdw blurRad="38100" dist="38100" dir="2700000" algn="tl">
-                  <a:srgbClr val="000000">
-                    <a:alpha val="43137"/>
-                  </a:srgbClr>
-                </a:outerShdw>
-              </a:effectLst>
-              <a:latin typeface="HGP創英角ｺﾞｼｯｸUB" panose="020B0900000000000000" pitchFamily="50" charset="-128"/>
-              <a:ea typeface="HGP創英角ｺﾞｼｯｸUB" panose="020B0900000000000000" pitchFamily="50" charset="-128"/>
-            </a:endParaRPr>
-          </a:p>
-          <a:p>
-            <a:r>
-              <a:rPr kumimoji="1" lang="ja-JP" altLang="en-US" sz="1600" dirty="0">
-                <a:effectLst>
-                  <a:glow rad="127000">
-                    <a:schemeClr val="bg1"/>
-                  </a:glow>
-                  <a:outerShdw blurRad="38100" dist="38100" dir="2700000" algn="tl">
-                    <a:srgbClr val="000000">
-                      <a:alpha val="43137"/>
-                    </a:srgbClr>
-                  </a:outerShdw>
-                </a:effectLst>
-                <a:latin typeface="HGP創英角ｺﾞｼｯｸUB" panose="020B0900000000000000" pitchFamily="50" charset="-128"/>
-                <a:ea typeface="HGP創英角ｺﾞｼｯｸUB" panose="020B0900000000000000" pitchFamily="50" charset="-128"/>
-              </a:rPr>
-              <a:t>中破⇒煙で遠くからでもバレる</a:t>
-            </a:r>
-            <a:endParaRPr kumimoji="1" lang="en-US" altLang="ja-JP" sz="1600" dirty="0">
-              <a:effectLst>
-                <a:glow rad="127000">
-                  <a:schemeClr val="bg1"/>
-                </a:glow>
-                <a:outerShdw blurRad="38100" dist="38100" dir="2700000" algn="tl">
-                  <a:srgbClr val="000000">
-                    <a:alpha val="43137"/>
-                  </a:srgbClr>
-                </a:outerShdw>
-              </a:effectLst>
-              <a:latin typeface="HGP創英角ｺﾞｼｯｸUB" panose="020B0900000000000000" pitchFamily="50" charset="-128"/>
-              <a:ea typeface="HGP創英角ｺﾞｼｯｸUB" panose="020B0900000000000000" pitchFamily="50" charset="-128"/>
-            </a:endParaRPr>
-          </a:p>
-          <a:p>
-            <a:r>
-              <a:rPr lang="ja-JP" altLang="en-US" sz="1600" dirty="0">
-                <a:effectLst>
-                  <a:glow rad="127000">
-                    <a:schemeClr val="bg1"/>
-                  </a:glow>
-                  <a:outerShdw blurRad="38100" dist="38100" dir="2700000" algn="tl">
-                    <a:srgbClr val="000000">
-                      <a:alpha val="43137"/>
-                    </a:srgbClr>
-                  </a:outerShdw>
-                </a:effectLst>
-                <a:latin typeface="HGP創英角ｺﾞｼｯｸUB" panose="020B0900000000000000" pitchFamily="50" charset="-128"/>
-                <a:ea typeface="HGP創英角ｺﾞｼｯｸUB" panose="020B0900000000000000" pitchFamily="50" charset="-128"/>
-              </a:rPr>
-              <a:t>旋回</a:t>
-            </a:r>
-            <a:endParaRPr lang="en-US" altLang="ja-JP" sz="1600" dirty="0">
-              <a:effectLst>
-                <a:glow rad="127000">
-                  <a:schemeClr val="bg1"/>
-                </a:glow>
-                <a:outerShdw blurRad="38100" dist="38100" dir="2700000" algn="tl">
-                  <a:srgbClr val="000000">
-                    <a:alpha val="43137"/>
-                  </a:srgbClr>
-                </a:outerShdw>
-              </a:effectLst>
-              <a:latin typeface="HGP創英角ｺﾞｼｯｸUB" panose="020B0900000000000000" pitchFamily="50" charset="-128"/>
-              <a:ea typeface="HGP創英角ｺﾞｼｯｸUB" panose="020B0900000000000000" pitchFamily="50" charset="-128"/>
-            </a:endParaRPr>
-          </a:p>
-          <a:p>
-            <a:r>
-              <a:rPr kumimoji="1" lang="ja-JP" altLang="en-US" sz="1600" dirty="0">
-                <a:effectLst>
-                  <a:glow rad="127000">
-                    <a:schemeClr val="bg1"/>
-                  </a:glow>
-                  <a:outerShdw blurRad="38100" dist="38100" dir="2700000" algn="tl">
-                    <a:srgbClr val="000000">
-                      <a:alpha val="43137"/>
-                    </a:srgbClr>
-                  </a:outerShdw>
-                </a:effectLst>
-                <a:latin typeface="HGP創英角ｺﾞｼｯｸUB" panose="020B0900000000000000" pitchFamily="50" charset="-128"/>
-                <a:ea typeface="HGP創英角ｺﾞｼｯｸUB" panose="020B0900000000000000" pitchFamily="50" charset="-128"/>
-              </a:rPr>
-              <a:t>加速</a:t>
-            </a:r>
-            <a:endParaRPr kumimoji="1" lang="en-US" altLang="ja-JP" sz="1600" dirty="0">
-              <a:effectLst>
-                <a:glow rad="127000">
-                  <a:schemeClr val="bg1"/>
-                </a:glow>
-                <a:outerShdw blurRad="38100" dist="38100" dir="2700000" algn="tl">
-                  <a:srgbClr val="000000">
-                    <a:alpha val="43137"/>
-                  </a:srgbClr>
-                </a:outerShdw>
-              </a:effectLst>
-              <a:latin typeface="HGP創英角ｺﾞｼｯｸUB" panose="020B0900000000000000" pitchFamily="50" charset="-128"/>
-              <a:ea typeface="HGP創英角ｺﾞｼｯｸUB" panose="020B0900000000000000" pitchFamily="50" charset="-128"/>
-            </a:endParaRPr>
-          </a:p>
-          <a:p>
-            <a:r>
-              <a:rPr lang="ja-JP" altLang="en-US" sz="1600" dirty="0">
-                <a:effectLst>
-                  <a:glow rad="127000">
-                    <a:schemeClr val="bg1"/>
-                  </a:glow>
-                  <a:outerShdw blurRad="38100" dist="38100" dir="2700000" algn="tl">
-                    <a:srgbClr val="000000">
-                      <a:alpha val="43137"/>
-                    </a:srgbClr>
-                  </a:outerShdw>
-                </a:effectLst>
-                <a:latin typeface="HGP創英角ｺﾞｼｯｸUB" panose="020B0900000000000000" pitchFamily="50" charset="-128"/>
-                <a:ea typeface="HGP創英角ｺﾞｼｯｸUB" panose="020B0900000000000000" pitchFamily="50" charset="-128"/>
-              </a:rPr>
-              <a:t>事故</a:t>
-            </a:r>
-            <a:endParaRPr kumimoji="1" lang="en-US" altLang="ja-JP" sz="1600" dirty="0">
-              <a:effectLst>
-                <a:glow rad="127000">
-                  <a:schemeClr val="bg1"/>
-                </a:glow>
-                <a:outerShdw blurRad="38100" dist="38100" dir="2700000" algn="tl">
-                  <a:srgbClr val="000000">
-                    <a:alpha val="43137"/>
-                  </a:srgbClr>
-                </a:outerShdw>
-              </a:effectLst>
-              <a:latin typeface="HGP創英角ｺﾞｼｯｸUB" panose="020B0900000000000000" pitchFamily="50" charset="-128"/>
-              <a:ea typeface="HGP創英角ｺﾞｼｯｸUB" panose="020B0900000000000000" pitchFamily="50" charset="-128"/>
-            </a:endParaRPr>
           </a:p>
         </p:txBody>
       </p:sp>
     </p:spTree>
     <p:extLst>
       <p:ext uri="{BB962C8B-B14F-4D97-AF65-F5344CB8AC3E}">
-        <p14:creationId xmlns:p14="http://schemas.microsoft.com/office/powerpoint/2010/main" val="3650576426"/>
+        <p14:creationId xmlns:p14="http://schemas.microsoft.com/office/powerpoint/2010/main" val="4161106534"/>
       </p:ext>
     </p:extLst>
   </p:cSld>
@@ -6017,6 +11123,92 @@
           <a:chExt cx="0" cy="0"/>
         </a:xfrm>
       </p:grpSpPr>
+      <p:pic>
+        <p:nvPicPr>
+          <p:cNvPr id="9" name="図 8" descr="屋内, 暗い, リモコン, 座る が含まれている画像&#10;&#10;自動的に生成された説明">
+            <a:extLst>
+              <a:ext uri="{FF2B5EF4-FFF2-40B4-BE49-F238E27FC236}">
+                <a16:creationId xmlns:a16="http://schemas.microsoft.com/office/drawing/2014/main" id="{89411888-2E1F-229E-0E30-D58E7E6E50B9}"/>
+              </a:ext>
+            </a:extLst>
+          </p:cNvPr>
+          <p:cNvPicPr>
+            <a:picLocks noChangeAspect="1"/>
+          </p:cNvPicPr>
+          <p:nvPr/>
+        </p:nvPicPr>
+        <p:blipFill>
+          <a:blip r:embed="rId2">
+            <a:extLst>
+              <a:ext uri="{28A0092B-C50C-407E-A947-70E740481C1C}">
+                <a14:useLocalDpi xmlns:a14="http://schemas.microsoft.com/office/drawing/2010/main" val="0"/>
+              </a:ext>
+            </a:extLst>
+          </a:blip>
+          <a:stretch>
+            <a:fillRect/>
+          </a:stretch>
+        </p:blipFill>
+        <p:spPr>
+          <a:xfrm>
+            <a:off x="3827885" y="3301030"/>
+            <a:ext cx="3631741" cy="3631741"/>
+          </a:xfrm>
+          <a:prstGeom prst="rect">
+            <a:avLst/>
+          </a:prstGeom>
+          <a:effectLst>
+            <a:outerShdw blurRad="50800" dist="38100" dir="2700000" algn="tl" rotWithShape="0">
+              <a:prstClr val="black">
+                <a:alpha val="40000"/>
+              </a:prstClr>
+            </a:outerShdw>
+          </a:effectLst>
+        </p:spPr>
+      </p:pic>
+      <p:pic>
+        <p:nvPicPr>
+          <p:cNvPr id="11" name="図 10" descr="設計図&#10;&#10;中程度の精度で自動的に生成された説明">
+            <a:extLst>
+              <a:ext uri="{FF2B5EF4-FFF2-40B4-BE49-F238E27FC236}">
+                <a16:creationId xmlns:a16="http://schemas.microsoft.com/office/drawing/2014/main" id="{951B8DD9-F66E-992E-14C8-187A218A6686}"/>
+              </a:ext>
+            </a:extLst>
+          </p:cNvPr>
+          <p:cNvPicPr>
+            <a:picLocks noChangeAspect="1"/>
+          </p:cNvPicPr>
+          <p:nvPr/>
+        </p:nvPicPr>
+        <p:blipFill>
+          <a:blip r:embed="rId3">
+            <a:extLst>
+              <a:ext uri="{28A0092B-C50C-407E-A947-70E740481C1C}">
+                <a14:useLocalDpi xmlns:a14="http://schemas.microsoft.com/office/drawing/2010/main" val="0"/>
+              </a:ext>
+            </a:extLst>
+          </a:blip>
+          <a:stretch>
+            <a:fillRect/>
+          </a:stretch>
+        </p:blipFill>
+        <p:spPr>
+          <a:xfrm>
+            <a:off x="3938900" y="3212829"/>
+            <a:ext cx="3202899" cy="2402174"/>
+          </a:xfrm>
+          <a:prstGeom prst="rect">
+            <a:avLst/>
+          </a:prstGeom>
+          <a:effectLst>
+            <a:outerShdw blurRad="50800" dist="38100" dir="2700000" algn="tl" rotWithShape="0">
+              <a:prstClr val="black">
+                <a:alpha val="40000"/>
+              </a:prstClr>
+            </a:outerShdw>
+          </a:effectLst>
+        </p:spPr>
+      </p:pic>
       <p:sp>
         <p:nvSpPr>
           <p:cNvPr id="5" name="テキスト ボックス 4">
@@ -6031,8 +11223,8 @@
         </p:nvSpPr>
         <p:spPr>
           <a:xfrm>
-            <a:off x="0" y="2867142"/>
-            <a:ext cx="4245073" cy="954107"/>
+            <a:off x="95652" y="2871122"/>
+            <a:ext cx="4450257" cy="1631216"/>
           </a:xfrm>
           <a:prstGeom prst="rect">
             <a:avLst/>
@@ -6046,6 +11238,363 @@
           <a:lstStyle/>
           <a:p>
             <a:pPr algn="ctr"/>
+            <a:r>
+              <a:rPr kumimoji="1" lang="ja-JP" altLang="en-US" sz="3600" dirty="0">
+                <a:solidFill>
+                  <a:srgbClr val="0070C0"/>
+                </a:solidFill>
+                <a:effectLst>
+                  <a:glow rad="127000">
+                    <a:schemeClr val="bg1"/>
+                  </a:glow>
+                  <a:outerShdw blurRad="38100" dist="38100" dir="2700000" algn="tl">
+                    <a:srgbClr val="000000">
+                      <a:alpha val="43137"/>
+                    </a:srgbClr>
+                  </a:outerShdw>
+                </a:effectLst>
+                <a:latin typeface="HGP創英角ｺﾞｼｯｸUB" panose="020B0900000000000000" pitchFamily="50" charset="-128"/>
+                <a:ea typeface="HGP創英角ｺﾞｼｯｸUB" panose="020B0900000000000000" pitchFamily="50" charset="-128"/>
+              </a:rPr>
+              <a:t>警察署</a:t>
+            </a:r>
+            <a:endParaRPr kumimoji="1" lang="en-US" altLang="ja-JP" sz="3600" dirty="0">
+              <a:solidFill>
+                <a:srgbClr val="0070C0"/>
+              </a:solidFill>
+              <a:effectLst>
+                <a:glow rad="127000">
+                  <a:schemeClr val="bg1"/>
+                </a:glow>
+                <a:outerShdw blurRad="38100" dist="38100" dir="2700000" algn="tl">
+                  <a:srgbClr val="000000">
+                    <a:alpha val="43137"/>
+                  </a:srgbClr>
+                </a:outerShdw>
+              </a:effectLst>
+              <a:latin typeface="HGP創英角ｺﾞｼｯｸUB" panose="020B0900000000000000" pitchFamily="50" charset="-128"/>
+              <a:ea typeface="HGP創英角ｺﾞｼｯｸUB" panose="020B0900000000000000" pitchFamily="50" charset="-128"/>
+            </a:endParaRPr>
+          </a:p>
+          <a:p>
+            <a:pPr algn="ctr"/>
+            <a:r>
+              <a:rPr lang="ja-JP" altLang="en-US" sz="3200" dirty="0">
+                <a:effectLst>
+                  <a:glow rad="127000">
+                    <a:schemeClr val="bg1"/>
+                  </a:glow>
+                  <a:outerShdw blurRad="38100" dist="38100" dir="2700000" algn="tl">
+                    <a:srgbClr val="000000">
+                      <a:alpha val="43137"/>
+                    </a:srgbClr>
+                  </a:outerShdw>
+                </a:effectLst>
+                <a:latin typeface="HGP創英角ｺﾞｼｯｸUB" panose="020B0900000000000000" pitchFamily="50" charset="-128"/>
+                <a:ea typeface="HGP創英角ｺﾞｼｯｸUB" panose="020B0900000000000000" pitchFamily="50" charset="-128"/>
+              </a:rPr>
+              <a:t>近くで怪しい動きをすると</a:t>
+            </a:r>
+            <a:endParaRPr kumimoji="1" lang="en-US" altLang="ja-JP" sz="3200" dirty="0">
+              <a:effectLst>
+                <a:glow rad="127000">
+                  <a:schemeClr val="bg1"/>
+                </a:glow>
+                <a:outerShdw blurRad="38100" dist="38100" dir="2700000" algn="tl">
+                  <a:srgbClr val="000000">
+                    <a:alpha val="43137"/>
+                  </a:srgbClr>
+                </a:outerShdw>
+              </a:effectLst>
+              <a:latin typeface="HGP創英角ｺﾞｼｯｸUB" panose="020B0900000000000000" pitchFamily="50" charset="-128"/>
+              <a:ea typeface="HGP創英角ｺﾞｼｯｸUB" panose="020B0900000000000000" pitchFamily="50" charset="-128"/>
+            </a:endParaRPr>
+          </a:p>
+          <a:p>
+            <a:pPr algn="ctr"/>
+            <a:r>
+              <a:rPr lang="ja-JP" altLang="en-US" sz="3200" dirty="0">
+                <a:effectLst>
+                  <a:glow rad="127000">
+                    <a:schemeClr val="bg1"/>
+                  </a:glow>
+                  <a:outerShdw blurRad="38100" dist="38100" dir="2700000" algn="tl">
+                    <a:srgbClr val="000000">
+                      <a:alpha val="43137"/>
+                    </a:srgbClr>
+                  </a:outerShdw>
+                </a:effectLst>
+                <a:latin typeface="HGP創英角ｺﾞｼｯｸUB" panose="020B0900000000000000" pitchFamily="50" charset="-128"/>
+                <a:ea typeface="HGP創英角ｺﾞｼｯｸUB" panose="020B0900000000000000" pitchFamily="50" charset="-128"/>
+              </a:rPr>
+              <a:t>パトカーが増える</a:t>
+            </a:r>
+            <a:endParaRPr kumimoji="1" lang="ja-JP" altLang="en-US" sz="3200" dirty="0">
+              <a:effectLst>
+                <a:glow rad="127000">
+                  <a:schemeClr val="bg1"/>
+                </a:glow>
+                <a:outerShdw blurRad="38100" dist="38100" dir="2700000" algn="tl">
+                  <a:srgbClr val="000000">
+                    <a:alpha val="43137"/>
+                  </a:srgbClr>
+                </a:outerShdw>
+              </a:effectLst>
+              <a:latin typeface="HGP創英角ｺﾞｼｯｸUB" panose="020B0900000000000000" pitchFamily="50" charset="-128"/>
+              <a:ea typeface="HGP創英角ｺﾞｼｯｸUB" panose="020B0900000000000000" pitchFamily="50" charset="-128"/>
+            </a:endParaRPr>
+          </a:p>
+        </p:txBody>
+      </p:sp>
+      <p:sp>
+        <p:nvSpPr>
+          <p:cNvPr id="6" name="テキスト ボックス 5">
+            <a:extLst>
+              <a:ext uri="{FF2B5EF4-FFF2-40B4-BE49-F238E27FC236}">
+                <a16:creationId xmlns:a16="http://schemas.microsoft.com/office/drawing/2014/main" id="{5BCF08D2-5B43-1BF8-47B9-516EB8D578A2}"/>
+              </a:ext>
+            </a:extLst>
+          </p:cNvPr>
+          <p:cNvSpPr txBox="1"/>
+          <p:nvPr/>
+        </p:nvSpPr>
+        <p:spPr>
+          <a:xfrm>
+            <a:off x="3632825" y="5184399"/>
+            <a:ext cx="4926350" cy="1631216"/>
+          </a:xfrm>
+          <a:prstGeom prst="rect">
+            <a:avLst/>
+          </a:prstGeom>
+          <a:noFill/>
+        </p:spPr>
+        <p:txBody>
+          <a:bodyPr wrap="none" rtlCol="0">
+            <a:spAutoFit/>
+          </a:bodyPr>
+          <a:lstStyle/>
+          <a:p>
+            <a:pPr algn="ctr"/>
+            <a:r>
+              <a:rPr lang="ja-JP" altLang="en-US" sz="3600" dirty="0">
+                <a:solidFill>
+                  <a:srgbClr val="FF0000"/>
+                </a:solidFill>
+                <a:effectLst>
+                  <a:glow rad="127000">
+                    <a:schemeClr val="bg1"/>
+                  </a:glow>
+                  <a:outerShdw blurRad="38100" dist="38100" dir="2700000" algn="tl">
+                    <a:srgbClr val="000000">
+                      <a:alpha val="43137"/>
+                    </a:srgbClr>
+                  </a:outerShdw>
+                </a:effectLst>
+                <a:latin typeface="HGP創英角ｺﾞｼｯｸUB" panose="020B0900000000000000" pitchFamily="50" charset="-128"/>
+                <a:ea typeface="HGP創英角ｺﾞｼｯｸUB" panose="020B0900000000000000" pitchFamily="50" charset="-128"/>
+              </a:rPr>
+              <a:t>消火栓</a:t>
+            </a:r>
+            <a:endParaRPr lang="en-US" altLang="ja-JP" sz="3600" dirty="0">
+              <a:solidFill>
+                <a:srgbClr val="FF0000"/>
+              </a:solidFill>
+              <a:effectLst>
+                <a:glow rad="127000">
+                  <a:schemeClr val="bg1"/>
+                </a:glow>
+                <a:outerShdw blurRad="38100" dist="38100" dir="2700000" algn="tl">
+                  <a:srgbClr val="000000">
+                    <a:alpha val="43137"/>
+                  </a:srgbClr>
+                </a:outerShdw>
+              </a:effectLst>
+              <a:latin typeface="HGP創英角ｺﾞｼｯｸUB" panose="020B0900000000000000" pitchFamily="50" charset="-128"/>
+              <a:ea typeface="HGP創英角ｺﾞｼｯｸUB" panose="020B0900000000000000" pitchFamily="50" charset="-128"/>
+            </a:endParaRPr>
+          </a:p>
+          <a:p>
+            <a:pPr algn="ctr"/>
+            <a:r>
+              <a:rPr kumimoji="1" lang="ja-JP" altLang="en-US" sz="3200" dirty="0">
+                <a:effectLst>
+                  <a:glow rad="127000">
+                    <a:schemeClr val="bg1"/>
+                  </a:glow>
+                  <a:outerShdw blurRad="38100" dist="38100" dir="2700000" algn="tl">
+                    <a:srgbClr val="000000">
+                      <a:alpha val="43137"/>
+                    </a:srgbClr>
+                  </a:outerShdw>
+                </a:effectLst>
+                <a:latin typeface="HGP創英角ｺﾞｼｯｸUB" panose="020B0900000000000000" pitchFamily="50" charset="-128"/>
+                <a:ea typeface="HGP創英角ｺﾞｼｯｸUB" panose="020B0900000000000000" pitchFamily="50" charset="-128"/>
+              </a:rPr>
+              <a:t>壊すと辺りが水浸しになって</a:t>
+            </a:r>
+            <a:endParaRPr kumimoji="1" lang="en-US" altLang="ja-JP" sz="3200" dirty="0">
+              <a:effectLst>
+                <a:glow rad="127000">
+                  <a:schemeClr val="bg1"/>
+                </a:glow>
+                <a:outerShdw blurRad="38100" dist="38100" dir="2700000" algn="tl">
+                  <a:srgbClr val="000000">
+                    <a:alpha val="43137"/>
+                  </a:srgbClr>
+                </a:outerShdw>
+              </a:effectLst>
+              <a:latin typeface="HGP創英角ｺﾞｼｯｸUB" panose="020B0900000000000000" pitchFamily="50" charset="-128"/>
+              <a:ea typeface="HGP創英角ｺﾞｼｯｸUB" panose="020B0900000000000000" pitchFamily="50" charset="-128"/>
+            </a:endParaRPr>
+          </a:p>
+          <a:p>
+            <a:pPr algn="ctr"/>
+            <a:r>
+              <a:rPr kumimoji="1" lang="ja-JP" altLang="en-US" sz="3200" dirty="0">
+                <a:effectLst>
+                  <a:glow rad="127000">
+                    <a:schemeClr val="bg1"/>
+                  </a:glow>
+                  <a:outerShdw blurRad="38100" dist="38100" dir="2700000" algn="tl">
+                    <a:srgbClr val="000000">
+                      <a:alpha val="43137"/>
+                    </a:srgbClr>
+                  </a:outerShdw>
+                </a:effectLst>
+                <a:latin typeface="HGP創英角ｺﾞｼｯｸUB" panose="020B0900000000000000" pitchFamily="50" charset="-128"/>
+                <a:ea typeface="HGP創英角ｺﾞｼｯｸUB" panose="020B0900000000000000" pitchFamily="50" charset="-128"/>
+              </a:rPr>
+              <a:t>スリップしやすくなる</a:t>
+            </a:r>
+          </a:p>
+        </p:txBody>
+      </p:sp>
+      <p:sp>
+        <p:nvSpPr>
+          <p:cNvPr id="8" name="テキスト ボックス 7">
+            <a:extLst>
+              <a:ext uri="{FF2B5EF4-FFF2-40B4-BE49-F238E27FC236}">
+                <a16:creationId xmlns:a16="http://schemas.microsoft.com/office/drawing/2014/main" id="{8018ECFD-4638-8240-41FB-B2BD44AFC230}"/>
+              </a:ext>
+            </a:extLst>
+          </p:cNvPr>
+          <p:cNvSpPr txBox="1"/>
+          <p:nvPr/>
+        </p:nvSpPr>
+        <p:spPr>
+          <a:xfrm>
+            <a:off x="7117525" y="3301030"/>
+            <a:ext cx="5085046" cy="1138773"/>
+          </a:xfrm>
+          <a:prstGeom prst="rect">
+            <a:avLst/>
+          </a:prstGeom>
+          <a:noFill/>
+        </p:spPr>
+        <p:txBody>
+          <a:bodyPr wrap="none" rtlCol="0">
+            <a:spAutoFit/>
+          </a:bodyPr>
+          <a:lstStyle/>
+          <a:p>
+            <a:pPr algn="ctr"/>
+            <a:r>
+              <a:rPr lang="ja-JP" altLang="en-US" sz="3600" dirty="0">
+                <a:solidFill>
+                  <a:schemeClr val="accent6"/>
+                </a:solidFill>
+                <a:effectLst>
+                  <a:glow rad="127000">
+                    <a:schemeClr val="bg1"/>
+                  </a:glow>
+                  <a:outerShdw blurRad="38100" dist="38100" dir="2700000" algn="tl">
+                    <a:srgbClr val="000000">
+                      <a:alpha val="43137"/>
+                    </a:srgbClr>
+                  </a:outerShdw>
+                </a:effectLst>
+                <a:latin typeface="HGP創英角ｺﾞｼｯｸUB" panose="020B0900000000000000" pitchFamily="50" charset="-128"/>
+                <a:ea typeface="HGP創英角ｺﾞｼｯｸUB" panose="020B0900000000000000" pitchFamily="50" charset="-128"/>
+              </a:rPr>
+              <a:t>跳ね橋</a:t>
+            </a:r>
+            <a:endParaRPr lang="en-US" altLang="ja-JP" sz="3600" dirty="0">
+              <a:solidFill>
+                <a:schemeClr val="accent6"/>
+              </a:solidFill>
+              <a:effectLst>
+                <a:glow rad="127000">
+                  <a:schemeClr val="bg1"/>
+                </a:glow>
+                <a:outerShdw blurRad="38100" dist="38100" dir="2700000" algn="tl">
+                  <a:srgbClr val="000000">
+                    <a:alpha val="43137"/>
+                  </a:srgbClr>
+                </a:outerShdw>
+              </a:effectLst>
+              <a:latin typeface="HGP創英角ｺﾞｼｯｸUB" panose="020B0900000000000000" pitchFamily="50" charset="-128"/>
+              <a:ea typeface="HGP創英角ｺﾞｼｯｸUB" panose="020B0900000000000000" pitchFamily="50" charset="-128"/>
+            </a:endParaRPr>
+          </a:p>
+          <a:p>
+            <a:pPr algn="ctr"/>
+            <a:r>
+              <a:rPr kumimoji="1" lang="ja-JP" altLang="en-US" sz="3200" dirty="0">
+                <a:effectLst>
+                  <a:glow rad="127000">
+                    <a:schemeClr val="bg1"/>
+                  </a:glow>
+                  <a:outerShdw blurRad="38100" dist="38100" dir="2700000" algn="tl">
+                    <a:srgbClr val="000000">
+                      <a:alpha val="43137"/>
+                    </a:srgbClr>
+                  </a:outerShdw>
+                </a:effectLst>
+                <a:latin typeface="HGP創英角ｺﾞｼｯｸUB" panose="020B0900000000000000" pitchFamily="50" charset="-128"/>
+                <a:ea typeface="HGP創英角ｺﾞｼｯｸUB" panose="020B0900000000000000" pitchFamily="50" charset="-128"/>
+              </a:rPr>
+              <a:t>時間経過で進めるようになる</a:t>
+            </a:r>
+          </a:p>
+        </p:txBody>
+      </p:sp>
+      <p:sp>
+        <p:nvSpPr>
+          <p:cNvPr id="2" name="テキスト ボックス 1">
+            <a:extLst>
+              <a:ext uri="{FF2B5EF4-FFF2-40B4-BE49-F238E27FC236}">
+                <a16:creationId xmlns:a16="http://schemas.microsoft.com/office/drawing/2014/main" id="{93B97338-0E9B-97D3-B4E1-12488EE5EF77}"/>
+              </a:ext>
+            </a:extLst>
+          </p:cNvPr>
+          <p:cNvSpPr txBox="1"/>
+          <p:nvPr/>
+        </p:nvSpPr>
+        <p:spPr>
+          <a:xfrm>
+            <a:off x="366340" y="180000"/>
+            <a:ext cx="1853392" cy="523220"/>
+          </a:xfrm>
+          <a:prstGeom prst="rect">
+            <a:avLst/>
+          </a:prstGeom>
+          <a:solidFill>
+            <a:schemeClr val="accent2"/>
+          </a:solidFill>
+          <a:effectLst>
+            <a:outerShdw blurRad="50800" dist="38100" dir="2700000" algn="tl" rotWithShape="0">
+              <a:prstClr val="black">
+                <a:alpha val="40000"/>
+              </a:prstClr>
+            </a:outerShdw>
+          </a:effectLst>
+        </p:spPr>
+        <p:txBody>
+          <a:bodyPr wrap="none" rtlCol="0">
+            <a:spAutoFit/>
+          </a:bodyPr>
+          <a:lstStyle/>
+          <a:p>
             <a:r>
               <a:rPr kumimoji="1" lang="ja-JP" altLang="en-US" sz="2800" dirty="0">
                 <a:effectLst>
@@ -6061,259 +11610,140 @@
                 <a:latin typeface="HGP創英角ｺﾞｼｯｸUB" panose="020B0900000000000000" pitchFamily="50" charset="-128"/>
                 <a:ea typeface="HGP創英角ｺﾞｼｯｸUB" panose="020B0900000000000000" pitchFamily="50" charset="-128"/>
               </a:rPr>
-              <a:t>警察署</a:t>
-            </a:r>
-            <a:endParaRPr kumimoji="1" lang="en-US" altLang="ja-JP" sz="2800" dirty="0">
-              <a:effectLst>
-                <a:glow rad="127000">
-                  <a:schemeClr val="bg1"/>
-                </a:glow>
-                <a:outerShdw blurRad="38100" dist="38100" dir="2700000" algn="tl">
-                  <a:srgbClr val="000000">
-                    <a:alpha val="43137"/>
-                  </a:srgbClr>
-                </a:outerShdw>
-              </a:effectLst>
-              <a:latin typeface="HGP創英角ｺﾞｼｯｸUB" panose="020B0900000000000000" pitchFamily="50" charset="-128"/>
-              <a:ea typeface="HGP創英角ｺﾞｼｯｸUB" panose="020B0900000000000000" pitchFamily="50" charset="-128"/>
-            </a:endParaRPr>
-          </a:p>
-          <a:p>
-            <a:pPr algn="ctr"/>
-            <a:r>
-              <a:rPr lang="ja-JP" altLang="en-US" sz="2800" dirty="0">
-                <a:effectLst>
-                  <a:glow rad="127000">
-                    <a:schemeClr val="bg1"/>
-                  </a:glow>
-                  <a:outerShdw blurRad="38100" dist="38100" dir="2700000" algn="tl">
-                    <a:srgbClr val="000000">
-                      <a:alpha val="43137"/>
-                    </a:srgbClr>
-                  </a:outerShdw>
-                </a:effectLst>
-                <a:latin typeface="HGP創英角ｺﾞｼｯｸUB" panose="020B0900000000000000" pitchFamily="50" charset="-128"/>
-                <a:ea typeface="HGP創英角ｺﾞｼｯｸUB" panose="020B0900000000000000" pitchFamily="50" charset="-128"/>
-              </a:rPr>
-              <a:t>前を通るとパトカーが増える</a:t>
-            </a:r>
-            <a:endParaRPr kumimoji="1" lang="ja-JP" altLang="en-US" sz="2800" dirty="0">
-              <a:effectLst>
-                <a:glow rad="127000">
-                  <a:schemeClr val="bg1"/>
-                </a:glow>
-                <a:outerShdw blurRad="38100" dist="38100" dir="2700000" algn="tl">
-                  <a:srgbClr val="000000">
-                    <a:alpha val="43137"/>
-                  </a:srgbClr>
-                </a:outerShdw>
-              </a:effectLst>
-              <a:latin typeface="HGP創英角ｺﾞｼｯｸUB" panose="020B0900000000000000" pitchFamily="50" charset="-128"/>
-              <a:ea typeface="HGP創英角ｺﾞｼｯｸUB" panose="020B0900000000000000" pitchFamily="50" charset="-128"/>
-            </a:endParaRPr>
-          </a:p>
-        </p:txBody>
-      </p:sp>
-      <p:sp>
-        <p:nvSpPr>
-          <p:cNvPr id="6" name="テキスト ボックス 5">
-            <a:extLst>
-              <a:ext uri="{FF2B5EF4-FFF2-40B4-BE49-F238E27FC236}">
-                <a16:creationId xmlns:a16="http://schemas.microsoft.com/office/drawing/2014/main" id="{5BCF08D2-5B43-1BF8-47B9-516EB8D578A2}"/>
-              </a:ext>
-            </a:extLst>
-          </p:cNvPr>
-          <p:cNvSpPr txBox="1"/>
+              <a:t>ゲーム概要</a:t>
+            </a:r>
+          </a:p>
+        </p:txBody>
+      </p:sp>
+      <p:pic>
+        <p:nvPicPr>
+          <p:cNvPr id="13" name="図 12" descr="座る, 消火栓, ストリート, タワー が含まれている画像&#10;&#10;自動的に生成された説明">
+            <a:extLst>
+              <a:ext uri="{FF2B5EF4-FFF2-40B4-BE49-F238E27FC236}">
+                <a16:creationId xmlns:a16="http://schemas.microsoft.com/office/drawing/2014/main" id="{9D3D2B2E-5830-78FD-E86F-306C14E5E720}"/>
+              </a:ext>
+            </a:extLst>
+          </p:cNvPr>
+          <p:cNvPicPr>
+            <a:picLocks noChangeAspect="1"/>
+          </p:cNvPicPr>
           <p:nvPr/>
-        </p:nvSpPr>
-        <p:spPr>
-          <a:xfrm>
-            <a:off x="3854224" y="3589722"/>
-            <a:ext cx="4336444" cy="1384995"/>
+        </p:nvPicPr>
+        <p:blipFill>
+          <a:blip r:embed="rId4">
+            <a:extLst>
+              <a:ext uri="{28A0092B-C50C-407E-A947-70E740481C1C}">
+                <a14:useLocalDpi xmlns:a14="http://schemas.microsoft.com/office/drawing/2010/main" val="0"/>
+              </a:ext>
+            </a:extLst>
+          </a:blip>
+          <a:stretch>
+            <a:fillRect/>
+          </a:stretch>
+        </p:blipFill>
+        <p:spPr>
+          <a:xfrm>
+            <a:off x="6000686" y="2931703"/>
+            <a:ext cx="1040921" cy="1387895"/>
           </a:xfrm>
           <a:prstGeom prst="rect">
             <a:avLst/>
           </a:prstGeom>
-          <a:noFill/>
-        </p:spPr>
-        <p:txBody>
-          <a:bodyPr wrap="none" rtlCol="0">
-            <a:spAutoFit/>
-          </a:bodyPr>
-          <a:lstStyle/>
-          <a:p>
-            <a:pPr algn="ctr"/>
-            <a:r>
-              <a:rPr lang="ja-JP" altLang="en-US" sz="2800" dirty="0">
-                <a:effectLst>
-                  <a:glow rad="127000">
-                    <a:schemeClr val="bg1"/>
-                  </a:glow>
-                  <a:outerShdw blurRad="38100" dist="38100" dir="2700000" algn="tl">
-                    <a:srgbClr val="000000">
-                      <a:alpha val="43137"/>
-                    </a:srgbClr>
-                  </a:outerShdw>
-                </a:effectLst>
-                <a:latin typeface="HGP創英角ｺﾞｼｯｸUB" panose="020B0900000000000000" pitchFamily="50" charset="-128"/>
-                <a:ea typeface="HGP創英角ｺﾞｼｯｸUB" panose="020B0900000000000000" pitchFamily="50" charset="-128"/>
-              </a:rPr>
-              <a:t>消火栓</a:t>
-            </a:r>
-            <a:endParaRPr lang="en-US" altLang="ja-JP" sz="2800" dirty="0">
-              <a:effectLst>
-                <a:glow rad="127000">
-                  <a:schemeClr val="bg1"/>
-                </a:glow>
-                <a:outerShdw blurRad="38100" dist="38100" dir="2700000" algn="tl">
-                  <a:srgbClr val="000000">
-                    <a:alpha val="43137"/>
-                  </a:srgbClr>
-                </a:outerShdw>
-              </a:effectLst>
-              <a:latin typeface="HGP創英角ｺﾞｼｯｸUB" panose="020B0900000000000000" pitchFamily="50" charset="-128"/>
-              <a:ea typeface="HGP創英角ｺﾞｼｯｸUB" panose="020B0900000000000000" pitchFamily="50" charset="-128"/>
-            </a:endParaRPr>
-          </a:p>
-          <a:p>
-            <a:pPr algn="ctr"/>
-            <a:r>
-              <a:rPr kumimoji="1" lang="ja-JP" altLang="en-US" sz="2800" dirty="0">
-                <a:effectLst>
-                  <a:glow rad="127000">
-                    <a:schemeClr val="bg1"/>
-                  </a:glow>
-                  <a:outerShdw blurRad="38100" dist="38100" dir="2700000" algn="tl">
-                    <a:srgbClr val="000000">
-                      <a:alpha val="43137"/>
-                    </a:srgbClr>
-                  </a:outerShdw>
-                </a:effectLst>
-                <a:latin typeface="HGP創英角ｺﾞｼｯｸUB" panose="020B0900000000000000" pitchFamily="50" charset="-128"/>
-                <a:ea typeface="HGP創英角ｺﾞｼｯｸUB" panose="020B0900000000000000" pitchFamily="50" charset="-128"/>
-              </a:rPr>
-              <a:t>壊すと辺りが水浸しになって</a:t>
-            </a:r>
-            <a:endParaRPr kumimoji="1" lang="en-US" altLang="ja-JP" sz="2800" dirty="0">
-              <a:effectLst>
-                <a:glow rad="127000">
-                  <a:schemeClr val="bg1"/>
-                </a:glow>
-                <a:outerShdw blurRad="38100" dist="38100" dir="2700000" algn="tl">
-                  <a:srgbClr val="000000">
-                    <a:alpha val="43137"/>
-                  </a:srgbClr>
-                </a:outerShdw>
-              </a:effectLst>
-              <a:latin typeface="HGP創英角ｺﾞｼｯｸUB" panose="020B0900000000000000" pitchFamily="50" charset="-128"/>
-              <a:ea typeface="HGP創英角ｺﾞｼｯｸUB" panose="020B0900000000000000" pitchFamily="50" charset="-128"/>
-            </a:endParaRPr>
-          </a:p>
-          <a:p>
-            <a:pPr algn="ctr"/>
-            <a:r>
-              <a:rPr kumimoji="1" lang="ja-JP" altLang="en-US" sz="2800" dirty="0">
-                <a:effectLst>
-                  <a:glow rad="127000">
-                    <a:schemeClr val="bg1"/>
-                  </a:glow>
-                  <a:outerShdw blurRad="38100" dist="38100" dir="2700000" algn="tl">
-                    <a:srgbClr val="000000">
-                      <a:alpha val="43137"/>
-                    </a:srgbClr>
-                  </a:outerShdw>
-                </a:effectLst>
-                <a:latin typeface="HGP創英角ｺﾞｼｯｸUB" panose="020B0900000000000000" pitchFamily="50" charset="-128"/>
-                <a:ea typeface="HGP創英角ｺﾞｼｯｸUB" panose="020B0900000000000000" pitchFamily="50" charset="-128"/>
-              </a:rPr>
-              <a:t>スリップしやすくなる</a:t>
-            </a:r>
-          </a:p>
-        </p:txBody>
-      </p:sp>
-      <p:sp>
-        <p:nvSpPr>
-          <p:cNvPr id="8" name="テキスト ボックス 7">
-            <a:extLst>
-              <a:ext uri="{FF2B5EF4-FFF2-40B4-BE49-F238E27FC236}">
-                <a16:creationId xmlns:a16="http://schemas.microsoft.com/office/drawing/2014/main" id="{8018ECFD-4638-8240-41FB-B2BD44AFC230}"/>
-              </a:ext>
-            </a:extLst>
-          </p:cNvPr>
-          <p:cNvSpPr txBox="1"/>
+          <a:effectLst>
+            <a:outerShdw blurRad="50800" dist="38100" dir="2700000" algn="tl" rotWithShape="0">
+              <a:prstClr val="black">
+                <a:alpha val="40000"/>
+              </a:prstClr>
+            </a:outerShdw>
+          </a:effectLst>
+        </p:spPr>
+      </p:pic>
+      <p:pic>
+        <p:nvPicPr>
+          <p:cNvPr id="15" name="図 14" descr="白いバックグラウンドの前に立っている建物&#10;&#10;中程度の精度で自動的に生成された説明">
+            <a:extLst>
+              <a:ext uri="{FF2B5EF4-FFF2-40B4-BE49-F238E27FC236}">
+                <a16:creationId xmlns:a16="http://schemas.microsoft.com/office/drawing/2014/main" id="{967AAA7E-9FE0-BAC7-5BDE-06BD97CCD619}"/>
+              </a:ext>
+            </a:extLst>
+          </p:cNvPr>
+          <p:cNvPicPr>
+            <a:picLocks noChangeAspect="1"/>
+          </p:cNvPicPr>
           <p:nvPr/>
-        </p:nvSpPr>
-        <p:spPr>
-          <a:xfrm>
-            <a:off x="7644144" y="2635615"/>
-            <a:ext cx="4474302" cy="954107"/>
+        </p:nvPicPr>
+        <p:blipFill>
+          <a:blip r:embed="rId5">
+            <a:extLst>
+              <a:ext uri="{28A0092B-C50C-407E-A947-70E740481C1C}">
+                <a14:useLocalDpi xmlns:a14="http://schemas.microsoft.com/office/drawing/2010/main" val="0"/>
+              </a:ext>
+            </a:extLst>
+          </a:blip>
+          <a:stretch>
+            <a:fillRect/>
+          </a:stretch>
+        </p:blipFill>
+        <p:spPr>
+          <a:xfrm>
+            <a:off x="7810500" y="1138931"/>
+            <a:ext cx="3918060" cy="2938546"/>
           </a:xfrm>
           <a:prstGeom prst="rect">
             <a:avLst/>
           </a:prstGeom>
-          <a:noFill/>
-        </p:spPr>
-        <p:txBody>
-          <a:bodyPr wrap="none" rtlCol="0">
-            <a:spAutoFit/>
-          </a:bodyPr>
-          <a:lstStyle/>
-          <a:p>
-            <a:pPr algn="ctr"/>
-            <a:r>
-              <a:rPr lang="ja-JP" altLang="en-US" sz="2800" dirty="0">
-                <a:effectLst>
-                  <a:glow rad="127000">
-                    <a:schemeClr val="bg1"/>
-                  </a:glow>
-                  <a:outerShdw blurRad="38100" dist="38100" dir="2700000" algn="tl">
-                    <a:srgbClr val="000000">
-                      <a:alpha val="43137"/>
-                    </a:srgbClr>
-                  </a:outerShdw>
-                </a:effectLst>
-                <a:latin typeface="HGP創英角ｺﾞｼｯｸUB" panose="020B0900000000000000" pitchFamily="50" charset="-128"/>
-                <a:ea typeface="HGP創英角ｺﾞｼｯｸUB" panose="020B0900000000000000" pitchFamily="50" charset="-128"/>
-              </a:rPr>
-              <a:t>跳ね橋</a:t>
-            </a:r>
-            <a:endParaRPr lang="en-US" altLang="ja-JP" sz="2800" dirty="0">
-              <a:effectLst>
-                <a:glow rad="127000">
-                  <a:schemeClr val="bg1"/>
-                </a:glow>
-                <a:outerShdw blurRad="38100" dist="38100" dir="2700000" algn="tl">
-                  <a:srgbClr val="000000">
-                    <a:alpha val="43137"/>
-                  </a:srgbClr>
-                </a:outerShdw>
-              </a:effectLst>
-              <a:latin typeface="HGP創英角ｺﾞｼｯｸUB" panose="020B0900000000000000" pitchFamily="50" charset="-128"/>
-              <a:ea typeface="HGP創英角ｺﾞｼｯｸUB" panose="020B0900000000000000" pitchFamily="50" charset="-128"/>
-            </a:endParaRPr>
-          </a:p>
-          <a:p>
-            <a:pPr algn="ctr"/>
-            <a:r>
-              <a:rPr kumimoji="1" lang="ja-JP" altLang="en-US" sz="2800" dirty="0">
-                <a:effectLst>
-                  <a:glow rad="127000">
-                    <a:schemeClr val="bg1"/>
-                  </a:glow>
-                  <a:outerShdw blurRad="38100" dist="38100" dir="2700000" algn="tl">
-                    <a:srgbClr val="000000">
-                      <a:alpha val="43137"/>
-                    </a:srgbClr>
-                  </a:outerShdw>
-                </a:effectLst>
-                <a:latin typeface="HGP創英角ｺﾞｼｯｸUB" panose="020B0900000000000000" pitchFamily="50" charset="-128"/>
-                <a:ea typeface="HGP創英角ｺﾞｼｯｸUB" panose="020B0900000000000000" pitchFamily="50" charset="-128"/>
-              </a:rPr>
-              <a:t>時間経過で進めるようになる</a:t>
-            </a:r>
-          </a:p>
-        </p:txBody>
-      </p:sp>
+          <a:effectLst>
+            <a:outerShdw blurRad="50800" dist="38100" dir="2700000" algn="tl" rotWithShape="0">
+              <a:prstClr val="black">
+                <a:alpha val="40000"/>
+              </a:prstClr>
+            </a:outerShdw>
+          </a:effectLst>
+        </p:spPr>
+      </p:pic>
+      <p:pic>
+        <p:nvPicPr>
+          <p:cNvPr id="17" name="図 16" descr="ダイアグラム が含まれている画像&#10;&#10;自動的に生成された説明">
+            <a:extLst>
+              <a:ext uri="{FF2B5EF4-FFF2-40B4-BE49-F238E27FC236}">
+                <a16:creationId xmlns:a16="http://schemas.microsoft.com/office/drawing/2014/main" id="{CE4793C8-F087-D187-E386-470953D99EBD}"/>
+              </a:ext>
+            </a:extLst>
+          </p:cNvPr>
+          <p:cNvPicPr>
+            <a:picLocks noChangeAspect="1"/>
+          </p:cNvPicPr>
+          <p:nvPr/>
+        </p:nvPicPr>
+        <p:blipFill>
+          <a:blip r:embed="rId6">
+            <a:extLst>
+              <a:ext uri="{28A0092B-C50C-407E-A947-70E740481C1C}">
+                <a14:useLocalDpi xmlns:a14="http://schemas.microsoft.com/office/drawing/2010/main" val="0"/>
+              </a:ext>
+            </a:extLst>
+          </a:blip>
+          <a:stretch>
+            <a:fillRect/>
+          </a:stretch>
+        </p:blipFill>
+        <p:spPr>
+          <a:xfrm>
+            <a:off x="1152103" y="843740"/>
+            <a:ext cx="2182622" cy="2182622"/>
+          </a:xfrm>
+          <a:prstGeom prst="rect">
+            <a:avLst/>
+          </a:prstGeom>
+          <a:effectLst>
+            <a:outerShdw blurRad="50800" dist="38100" dir="2700000" algn="tl" rotWithShape="0">
+              <a:prstClr val="black">
+                <a:alpha val="40000"/>
+              </a:prstClr>
+            </a:outerShdw>
+          </a:effectLst>
+        </p:spPr>
+      </p:pic>
     </p:spTree>
     <p:extLst>
       <p:ext uri="{BB962C8B-B14F-4D97-AF65-F5344CB8AC3E}">
@@ -6346,10 +11776,10 @@
       </p:grpSpPr>
       <p:sp>
         <p:nvSpPr>
-          <p:cNvPr id="13" name="テキスト ボックス 12">
-            <a:extLst>
-              <a:ext uri="{FF2B5EF4-FFF2-40B4-BE49-F238E27FC236}">
-                <a16:creationId xmlns:a16="http://schemas.microsoft.com/office/drawing/2014/main" id="{6373D3C7-2655-41FB-AEC6-67FEE7B83FA1}"/>
+          <p:cNvPr id="4" name="テキスト ボックス 3">
+            <a:extLst>
+              <a:ext uri="{FF2B5EF4-FFF2-40B4-BE49-F238E27FC236}">
+                <a16:creationId xmlns:a16="http://schemas.microsoft.com/office/drawing/2014/main" id="{518B1585-3A2E-4159-2B76-3E5FA1DB91F8}"/>
               </a:ext>
             </a:extLst>
           </p:cNvPr>
@@ -6358,13 +11788,25 @@
         </p:nvSpPr>
         <p:spPr>
           <a:xfrm>
-            <a:off x="257672" y="88289"/>
-            <a:ext cx="11678197" cy="6001643"/>
+            <a:off x="2932963" y="2301482"/>
+            <a:ext cx="5971507" cy="769441"/>
           </a:xfrm>
           <a:prstGeom prst="rect">
             <a:avLst/>
           </a:prstGeom>
-          <a:noFill/>
+          <a:solidFill>
+            <a:schemeClr val="accent1">
+              <a:lumMod val="20000"/>
+              <a:lumOff val="80000"/>
+            </a:schemeClr>
+          </a:solidFill>
+          <a:effectLst>
+            <a:outerShdw blurRad="50800" dist="38100" dir="2700000" algn="tl" rotWithShape="0">
+              <a:prstClr val="black">
+                <a:alpha val="40000"/>
+              </a:prstClr>
+            </a:outerShdw>
+          </a:effectLst>
         </p:spPr>
         <p:txBody>
           <a:bodyPr wrap="none" rtlCol="0">
@@ -6372,8 +11814,9 @@
           </a:bodyPr>
           <a:lstStyle/>
           <a:p>
-            <a:r>
-              <a:rPr kumimoji="1" lang="ja-JP" altLang="en-US" sz="2400" dirty="0">
+            <a:pPr algn="ctr"/>
+            <a:r>
+              <a:rPr kumimoji="1" lang="ja-JP" altLang="en-US" sz="4000" dirty="0">
                 <a:effectLst>
                   <a:glow rad="127000">
                     <a:schemeClr val="bg1"/>
@@ -6387,9 +11830,32 @@
                 <a:latin typeface="HGP創英角ｺﾞｼｯｸUB" panose="020B0900000000000000" pitchFamily="50" charset="-128"/>
                 <a:ea typeface="HGP創英角ｺﾞｼｯｸUB" panose="020B0900000000000000" pitchFamily="50" charset="-128"/>
               </a:rPr>
-              <a:t>メモ</a:t>
-            </a:r>
-            <a:endParaRPr kumimoji="1" lang="en-US" altLang="ja-JP" sz="2400" dirty="0">
+              <a:t>転ばないように動く</a:t>
+            </a:r>
+            <a:r>
+              <a:rPr kumimoji="1" lang="ja-JP" altLang="en-US" sz="4400" dirty="0">
+                <a:solidFill>
+                  <a:srgbClr val="FF0000"/>
+                </a:solidFill>
+                <a:effectLst>
+                  <a:glow rad="127000">
+                    <a:schemeClr val="bg1"/>
+                  </a:glow>
+                  <a:outerShdw blurRad="38100" dist="38100" dir="2700000" algn="tl">
+                    <a:srgbClr val="000000">
+                      <a:alpha val="43137"/>
+                    </a:srgbClr>
+                  </a:outerShdw>
+                </a:effectLst>
+                <a:latin typeface="HGP創英角ｺﾞｼｯｸUB" panose="020B0900000000000000" pitchFamily="50" charset="-128"/>
+                <a:ea typeface="HGP創英角ｺﾞｼｯｸUB" panose="020B0900000000000000" pitchFamily="50" charset="-128"/>
+              </a:rPr>
+              <a:t>緊張感</a:t>
+            </a:r>
+            <a:endParaRPr kumimoji="1" lang="ja-JP" altLang="en-US" sz="4000" dirty="0">
+              <a:solidFill>
+                <a:srgbClr val="FF0000"/>
+              </a:solidFill>
               <a:effectLst>
                 <a:glow rad="127000">
                   <a:schemeClr val="bg1"/>
@@ -6404,9 +11870,51 @@
               <a:ea typeface="HGP創英角ｺﾞｼｯｸUB" panose="020B0900000000000000" pitchFamily="50" charset="-128"/>
             </a:endParaRPr>
           </a:p>
-          <a:p>
-            <a:r>
-              <a:rPr kumimoji="1" lang="ja-JP" altLang="en-US" sz="2400" dirty="0">
+        </p:txBody>
+      </p:sp>
+      <p:sp>
+        <p:nvSpPr>
+          <p:cNvPr id="5" name="テキスト ボックス 4">
+            <a:extLst>
+              <a:ext uri="{FF2B5EF4-FFF2-40B4-BE49-F238E27FC236}">
+                <a16:creationId xmlns:a16="http://schemas.microsoft.com/office/drawing/2014/main" id="{D1F2464D-5DA5-8E2F-C3A6-4689B5BF8921}"/>
+              </a:ext>
+            </a:extLst>
+          </p:cNvPr>
+          <p:cNvSpPr txBox="1"/>
+          <p:nvPr/>
+        </p:nvSpPr>
+        <p:spPr>
+          <a:xfrm>
+            <a:off x="1095121" y="3648220"/>
+            <a:ext cx="9647193" cy="769441"/>
+          </a:xfrm>
+          <a:prstGeom prst="rect">
+            <a:avLst/>
+          </a:prstGeom>
+          <a:solidFill>
+            <a:schemeClr val="accent1">
+              <a:lumMod val="20000"/>
+              <a:lumOff val="80000"/>
+            </a:schemeClr>
+          </a:solidFill>
+          <a:effectLst>
+            <a:outerShdw blurRad="50800" dist="38100" dir="2700000" algn="tl" rotWithShape="0">
+              <a:prstClr val="black">
+                <a:alpha val="40000"/>
+              </a:prstClr>
+            </a:outerShdw>
+          </a:effectLst>
+        </p:spPr>
+        <p:txBody>
+          <a:bodyPr wrap="none" rtlCol="0">
+            <a:spAutoFit/>
+          </a:bodyPr>
+          <a:lstStyle/>
+          <a:p>
+            <a:pPr algn="ctr"/>
+            <a:r>
+              <a:rPr kumimoji="1" lang="ja-JP" altLang="en-US" sz="4000" dirty="0">
                 <a:effectLst>
                   <a:glow rad="127000">
                     <a:schemeClr val="bg1"/>
@@ -6420,10 +11928,13 @@
                 <a:latin typeface="HGP創英角ｺﾞｼｯｸUB" panose="020B0900000000000000" pitchFamily="50" charset="-128"/>
                 <a:ea typeface="HGP創英角ｺﾞｼｯｸUB" panose="020B0900000000000000" pitchFamily="50" charset="-128"/>
               </a:rPr>
-              <a:t>駐車場寄りの</a:t>
-            </a:r>
-            <a:r>
-              <a:rPr kumimoji="1" lang="en-US" altLang="ja-JP" sz="2400" dirty="0">
+              <a:t>届ける順番やギミックの使い方を考える</a:t>
+            </a:r>
+            <a:r>
+              <a:rPr kumimoji="1" lang="ja-JP" altLang="en-US" sz="4400" dirty="0">
+                <a:solidFill>
+                  <a:srgbClr val="FF0000"/>
+                </a:solidFill>
                 <a:effectLst>
                   <a:glow rad="127000">
                     <a:schemeClr val="bg1"/>
@@ -6437,10 +11948,67 @@
                 <a:latin typeface="HGP創英角ｺﾞｼｯｸUB" panose="020B0900000000000000" pitchFamily="50" charset="-128"/>
                 <a:ea typeface="HGP創英角ｺﾞｼｯｸUB" panose="020B0900000000000000" pitchFamily="50" charset="-128"/>
               </a:rPr>
-              <a:t>splash</a:t>
-            </a:r>
-            <a:r>
-              <a:rPr kumimoji="1" lang="ja-JP" altLang="en-US" sz="2400" dirty="0">
+              <a:t>思考</a:t>
+            </a:r>
+            <a:endParaRPr kumimoji="1" lang="ja-JP" altLang="en-US" sz="4000" dirty="0">
+              <a:solidFill>
+                <a:srgbClr val="FF0000"/>
+              </a:solidFill>
+              <a:effectLst>
+                <a:glow rad="127000">
+                  <a:schemeClr val="bg1"/>
+                </a:glow>
+                <a:outerShdw blurRad="38100" dist="38100" dir="2700000" algn="tl">
+                  <a:srgbClr val="000000">
+                    <a:alpha val="43137"/>
+                  </a:srgbClr>
+                </a:outerShdw>
+              </a:effectLst>
+              <a:latin typeface="HGP創英角ｺﾞｼｯｸUB" panose="020B0900000000000000" pitchFamily="50" charset="-128"/>
+              <a:ea typeface="HGP創英角ｺﾞｼｯｸUB" panose="020B0900000000000000" pitchFamily="50" charset="-128"/>
+            </a:endParaRPr>
+          </a:p>
+        </p:txBody>
+      </p:sp>
+      <p:sp>
+        <p:nvSpPr>
+          <p:cNvPr id="6" name="テキスト ボックス 5">
+            <a:extLst>
+              <a:ext uri="{FF2B5EF4-FFF2-40B4-BE49-F238E27FC236}">
+                <a16:creationId xmlns:a16="http://schemas.microsoft.com/office/drawing/2014/main" id="{41970E78-01E9-0170-CDF6-A2092CCAA11A}"/>
+              </a:ext>
+            </a:extLst>
+          </p:cNvPr>
+          <p:cNvSpPr txBox="1"/>
+          <p:nvPr/>
+        </p:nvSpPr>
+        <p:spPr>
+          <a:xfrm>
+            <a:off x="366340" y="180000"/>
+            <a:ext cx="2566728" cy="523220"/>
+          </a:xfrm>
+          <a:prstGeom prst="rect">
+            <a:avLst/>
+          </a:prstGeom>
+          <a:solidFill>
+            <a:schemeClr val="accent2"/>
+          </a:solidFill>
+          <a:effectLst>
+            <a:outerShdw blurRad="50800" dist="38100" dir="2700000" algn="tl" rotWithShape="0">
+              <a:prstClr val="black">
+                <a:alpha val="40000"/>
+              </a:prstClr>
+            </a:outerShdw>
+          </a:effectLst>
+        </p:spPr>
+        <p:txBody>
+          <a:bodyPr wrap="none" rtlCol="0">
+            <a:spAutoFit/>
+          </a:bodyPr>
+          <a:lstStyle/>
+          <a:p>
+            <a:r>
+              <a:rPr kumimoji="1" lang="ja-JP" altLang="en-US" sz="2800" dirty="0">
                 <a:effectLst>
                   <a:glow rad="127000">
                     <a:schemeClr val="bg1"/>
@@ -6454,525 +12022,15 @@
                 <a:latin typeface="HGP創英角ｺﾞｼｯｸUB" panose="020B0900000000000000" pitchFamily="50" charset="-128"/>
                 <a:ea typeface="HGP創英角ｺﾞｼｯｸUB" panose="020B0900000000000000" pitchFamily="50" charset="-128"/>
               </a:rPr>
-              <a:t>と駐車場のいいとこどり</a:t>
-            </a:r>
-            <a:endParaRPr kumimoji="1" lang="en-US" altLang="ja-JP" sz="2400" dirty="0">
-              <a:effectLst>
-                <a:glow rad="127000">
-                  <a:schemeClr val="bg1"/>
-                </a:glow>
-                <a:outerShdw blurRad="38100" dist="38100" dir="2700000" algn="tl">
-                  <a:srgbClr val="000000">
-                    <a:alpha val="43137"/>
-                  </a:srgbClr>
-                </a:outerShdw>
-              </a:effectLst>
-              <a:latin typeface="HGP創英角ｺﾞｼｯｸUB" panose="020B0900000000000000" pitchFamily="50" charset="-128"/>
-              <a:ea typeface="HGP創英角ｺﾞｼｯｸUB" panose="020B0900000000000000" pitchFamily="50" charset="-128"/>
-            </a:endParaRPr>
-          </a:p>
-          <a:p>
-            <a:r>
-              <a:rPr kumimoji="1" lang="ja-JP" altLang="en-US" sz="2400" strike="sngStrike" dirty="0">
-                <a:effectLst>
-                  <a:glow rad="127000">
-                    <a:schemeClr val="bg1"/>
-                  </a:glow>
-                  <a:outerShdw blurRad="38100" dist="38100" dir="2700000" algn="tl">
-                    <a:srgbClr val="000000">
-                      <a:alpha val="43137"/>
-                    </a:srgbClr>
-                  </a:outerShdw>
-                </a:effectLst>
-                <a:latin typeface="HGP創英角ｺﾞｼｯｸUB" panose="020B0900000000000000" pitchFamily="50" charset="-128"/>
-                <a:ea typeface="HGP創英角ｺﾞｼｯｸUB" panose="020B0900000000000000" pitchFamily="50" charset="-128"/>
-              </a:rPr>
-              <a:t>コンセプトで警察と書かないで（怪しまれないように動く的な）あとから警察のことを書く</a:t>
-            </a:r>
-            <a:endParaRPr kumimoji="1" lang="en-US" altLang="ja-JP" sz="2400" strike="sngStrike" dirty="0">
-              <a:effectLst>
-                <a:glow rad="127000">
-                  <a:schemeClr val="bg1"/>
-                </a:glow>
-                <a:outerShdw blurRad="38100" dist="38100" dir="2700000" algn="tl">
-                  <a:srgbClr val="000000">
-                    <a:alpha val="43137"/>
-                  </a:srgbClr>
-                </a:outerShdw>
-              </a:effectLst>
-              <a:latin typeface="HGP創英角ｺﾞｼｯｸUB" panose="020B0900000000000000" pitchFamily="50" charset="-128"/>
-              <a:ea typeface="HGP創英角ｺﾞｼｯｸUB" panose="020B0900000000000000" pitchFamily="50" charset="-128"/>
-            </a:endParaRPr>
-          </a:p>
-          <a:p>
-            <a:r>
-              <a:rPr lang="ja-JP" altLang="en-US" sz="2400" strike="sngStrike" dirty="0">
-                <a:effectLst>
-                  <a:glow rad="127000">
-                    <a:schemeClr val="bg1"/>
-                  </a:glow>
-                  <a:outerShdw blurRad="38100" dist="38100" dir="2700000" algn="tl">
-                    <a:srgbClr val="000000">
-                      <a:alpha val="43137"/>
-                    </a:srgbClr>
-                  </a:outerShdw>
-                </a:effectLst>
-                <a:latin typeface="HGP創英角ｺﾞｼｯｸUB" panose="020B0900000000000000" pitchFamily="50" charset="-128"/>
-                <a:ea typeface="HGP創英角ｺﾞｼｯｸUB" panose="020B0900000000000000" pitchFamily="50" charset="-128"/>
-              </a:rPr>
-              <a:t>コンセプトだけで１ページ</a:t>
-            </a:r>
-            <a:endParaRPr lang="en-US" altLang="ja-JP" sz="2400" strike="sngStrike" dirty="0">
-              <a:effectLst>
-                <a:glow rad="127000">
-                  <a:schemeClr val="bg1"/>
-                </a:glow>
-                <a:outerShdw blurRad="38100" dist="38100" dir="2700000" algn="tl">
-                  <a:srgbClr val="000000">
-                    <a:alpha val="43137"/>
-                  </a:srgbClr>
-                </a:outerShdw>
-              </a:effectLst>
-              <a:latin typeface="HGP創英角ｺﾞｼｯｸUB" panose="020B0900000000000000" pitchFamily="50" charset="-128"/>
-              <a:ea typeface="HGP創英角ｺﾞｼｯｸUB" panose="020B0900000000000000" pitchFamily="50" charset="-128"/>
-            </a:endParaRPr>
-          </a:p>
-          <a:p>
-            <a:r>
-              <a:rPr kumimoji="1" lang="ja-JP" altLang="en-US" sz="2400" dirty="0">
-                <a:effectLst>
-                  <a:glow rad="127000">
-                    <a:schemeClr val="bg1"/>
-                  </a:glow>
-                  <a:outerShdw blurRad="38100" dist="38100" dir="2700000" algn="tl">
-                    <a:srgbClr val="000000">
-                      <a:alpha val="43137"/>
-                    </a:srgbClr>
-                  </a:outerShdw>
-                </a:effectLst>
-                <a:latin typeface="HGP創英角ｺﾞｼｯｸUB" panose="020B0900000000000000" pitchFamily="50" charset="-128"/>
-                <a:ea typeface="HGP創英角ｺﾞｼｯｸUB" panose="020B0900000000000000" pitchFamily="50" charset="-128"/>
-              </a:rPr>
-              <a:t>アピールポイントはスクーターが倒れる話の後</a:t>
-            </a:r>
-            <a:endParaRPr kumimoji="1" lang="en-US" altLang="ja-JP" sz="2400" dirty="0">
-              <a:effectLst>
-                <a:glow rad="127000">
-                  <a:schemeClr val="bg1"/>
-                </a:glow>
-                <a:outerShdw blurRad="38100" dist="38100" dir="2700000" algn="tl">
-                  <a:srgbClr val="000000">
-                    <a:alpha val="43137"/>
-                  </a:srgbClr>
-                </a:outerShdw>
-              </a:effectLst>
-              <a:latin typeface="HGP創英角ｺﾞｼｯｸUB" panose="020B0900000000000000" pitchFamily="50" charset="-128"/>
-              <a:ea typeface="HGP創英角ｺﾞｼｯｸUB" panose="020B0900000000000000" pitchFamily="50" charset="-128"/>
-            </a:endParaRPr>
-          </a:p>
-          <a:p>
-            <a:r>
-              <a:rPr kumimoji="1" lang="ja-JP" altLang="en-US" sz="2400" dirty="0">
-                <a:effectLst>
-                  <a:glow rad="127000">
-                    <a:schemeClr val="bg1"/>
-                  </a:glow>
-                  <a:outerShdw blurRad="38100" dist="38100" dir="2700000" algn="tl">
-                    <a:srgbClr val="000000">
-                      <a:alpha val="43137"/>
-                    </a:srgbClr>
-                  </a:outerShdw>
-                </a:effectLst>
-                <a:latin typeface="HGP創英角ｺﾞｼｯｸUB" panose="020B0900000000000000" pitchFamily="50" charset="-128"/>
-                <a:ea typeface="HGP創英角ｺﾞｼｯｸUB" panose="020B0900000000000000" pitchFamily="50" charset="-128"/>
-              </a:rPr>
-              <a:t>一瞬だけ加速できるニトロ　警察から逃げる用</a:t>
-            </a:r>
-            <a:r>
-              <a:rPr kumimoji="1" lang="en-US" altLang="ja-JP" sz="2400" dirty="0">
-                <a:effectLst>
-                  <a:glow rad="127000">
-                    <a:schemeClr val="bg1"/>
-                  </a:glow>
-                  <a:outerShdw blurRad="38100" dist="38100" dir="2700000" algn="tl">
-                    <a:srgbClr val="000000">
-                      <a:alpha val="43137"/>
-                    </a:srgbClr>
-                  </a:outerShdw>
-                </a:effectLst>
-                <a:latin typeface="HGP創英角ｺﾞｼｯｸUB" panose="020B0900000000000000" pitchFamily="50" charset="-128"/>
-                <a:ea typeface="HGP創英角ｺﾞｼｯｸUB" panose="020B0900000000000000" pitchFamily="50" charset="-128"/>
-              </a:rPr>
-              <a:t>or</a:t>
-            </a:r>
-            <a:r>
-              <a:rPr kumimoji="1" lang="ja-JP" altLang="en-US" sz="2400" dirty="0">
-                <a:effectLst>
-                  <a:glow rad="127000">
-                    <a:schemeClr val="bg1"/>
-                  </a:glow>
-                  <a:outerShdw blurRad="38100" dist="38100" dir="2700000" algn="tl">
-                    <a:srgbClr val="000000">
-                      <a:alpha val="43137"/>
-                    </a:srgbClr>
-                  </a:outerShdw>
-                </a:effectLst>
-                <a:latin typeface="HGP創英角ｺﾞｼｯｸUB" panose="020B0900000000000000" pitchFamily="50" charset="-128"/>
-                <a:ea typeface="HGP創英角ｺﾞｼｯｸUB" panose="020B0900000000000000" pitchFamily="50" charset="-128"/>
-              </a:rPr>
-              <a:t>坂でジャンプする用</a:t>
-            </a:r>
-            <a:endParaRPr kumimoji="1" lang="en-US" altLang="ja-JP" sz="2400" dirty="0">
-              <a:effectLst>
-                <a:glow rad="127000">
-                  <a:schemeClr val="bg1"/>
-                </a:glow>
-                <a:outerShdw blurRad="38100" dist="38100" dir="2700000" algn="tl">
-                  <a:srgbClr val="000000">
-                    <a:alpha val="43137"/>
-                  </a:srgbClr>
-                </a:outerShdw>
-              </a:effectLst>
-              <a:latin typeface="HGP創英角ｺﾞｼｯｸUB" panose="020B0900000000000000" pitchFamily="50" charset="-128"/>
-              <a:ea typeface="HGP創英角ｺﾞｼｯｸUB" panose="020B0900000000000000" pitchFamily="50" charset="-128"/>
-            </a:endParaRPr>
-          </a:p>
-          <a:p>
-            <a:r>
-              <a:rPr lang="ja-JP" altLang="en-US" sz="2400" dirty="0">
-                <a:effectLst>
-                  <a:glow rad="127000">
-                    <a:schemeClr val="bg1"/>
-                  </a:glow>
-                  <a:outerShdw blurRad="38100" dist="38100" dir="2700000" algn="tl">
-                    <a:srgbClr val="000000">
-                      <a:alpha val="43137"/>
-                    </a:srgbClr>
-                  </a:outerShdw>
-                </a:effectLst>
-                <a:latin typeface="HGP創英角ｺﾞｼｯｸUB" panose="020B0900000000000000" pitchFamily="50" charset="-128"/>
-                <a:ea typeface="HGP創英角ｺﾞｼｯｸUB" panose="020B0900000000000000" pitchFamily="50" charset="-128"/>
-              </a:rPr>
-              <a:t>坂でジャンプしたら警察に怪しまれる</a:t>
-            </a:r>
-            <a:endParaRPr kumimoji="1" lang="en-US" altLang="ja-JP" sz="2400" dirty="0">
-              <a:effectLst>
-                <a:glow rad="127000">
-                  <a:schemeClr val="bg1"/>
-                </a:glow>
-                <a:outerShdw blurRad="38100" dist="38100" dir="2700000" algn="tl">
-                  <a:srgbClr val="000000">
-                    <a:alpha val="43137"/>
-                  </a:srgbClr>
-                </a:outerShdw>
-              </a:effectLst>
-              <a:latin typeface="HGP創英角ｺﾞｼｯｸUB" panose="020B0900000000000000" pitchFamily="50" charset="-128"/>
-              <a:ea typeface="HGP創英角ｺﾞｼｯｸUB" panose="020B0900000000000000" pitchFamily="50" charset="-128"/>
-            </a:endParaRPr>
-          </a:p>
-          <a:p>
-            <a:r>
-              <a:rPr lang="ja-JP" altLang="en-US" sz="2400" dirty="0">
-                <a:effectLst>
-                  <a:glow rad="127000">
-                    <a:schemeClr val="bg1"/>
-                  </a:glow>
-                  <a:outerShdw blurRad="38100" dist="38100" dir="2700000" algn="tl">
-                    <a:srgbClr val="000000">
-                      <a:alpha val="43137"/>
-                    </a:srgbClr>
-                  </a:outerShdw>
-                </a:effectLst>
-                <a:latin typeface="HGP創英角ｺﾞｼｯｸUB" panose="020B0900000000000000" pitchFamily="50" charset="-128"/>
-                <a:ea typeface="HGP創英角ｺﾞｼｯｸUB" panose="020B0900000000000000" pitchFamily="50" charset="-128"/>
-              </a:rPr>
-              <a:t>ニトロはアイテム的なものか自分のタイミングで発動できるものか</a:t>
-            </a:r>
-            <a:endParaRPr lang="en-US" altLang="ja-JP" sz="2400" dirty="0">
-              <a:effectLst>
-                <a:glow rad="127000">
-                  <a:schemeClr val="bg1"/>
-                </a:glow>
-                <a:outerShdw blurRad="38100" dist="38100" dir="2700000" algn="tl">
-                  <a:srgbClr val="000000">
-                    <a:alpha val="43137"/>
-                  </a:srgbClr>
-                </a:outerShdw>
-              </a:effectLst>
-              <a:latin typeface="HGP創英角ｺﾞｼｯｸUB" panose="020B0900000000000000" pitchFamily="50" charset="-128"/>
-              <a:ea typeface="HGP創英角ｺﾞｼｯｸUB" panose="020B0900000000000000" pitchFamily="50" charset="-128"/>
-            </a:endParaRPr>
-          </a:p>
-          <a:p>
-            <a:r>
-              <a:rPr lang="ja-JP" altLang="en-US" sz="2400" dirty="0">
-                <a:effectLst>
-                  <a:glow rad="127000">
-                    <a:schemeClr val="bg1"/>
-                  </a:glow>
-                  <a:outerShdw blurRad="38100" dist="38100" dir="2700000" algn="tl">
-                    <a:srgbClr val="000000">
-                      <a:alpha val="43137"/>
-                    </a:srgbClr>
-                  </a:outerShdw>
-                </a:effectLst>
-                <a:latin typeface="HGP創英角ｺﾞｼｯｸUB" panose="020B0900000000000000" pitchFamily="50" charset="-128"/>
-                <a:ea typeface="HGP創英角ｺﾞｼｯｸUB" panose="020B0900000000000000" pitchFamily="50" charset="-128"/>
-              </a:rPr>
-              <a:t>ニトロはいつでも発動できるけど発動しすぎるとオーバーヒートする</a:t>
-            </a:r>
-            <a:endParaRPr lang="en-US" altLang="ja-JP" sz="2400" dirty="0">
-              <a:effectLst>
-                <a:glow rad="127000">
-                  <a:schemeClr val="bg1"/>
-                </a:glow>
-                <a:outerShdw blurRad="38100" dist="38100" dir="2700000" algn="tl">
-                  <a:srgbClr val="000000">
-                    <a:alpha val="43137"/>
-                  </a:srgbClr>
-                </a:outerShdw>
-              </a:effectLst>
-              <a:latin typeface="HGP創英角ｺﾞｼｯｸUB" panose="020B0900000000000000" pitchFamily="50" charset="-128"/>
-              <a:ea typeface="HGP創英角ｺﾞｼｯｸUB" panose="020B0900000000000000" pitchFamily="50" charset="-128"/>
-            </a:endParaRPr>
-          </a:p>
-          <a:p>
-            <a:r>
-              <a:rPr lang="ja-JP" altLang="en-US" sz="2400" dirty="0">
-                <a:effectLst>
-                  <a:glow rad="127000">
-                    <a:schemeClr val="bg1"/>
-                  </a:glow>
-                  <a:outerShdw blurRad="38100" dist="38100" dir="2700000" algn="tl">
-                    <a:srgbClr val="000000">
-                      <a:alpha val="43137"/>
-                    </a:srgbClr>
-                  </a:outerShdw>
-                </a:effectLst>
-                <a:latin typeface="HGP創英角ｺﾞｼｯｸUB" panose="020B0900000000000000" pitchFamily="50" charset="-128"/>
-                <a:ea typeface="HGP創英角ｺﾞｼｯｸUB" panose="020B0900000000000000" pitchFamily="50" charset="-128"/>
-              </a:rPr>
-              <a:t>ニトロはいつでも発動できるけど発動しすぎるとダメージを負って煙で警察にバレやすくなる</a:t>
-            </a:r>
-            <a:endParaRPr lang="en-US" altLang="ja-JP" sz="2400" dirty="0">
-              <a:effectLst>
-                <a:glow rad="127000">
-                  <a:schemeClr val="bg1"/>
-                </a:glow>
-                <a:outerShdw blurRad="38100" dist="38100" dir="2700000" algn="tl">
-                  <a:srgbClr val="000000">
-                    <a:alpha val="43137"/>
-                  </a:srgbClr>
-                </a:outerShdw>
-              </a:effectLst>
-              <a:latin typeface="HGP創英角ｺﾞｼｯｸUB" panose="020B0900000000000000" pitchFamily="50" charset="-128"/>
-              <a:ea typeface="HGP創英角ｺﾞｼｯｸUB" panose="020B0900000000000000" pitchFamily="50" charset="-128"/>
-            </a:endParaRPr>
-          </a:p>
-          <a:p>
-            <a:r>
-              <a:rPr kumimoji="1" lang="ja-JP" altLang="en-US" sz="2400" dirty="0">
-                <a:effectLst>
-                  <a:glow rad="127000">
-                    <a:schemeClr val="bg1"/>
-                  </a:glow>
-                  <a:outerShdw blurRad="38100" dist="38100" dir="2700000" algn="tl">
-                    <a:srgbClr val="000000">
-                      <a:alpha val="43137"/>
-                    </a:srgbClr>
-                  </a:outerShdw>
-                </a:effectLst>
-                <a:latin typeface="HGP創英角ｺﾞｼｯｸUB" panose="020B0900000000000000" pitchFamily="50" charset="-128"/>
-                <a:ea typeface="HGP創英角ｺﾞｼｯｸUB" panose="020B0900000000000000" pitchFamily="50" charset="-128"/>
-              </a:rPr>
-              <a:t>狭い路地は狭くてもいいけどある程度の広さは必要</a:t>
-            </a:r>
-            <a:endParaRPr kumimoji="1" lang="en-US" altLang="ja-JP" sz="2400" dirty="0">
-              <a:effectLst>
-                <a:glow rad="127000">
-                  <a:schemeClr val="bg1"/>
-                </a:glow>
-                <a:outerShdw blurRad="38100" dist="38100" dir="2700000" algn="tl">
-                  <a:srgbClr val="000000">
-                    <a:alpha val="43137"/>
-                  </a:srgbClr>
-                </a:outerShdw>
-              </a:effectLst>
-              <a:latin typeface="HGP創英角ｺﾞｼｯｸUB" panose="020B0900000000000000" pitchFamily="50" charset="-128"/>
-              <a:ea typeface="HGP創英角ｺﾞｼｯｸUB" panose="020B0900000000000000" pitchFamily="50" charset="-128"/>
-            </a:endParaRPr>
-          </a:p>
-          <a:p>
-            <a:r>
-              <a:rPr kumimoji="1" lang="ja-JP" altLang="en-US" sz="2400" dirty="0">
-                <a:effectLst>
-                  <a:glow rad="127000">
-                    <a:schemeClr val="bg1"/>
-                  </a:glow>
-                  <a:outerShdw blurRad="38100" dist="38100" dir="2700000" algn="tl">
-                    <a:srgbClr val="000000">
-                      <a:alpha val="43137"/>
-                    </a:srgbClr>
-                  </a:outerShdw>
-                </a:effectLst>
-                <a:latin typeface="HGP創英角ｺﾞｼｯｸUB" panose="020B0900000000000000" pitchFamily="50" charset="-128"/>
-                <a:ea typeface="HGP創英角ｺﾞｼｯｸUB" panose="020B0900000000000000" pitchFamily="50" charset="-128"/>
-              </a:rPr>
-              <a:t>アイスを届けるとき人は外で待っている　すれ違うときに渡せるが速すぎるとうまく渡せない</a:t>
-            </a:r>
-            <a:endParaRPr kumimoji="1" lang="en-US" altLang="ja-JP" sz="2400" dirty="0">
-              <a:effectLst>
-                <a:glow rad="127000">
-                  <a:schemeClr val="bg1"/>
-                </a:glow>
-                <a:outerShdw blurRad="38100" dist="38100" dir="2700000" algn="tl">
-                  <a:srgbClr val="000000">
-                    <a:alpha val="43137"/>
-                  </a:srgbClr>
-                </a:outerShdw>
-              </a:effectLst>
-              <a:latin typeface="HGP創英角ｺﾞｼｯｸUB" panose="020B0900000000000000" pitchFamily="50" charset="-128"/>
-              <a:ea typeface="HGP創英角ｺﾞｼｯｸUB" panose="020B0900000000000000" pitchFamily="50" charset="-128"/>
-            </a:endParaRPr>
-          </a:p>
-          <a:p>
-            <a:r>
-              <a:rPr lang="ja-JP" altLang="en-US" sz="2400" dirty="0">
-                <a:effectLst>
-                  <a:glow rad="127000">
-                    <a:schemeClr val="bg1"/>
-                  </a:glow>
-                  <a:outerShdw blurRad="38100" dist="38100" dir="2700000" algn="tl">
-                    <a:srgbClr val="000000">
-                      <a:alpha val="43137"/>
-                    </a:srgbClr>
-                  </a:outerShdw>
-                </a:effectLst>
-                <a:latin typeface="HGP創英角ｺﾞｼｯｸUB" panose="020B0900000000000000" pitchFamily="50" charset="-128"/>
-                <a:ea typeface="HGP創英角ｺﾞｼｯｸUB" panose="020B0900000000000000" pitchFamily="50" charset="-128"/>
-              </a:rPr>
-              <a:t>警察署の前を通っただけで追われるのは少し変だから世界観の説明をつける</a:t>
-            </a:r>
-            <a:endParaRPr lang="en-US" altLang="ja-JP" sz="2400" dirty="0">
-              <a:effectLst>
-                <a:glow rad="127000">
-                  <a:schemeClr val="bg1"/>
-                </a:glow>
-                <a:outerShdw blurRad="38100" dist="38100" dir="2700000" algn="tl">
-                  <a:srgbClr val="000000">
-                    <a:alpha val="43137"/>
-                  </a:srgbClr>
-                </a:outerShdw>
-              </a:effectLst>
-              <a:latin typeface="HGP創英角ｺﾞｼｯｸUB" panose="020B0900000000000000" pitchFamily="50" charset="-128"/>
-              <a:ea typeface="HGP創英角ｺﾞｼｯｸUB" panose="020B0900000000000000" pitchFamily="50" charset="-128"/>
-            </a:endParaRPr>
-          </a:p>
-          <a:p>
-            <a:r>
-              <a:rPr kumimoji="1" lang="ja-JP" altLang="en-US" sz="2400" dirty="0">
-                <a:effectLst>
-                  <a:glow rad="127000">
-                    <a:schemeClr val="bg1"/>
-                  </a:glow>
-                  <a:outerShdw blurRad="38100" dist="38100" dir="2700000" algn="tl">
-                    <a:srgbClr val="000000">
-                      <a:alpha val="43137"/>
-                    </a:srgbClr>
-                  </a:outerShdw>
-                </a:effectLst>
-                <a:latin typeface="HGP創英角ｺﾞｼｯｸUB" panose="020B0900000000000000" pitchFamily="50" charset="-128"/>
-                <a:ea typeface="HGP創英角ｺﾞｼｯｸUB" panose="020B0900000000000000" pitchFamily="50" charset="-128"/>
-              </a:rPr>
-              <a:t>エクストリーム系なのかどうか</a:t>
-            </a:r>
-            <a:endParaRPr kumimoji="1" lang="en-US" altLang="ja-JP" sz="2400" dirty="0">
-              <a:effectLst>
-                <a:glow rad="127000">
-                  <a:schemeClr val="bg1"/>
-                </a:glow>
-                <a:outerShdw blurRad="38100" dist="38100" dir="2700000" algn="tl">
-                  <a:srgbClr val="000000">
-                    <a:alpha val="43137"/>
-                  </a:srgbClr>
-                </a:outerShdw>
-              </a:effectLst>
-              <a:latin typeface="HGP創英角ｺﾞｼｯｸUB" panose="020B0900000000000000" pitchFamily="50" charset="-128"/>
-              <a:ea typeface="HGP創英角ｺﾞｼｯｸUB" panose="020B0900000000000000" pitchFamily="50" charset="-128"/>
-            </a:endParaRPr>
-          </a:p>
-          <a:p>
-            <a:r>
-              <a:rPr lang="ja-JP" altLang="en-US" sz="2400" dirty="0">
-                <a:effectLst>
-                  <a:glow rad="127000">
-                    <a:schemeClr val="bg1"/>
-                  </a:glow>
-                  <a:outerShdw blurRad="38100" dist="38100" dir="2700000" algn="tl">
-                    <a:srgbClr val="000000">
-                      <a:alpha val="43137"/>
-                    </a:srgbClr>
-                  </a:outerShdw>
-                </a:effectLst>
-                <a:latin typeface="HGP創英角ｺﾞｼｯｸUB" panose="020B0900000000000000" pitchFamily="50" charset="-128"/>
-                <a:ea typeface="HGP創英角ｺﾞｼｯｸUB" panose="020B0900000000000000" pitchFamily="50" charset="-128"/>
-              </a:rPr>
-              <a:t>警察にバレるバレないの図がほしい</a:t>
-            </a:r>
-            <a:endParaRPr lang="en-US" altLang="ja-JP" sz="2400" dirty="0">
-              <a:effectLst>
-                <a:glow rad="127000">
-                  <a:schemeClr val="bg1"/>
-                </a:glow>
-                <a:outerShdw blurRad="38100" dist="38100" dir="2700000" algn="tl">
-                  <a:srgbClr val="000000">
-                    <a:alpha val="43137"/>
-                  </a:srgbClr>
-                </a:outerShdw>
-              </a:effectLst>
-              <a:latin typeface="HGP創英角ｺﾞｼｯｸUB" panose="020B0900000000000000" pitchFamily="50" charset="-128"/>
-              <a:ea typeface="HGP創英角ｺﾞｼｯｸUB" panose="020B0900000000000000" pitchFamily="50" charset="-128"/>
-            </a:endParaRPr>
-          </a:p>
-          <a:p>
-            <a:r>
-              <a:rPr kumimoji="1" lang="ja-JP" altLang="en-US" sz="2400" dirty="0">
-                <a:effectLst>
-                  <a:glow rad="127000">
-                    <a:schemeClr val="bg1"/>
-                  </a:glow>
-                  <a:outerShdw blurRad="38100" dist="38100" dir="2700000" algn="tl">
-                    <a:srgbClr val="000000">
-                      <a:alpha val="43137"/>
-                    </a:srgbClr>
-                  </a:outerShdw>
-                </a:effectLst>
-                <a:latin typeface="HGP創英角ｺﾞｼｯｸUB" panose="020B0900000000000000" pitchFamily="50" charset="-128"/>
-                <a:ea typeface="HGP創英角ｺﾞｼｯｸUB" panose="020B0900000000000000" pitchFamily="50" charset="-128"/>
-              </a:rPr>
-              <a:t>ブレーキが利かない⇒壊れてる⇒怪しまれる</a:t>
-            </a:r>
-            <a:endParaRPr kumimoji="1" lang="en-US" altLang="ja-JP" sz="2400" dirty="0">
-              <a:effectLst>
-                <a:glow rad="127000">
-                  <a:schemeClr val="bg1"/>
-                </a:glow>
-                <a:outerShdw blurRad="38100" dist="38100" dir="2700000" algn="tl">
-                  <a:srgbClr val="000000">
-                    <a:alpha val="43137"/>
-                  </a:srgbClr>
-                </a:outerShdw>
-              </a:effectLst>
-              <a:latin typeface="HGP創英角ｺﾞｼｯｸUB" panose="020B0900000000000000" pitchFamily="50" charset="-128"/>
-              <a:ea typeface="HGP創英角ｺﾞｼｯｸUB" panose="020B0900000000000000" pitchFamily="50" charset="-128"/>
-            </a:endParaRPr>
+              <a:t>アピールポイント</a:t>
+            </a:r>
           </a:p>
         </p:txBody>
       </p:sp>
     </p:spTree>
     <p:extLst>
       <p:ext uri="{BB962C8B-B14F-4D97-AF65-F5344CB8AC3E}">
-        <p14:creationId xmlns:p14="http://schemas.microsoft.com/office/powerpoint/2010/main" val="2455346568"/>
+        <p14:creationId xmlns:p14="http://schemas.microsoft.com/office/powerpoint/2010/main" val="3197013244"/>
       </p:ext>
     </p:extLst>
   </p:cSld>

--- a/企画書/カットビ企画書.pptx
+++ b/企画書/カットビ企画書.pptx
@@ -3936,8 +3936,8 @@
         </p:nvSpPr>
         <p:spPr>
           <a:xfrm>
-            <a:off x="1183230" y="1536174"/>
-            <a:ext cx="9836346" cy="4524315"/>
+            <a:off x="627791" y="1536174"/>
+            <a:ext cx="10947228" cy="3785652"/>
           </a:xfrm>
           <a:prstGeom prst="rect">
             <a:avLst/>
@@ -4089,7 +4089,7 @@
                 <a:latin typeface="HGP創英角ｺﾞｼｯｸUB" panose="020B0900000000000000" pitchFamily="50" charset="-128"/>
                 <a:ea typeface="HGP創英角ｺﾞｼｯｸUB" panose="020B0900000000000000" pitchFamily="50" charset="-128"/>
               </a:rPr>
-              <a:t>怪しまれないよう隠密に時には大胆に</a:t>
+              <a:t>怪しまれないよう隠密に時には大胆に動き</a:t>
             </a:r>
             <a:endParaRPr kumimoji="1" lang="en-US" altLang="ja-JP" sz="4800" dirty="0">
               <a:solidFill>
@@ -4129,47 +4129,7 @@
                 <a:latin typeface="HGP創英角ｺﾞｼｯｸUB" panose="020B0900000000000000" pitchFamily="50" charset="-128"/>
                 <a:ea typeface="HGP創英角ｺﾞｼｯｸUB" panose="020B0900000000000000" pitchFamily="50" charset="-128"/>
               </a:rPr>
-              <a:t>顧客満足度に関わる</a:t>
-            </a:r>
-            <a:endParaRPr lang="en-US" altLang="ja-JP" sz="4800" dirty="0">
-              <a:solidFill>
-                <a:srgbClr val="FF0000"/>
-              </a:solidFill>
-              <a:effectLst>
-                <a:glow rad="127000">
-                  <a:schemeClr val="bg1"/>
-                </a:glow>
-                <a:outerShdw blurRad="38100" dist="38100" dir="2700000" algn="tl">
-                  <a:srgbClr val="000000">
-                    <a:alpha val="43137"/>
-                  </a:srgbClr>
-                </a:outerShdw>
-              </a:effectLst>
-              <a:latin typeface="HGP創英角ｺﾞｼｯｸUB" panose="020B0900000000000000" pitchFamily="50" charset="-128"/>
-              <a:ea typeface="HGP創英角ｺﾞｼｯｸUB" panose="020B0900000000000000" pitchFamily="50" charset="-128"/>
-            </a:endParaRPr>
-          </a:p>
-          <a:p>
-            <a:pPr algn="ctr"/>
-            <a:r>
-              <a:rPr lang="ja-JP" altLang="en-US" sz="4800" dirty="0">
-                <a:solidFill>
-                  <a:srgbClr val="FF0000"/>
-                </a:solidFill>
-                <a:effectLst>
-                  <a:glow rad="127000">
-                    <a:schemeClr val="bg1"/>
-                  </a:glow>
-                  <a:outerShdw blurRad="38100" dist="38100" dir="2700000" algn="tl">
-                    <a:srgbClr val="000000">
-                      <a:alpha val="43137"/>
-                    </a:srgbClr>
-                  </a:outerShdw>
-                </a:effectLst>
-                <a:latin typeface="HGP創英角ｺﾞｼｯｸUB" panose="020B0900000000000000" pitchFamily="50" charset="-128"/>
-                <a:ea typeface="HGP創英角ｺﾞｼｯｸUB" panose="020B0900000000000000" pitchFamily="50" charset="-128"/>
-              </a:rPr>
-              <a:t>ゲーム</a:t>
+              <a:t>顧客満足度を保つゲーム</a:t>
             </a:r>
             <a:endParaRPr kumimoji="1" lang="ja-JP" altLang="en-US" sz="4800" dirty="0">
               <a:solidFill>
@@ -4424,7 +4384,7 @@
           <a:lstStyle/>
           <a:p>
             <a:r>
-              <a:rPr kumimoji="1" lang="ja-JP" altLang="en-US" sz="2800" dirty="0">
+              <a:rPr kumimoji="1" lang="ja-JP" altLang="en-US" sz="2800" strike="sngStrike" dirty="0">
                 <a:effectLst>
                   <a:glow rad="127000">
                     <a:schemeClr val="bg1"/>
@@ -4440,7 +4400,7 @@
               </a:rPr>
               <a:t>アイスはすれ違いざまに手渡し</a:t>
             </a:r>
-            <a:endParaRPr kumimoji="1" lang="en-US" altLang="ja-JP" sz="2800" dirty="0">
+            <a:endParaRPr kumimoji="1" lang="en-US" altLang="ja-JP" sz="2800" strike="sngStrike" dirty="0">
               <a:effectLst>
                 <a:glow rad="127000">
                   <a:schemeClr val="bg1"/>
@@ -4457,7 +4417,7 @@
           </a:p>
           <a:p>
             <a:r>
-              <a:rPr kumimoji="1" lang="ja-JP" altLang="en-US" sz="2800" dirty="0">
+              <a:rPr kumimoji="1" lang="ja-JP" altLang="en-US" sz="2800" strike="sngStrike" dirty="0">
                 <a:effectLst>
                   <a:glow rad="127000">
                     <a:schemeClr val="bg1"/>
@@ -4474,7 +4434,7 @@
               <a:t>でも</a:t>
             </a:r>
             <a:r>
-              <a:rPr kumimoji="1" lang="ja-JP" altLang="en-US" sz="3200" dirty="0">
+              <a:rPr kumimoji="1" lang="ja-JP" altLang="en-US" sz="3200" strike="sngStrike" dirty="0">
                 <a:solidFill>
                   <a:srgbClr val="FF0000"/>
                 </a:solidFill>
@@ -4493,7 +4453,7 @@
               </a:rPr>
               <a:t>速すぎるとうまく渡せない</a:t>
             </a:r>
-            <a:endParaRPr kumimoji="1" lang="en-US" altLang="ja-JP" sz="2800" dirty="0">
+            <a:endParaRPr kumimoji="1" lang="en-US" altLang="ja-JP" sz="2800" strike="sngStrike" dirty="0">
               <a:solidFill>
                 <a:srgbClr val="FF0000"/>
               </a:solidFill>
@@ -4583,7 +4543,7 @@
         </p:blipFill>
         <p:spPr>
           <a:xfrm rot="20447033" flipH="1">
-            <a:off x="8172060" y="29742"/>
+            <a:off x="8209384" y="57735"/>
             <a:ext cx="292780" cy="661898"/>
           </a:xfrm>
           <a:prstGeom prst="rect">
@@ -4849,6 +4809,146 @@
           </a:effectLst>
         </p:spPr>
       </p:pic>
+      <p:sp>
+        <p:nvSpPr>
+          <p:cNvPr id="21" name="テキスト ボックス 20">
+            <a:extLst>
+              <a:ext uri="{FF2B5EF4-FFF2-40B4-BE49-F238E27FC236}">
+                <a16:creationId xmlns:a16="http://schemas.microsoft.com/office/drawing/2014/main" id="{55271BEE-D898-5F08-9EEB-8E3758A5F9D3}"/>
+              </a:ext>
+            </a:extLst>
+          </p:cNvPr>
+          <p:cNvSpPr txBox="1"/>
+          <p:nvPr/>
+        </p:nvSpPr>
+        <p:spPr>
+          <a:xfrm>
+            <a:off x="9824710" y="388684"/>
+            <a:ext cx="4164923" cy="1631216"/>
+          </a:xfrm>
+          <a:prstGeom prst="rect">
+            <a:avLst/>
+          </a:prstGeom>
+          <a:noFill/>
+        </p:spPr>
+        <p:txBody>
+          <a:bodyPr wrap="none" rtlCol="0">
+            <a:spAutoFit/>
+          </a:bodyPr>
+          <a:lstStyle/>
+          <a:p>
+            <a:r>
+              <a:rPr lang="ja-JP" altLang="en-US" sz="3200" dirty="0">
+                <a:effectLst>
+                  <a:glow rad="127000">
+                    <a:schemeClr val="bg1"/>
+                  </a:glow>
+                  <a:outerShdw blurRad="38100" dist="38100" dir="2700000" algn="tl">
+                    <a:srgbClr val="000000">
+                      <a:alpha val="43137"/>
+                    </a:srgbClr>
+                  </a:outerShdw>
+                </a:effectLst>
+                <a:latin typeface="HGP創英角ｺﾞｼｯｸUB" panose="020B0900000000000000" pitchFamily="50" charset="-128"/>
+                <a:ea typeface="HGP創英角ｺﾞｼｯｸUB" panose="020B0900000000000000" pitchFamily="50" charset="-128"/>
+              </a:rPr>
+              <a:t>アイスを待っている人へ</a:t>
+            </a:r>
+            <a:endParaRPr lang="en-US" altLang="ja-JP" sz="3200" dirty="0">
+              <a:effectLst>
+                <a:glow rad="127000">
+                  <a:schemeClr val="bg1"/>
+                </a:glow>
+                <a:outerShdw blurRad="38100" dist="38100" dir="2700000" algn="tl">
+                  <a:srgbClr val="000000">
+                    <a:alpha val="43137"/>
+                  </a:srgbClr>
+                </a:outerShdw>
+              </a:effectLst>
+              <a:latin typeface="HGP創英角ｺﾞｼｯｸUB" panose="020B0900000000000000" pitchFamily="50" charset="-128"/>
+              <a:ea typeface="HGP創英角ｺﾞｼｯｸUB" panose="020B0900000000000000" pitchFamily="50" charset="-128"/>
+            </a:endParaRPr>
+          </a:p>
+          <a:p>
+            <a:r>
+              <a:rPr kumimoji="1" lang="ja-JP" altLang="en-US" sz="3200" dirty="0">
+                <a:solidFill>
+                  <a:srgbClr val="FF0000"/>
+                </a:solidFill>
+                <a:effectLst>
+                  <a:glow rad="127000">
+                    <a:schemeClr val="bg1"/>
+                  </a:glow>
+                  <a:outerShdw blurRad="38100" dist="38100" dir="2700000" algn="tl">
+                    <a:srgbClr val="000000">
+                      <a:alpha val="43137"/>
+                    </a:srgbClr>
+                  </a:outerShdw>
+                </a:effectLst>
+                <a:latin typeface="HGP創英角ｺﾞｼｯｸUB" panose="020B0900000000000000" pitchFamily="50" charset="-128"/>
+                <a:ea typeface="HGP創英角ｺﾞｼｯｸUB" panose="020B0900000000000000" pitchFamily="50" charset="-128"/>
+              </a:rPr>
+              <a:t>アイスを投げまくる</a:t>
+            </a:r>
+            <a:endParaRPr kumimoji="1" lang="en-US" altLang="ja-JP" sz="3200" dirty="0">
+              <a:solidFill>
+                <a:srgbClr val="FF0000"/>
+              </a:solidFill>
+              <a:effectLst>
+                <a:glow rad="127000">
+                  <a:schemeClr val="bg1"/>
+                </a:glow>
+                <a:outerShdw blurRad="38100" dist="38100" dir="2700000" algn="tl">
+                  <a:srgbClr val="000000">
+                    <a:alpha val="43137"/>
+                  </a:srgbClr>
+                </a:outerShdw>
+              </a:effectLst>
+              <a:latin typeface="HGP創英角ｺﾞｼｯｸUB" panose="020B0900000000000000" pitchFamily="50" charset="-128"/>
+              <a:ea typeface="HGP創英角ｺﾞｼｯｸUB" panose="020B0900000000000000" pitchFamily="50" charset="-128"/>
+            </a:endParaRPr>
+          </a:p>
+          <a:p>
+            <a:r>
+              <a:rPr lang="ja-JP" altLang="en-US" sz="3200" dirty="0">
+                <a:solidFill>
+                  <a:srgbClr val="FF0000"/>
+                </a:solidFill>
+                <a:effectLst>
+                  <a:glow rad="127000">
+                    <a:schemeClr val="bg1"/>
+                  </a:glow>
+                  <a:outerShdw blurRad="38100" dist="38100" dir="2700000" algn="tl">
+                    <a:srgbClr val="000000">
+                      <a:alpha val="43137"/>
+                    </a:srgbClr>
+                  </a:outerShdw>
+                </a:effectLst>
+                <a:latin typeface="HGP創英角ｺﾞｼｯｸUB" panose="020B0900000000000000" pitchFamily="50" charset="-128"/>
+                <a:ea typeface="HGP創英角ｺﾞｼｯｸUB" panose="020B0900000000000000" pitchFamily="50" charset="-128"/>
+              </a:rPr>
+              <a:t>（ペーパーボーイ）</a:t>
+            </a:r>
+            <a:endParaRPr kumimoji="1" lang="ja-JP" altLang="en-US" sz="3600" dirty="0">
+              <a:solidFill>
+                <a:srgbClr val="FF0000"/>
+              </a:solidFill>
+              <a:effectLst>
+                <a:glow rad="127000">
+                  <a:schemeClr val="bg1"/>
+                </a:glow>
+                <a:outerShdw blurRad="38100" dist="38100" dir="2700000" algn="tl">
+                  <a:srgbClr val="000000">
+                    <a:alpha val="43137"/>
+                  </a:srgbClr>
+                </a:outerShdw>
+              </a:effectLst>
+              <a:latin typeface="HGP創英角ｺﾞｼｯｸUB" panose="020B0900000000000000" pitchFamily="50" charset="-128"/>
+              <a:ea typeface="HGP創英角ｺﾞｼｯｸUB" panose="020B0900000000000000" pitchFamily="50" charset="-128"/>
+            </a:endParaRPr>
+          </a:p>
+        </p:txBody>
+      </p:sp>
     </p:spTree>
     <p:extLst>
       <p:ext uri="{BB962C8B-B14F-4D97-AF65-F5344CB8AC3E}">
@@ -5445,14 +5545,13 @@
               </a:ext>
             </a:extLst>
           </a:blip>
-          <a:stretch>
-            <a:fillRect/>
-          </a:stretch>
+          <a:srcRect b="6511"/>
+          <a:stretch/>
         </p:blipFill>
         <p:spPr>
           <a:xfrm>
-            <a:off x="4429706" y="4496042"/>
-            <a:ext cx="3332588" cy="2526450"/>
+            <a:off x="4429706" y="4477380"/>
+            <a:ext cx="3332588" cy="2361958"/>
           </a:xfrm>
           <a:prstGeom prst="rect">
             <a:avLst/>
@@ -10759,7 +10858,7 @@
         <p:spPr>
           <a:xfrm>
             <a:off x="5604575" y="4802076"/>
-            <a:ext cx="6048451" cy="1138773"/>
+            <a:ext cx="6458819" cy="1138773"/>
           </a:xfrm>
           <a:prstGeom prst="rect">
             <a:avLst/>
@@ -10823,27 +10922,7 @@
                 <a:latin typeface="HGP創英角ｺﾞｼｯｸUB" panose="020B0900000000000000" pitchFamily="50" charset="-128"/>
                 <a:ea typeface="HGP創英角ｺﾞｼｯｸUB" panose="020B0900000000000000" pitchFamily="50" charset="-128"/>
               </a:rPr>
-              <a:t>停止すると</a:t>
-            </a:r>
-            <a:r>
-              <a:rPr kumimoji="1" lang="ja-JP" altLang="en-US" sz="3600" dirty="0">
-                <a:solidFill>
-                  <a:srgbClr val="FF0000"/>
-                </a:solidFill>
-                <a:effectLst>
-                  <a:glow rad="127000">
-                    <a:schemeClr val="bg1"/>
-                  </a:glow>
-                  <a:outerShdw blurRad="38100" dist="38100" dir="2700000" algn="tl">
-                    <a:srgbClr val="000000">
-                      <a:alpha val="43137"/>
-                    </a:srgbClr>
-                  </a:outerShdw>
-                </a:effectLst>
-                <a:latin typeface="HGP創英角ｺﾞｼｯｸUB" panose="020B0900000000000000" pitchFamily="50" charset="-128"/>
-                <a:ea typeface="HGP創英角ｺﾞｼｯｸUB" panose="020B0900000000000000" pitchFamily="50" charset="-128"/>
-              </a:rPr>
-              <a:t>転んで</a:t>
+              <a:t>停止すると爆発して</a:t>
             </a:r>
             <a:r>
               <a:rPr kumimoji="1" lang="ja-JP" altLang="en-US" sz="3200" dirty="0">
@@ -10862,6 +10941,20 @@
               </a:rPr>
               <a:t>ゲームオーバー</a:t>
             </a:r>
+            <a:endParaRPr kumimoji="1" lang="en-US" altLang="ja-JP" sz="3200" dirty="0">
+              <a:effectLst>
+                <a:glow rad="127000">
+                  <a:schemeClr val="bg1"/>
+                </a:glow>
+                <a:outerShdw blurRad="38100" dist="38100" dir="2700000" algn="tl">
+                  <a:srgbClr val="000000">
+                    <a:alpha val="43137"/>
+                  </a:srgbClr>
+                </a:outerShdw>
+              </a:effectLst>
+              <a:latin typeface="HGP創英角ｺﾞｼｯｸUB" panose="020B0900000000000000" pitchFamily="50" charset="-128"/>
+              <a:ea typeface="HGP創英角ｺﾞｼｯｸUB" panose="020B0900000000000000" pitchFamily="50" charset="-128"/>
+            </a:endParaRPr>
           </a:p>
         </p:txBody>
       </p:sp>
@@ -10879,8 +10972,8 @@
         </p:nvSpPr>
         <p:spPr>
           <a:xfrm>
-            <a:off x="1002939" y="3342506"/>
-            <a:ext cx="5093061" cy="646331"/>
+            <a:off x="471093" y="3429000"/>
+            <a:ext cx="5878532" cy="646331"/>
           </a:xfrm>
           <a:prstGeom prst="rect">
             <a:avLst/>
@@ -10908,7 +11001,7 @@
                 <a:latin typeface="HGP創英角ｺﾞｼｯｸUB" panose="020B0900000000000000" pitchFamily="50" charset="-128"/>
                 <a:ea typeface="HGP創英角ｺﾞｼｯｸUB" panose="020B0900000000000000" pitchFamily="50" charset="-128"/>
               </a:rPr>
-              <a:t>車に</a:t>
+              <a:t>車や壁に</a:t>
             </a:r>
             <a:r>
               <a:rPr lang="ja-JP" altLang="en-US" sz="3600" dirty="0">
@@ -10930,7 +11023,7 @@
               </a:rPr>
               <a:t>ぶつかりすぎると大破</a:t>
             </a:r>
-            <a:endParaRPr lang="en-US" altLang="ja-JP" sz="3200" dirty="0">
+            <a:endParaRPr lang="en-US" altLang="ja-JP" sz="3600" dirty="0">
               <a:solidFill>
                 <a:srgbClr val="FF0000"/>
               </a:solidFill>
@@ -10978,7 +11071,7 @@
         </p:blipFill>
         <p:spPr>
           <a:xfrm>
-            <a:off x="6836925" y="3105834"/>
+            <a:off x="7042109" y="3194219"/>
             <a:ext cx="3583749" cy="1544216"/>
           </a:xfrm>
           <a:prstGeom prst="rect">
@@ -11788,8 +11881,8 @@
         </p:nvSpPr>
         <p:spPr>
           <a:xfrm>
-            <a:off x="2932963" y="2301482"/>
-            <a:ext cx="5971507" cy="769441"/>
+            <a:off x="385006" y="2301482"/>
+            <a:ext cx="11067453" cy="707886"/>
           </a:xfrm>
           <a:prstGeom prst="rect">
             <a:avLst/>
@@ -11830,13 +11923,10 @@
                 <a:latin typeface="HGP創英角ｺﾞｼｯｸUB" panose="020B0900000000000000" pitchFamily="50" charset="-128"/>
                 <a:ea typeface="HGP創英角ｺﾞｼｯｸUB" panose="020B0900000000000000" pitchFamily="50" charset="-128"/>
               </a:rPr>
-              <a:t>転ばないように動く</a:t>
-            </a:r>
-            <a:r>
-              <a:rPr kumimoji="1" lang="ja-JP" altLang="en-US" sz="4400" dirty="0">
-                <a:solidFill>
-                  <a:srgbClr val="FF0000"/>
-                </a:solidFill>
+              <a:t>スクーター</a:t>
+            </a:r>
+            <a:r>
+              <a:rPr lang="ja-JP" altLang="en-US" sz="4000" dirty="0">
                 <a:effectLst>
                   <a:glow rad="127000">
                     <a:schemeClr val="bg1"/>
@@ -11850,7 +11940,7 @@
                 <a:latin typeface="HGP創英角ｺﾞｼｯｸUB" panose="020B0900000000000000" pitchFamily="50" charset="-128"/>
                 <a:ea typeface="HGP創英角ｺﾞｼｯｸUB" panose="020B0900000000000000" pitchFamily="50" charset="-128"/>
               </a:rPr>
-              <a:t>緊張感</a:t>
+              <a:t>が壊れないようにアイスが溶けないように</a:t>
             </a:r>
             <a:endParaRPr kumimoji="1" lang="ja-JP" altLang="en-US" sz="4000" dirty="0">
               <a:solidFill>

--- a/企画書/カットビ企画書.pptx
+++ b/企画書/カットビ企画書.pptx
@@ -266,7 +266,7 @@
           <a:p>
             <a:fld id="{D3F3F0CB-2965-4B73-9552-621131830563}" type="datetimeFigureOut">
               <a:rPr kumimoji="1" lang="ja-JP" altLang="en-US" smtClean="0"/>
-              <a:t>2024/10/8</a:t>
+              <a:t>2024/10/10</a:t>
             </a:fld>
             <a:endParaRPr kumimoji="1" lang="ja-JP" altLang="en-US"/>
           </a:p>
@@ -496,7 +496,7 @@
           <a:p>
             <a:fld id="{D3F3F0CB-2965-4B73-9552-621131830563}" type="datetimeFigureOut">
               <a:rPr kumimoji="1" lang="ja-JP" altLang="en-US" smtClean="0"/>
-              <a:t>2024/10/8</a:t>
+              <a:t>2024/10/10</a:t>
             </a:fld>
             <a:endParaRPr kumimoji="1" lang="ja-JP" altLang="en-US"/>
           </a:p>
@@ -736,7 +736,7 @@
           <a:p>
             <a:fld id="{D3F3F0CB-2965-4B73-9552-621131830563}" type="datetimeFigureOut">
               <a:rPr kumimoji="1" lang="ja-JP" altLang="en-US" smtClean="0"/>
-              <a:t>2024/10/8</a:t>
+              <a:t>2024/10/10</a:t>
             </a:fld>
             <a:endParaRPr kumimoji="1" lang="ja-JP" altLang="en-US"/>
           </a:p>
@@ -966,7 +966,7 @@
           <a:p>
             <a:fld id="{D3F3F0CB-2965-4B73-9552-621131830563}" type="datetimeFigureOut">
               <a:rPr kumimoji="1" lang="ja-JP" altLang="en-US" smtClean="0"/>
-              <a:t>2024/10/8</a:t>
+              <a:t>2024/10/10</a:t>
             </a:fld>
             <a:endParaRPr kumimoji="1" lang="ja-JP" altLang="en-US"/>
           </a:p>
@@ -1241,7 +1241,7 @@
           <a:p>
             <a:fld id="{D3F3F0CB-2965-4B73-9552-621131830563}" type="datetimeFigureOut">
               <a:rPr kumimoji="1" lang="ja-JP" altLang="en-US" smtClean="0"/>
-              <a:t>2024/10/8</a:t>
+              <a:t>2024/10/10</a:t>
             </a:fld>
             <a:endParaRPr kumimoji="1" lang="ja-JP" altLang="en-US"/>
           </a:p>
@@ -1570,7 +1570,7 @@
           <a:p>
             <a:fld id="{D3F3F0CB-2965-4B73-9552-621131830563}" type="datetimeFigureOut">
               <a:rPr kumimoji="1" lang="ja-JP" altLang="en-US" smtClean="0"/>
-              <a:t>2024/10/8</a:t>
+              <a:t>2024/10/10</a:t>
             </a:fld>
             <a:endParaRPr kumimoji="1" lang="ja-JP" altLang="en-US"/>
           </a:p>
@@ -2046,7 +2046,7 @@
           <a:p>
             <a:fld id="{D3F3F0CB-2965-4B73-9552-621131830563}" type="datetimeFigureOut">
               <a:rPr kumimoji="1" lang="ja-JP" altLang="en-US" smtClean="0"/>
-              <a:t>2024/10/8</a:t>
+              <a:t>2024/10/10</a:t>
             </a:fld>
             <a:endParaRPr kumimoji="1" lang="ja-JP" altLang="en-US"/>
           </a:p>
@@ -2187,7 +2187,7 @@
           <a:p>
             <a:fld id="{D3F3F0CB-2965-4B73-9552-621131830563}" type="datetimeFigureOut">
               <a:rPr kumimoji="1" lang="ja-JP" altLang="en-US" smtClean="0"/>
-              <a:t>2024/10/8</a:t>
+              <a:t>2024/10/10</a:t>
             </a:fld>
             <a:endParaRPr kumimoji="1" lang="ja-JP" altLang="en-US"/>
           </a:p>
@@ -2300,7 +2300,7 @@
           <a:p>
             <a:fld id="{D3F3F0CB-2965-4B73-9552-621131830563}" type="datetimeFigureOut">
               <a:rPr kumimoji="1" lang="ja-JP" altLang="en-US" smtClean="0"/>
-              <a:t>2024/10/8</a:t>
+              <a:t>2024/10/10</a:t>
             </a:fld>
             <a:endParaRPr kumimoji="1" lang="ja-JP" altLang="en-US"/>
           </a:p>
@@ -2643,7 +2643,7 @@
           <a:p>
             <a:fld id="{D3F3F0CB-2965-4B73-9552-621131830563}" type="datetimeFigureOut">
               <a:rPr kumimoji="1" lang="ja-JP" altLang="en-US" smtClean="0"/>
-              <a:t>2024/10/8</a:t>
+              <a:t>2024/10/10</a:t>
             </a:fld>
             <a:endParaRPr kumimoji="1" lang="ja-JP" altLang="en-US"/>
           </a:p>
@@ -2931,7 +2931,7 @@
           <a:p>
             <a:fld id="{D3F3F0CB-2965-4B73-9552-621131830563}" type="datetimeFigureOut">
               <a:rPr kumimoji="1" lang="ja-JP" altLang="en-US" smtClean="0"/>
-              <a:t>2024/10/8</a:t>
+              <a:t>2024/10/10</a:t>
             </a:fld>
             <a:endParaRPr kumimoji="1" lang="ja-JP" altLang="en-US"/>
           </a:p>
@@ -3204,7 +3204,7 @@
           <a:p>
             <a:fld id="{D3F3F0CB-2965-4B73-9552-621131830563}" type="datetimeFigureOut">
               <a:rPr kumimoji="1" lang="ja-JP" altLang="en-US" smtClean="0"/>
-              <a:t>2024/10/8</a:t>
+              <a:t>2024/10/10</a:t>
             </a:fld>
             <a:endParaRPr kumimoji="1" lang="ja-JP" altLang="en-US"/>
           </a:p>
@@ -4181,6 +4181,48 @@
           <a:chExt cx="0" cy="0"/>
         </a:xfrm>
       </p:grpSpPr>
+      <p:pic>
+        <p:nvPicPr>
+          <p:cNvPr id="11" name="図 10" descr="バイクに乗っている人のイラスト&#10;&#10;低い精度で自動的に生成された説明">
+            <a:extLst>
+              <a:ext uri="{FF2B5EF4-FFF2-40B4-BE49-F238E27FC236}">
+                <a16:creationId xmlns:a16="http://schemas.microsoft.com/office/drawing/2014/main" id="{FD41AED3-8881-588E-8CE2-AF7CDA00C3B5}"/>
+              </a:ext>
+            </a:extLst>
+          </p:cNvPr>
+          <p:cNvPicPr>
+            <a:picLocks noChangeAspect="1"/>
+          </p:cNvPicPr>
+          <p:nvPr/>
+        </p:nvPicPr>
+        <p:blipFill>
+          <a:blip r:embed="rId2">
+            <a:extLst>
+              <a:ext uri="{28A0092B-C50C-407E-A947-70E740481C1C}">
+                <a14:useLocalDpi xmlns:a14="http://schemas.microsoft.com/office/drawing/2010/main" val="0"/>
+              </a:ext>
+            </a:extLst>
+          </a:blip>
+          <a:srcRect l="31847"/>
+          <a:stretch/>
+        </p:blipFill>
+        <p:spPr>
+          <a:xfrm>
+            <a:off x="8346442" y="233414"/>
+            <a:ext cx="2080733" cy="2290664"/>
+          </a:xfrm>
+          <a:prstGeom prst="rect">
+            <a:avLst/>
+          </a:prstGeom>
+          <a:effectLst>
+            <a:outerShdw blurRad="50800" dist="38100" dir="2700000" algn="tl" rotWithShape="0">
+              <a:prstClr val="black">
+                <a:alpha val="40000"/>
+              </a:prstClr>
+            </a:outerShdw>
+          </a:effectLst>
+        </p:spPr>
+      </p:pic>
       <p:sp>
         <p:nvSpPr>
           <p:cNvPr id="6" name="テキスト ボックス 5">
@@ -4369,7 +4411,7 @@
         </p:nvSpPr>
         <p:spPr>
           <a:xfrm>
-            <a:off x="6356981" y="2168144"/>
+            <a:off x="6663343" y="1945935"/>
             <a:ext cx="5075428" cy="1015663"/>
           </a:xfrm>
           <a:prstGeom prst="rect">
@@ -4384,7 +4426,7 @@
           <a:lstStyle/>
           <a:p>
             <a:r>
-              <a:rPr kumimoji="1" lang="ja-JP" altLang="en-US" sz="2800" strike="sngStrike" dirty="0">
+              <a:rPr kumimoji="1" lang="ja-JP" altLang="en-US" sz="2800" dirty="0">
                 <a:effectLst>
                   <a:glow rad="127000">
                     <a:schemeClr val="bg1"/>
@@ -4398,9 +4440,9 @@
                 <a:latin typeface="HGP創英角ｺﾞｼｯｸUB" panose="020B0900000000000000" pitchFamily="50" charset="-128"/>
                 <a:ea typeface="HGP創英角ｺﾞｼｯｸUB" panose="020B0900000000000000" pitchFamily="50" charset="-128"/>
               </a:rPr>
-              <a:t>アイスはすれ違いざまに手渡し</a:t>
-            </a:r>
-            <a:endParaRPr kumimoji="1" lang="en-US" altLang="ja-JP" sz="2800" strike="sngStrike" dirty="0">
+              <a:t>アイスはすれ違いざまに投げ渡す</a:t>
+            </a:r>
+            <a:endParaRPr kumimoji="1" lang="en-US" altLang="ja-JP" sz="2800" dirty="0">
               <a:effectLst>
                 <a:glow rad="127000">
                   <a:schemeClr val="bg1"/>
@@ -4417,7 +4459,7 @@
           </a:p>
           <a:p>
             <a:r>
-              <a:rPr kumimoji="1" lang="ja-JP" altLang="en-US" sz="2800" strike="sngStrike" dirty="0">
+              <a:rPr kumimoji="1" lang="ja-JP" altLang="en-US" sz="2800" dirty="0">
                 <a:effectLst>
                   <a:glow rad="127000">
                     <a:schemeClr val="bg1"/>
@@ -4434,7 +4476,7 @@
               <a:t>でも</a:t>
             </a:r>
             <a:r>
-              <a:rPr kumimoji="1" lang="ja-JP" altLang="en-US" sz="3200" strike="sngStrike" dirty="0">
+              <a:rPr kumimoji="1" lang="ja-JP" altLang="en-US" sz="3200" dirty="0">
                 <a:solidFill>
                   <a:srgbClr val="FF0000"/>
                 </a:solidFill>
@@ -4451,9 +4493,9 @@
                 <a:latin typeface="HGP創英角ｺﾞｼｯｸUB" panose="020B0900000000000000" pitchFamily="50" charset="-128"/>
                 <a:ea typeface="HGP創英角ｺﾞｼｯｸUB" panose="020B0900000000000000" pitchFamily="50" charset="-128"/>
               </a:rPr>
-              <a:t>速すぎるとうまく渡せない</a:t>
-            </a:r>
-            <a:endParaRPr kumimoji="1" lang="en-US" altLang="ja-JP" sz="2800" strike="sngStrike" dirty="0">
+              <a:t>速すぎると渡せない</a:t>
+            </a:r>
+            <a:endParaRPr kumimoji="1" lang="en-US" altLang="ja-JP" sz="3200" dirty="0">
               <a:solidFill>
                 <a:srgbClr val="FF0000"/>
               </a:solidFill>
@@ -4475,48 +4517,6 @@
       </p:sp>
       <p:pic>
         <p:nvPicPr>
-          <p:cNvPr id="11" name="図 10" descr="バイクに乗っている人のイラスト&#10;&#10;低い精度で自動的に生成された説明">
-            <a:extLst>
-              <a:ext uri="{FF2B5EF4-FFF2-40B4-BE49-F238E27FC236}">
-                <a16:creationId xmlns:a16="http://schemas.microsoft.com/office/drawing/2014/main" id="{FD41AED3-8881-588E-8CE2-AF7CDA00C3B5}"/>
-              </a:ext>
-            </a:extLst>
-          </p:cNvPr>
-          <p:cNvPicPr>
-            <a:picLocks noChangeAspect="1"/>
-          </p:cNvPicPr>
-          <p:nvPr/>
-        </p:nvPicPr>
-        <p:blipFill>
-          <a:blip r:embed="rId2">
-            <a:extLst>
-              <a:ext uri="{28A0092B-C50C-407E-A947-70E740481C1C}">
-                <a14:useLocalDpi xmlns:a14="http://schemas.microsoft.com/office/drawing/2010/main" val="0"/>
-              </a:ext>
-            </a:extLst>
-          </a:blip>
-          <a:srcRect l="31847"/>
-          <a:stretch/>
-        </p:blipFill>
-        <p:spPr>
-          <a:xfrm>
-            <a:off x="8318450" y="60226"/>
-            <a:ext cx="2080733" cy="2290664"/>
-          </a:xfrm>
-          <a:prstGeom prst="rect">
-            <a:avLst/>
-          </a:prstGeom>
-          <a:effectLst>
-            <a:outerShdw blurRad="50800" dist="38100" dir="2700000" algn="tl" rotWithShape="0">
-              <a:prstClr val="black">
-                <a:alpha val="40000"/>
-              </a:prstClr>
-            </a:outerShdw>
-          </a:effectLst>
-        </p:spPr>
-      </p:pic>
-      <p:pic>
-        <p:nvPicPr>
           <p:cNvPr id="16" name="図 15" descr="アイコン&#10;&#10;自動的に生成された説明">
             <a:extLst>
               <a:ext uri="{FF2B5EF4-FFF2-40B4-BE49-F238E27FC236}">
@@ -4543,7 +4543,7 @@
         </p:blipFill>
         <p:spPr>
           <a:xfrm rot="20447033" flipH="1">
-            <a:off x="8209384" y="57735"/>
+            <a:off x="8237376" y="249585"/>
             <a:ext cx="292780" cy="661898"/>
           </a:xfrm>
           <a:prstGeom prst="rect">
@@ -4575,7 +4575,7 @@
         </p:nvSpPr>
         <p:spPr>
           <a:xfrm>
-            <a:off x="1292441" y="4648730"/>
+            <a:off x="1293036" y="4551520"/>
             <a:ext cx="9607117" cy="2000548"/>
           </a:xfrm>
           <a:prstGeom prst="rect">
@@ -4809,146 +4809,6 @@
           </a:effectLst>
         </p:spPr>
       </p:pic>
-      <p:sp>
-        <p:nvSpPr>
-          <p:cNvPr id="21" name="テキスト ボックス 20">
-            <a:extLst>
-              <a:ext uri="{FF2B5EF4-FFF2-40B4-BE49-F238E27FC236}">
-                <a16:creationId xmlns:a16="http://schemas.microsoft.com/office/drawing/2014/main" id="{55271BEE-D898-5F08-9EEB-8E3758A5F9D3}"/>
-              </a:ext>
-            </a:extLst>
-          </p:cNvPr>
-          <p:cNvSpPr txBox="1"/>
-          <p:nvPr/>
-        </p:nvSpPr>
-        <p:spPr>
-          <a:xfrm>
-            <a:off x="9824710" y="388684"/>
-            <a:ext cx="4164923" cy="1631216"/>
-          </a:xfrm>
-          <a:prstGeom prst="rect">
-            <a:avLst/>
-          </a:prstGeom>
-          <a:noFill/>
-        </p:spPr>
-        <p:txBody>
-          <a:bodyPr wrap="none" rtlCol="0">
-            <a:spAutoFit/>
-          </a:bodyPr>
-          <a:lstStyle/>
-          <a:p>
-            <a:r>
-              <a:rPr lang="ja-JP" altLang="en-US" sz="3200" dirty="0">
-                <a:effectLst>
-                  <a:glow rad="127000">
-                    <a:schemeClr val="bg1"/>
-                  </a:glow>
-                  <a:outerShdw blurRad="38100" dist="38100" dir="2700000" algn="tl">
-                    <a:srgbClr val="000000">
-                      <a:alpha val="43137"/>
-                    </a:srgbClr>
-                  </a:outerShdw>
-                </a:effectLst>
-                <a:latin typeface="HGP創英角ｺﾞｼｯｸUB" panose="020B0900000000000000" pitchFamily="50" charset="-128"/>
-                <a:ea typeface="HGP創英角ｺﾞｼｯｸUB" panose="020B0900000000000000" pitchFamily="50" charset="-128"/>
-              </a:rPr>
-              <a:t>アイスを待っている人へ</a:t>
-            </a:r>
-            <a:endParaRPr lang="en-US" altLang="ja-JP" sz="3200" dirty="0">
-              <a:effectLst>
-                <a:glow rad="127000">
-                  <a:schemeClr val="bg1"/>
-                </a:glow>
-                <a:outerShdw blurRad="38100" dist="38100" dir="2700000" algn="tl">
-                  <a:srgbClr val="000000">
-                    <a:alpha val="43137"/>
-                  </a:srgbClr>
-                </a:outerShdw>
-              </a:effectLst>
-              <a:latin typeface="HGP創英角ｺﾞｼｯｸUB" panose="020B0900000000000000" pitchFamily="50" charset="-128"/>
-              <a:ea typeface="HGP創英角ｺﾞｼｯｸUB" panose="020B0900000000000000" pitchFamily="50" charset="-128"/>
-            </a:endParaRPr>
-          </a:p>
-          <a:p>
-            <a:r>
-              <a:rPr kumimoji="1" lang="ja-JP" altLang="en-US" sz="3200" dirty="0">
-                <a:solidFill>
-                  <a:srgbClr val="FF0000"/>
-                </a:solidFill>
-                <a:effectLst>
-                  <a:glow rad="127000">
-                    <a:schemeClr val="bg1"/>
-                  </a:glow>
-                  <a:outerShdw blurRad="38100" dist="38100" dir="2700000" algn="tl">
-                    <a:srgbClr val="000000">
-                      <a:alpha val="43137"/>
-                    </a:srgbClr>
-                  </a:outerShdw>
-                </a:effectLst>
-                <a:latin typeface="HGP創英角ｺﾞｼｯｸUB" panose="020B0900000000000000" pitchFamily="50" charset="-128"/>
-                <a:ea typeface="HGP創英角ｺﾞｼｯｸUB" panose="020B0900000000000000" pitchFamily="50" charset="-128"/>
-              </a:rPr>
-              <a:t>アイスを投げまくる</a:t>
-            </a:r>
-            <a:endParaRPr kumimoji="1" lang="en-US" altLang="ja-JP" sz="3200" dirty="0">
-              <a:solidFill>
-                <a:srgbClr val="FF0000"/>
-              </a:solidFill>
-              <a:effectLst>
-                <a:glow rad="127000">
-                  <a:schemeClr val="bg1"/>
-                </a:glow>
-                <a:outerShdw blurRad="38100" dist="38100" dir="2700000" algn="tl">
-                  <a:srgbClr val="000000">
-                    <a:alpha val="43137"/>
-                  </a:srgbClr>
-                </a:outerShdw>
-              </a:effectLst>
-              <a:latin typeface="HGP創英角ｺﾞｼｯｸUB" panose="020B0900000000000000" pitchFamily="50" charset="-128"/>
-              <a:ea typeface="HGP創英角ｺﾞｼｯｸUB" panose="020B0900000000000000" pitchFamily="50" charset="-128"/>
-            </a:endParaRPr>
-          </a:p>
-          <a:p>
-            <a:r>
-              <a:rPr lang="ja-JP" altLang="en-US" sz="3200" dirty="0">
-                <a:solidFill>
-                  <a:srgbClr val="FF0000"/>
-                </a:solidFill>
-                <a:effectLst>
-                  <a:glow rad="127000">
-                    <a:schemeClr val="bg1"/>
-                  </a:glow>
-                  <a:outerShdw blurRad="38100" dist="38100" dir="2700000" algn="tl">
-                    <a:srgbClr val="000000">
-                      <a:alpha val="43137"/>
-                    </a:srgbClr>
-                  </a:outerShdw>
-                </a:effectLst>
-                <a:latin typeface="HGP創英角ｺﾞｼｯｸUB" panose="020B0900000000000000" pitchFamily="50" charset="-128"/>
-                <a:ea typeface="HGP創英角ｺﾞｼｯｸUB" panose="020B0900000000000000" pitchFamily="50" charset="-128"/>
-              </a:rPr>
-              <a:t>（ペーパーボーイ）</a:t>
-            </a:r>
-            <a:endParaRPr kumimoji="1" lang="ja-JP" altLang="en-US" sz="3600" dirty="0">
-              <a:solidFill>
-                <a:srgbClr val="FF0000"/>
-              </a:solidFill>
-              <a:effectLst>
-                <a:glow rad="127000">
-                  <a:schemeClr val="bg1"/>
-                </a:glow>
-                <a:outerShdw blurRad="38100" dist="38100" dir="2700000" algn="tl">
-                  <a:srgbClr val="000000">
-                    <a:alpha val="43137"/>
-                  </a:srgbClr>
-                </a:outerShdw>
-              </a:effectLst>
-              <a:latin typeface="HGP創英角ｺﾞｼｯｸUB" panose="020B0900000000000000" pitchFamily="50" charset="-128"/>
-              <a:ea typeface="HGP創英角ｺﾞｼｯｸUB" panose="020B0900000000000000" pitchFamily="50" charset="-128"/>
-            </a:endParaRPr>
-          </a:p>
-        </p:txBody>
-      </p:sp>
     </p:spTree>
     <p:extLst>
       <p:ext uri="{BB962C8B-B14F-4D97-AF65-F5344CB8AC3E}">
@@ -6147,13 +6007,13 @@
           <p:nvPr>
             <p:extLst>
               <p:ext uri="{D42A27DB-BD31-4B8C-83A1-F6EECF244321}">
-                <p14:modId xmlns:p14="http://schemas.microsoft.com/office/powerpoint/2010/main" val="738266858"/>
+                <p14:modId xmlns:p14="http://schemas.microsoft.com/office/powerpoint/2010/main" val="3066681086"/>
               </p:ext>
             </p:extLst>
           </p:nvPr>
         </p:nvGraphicFramePr>
         <p:xfrm>
-          <a:off x="209641" y="1950097"/>
+          <a:off x="209641" y="1931435"/>
           <a:ext cx="5174122" cy="4848968"/>
         </p:xfrm>
         <a:graphic>
@@ -6708,7 +6568,7 @@
         </p:blipFill>
         <p:spPr>
           <a:xfrm flipH="1">
-            <a:off x="436721" y="3764039"/>
+            <a:off x="436721" y="3745377"/>
             <a:ext cx="609790" cy="578886"/>
           </a:xfrm>
           <a:prstGeom prst="rect">
@@ -6739,7 +6599,7 @@
         </p:nvSpPr>
         <p:spPr>
           <a:xfrm>
-            <a:off x="359130" y="4363522"/>
+            <a:off x="359130" y="4344860"/>
             <a:ext cx="631811" cy="264418"/>
           </a:xfrm>
           <a:prstGeom prst="curvedDownArrow">
@@ -6791,7 +6651,7 @@
         </p:nvSpPr>
         <p:spPr>
           <a:xfrm flipH="1">
-            <a:off x="359131" y="4865109"/>
+            <a:off x="359131" y="4846447"/>
             <a:ext cx="631811" cy="177846"/>
           </a:xfrm>
           <a:prstGeom prst="curvedUpArrow">
@@ -6854,7 +6714,7 @@
         </p:blipFill>
         <p:spPr>
           <a:xfrm flipH="1">
-            <a:off x="365165" y="4419585"/>
+            <a:off x="365165" y="4400923"/>
             <a:ext cx="594655" cy="564519"/>
           </a:xfrm>
           <a:prstGeom prst="rect">
@@ -6877,7 +6737,7 @@
         </p:nvSpPr>
         <p:spPr>
           <a:xfrm>
-            <a:off x="1197235" y="4458185"/>
+            <a:off x="1197235" y="4439523"/>
             <a:ext cx="697627" cy="400110"/>
           </a:xfrm>
           <a:prstGeom prst="rect">
@@ -6939,7 +6799,7 @@
         </p:nvSpPr>
         <p:spPr>
           <a:xfrm>
-            <a:off x="0" y="913458"/>
+            <a:off x="0" y="876134"/>
             <a:ext cx="6609502" cy="1015663"/>
           </a:xfrm>
           <a:prstGeom prst="rect">
@@ -7409,7 +7269,7 @@
         </p:nvSpPr>
         <p:spPr>
           <a:xfrm>
-            <a:off x="1344603" y="3257887"/>
+            <a:off x="1344603" y="3239225"/>
             <a:ext cx="441146" cy="400110"/>
           </a:xfrm>
           <a:prstGeom prst="rect">
@@ -7485,7 +7345,7 @@
         </p:blipFill>
         <p:spPr>
           <a:xfrm>
-            <a:off x="3471344" y="3234733"/>
+            <a:off x="3471344" y="3216071"/>
             <a:ext cx="507594" cy="507594"/>
           </a:xfrm>
           <a:prstGeom prst="rect">
@@ -7514,7 +7374,7 @@
         </p:nvSpPr>
         <p:spPr>
           <a:xfrm>
-            <a:off x="3725141" y="3085024"/>
+            <a:off x="3725141" y="3066362"/>
             <a:ext cx="395549" cy="370827"/>
           </a:xfrm>
           <a:prstGeom prst="rect">
@@ -7596,7 +7456,7 @@
         </p:blipFill>
         <p:spPr>
           <a:xfrm rot="1503867">
-            <a:off x="869853" y="3706380"/>
+            <a:off x="869853" y="3687718"/>
             <a:ext cx="315640" cy="466463"/>
           </a:xfrm>
           <a:prstGeom prst="rect">
@@ -7633,7 +7493,7 @@
         </p:blipFill>
         <p:spPr>
           <a:xfrm rot="20509965">
-            <a:off x="398156" y="3708551"/>
+            <a:off x="398156" y="3689889"/>
             <a:ext cx="204688" cy="302494"/>
           </a:xfrm>
           <a:prstGeom prst="rect">
@@ -7656,7 +7516,7 @@
         </p:nvSpPr>
         <p:spPr>
           <a:xfrm>
-            <a:off x="1323018" y="3885012"/>
+            <a:off x="1323018" y="3866350"/>
             <a:ext cx="441146" cy="400110"/>
           </a:xfrm>
           <a:prstGeom prst="rect">
@@ -7732,7 +7592,7 @@
         </p:blipFill>
         <p:spPr>
           <a:xfrm>
-            <a:off x="3441917" y="3819611"/>
+            <a:off x="3441917" y="3800949"/>
             <a:ext cx="507594" cy="507594"/>
           </a:xfrm>
           <a:prstGeom prst="rect">
@@ -7761,7 +7621,7 @@
         </p:nvSpPr>
         <p:spPr>
           <a:xfrm>
-            <a:off x="3695714" y="3669902"/>
+            <a:off x="3695714" y="3651240"/>
             <a:ext cx="395549" cy="370827"/>
           </a:xfrm>
           <a:prstGeom prst="rect">
@@ -7843,7 +7703,7 @@
         </p:blipFill>
         <p:spPr>
           <a:xfrm>
-            <a:off x="4527645" y="3842506"/>
+            <a:off x="4527645" y="3823844"/>
             <a:ext cx="507594" cy="507594"/>
           </a:xfrm>
           <a:prstGeom prst="rect">
@@ -7872,7 +7732,7 @@
         </p:nvSpPr>
         <p:spPr>
           <a:xfrm>
-            <a:off x="4781442" y="3692797"/>
+            <a:off x="4781442" y="3674135"/>
             <a:ext cx="395549" cy="370827"/>
           </a:xfrm>
           <a:prstGeom prst="rect">
@@ -7940,7 +7800,7 @@
         </p:nvSpPr>
         <p:spPr>
           <a:xfrm>
-            <a:off x="1185959" y="5046997"/>
+            <a:off x="1185959" y="5028335"/>
             <a:ext cx="697627" cy="400110"/>
           </a:xfrm>
           <a:prstGeom prst="rect">
@@ -8002,7 +7862,7 @@
         </p:nvSpPr>
         <p:spPr>
           <a:xfrm>
-            <a:off x="945589" y="5662802"/>
+            <a:off x="945589" y="5644140"/>
             <a:ext cx="1034257" cy="400110"/>
           </a:xfrm>
           <a:prstGeom prst="rect">
@@ -8064,7 +7924,7 @@
         </p:nvSpPr>
         <p:spPr>
           <a:xfrm>
-            <a:off x="1164228" y="6288399"/>
+            <a:off x="1164228" y="6269737"/>
             <a:ext cx="697627" cy="400110"/>
           </a:xfrm>
           <a:prstGeom prst="rect">
@@ -8126,7 +7986,7 @@
         </p:nvSpPr>
         <p:spPr>
           <a:xfrm>
-            <a:off x="369115" y="2634143"/>
+            <a:off x="369115" y="2615481"/>
             <a:ext cx="1547218" cy="400110"/>
           </a:xfrm>
           <a:prstGeom prst="rect">
@@ -8202,7 +8062,7 @@
         </p:blipFill>
         <p:spPr>
           <a:xfrm>
-            <a:off x="4527447" y="2606244"/>
+            <a:off x="4527447" y="2587582"/>
             <a:ext cx="507594" cy="507594"/>
           </a:xfrm>
           <a:prstGeom prst="rect">
@@ -8231,7 +8091,7 @@
         </p:nvSpPr>
         <p:spPr>
           <a:xfrm>
-            <a:off x="4754733" y="2414223"/>
+            <a:off x="4754733" y="2395561"/>
             <a:ext cx="395548" cy="370827"/>
           </a:xfrm>
           <a:prstGeom prst="rect">
@@ -8313,7 +8173,7 @@
         </p:blipFill>
         <p:spPr>
           <a:xfrm>
-            <a:off x="4504855" y="4467488"/>
+            <a:off x="4504855" y="4448826"/>
             <a:ext cx="507594" cy="507594"/>
           </a:xfrm>
           <a:prstGeom prst="rect">
@@ -8342,7 +8202,7 @@
         </p:nvSpPr>
         <p:spPr>
           <a:xfrm>
-            <a:off x="4732141" y="4275467"/>
+            <a:off x="4732141" y="4256805"/>
             <a:ext cx="395548" cy="370827"/>
           </a:xfrm>
           <a:prstGeom prst="rect">
@@ -8424,7 +8284,7 @@
         </p:blipFill>
         <p:spPr>
           <a:xfrm>
-            <a:off x="3445446" y="2628431"/>
+            <a:off x="3445446" y="2609769"/>
             <a:ext cx="507594" cy="507594"/>
           </a:xfrm>
           <a:prstGeom prst="rect">
@@ -8453,7 +8313,7 @@
         </p:nvSpPr>
         <p:spPr>
           <a:xfrm>
-            <a:off x="3672732" y="2436410"/>
+            <a:off x="3672732" y="2417748"/>
             <a:ext cx="395548" cy="370827"/>
           </a:xfrm>
           <a:prstGeom prst="rect">
@@ -8535,7 +8395,7 @@
         </p:blipFill>
         <p:spPr>
           <a:xfrm>
-            <a:off x="2264857" y="2632291"/>
+            <a:off x="2264857" y="2613629"/>
             <a:ext cx="507594" cy="507594"/>
           </a:xfrm>
           <a:prstGeom prst="rect">
@@ -8564,7 +8424,7 @@
         </p:nvSpPr>
         <p:spPr>
           <a:xfrm>
-            <a:off x="2518654" y="2482582"/>
+            <a:off x="2518654" y="2463920"/>
             <a:ext cx="395549" cy="370827"/>
           </a:xfrm>
           <a:prstGeom prst="rect">
@@ -8646,7 +8506,7 @@
         </p:blipFill>
         <p:spPr>
           <a:xfrm>
-            <a:off x="2254915" y="3243396"/>
+            <a:off x="2254915" y="3224734"/>
             <a:ext cx="507594" cy="507594"/>
           </a:xfrm>
           <a:prstGeom prst="rect">
@@ -8675,7 +8535,7 @@
         </p:nvSpPr>
         <p:spPr>
           <a:xfrm>
-            <a:off x="2508712" y="3093687"/>
+            <a:off x="2508712" y="3075025"/>
             <a:ext cx="395549" cy="370827"/>
           </a:xfrm>
           <a:prstGeom prst="rect">
@@ -8757,7 +8617,7 @@
         </p:blipFill>
         <p:spPr>
           <a:xfrm>
-            <a:off x="2264855" y="3841232"/>
+            <a:off x="2264855" y="3822570"/>
             <a:ext cx="507594" cy="507594"/>
           </a:xfrm>
           <a:prstGeom prst="rect">
@@ -8786,7 +8646,7 @@
         </p:nvSpPr>
         <p:spPr>
           <a:xfrm>
-            <a:off x="2487589" y="3691329"/>
+            <a:off x="2487589" y="3672667"/>
             <a:ext cx="395548" cy="370827"/>
           </a:xfrm>
           <a:prstGeom prst="rect">
@@ -8868,7 +8728,7 @@
         </p:blipFill>
         <p:spPr>
           <a:xfrm>
-            <a:off x="2254915" y="4470587"/>
+            <a:off x="2254915" y="4451925"/>
             <a:ext cx="507594" cy="507594"/>
           </a:xfrm>
           <a:prstGeom prst="rect">
@@ -8897,7 +8757,7 @@
         </p:nvSpPr>
         <p:spPr>
           <a:xfrm>
-            <a:off x="2477649" y="4320684"/>
+            <a:off x="2477649" y="4302022"/>
             <a:ext cx="395548" cy="370827"/>
           </a:xfrm>
           <a:prstGeom prst="rect">
@@ -8979,7 +8839,7 @@
         </p:blipFill>
         <p:spPr>
           <a:xfrm>
-            <a:off x="2268145" y="5075609"/>
+            <a:off x="2268145" y="5056947"/>
             <a:ext cx="507594" cy="507594"/>
           </a:xfrm>
           <a:prstGeom prst="rect">
@@ -9008,7 +8868,7 @@
         </p:nvSpPr>
         <p:spPr>
           <a:xfrm>
-            <a:off x="2490877" y="4925705"/>
+            <a:off x="2490877" y="4907043"/>
             <a:ext cx="395548" cy="370827"/>
           </a:xfrm>
           <a:prstGeom prst="rect">
@@ -9090,7 +8950,7 @@
         </p:blipFill>
         <p:spPr>
           <a:xfrm>
-            <a:off x="3414169" y="5021578"/>
+            <a:off x="3414169" y="5002916"/>
             <a:ext cx="507594" cy="507594"/>
           </a:xfrm>
           <a:prstGeom prst="rect">
@@ -9119,7 +8979,7 @@
         </p:nvSpPr>
         <p:spPr>
           <a:xfrm>
-            <a:off x="3636901" y="4871674"/>
+            <a:off x="3636901" y="4853012"/>
             <a:ext cx="395548" cy="370827"/>
           </a:xfrm>
           <a:prstGeom prst="rect">
@@ -9201,7 +9061,7 @@
         </p:blipFill>
         <p:spPr>
           <a:xfrm>
-            <a:off x="2261968" y="5691029"/>
+            <a:off x="2261968" y="5672367"/>
             <a:ext cx="507594" cy="507594"/>
           </a:xfrm>
           <a:prstGeom prst="rect">
@@ -9230,7 +9090,7 @@
         </p:nvSpPr>
         <p:spPr>
           <a:xfrm>
-            <a:off x="2484700" y="5541125"/>
+            <a:off x="2484700" y="5522463"/>
             <a:ext cx="395548" cy="370827"/>
           </a:xfrm>
           <a:prstGeom prst="rect">
@@ -9312,7 +9172,7 @@
         </p:blipFill>
         <p:spPr>
           <a:xfrm>
-            <a:off x="2245959" y="6320328"/>
+            <a:off x="2245959" y="6301666"/>
             <a:ext cx="507594" cy="507594"/>
           </a:xfrm>
           <a:prstGeom prst="rect">
@@ -9341,7 +9201,7 @@
         </p:nvSpPr>
         <p:spPr>
           <a:xfrm>
-            <a:off x="2468691" y="6170424"/>
+            <a:off x="2468691" y="6151762"/>
             <a:ext cx="395548" cy="370827"/>
           </a:xfrm>
           <a:prstGeom prst="rect">
@@ -9423,7 +9283,7 @@
         </p:blipFill>
         <p:spPr>
           <a:xfrm>
-            <a:off x="3409714" y="6291468"/>
+            <a:off x="3409714" y="6272806"/>
             <a:ext cx="507594" cy="507594"/>
           </a:xfrm>
           <a:prstGeom prst="rect">
@@ -9452,7 +9312,7 @@
         </p:nvSpPr>
         <p:spPr>
           <a:xfrm>
-            <a:off x="3632446" y="6141564"/>
+            <a:off x="3632446" y="6122902"/>
             <a:ext cx="395548" cy="370827"/>
           </a:xfrm>
           <a:prstGeom prst="rect">
@@ -9534,7 +9394,7 @@
         </p:blipFill>
         <p:spPr>
           <a:xfrm>
-            <a:off x="3409714" y="5642854"/>
+            <a:off x="3409714" y="5624192"/>
             <a:ext cx="507594" cy="507594"/>
           </a:xfrm>
           <a:prstGeom prst="rect">
@@ -9563,7 +9423,7 @@
         </p:nvSpPr>
         <p:spPr>
           <a:xfrm>
-            <a:off x="3632446" y="5492950"/>
+            <a:off x="3632446" y="5474288"/>
             <a:ext cx="395548" cy="370827"/>
           </a:xfrm>
           <a:prstGeom prst="rect">
@@ -9645,7 +9505,7 @@
         </p:blipFill>
         <p:spPr>
           <a:xfrm>
-            <a:off x="3434065" y="4396171"/>
+            <a:off x="3434065" y="4377509"/>
             <a:ext cx="507594" cy="507594"/>
           </a:xfrm>
           <a:prstGeom prst="rect">
@@ -9674,7 +9534,7 @@
         </p:nvSpPr>
         <p:spPr>
           <a:xfrm>
-            <a:off x="3656797" y="4246267"/>
+            <a:off x="3656797" y="4227605"/>
             <a:ext cx="395548" cy="370827"/>
           </a:xfrm>
           <a:prstGeom prst="rect">
@@ -9756,7 +9616,7 @@
         </p:blipFill>
         <p:spPr>
           <a:xfrm>
-            <a:off x="4469330" y="5662830"/>
+            <a:off x="4469330" y="5644168"/>
             <a:ext cx="507594" cy="507594"/>
           </a:xfrm>
           <a:prstGeom prst="rect">
@@ -9785,7 +9645,7 @@
         </p:nvSpPr>
         <p:spPr>
           <a:xfrm>
-            <a:off x="4692062" y="5512926"/>
+            <a:off x="4692062" y="5494264"/>
             <a:ext cx="395548" cy="370827"/>
           </a:xfrm>
           <a:prstGeom prst="rect">
@@ -9867,7 +9727,7 @@
         </p:blipFill>
         <p:spPr>
           <a:xfrm>
-            <a:off x="4516250" y="3236277"/>
+            <a:off x="4516250" y="3217615"/>
             <a:ext cx="507594" cy="507594"/>
           </a:xfrm>
           <a:prstGeom prst="rect">
@@ -9896,7 +9756,7 @@
         </p:nvSpPr>
         <p:spPr>
           <a:xfrm>
-            <a:off x="4743536" y="3044256"/>
+            <a:off x="4743536" y="3025594"/>
             <a:ext cx="395548" cy="370827"/>
           </a:xfrm>
           <a:prstGeom prst="rect">
@@ -9978,7 +9838,7 @@
         </p:blipFill>
         <p:spPr>
           <a:xfrm>
-            <a:off x="4460609" y="6305804"/>
+            <a:off x="4460609" y="6287142"/>
             <a:ext cx="507594" cy="507594"/>
           </a:xfrm>
           <a:prstGeom prst="rect">
@@ -10007,7 +9867,7 @@
         </p:nvSpPr>
         <p:spPr>
           <a:xfrm>
-            <a:off x="4683341" y="6155900"/>
+            <a:off x="4683341" y="6137238"/>
             <a:ext cx="395548" cy="370827"/>
           </a:xfrm>
           <a:prstGeom prst="rect">
@@ -10089,7 +9949,7 @@
         </p:blipFill>
         <p:spPr>
           <a:xfrm>
-            <a:off x="4527645" y="5011583"/>
+            <a:off x="4527645" y="4992921"/>
             <a:ext cx="507594" cy="507594"/>
           </a:xfrm>
           <a:prstGeom prst="rect">
@@ -10118,7 +9978,7 @@
         </p:nvSpPr>
         <p:spPr>
           <a:xfrm>
-            <a:off x="4781442" y="4861874"/>
+            <a:off x="4781442" y="4843212"/>
             <a:ext cx="395549" cy="370827"/>
           </a:xfrm>
           <a:prstGeom prst="rect">
@@ -10199,7 +10059,7 @@
         </p:blipFill>
         <p:spPr>
           <a:xfrm rot="20981433" flipH="1">
-            <a:off x="281236" y="5643248"/>
+            <a:off x="281236" y="5624586"/>
             <a:ext cx="711770" cy="451637"/>
           </a:xfrm>
           <a:prstGeom prst="rect">
@@ -10293,7 +10153,7 @@
         </p:blipFill>
         <p:spPr>
           <a:xfrm>
-            <a:off x="258611" y="5088949"/>
+            <a:off x="258611" y="5070287"/>
             <a:ext cx="913806" cy="355576"/>
           </a:xfrm>
           <a:prstGeom prst="rect">
@@ -10336,7 +10196,7 @@
         </p:blipFill>
         <p:spPr>
           <a:xfrm flipH="1">
-            <a:off x="451501" y="3153764"/>
+            <a:off x="451501" y="3135102"/>
             <a:ext cx="609790" cy="578886"/>
           </a:xfrm>
           <a:prstGeom prst="rect">
@@ -10379,7 +10239,7 @@
         </p:blipFill>
         <p:spPr>
           <a:xfrm rot="15851474">
-            <a:off x="147183" y="6334823"/>
+            <a:off x="147183" y="6316161"/>
             <a:ext cx="470334" cy="470334"/>
           </a:xfrm>
           <a:prstGeom prst="rect">
@@ -10415,7 +10275,7 @@
         </p:blipFill>
         <p:spPr>
           <a:xfrm rot="21251474" flipH="1">
-            <a:off x="499242" y="6198103"/>
+            <a:off x="499242" y="6179441"/>
             <a:ext cx="632107" cy="600072"/>
           </a:xfrm>
           <a:prstGeom prst="rect">
@@ -11216,12 +11076,73 @@
           <a:chExt cx="0" cy="0"/>
         </a:xfrm>
       </p:grpSpPr>
+      <p:sp>
+        <p:nvSpPr>
+          <p:cNvPr id="7" name="直角三角形 6">
+            <a:extLst>
+              <a:ext uri="{FF2B5EF4-FFF2-40B4-BE49-F238E27FC236}">
+                <a16:creationId xmlns:a16="http://schemas.microsoft.com/office/drawing/2014/main" id="{9532A90F-59D1-917A-6CD8-55A0D3E11E98}"/>
+              </a:ext>
+            </a:extLst>
+          </p:cNvPr>
+          <p:cNvSpPr/>
+          <p:nvPr/>
+        </p:nvSpPr>
+        <p:spPr>
+          <a:xfrm flipH="1">
+            <a:off x="8990821" y="4869506"/>
+            <a:ext cx="1846953" cy="827943"/>
+          </a:xfrm>
+          <a:prstGeom prst="rtTriangle">
+            <a:avLst/>
+          </a:prstGeom>
+          <a:solidFill>
+            <a:schemeClr val="bg2"/>
+          </a:solidFill>
+          <a:ln>
+            <a:solidFill>
+              <a:schemeClr val="tx1"/>
+            </a:solidFill>
+          </a:ln>
+          <a:effectLst>
+            <a:outerShdw blurRad="50800" dist="38100" dir="2700000" algn="tl" rotWithShape="0">
+              <a:prstClr val="black">
+                <a:alpha val="40000"/>
+              </a:prstClr>
+            </a:outerShdw>
+          </a:effectLst>
+        </p:spPr>
+        <p:style>
+          <a:lnRef idx="2">
+            <a:schemeClr val="accent1">
+              <a:shade val="15000"/>
+            </a:schemeClr>
+          </a:lnRef>
+          <a:fillRef idx="1">
+            <a:schemeClr val="accent1"/>
+          </a:fillRef>
+          <a:effectRef idx="0">
+            <a:schemeClr val="accent1"/>
+          </a:effectRef>
+          <a:fontRef idx="minor">
+            <a:schemeClr val="lt1"/>
+          </a:fontRef>
+        </p:style>
+        <p:txBody>
+          <a:bodyPr rtlCol="0" anchor="ctr"/>
+          <a:lstStyle/>
+          <a:p>
+            <a:pPr algn="ctr"/>
+            <a:endParaRPr kumimoji="1" lang="ja-JP" altLang="en-US"/>
+          </a:p>
+        </p:txBody>
+      </p:sp>
       <p:pic>
         <p:nvPicPr>
-          <p:cNvPr id="9" name="図 8" descr="屋内, 暗い, リモコン, 座る が含まれている画像&#10;&#10;自動的に生成された説明">
-            <a:extLst>
-              <a:ext uri="{FF2B5EF4-FFF2-40B4-BE49-F238E27FC236}">
-                <a16:creationId xmlns:a16="http://schemas.microsoft.com/office/drawing/2014/main" id="{89411888-2E1F-229E-0E30-D58E7E6E50B9}"/>
+          <p:cNvPr id="15" name="図 14" descr="白いバックグラウンドの前に立っている建物&#10;&#10;中程度の精度で自動的に生成された説明">
+            <a:extLst>
+              <a:ext uri="{FF2B5EF4-FFF2-40B4-BE49-F238E27FC236}">
+                <a16:creationId xmlns:a16="http://schemas.microsoft.com/office/drawing/2014/main" id="{967AAA7E-9FE0-BAC7-5BDE-06BD97CCD619}"/>
               </a:ext>
             </a:extLst>
           </p:cNvPr>
@@ -11238,14 +11159,13 @@
               </a:ext>
             </a:extLst>
           </a:blip>
-          <a:stretch>
-            <a:fillRect/>
-          </a:stretch>
+          <a:srcRect l="5889" t="18917" r="9331" b="18749"/>
+          <a:stretch/>
         </p:blipFill>
         <p:spPr>
           <a:xfrm>
-            <a:off x="3827885" y="3301030"/>
-            <a:ext cx="3631741" cy="3631741"/>
+            <a:off x="1843844" y="4175979"/>
+            <a:ext cx="3321699" cy="1831698"/>
           </a:xfrm>
           <a:prstGeom prst="rect">
             <a:avLst/>
@@ -11261,10 +11181,10 @@
       </p:pic>
       <p:pic>
         <p:nvPicPr>
-          <p:cNvPr id="11" name="図 10" descr="設計図&#10;&#10;中程度の精度で自動的に生成された説明">
-            <a:extLst>
-              <a:ext uri="{FF2B5EF4-FFF2-40B4-BE49-F238E27FC236}">
-                <a16:creationId xmlns:a16="http://schemas.microsoft.com/office/drawing/2014/main" id="{951B8DD9-F66E-992E-14C8-187A218A6686}"/>
+          <p:cNvPr id="9" name="図 8" descr="屋内, 暗い, リモコン, 座る が含まれている画像&#10;&#10;自動的に生成された説明">
+            <a:extLst>
+              <a:ext uri="{FF2B5EF4-FFF2-40B4-BE49-F238E27FC236}">
+                <a16:creationId xmlns:a16="http://schemas.microsoft.com/office/drawing/2014/main" id="{89411888-2E1F-229E-0E30-D58E7E6E50B9}"/>
               </a:ext>
             </a:extLst>
           </p:cNvPr>
@@ -11281,14 +11201,13 @@
               </a:ext>
             </a:extLst>
           </a:blip>
-          <a:stretch>
-            <a:fillRect/>
-          </a:stretch>
+          <a:srcRect t="27293" b="34492"/>
+          <a:stretch/>
         </p:blipFill>
         <p:spPr>
           <a:xfrm>
-            <a:off x="3938900" y="3212829"/>
-            <a:ext cx="3202899" cy="2402174"/>
+            <a:off x="7184872" y="1289882"/>
+            <a:ext cx="3631741" cy="1387895"/>
           </a:xfrm>
           <a:prstGeom prst="rect">
             <a:avLst/>
@@ -11302,12 +11221,54 @@
           </a:effectLst>
         </p:spPr>
       </p:pic>
-      <p:sp>
-        <p:nvSpPr>
-          <p:cNvPr id="5" name="テキスト ボックス 4">
-            <a:extLst>
-              <a:ext uri="{FF2B5EF4-FFF2-40B4-BE49-F238E27FC236}">
-                <a16:creationId xmlns:a16="http://schemas.microsoft.com/office/drawing/2014/main" id="{471E8631-00F5-8B31-74A1-B0C11EF01637}"/>
+      <p:pic>
+        <p:nvPicPr>
+          <p:cNvPr id="11" name="図 10" descr="設計図&#10;&#10;中程度の精度で自動的に生成された説明">
+            <a:extLst>
+              <a:ext uri="{FF2B5EF4-FFF2-40B4-BE49-F238E27FC236}">
+                <a16:creationId xmlns:a16="http://schemas.microsoft.com/office/drawing/2014/main" id="{951B8DD9-F66E-992E-14C8-187A218A6686}"/>
+              </a:ext>
+            </a:extLst>
+          </p:cNvPr>
+          <p:cNvPicPr>
+            <a:picLocks noChangeAspect="1"/>
+          </p:cNvPicPr>
+          <p:nvPr/>
+        </p:nvPicPr>
+        <p:blipFill>
+          <a:blip r:embed="rId4">
+            <a:extLst>
+              <a:ext uri="{28A0092B-C50C-407E-A947-70E740481C1C}">
+                <a14:useLocalDpi xmlns:a14="http://schemas.microsoft.com/office/drawing/2010/main" val="0"/>
+              </a:ext>
+            </a:extLst>
+          </a:blip>
+          <a:srcRect t="20512"/>
+          <a:stretch/>
+        </p:blipFill>
+        <p:spPr>
+          <a:xfrm>
+            <a:off x="7295887" y="703220"/>
+            <a:ext cx="3202899" cy="1909445"/>
+          </a:xfrm>
+          <a:prstGeom prst="rect">
+            <a:avLst/>
+          </a:prstGeom>
+          <a:effectLst>
+            <a:outerShdw blurRad="50800" dist="38100" dir="2700000" algn="tl" rotWithShape="0">
+              <a:prstClr val="black">
+                <a:alpha val="40000"/>
+              </a:prstClr>
+            </a:outerShdw>
+          </a:effectLst>
+        </p:spPr>
+      </p:pic>
+      <p:sp>
+        <p:nvSpPr>
+          <p:cNvPr id="6" name="テキスト ボックス 5">
+            <a:extLst>
+              <a:ext uri="{FF2B5EF4-FFF2-40B4-BE49-F238E27FC236}">
+                <a16:creationId xmlns:a16="http://schemas.microsoft.com/office/drawing/2014/main" id="{5BCF08D2-5B43-1BF8-47B9-516EB8D578A2}"/>
               </a:ext>
             </a:extLst>
           </p:cNvPr>
@@ -11316,7 +11277,549 @@
         </p:nvSpPr>
         <p:spPr>
           <a:xfrm>
-            <a:off x="95652" y="2871122"/>
+            <a:off x="5535766" y="2422473"/>
+            <a:ext cx="4926350" cy="1631216"/>
+          </a:xfrm>
+          <a:prstGeom prst="rect">
+            <a:avLst/>
+          </a:prstGeom>
+          <a:noFill/>
+        </p:spPr>
+        <p:txBody>
+          <a:bodyPr wrap="none" rtlCol="0">
+            <a:spAutoFit/>
+          </a:bodyPr>
+          <a:lstStyle/>
+          <a:p>
+            <a:pPr algn="ctr"/>
+            <a:r>
+              <a:rPr lang="ja-JP" altLang="en-US" sz="3600" dirty="0">
+                <a:solidFill>
+                  <a:srgbClr val="FF0000"/>
+                </a:solidFill>
+                <a:effectLst>
+                  <a:glow rad="127000">
+                    <a:schemeClr val="bg1"/>
+                  </a:glow>
+                  <a:outerShdw blurRad="38100" dist="38100" dir="2700000" algn="tl">
+                    <a:srgbClr val="000000">
+                      <a:alpha val="43137"/>
+                    </a:srgbClr>
+                  </a:outerShdw>
+                </a:effectLst>
+                <a:latin typeface="HGP創英角ｺﾞｼｯｸUB" panose="020B0900000000000000" pitchFamily="50" charset="-128"/>
+                <a:ea typeface="HGP創英角ｺﾞｼｯｸUB" panose="020B0900000000000000" pitchFamily="50" charset="-128"/>
+              </a:rPr>
+              <a:t>消火栓</a:t>
+            </a:r>
+            <a:endParaRPr lang="en-US" altLang="ja-JP" sz="3600" dirty="0">
+              <a:solidFill>
+                <a:srgbClr val="FF0000"/>
+              </a:solidFill>
+              <a:effectLst>
+                <a:glow rad="127000">
+                  <a:schemeClr val="bg1"/>
+                </a:glow>
+                <a:outerShdw blurRad="38100" dist="38100" dir="2700000" algn="tl">
+                  <a:srgbClr val="000000">
+                    <a:alpha val="43137"/>
+                  </a:srgbClr>
+                </a:outerShdw>
+              </a:effectLst>
+              <a:latin typeface="HGP創英角ｺﾞｼｯｸUB" panose="020B0900000000000000" pitchFamily="50" charset="-128"/>
+              <a:ea typeface="HGP創英角ｺﾞｼｯｸUB" panose="020B0900000000000000" pitchFamily="50" charset="-128"/>
+            </a:endParaRPr>
+          </a:p>
+          <a:p>
+            <a:pPr algn="ctr"/>
+            <a:r>
+              <a:rPr kumimoji="1" lang="ja-JP" altLang="en-US" sz="3200" dirty="0">
+                <a:effectLst>
+                  <a:glow rad="127000">
+                    <a:schemeClr val="bg1"/>
+                  </a:glow>
+                  <a:outerShdw blurRad="38100" dist="38100" dir="2700000" algn="tl">
+                    <a:srgbClr val="000000">
+                      <a:alpha val="43137"/>
+                    </a:srgbClr>
+                  </a:outerShdw>
+                </a:effectLst>
+                <a:latin typeface="HGP創英角ｺﾞｼｯｸUB" panose="020B0900000000000000" pitchFamily="50" charset="-128"/>
+                <a:ea typeface="HGP創英角ｺﾞｼｯｸUB" panose="020B0900000000000000" pitchFamily="50" charset="-128"/>
+              </a:rPr>
+              <a:t>壊すと辺りが水浸しになって</a:t>
+            </a:r>
+            <a:endParaRPr kumimoji="1" lang="en-US" altLang="ja-JP" sz="3200" dirty="0">
+              <a:effectLst>
+                <a:glow rad="127000">
+                  <a:schemeClr val="bg1"/>
+                </a:glow>
+                <a:outerShdw blurRad="38100" dist="38100" dir="2700000" algn="tl">
+                  <a:srgbClr val="000000">
+                    <a:alpha val="43137"/>
+                  </a:srgbClr>
+                </a:outerShdw>
+              </a:effectLst>
+              <a:latin typeface="HGP創英角ｺﾞｼｯｸUB" panose="020B0900000000000000" pitchFamily="50" charset="-128"/>
+              <a:ea typeface="HGP創英角ｺﾞｼｯｸUB" panose="020B0900000000000000" pitchFamily="50" charset="-128"/>
+            </a:endParaRPr>
+          </a:p>
+          <a:p>
+            <a:pPr algn="ctr"/>
+            <a:r>
+              <a:rPr kumimoji="1" lang="ja-JP" altLang="en-US" sz="3200" dirty="0">
+                <a:effectLst>
+                  <a:glow rad="127000">
+                    <a:schemeClr val="bg1"/>
+                  </a:glow>
+                  <a:outerShdw blurRad="38100" dist="38100" dir="2700000" algn="tl">
+                    <a:srgbClr val="000000">
+                      <a:alpha val="43137"/>
+                    </a:srgbClr>
+                  </a:outerShdw>
+                </a:effectLst>
+                <a:latin typeface="HGP創英角ｺﾞｼｯｸUB" panose="020B0900000000000000" pitchFamily="50" charset="-128"/>
+                <a:ea typeface="HGP創英角ｺﾞｼｯｸUB" panose="020B0900000000000000" pitchFamily="50" charset="-128"/>
+              </a:rPr>
+              <a:t>スリップしやすくなる</a:t>
+            </a:r>
+          </a:p>
+        </p:txBody>
+      </p:sp>
+      <p:sp>
+        <p:nvSpPr>
+          <p:cNvPr id="8" name="テキスト ボックス 7">
+            <a:extLst>
+              <a:ext uri="{FF2B5EF4-FFF2-40B4-BE49-F238E27FC236}">
+                <a16:creationId xmlns:a16="http://schemas.microsoft.com/office/drawing/2014/main" id="{8018ECFD-4638-8240-41FB-B2BD44AFC230}"/>
+              </a:ext>
+            </a:extLst>
+          </p:cNvPr>
+          <p:cNvSpPr txBox="1"/>
+          <p:nvPr/>
+        </p:nvSpPr>
+        <p:spPr>
+          <a:xfrm>
+            <a:off x="1031890" y="5470524"/>
+            <a:ext cx="5085046" cy="1138773"/>
+          </a:xfrm>
+          <a:prstGeom prst="rect">
+            <a:avLst/>
+          </a:prstGeom>
+          <a:noFill/>
+        </p:spPr>
+        <p:txBody>
+          <a:bodyPr wrap="none" rtlCol="0">
+            <a:spAutoFit/>
+          </a:bodyPr>
+          <a:lstStyle/>
+          <a:p>
+            <a:pPr algn="ctr"/>
+            <a:r>
+              <a:rPr lang="ja-JP" altLang="en-US" sz="3600" dirty="0">
+                <a:solidFill>
+                  <a:schemeClr val="accent6"/>
+                </a:solidFill>
+                <a:effectLst>
+                  <a:glow rad="127000">
+                    <a:schemeClr val="bg1"/>
+                  </a:glow>
+                  <a:outerShdw blurRad="38100" dist="38100" dir="2700000" algn="tl">
+                    <a:srgbClr val="000000">
+                      <a:alpha val="43137"/>
+                    </a:srgbClr>
+                  </a:outerShdw>
+                </a:effectLst>
+                <a:latin typeface="HGP創英角ｺﾞｼｯｸUB" panose="020B0900000000000000" pitchFamily="50" charset="-128"/>
+                <a:ea typeface="HGP創英角ｺﾞｼｯｸUB" panose="020B0900000000000000" pitchFamily="50" charset="-128"/>
+              </a:rPr>
+              <a:t>跳ね橋</a:t>
+            </a:r>
+            <a:endParaRPr lang="en-US" altLang="ja-JP" sz="3600" dirty="0">
+              <a:solidFill>
+                <a:schemeClr val="accent6"/>
+              </a:solidFill>
+              <a:effectLst>
+                <a:glow rad="127000">
+                  <a:schemeClr val="bg1"/>
+                </a:glow>
+                <a:outerShdw blurRad="38100" dist="38100" dir="2700000" algn="tl">
+                  <a:srgbClr val="000000">
+                    <a:alpha val="43137"/>
+                  </a:srgbClr>
+                </a:outerShdw>
+              </a:effectLst>
+              <a:latin typeface="HGP創英角ｺﾞｼｯｸUB" panose="020B0900000000000000" pitchFamily="50" charset="-128"/>
+              <a:ea typeface="HGP創英角ｺﾞｼｯｸUB" panose="020B0900000000000000" pitchFamily="50" charset="-128"/>
+            </a:endParaRPr>
+          </a:p>
+          <a:p>
+            <a:pPr algn="ctr"/>
+            <a:r>
+              <a:rPr kumimoji="1" lang="ja-JP" altLang="en-US" sz="3200" dirty="0">
+                <a:effectLst>
+                  <a:glow rad="127000">
+                    <a:schemeClr val="bg1"/>
+                  </a:glow>
+                  <a:outerShdw blurRad="38100" dist="38100" dir="2700000" algn="tl">
+                    <a:srgbClr val="000000">
+                      <a:alpha val="43137"/>
+                    </a:srgbClr>
+                  </a:outerShdw>
+                </a:effectLst>
+                <a:latin typeface="HGP創英角ｺﾞｼｯｸUB" panose="020B0900000000000000" pitchFamily="50" charset="-128"/>
+                <a:ea typeface="HGP創英角ｺﾞｼｯｸUB" panose="020B0900000000000000" pitchFamily="50" charset="-128"/>
+              </a:rPr>
+              <a:t>時間経過で進めるようになる</a:t>
+            </a:r>
+          </a:p>
+        </p:txBody>
+      </p:sp>
+      <p:sp>
+        <p:nvSpPr>
+          <p:cNvPr id="2" name="テキスト ボックス 1">
+            <a:extLst>
+              <a:ext uri="{FF2B5EF4-FFF2-40B4-BE49-F238E27FC236}">
+                <a16:creationId xmlns:a16="http://schemas.microsoft.com/office/drawing/2014/main" id="{93B97338-0E9B-97D3-B4E1-12488EE5EF77}"/>
+              </a:ext>
+            </a:extLst>
+          </p:cNvPr>
+          <p:cNvSpPr txBox="1"/>
+          <p:nvPr/>
+        </p:nvSpPr>
+        <p:spPr>
+          <a:xfrm>
+            <a:off x="366340" y="180000"/>
+            <a:ext cx="1853392" cy="523220"/>
+          </a:xfrm>
+          <a:prstGeom prst="rect">
+            <a:avLst/>
+          </a:prstGeom>
+          <a:solidFill>
+            <a:schemeClr val="accent2"/>
+          </a:solidFill>
+          <a:effectLst>
+            <a:outerShdw blurRad="50800" dist="38100" dir="2700000" algn="tl" rotWithShape="0">
+              <a:prstClr val="black">
+                <a:alpha val="40000"/>
+              </a:prstClr>
+            </a:outerShdw>
+          </a:effectLst>
+        </p:spPr>
+        <p:txBody>
+          <a:bodyPr wrap="none" rtlCol="0">
+            <a:spAutoFit/>
+          </a:bodyPr>
+          <a:lstStyle/>
+          <a:p>
+            <a:r>
+              <a:rPr kumimoji="1" lang="ja-JP" altLang="en-US" sz="2800" dirty="0">
+                <a:effectLst>
+                  <a:glow rad="127000">
+                    <a:schemeClr val="bg1"/>
+                  </a:glow>
+                  <a:outerShdw blurRad="38100" dist="38100" dir="2700000" algn="tl">
+                    <a:srgbClr val="000000">
+                      <a:alpha val="43137"/>
+                    </a:srgbClr>
+                  </a:outerShdw>
+                </a:effectLst>
+                <a:latin typeface="HGP創英角ｺﾞｼｯｸUB" panose="020B0900000000000000" pitchFamily="50" charset="-128"/>
+                <a:ea typeface="HGP創英角ｺﾞｼｯｸUB" panose="020B0900000000000000" pitchFamily="50" charset="-128"/>
+              </a:rPr>
+              <a:t>ゲーム概要</a:t>
+            </a:r>
+          </a:p>
+        </p:txBody>
+      </p:sp>
+      <p:pic>
+        <p:nvPicPr>
+          <p:cNvPr id="13" name="図 12" descr="座る, 消火栓, ストリート, タワー が含まれている画像&#10;&#10;自動的に生成された説明">
+            <a:extLst>
+              <a:ext uri="{FF2B5EF4-FFF2-40B4-BE49-F238E27FC236}">
+                <a16:creationId xmlns:a16="http://schemas.microsoft.com/office/drawing/2014/main" id="{9D3D2B2E-5830-78FD-E86F-306C14E5E720}"/>
+              </a:ext>
+            </a:extLst>
+          </p:cNvPr>
+          <p:cNvPicPr>
+            <a:picLocks noChangeAspect="1"/>
+          </p:cNvPicPr>
+          <p:nvPr/>
+        </p:nvPicPr>
+        <p:blipFill>
+          <a:blip r:embed="rId5">
+            <a:extLst>
+              <a:ext uri="{28A0092B-C50C-407E-A947-70E740481C1C}">
+                <a14:useLocalDpi xmlns:a14="http://schemas.microsoft.com/office/drawing/2010/main" val="0"/>
+              </a:ext>
+            </a:extLst>
+          </a:blip>
+          <a:stretch>
+            <a:fillRect/>
+          </a:stretch>
+        </p:blipFill>
+        <p:spPr>
+          <a:xfrm>
+            <a:off x="5165543" y="1034578"/>
+            <a:ext cx="1040921" cy="1387895"/>
+          </a:xfrm>
+          <a:prstGeom prst="rect">
+            <a:avLst/>
+          </a:prstGeom>
+          <a:effectLst>
+            <a:outerShdw blurRad="50800" dist="38100" dir="2700000" algn="tl" rotWithShape="0">
+              <a:prstClr val="black">
+                <a:alpha val="40000"/>
+              </a:prstClr>
+            </a:outerShdw>
+          </a:effectLst>
+        </p:spPr>
+      </p:pic>
+      <p:pic>
+        <p:nvPicPr>
+          <p:cNvPr id="17" name="図 16" descr="ダイアグラム が含まれている画像&#10;&#10;自動的に生成された説明">
+            <a:extLst>
+              <a:ext uri="{FF2B5EF4-FFF2-40B4-BE49-F238E27FC236}">
+                <a16:creationId xmlns:a16="http://schemas.microsoft.com/office/drawing/2014/main" id="{CE4793C8-F087-D187-E386-470953D99EBD}"/>
+              </a:ext>
+            </a:extLst>
+          </p:cNvPr>
+          <p:cNvPicPr>
+            <a:picLocks noChangeAspect="1"/>
+          </p:cNvPicPr>
+          <p:nvPr/>
+        </p:nvPicPr>
+        <p:blipFill>
+          <a:blip r:embed="rId6">
+            <a:extLst>
+              <a:ext uri="{28A0092B-C50C-407E-A947-70E740481C1C}">
+                <a14:useLocalDpi xmlns:a14="http://schemas.microsoft.com/office/drawing/2010/main" val="0"/>
+              </a:ext>
+            </a:extLst>
+          </a:blip>
+          <a:stretch>
+            <a:fillRect/>
+          </a:stretch>
+        </p:blipFill>
+        <p:spPr>
+          <a:xfrm>
+            <a:off x="1322072" y="703220"/>
+            <a:ext cx="2182622" cy="2182622"/>
+          </a:xfrm>
+          <a:prstGeom prst="rect">
+            <a:avLst/>
+          </a:prstGeom>
+          <a:effectLst>
+            <a:outerShdw blurRad="50800" dist="38100" dir="2700000" algn="tl" rotWithShape="0">
+              <a:prstClr val="black">
+                <a:alpha val="40000"/>
+              </a:prstClr>
+            </a:outerShdw>
+          </a:effectLst>
+        </p:spPr>
+      </p:pic>
+      <p:sp>
+        <p:nvSpPr>
+          <p:cNvPr id="3" name="テキスト ボックス 2">
+            <a:extLst>
+              <a:ext uri="{FF2B5EF4-FFF2-40B4-BE49-F238E27FC236}">
+                <a16:creationId xmlns:a16="http://schemas.microsoft.com/office/drawing/2014/main" id="{39DBE595-63B6-BC7F-6CFE-1C7D46B4B17E}"/>
+              </a:ext>
+            </a:extLst>
+          </p:cNvPr>
+          <p:cNvSpPr txBox="1"/>
+          <p:nvPr/>
+        </p:nvSpPr>
+        <p:spPr>
+          <a:xfrm>
+            <a:off x="6550379" y="5568118"/>
+            <a:ext cx="4693914" cy="1077218"/>
+          </a:xfrm>
+          <a:prstGeom prst="rect">
+            <a:avLst/>
+          </a:prstGeom>
+          <a:noFill/>
+        </p:spPr>
+        <p:txBody>
+          <a:bodyPr wrap="none" rtlCol="0">
+            <a:spAutoFit/>
+          </a:bodyPr>
+          <a:lstStyle/>
+          <a:p>
+            <a:pPr algn="ctr"/>
+            <a:r>
+              <a:rPr lang="ja-JP" altLang="en-US" sz="3200" dirty="0">
+                <a:effectLst>
+                  <a:glow rad="127000">
+                    <a:schemeClr val="bg1"/>
+                  </a:glow>
+                  <a:outerShdw blurRad="38100" dist="38100" dir="2700000" algn="tl">
+                    <a:srgbClr val="000000">
+                      <a:alpha val="43137"/>
+                    </a:srgbClr>
+                  </a:outerShdw>
+                </a:effectLst>
+                <a:latin typeface="HGP創英角ｺﾞｼｯｸUB" panose="020B0900000000000000" pitchFamily="50" charset="-128"/>
+                <a:ea typeface="HGP創英角ｺﾞｼｯｸUB" panose="020B0900000000000000" pitchFamily="50" charset="-128"/>
+              </a:rPr>
+              <a:t>トンネルや</a:t>
+            </a:r>
+            <a:r>
+              <a:rPr kumimoji="1" lang="ja-JP" altLang="en-US" sz="3200" dirty="0">
+                <a:effectLst>
+                  <a:glow rad="127000">
+                    <a:schemeClr val="bg1"/>
+                  </a:glow>
+                  <a:outerShdw blurRad="38100" dist="38100" dir="2700000" algn="tl">
+                    <a:srgbClr val="000000">
+                      <a:alpha val="43137"/>
+                    </a:srgbClr>
+                  </a:outerShdw>
+                </a:effectLst>
+                <a:latin typeface="HGP創英角ｺﾞｼｯｸUB" panose="020B0900000000000000" pitchFamily="50" charset="-128"/>
+                <a:ea typeface="HGP創英角ｺﾞｼｯｸUB" panose="020B0900000000000000" pitchFamily="50" charset="-128"/>
+              </a:rPr>
+              <a:t>ジャンプ台</a:t>
+            </a:r>
+            <a:r>
+              <a:rPr lang="ja-JP" altLang="en-US" sz="3200" dirty="0">
+                <a:effectLst>
+                  <a:glow rad="127000">
+                    <a:schemeClr val="bg1"/>
+                  </a:glow>
+                  <a:outerShdw blurRad="38100" dist="38100" dir="2700000" algn="tl">
+                    <a:srgbClr val="000000">
+                      <a:alpha val="43137"/>
+                    </a:srgbClr>
+                  </a:outerShdw>
+                </a:effectLst>
+                <a:latin typeface="HGP創英角ｺﾞｼｯｸUB" panose="020B0900000000000000" pitchFamily="50" charset="-128"/>
+                <a:ea typeface="HGP創英角ｺﾞｼｯｸUB" panose="020B0900000000000000" pitchFamily="50" charset="-128"/>
+              </a:rPr>
+              <a:t>など</a:t>
+            </a:r>
+            <a:endParaRPr lang="en-US" altLang="ja-JP" sz="3200" dirty="0">
+              <a:effectLst>
+                <a:glow rad="127000">
+                  <a:schemeClr val="bg1"/>
+                </a:glow>
+                <a:outerShdw blurRad="38100" dist="38100" dir="2700000" algn="tl">
+                  <a:srgbClr val="000000">
+                    <a:alpha val="43137"/>
+                  </a:srgbClr>
+                </a:outerShdw>
+              </a:effectLst>
+              <a:latin typeface="HGP創英角ｺﾞｼｯｸUB" panose="020B0900000000000000" pitchFamily="50" charset="-128"/>
+              <a:ea typeface="HGP創英角ｺﾞｼｯｸUB" panose="020B0900000000000000" pitchFamily="50" charset="-128"/>
+            </a:endParaRPr>
+          </a:p>
+          <a:p>
+            <a:pPr algn="ctr"/>
+            <a:r>
+              <a:rPr lang="ja-JP" altLang="en-US" sz="3200" dirty="0">
+                <a:effectLst>
+                  <a:glow rad="127000">
+                    <a:schemeClr val="bg1"/>
+                  </a:glow>
+                  <a:outerShdw blurRad="38100" dist="38100" dir="2700000" algn="tl">
+                    <a:srgbClr val="000000">
+                      <a:alpha val="43137"/>
+                    </a:srgbClr>
+                  </a:outerShdw>
+                </a:effectLst>
+                <a:latin typeface="HGP創英角ｺﾞｼｯｸUB" panose="020B0900000000000000" pitchFamily="50" charset="-128"/>
+                <a:ea typeface="HGP創英角ｺﾞｼｯｸUB" panose="020B0900000000000000" pitchFamily="50" charset="-128"/>
+              </a:rPr>
+              <a:t>の立体的なマップを活かせ</a:t>
+            </a:r>
+            <a:endParaRPr kumimoji="1" lang="ja-JP" altLang="en-US" sz="2800" dirty="0">
+              <a:effectLst>
+                <a:glow rad="127000">
+                  <a:schemeClr val="bg1"/>
+                </a:glow>
+                <a:outerShdw blurRad="38100" dist="38100" dir="2700000" algn="tl">
+                  <a:srgbClr val="000000">
+                    <a:alpha val="43137"/>
+                  </a:srgbClr>
+                </a:outerShdw>
+              </a:effectLst>
+              <a:latin typeface="HGP創英角ｺﾞｼｯｸUB" panose="020B0900000000000000" pitchFamily="50" charset="-128"/>
+              <a:ea typeface="HGP創英角ｺﾞｼｯｸUB" panose="020B0900000000000000" pitchFamily="50" charset="-128"/>
+            </a:endParaRPr>
+          </a:p>
+        </p:txBody>
+      </p:sp>
+      <p:sp>
+        <p:nvSpPr>
+          <p:cNvPr id="4" name="矢印: 右 3">
+            <a:extLst>
+              <a:ext uri="{FF2B5EF4-FFF2-40B4-BE49-F238E27FC236}">
+                <a16:creationId xmlns:a16="http://schemas.microsoft.com/office/drawing/2014/main" id="{A3A7545E-C7FA-7E56-8D3A-5CF4AD73BEBE}"/>
+              </a:ext>
+            </a:extLst>
+          </p:cNvPr>
+          <p:cNvSpPr/>
+          <p:nvPr/>
+        </p:nvSpPr>
+        <p:spPr>
+          <a:xfrm>
+            <a:off x="6317479" y="1597792"/>
+            <a:ext cx="978408" cy="484632"/>
+          </a:xfrm>
+          <a:prstGeom prst="rightArrow">
+            <a:avLst/>
+          </a:prstGeom>
+          <a:solidFill>
+            <a:srgbClr val="FFC000"/>
+          </a:solidFill>
+          <a:effectLst>
+            <a:outerShdw blurRad="50800" dist="38100" dir="2700000" algn="tl" rotWithShape="0">
+              <a:prstClr val="black">
+                <a:alpha val="40000"/>
+              </a:prstClr>
+            </a:outerShdw>
+          </a:effectLst>
+        </p:spPr>
+        <p:style>
+          <a:lnRef idx="2">
+            <a:schemeClr val="accent1">
+              <a:shade val="15000"/>
+            </a:schemeClr>
+          </a:lnRef>
+          <a:fillRef idx="1">
+            <a:schemeClr val="accent1"/>
+          </a:fillRef>
+          <a:effectRef idx="0">
+            <a:schemeClr val="accent1"/>
+          </a:effectRef>
+          <a:fontRef idx="minor">
+            <a:schemeClr val="lt1"/>
+          </a:fontRef>
+        </p:style>
+        <p:txBody>
+          <a:bodyPr rtlCol="0" anchor="ctr"/>
+          <a:lstStyle/>
+          <a:p>
+            <a:pPr algn="ctr"/>
+            <a:endParaRPr kumimoji="1" lang="ja-JP" altLang="en-US"/>
+          </a:p>
+        </p:txBody>
+      </p:sp>
+      <p:sp>
+        <p:nvSpPr>
+          <p:cNvPr id="5" name="テキスト ボックス 4">
+            <a:extLst>
+              <a:ext uri="{FF2B5EF4-FFF2-40B4-BE49-F238E27FC236}">
+                <a16:creationId xmlns:a16="http://schemas.microsoft.com/office/drawing/2014/main" id="{471E8631-00F5-8B31-74A1-B0C11EF01637}"/>
+              </a:ext>
+            </a:extLst>
+          </p:cNvPr>
+          <p:cNvSpPr txBox="1"/>
+          <p:nvPr/>
+        </p:nvSpPr>
+        <p:spPr>
+          <a:xfrm>
+            <a:off x="188254" y="2474316"/>
             <a:ext cx="4450257" cy="1631216"/>
           </a:xfrm>
           <a:prstGeom prst="rect">
@@ -11439,241 +11942,27 @@
           </a:p>
         </p:txBody>
       </p:sp>
-      <p:sp>
-        <p:nvSpPr>
-          <p:cNvPr id="6" name="テキスト ボックス 5">
-            <a:extLst>
-              <a:ext uri="{FF2B5EF4-FFF2-40B4-BE49-F238E27FC236}">
-                <a16:creationId xmlns:a16="http://schemas.microsoft.com/office/drawing/2014/main" id="{5BCF08D2-5B43-1BF8-47B9-516EB8D578A2}"/>
-              </a:ext>
-            </a:extLst>
-          </p:cNvPr>
-          <p:cNvSpPr txBox="1"/>
+      <p:grpSp>
+        <p:nvGrpSpPr>
+          <p:cNvPr id="10" name="グループ化 9">
+            <a:extLst>
+              <a:ext uri="{FF2B5EF4-FFF2-40B4-BE49-F238E27FC236}">
+                <a16:creationId xmlns:a16="http://schemas.microsoft.com/office/drawing/2014/main" id="{7A5BE74C-4978-CE7C-3352-E9B9D1F526B2}"/>
+              </a:ext>
+            </a:extLst>
+          </p:cNvPr>
+          <p:cNvGrpSpPr>
+            <a:grpSpLocks noChangeAspect="1"/>
+          </p:cNvGrpSpPr>
           <p:nvPr/>
-        </p:nvSpPr>
-        <p:spPr>
-          <a:xfrm>
-            <a:off x="3632825" y="5184399"/>
-            <a:ext cx="4926350" cy="1631216"/>
-          </a:xfrm>
-          <a:prstGeom prst="rect">
-            <a:avLst/>
-          </a:prstGeom>
-          <a:noFill/>
-        </p:spPr>
-        <p:txBody>
-          <a:bodyPr wrap="none" rtlCol="0">
-            <a:spAutoFit/>
-          </a:bodyPr>
-          <a:lstStyle/>
-          <a:p>
-            <a:pPr algn="ctr"/>
-            <a:r>
-              <a:rPr lang="ja-JP" altLang="en-US" sz="3600" dirty="0">
-                <a:solidFill>
-                  <a:srgbClr val="FF0000"/>
-                </a:solidFill>
-                <a:effectLst>
-                  <a:glow rad="127000">
-                    <a:schemeClr val="bg1"/>
-                  </a:glow>
-                  <a:outerShdw blurRad="38100" dist="38100" dir="2700000" algn="tl">
-                    <a:srgbClr val="000000">
-                      <a:alpha val="43137"/>
-                    </a:srgbClr>
-                  </a:outerShdw>
-                </a:effectLst>
-                <a:latin typeface="HGP創英角ｺﾞｼｯｸUB" panose="020B0900000000000000" pitchFamily="50" charset="-128"/>
-                <a:ea typeface="HGP創英角ｺﾞｼｯｸUB" panose="020B0900000000000000" pitchFamily="50" charset="-128"/>
-              </a:rPr>
-              <a:t>消火栓</a:t>
-            </a:r>
-            <a:endParaRPr lang="en-US" altLang="ja-JP" sz="3600" dirty="0">
-              <a:solidFill>
-                <a:srgbClr val="FF0000"/>
-              </a:solidFill>
-              <a:effectLst>
-                <a:glow rad="127000">
-                  <a:schemeClr val="bg1"/>
-                </a:glow>
-                <a:outerShdw blurRad="38100" dist="38100" dir="2700000" algn="tl">
-                  <a:srgbClr val="000000">
-                    <a:alpha val="43137"/>
-                  </a:srgbClr>
-                </a:outerShdw>
-              </a:effectLst>
-              <a:latin typeface="HGP創英角ｺﾞｼｯｸUB" panose="020B0900000000000000" pitchFamily="50" charset="-128"/>
-              <a:ea typeface="HGP創英角ｺﾞｼｯｸUB" panose="020B0900000000000000" pitchFamily="50" charset="-128"/>
-            </a:endParaRPr>
-          </a:p>
-          <a:p>
-            <a:pPr algn="ctr"/>
-            <a:r>
-              <a:rPr kumimoji="1" lang="ja-JP" altLang="en-US" sz="3200" dirty="0">
-                <a:effectLst>
-                  <a:glow rad="127000">
-                    <a:schemeClr val="bg1"/>
-                  </a:glow>
-                  <a:outerShdw blurRad="38100" dist="38100" dir="2700000" algn="tl">
-                    <a:srgbClr val="000000">
-                      <a:alpha val="43137"/>
-                    </a:srgbClr>
-                  </a:outerShdw>
-                </a:effectLst>
-                <a:latin typeface="HGP創英角ｺﾞｼｯｸUB" panose="020B0900000000000000" pitchFamily="50" charset="-128"/>
-                <a:ea typeface="HGP創英角ｺﾞｼｯｸUB" panose="020B0900000000000000" pitchFamily="50" charset="-128"/>
-              </a:rPr>
-              <a:t>壊すと辺りが水浸しになって</a:t>
-            </a:r>
-            <a:endParaRPr kumimoji="1" lang="en-US" altLang="ja-JP" sz="3200" dirty="0">
-              <a:effectLst>
-                <a:glow rad="127000">
-                  <a:schemeClr val="bg1"/>
-                </a:glow>
-                <a:outerShdw blurRad="38100" dist="38100" dir="2700000" algn="tl">
-                  <a:srgbClr val="000000">
-                    <a:alpha val="43137"/>
-                  </a:srgbClr>
-                </a:outerShdw>
-              </a:effectLst>
-              <a:latin typeface="HGP創英角ｺﾞｼｯｸUB" panose="020B0900000000000000" pitchFamily="50" charset="-128"/>
-              <a:ea typeface="HGP創英角ｺﾞｼｯｸUB" panose="020B0900000000000000" pitchFamily="50" charset="-128"/>
-            </a:endParaRPr>
-          </a:p>
-          <a:p>
-            <a:pPr algn="ctr"/>
-            <a:r>
-              <a:rPr kumimoji="1" lang="ja-JP" altLang="en-US" sz="3200" dirty="0">
-                <a:effectLst>
-                  <a:glow rad="127000">
-                    <a:schemeClr val="bg1"/>
-                  </a:glow>
-                  <a:outerShdw blurRad="38100" dist="38100" dir="2700000" algn="tl">
-                    <a:srgbClr val="000000">
-                      <a:alpha val="43137"/>
-                    </a:srgbClr>
-                  </a:outerShdw>
-                </a:effectLst>
-                <a:latin typeface="HGP創英角ｺﾞｼｯｸUB" panose="020B0900000000000000" pitchFamily="50" charset="-128"/>
-                <a:ea typeface="HGP創英角ｺﾞｼｯｸUB" panose="020B0900000000000000" pitchFamily="50" charset="-128"/>
-              </a:rPr>
-              <a:t>スリップしやすくなる</a:t>
-            </a:r>
-          </a:p>
-        </p:txBody>
-      </p:sp>
-      <p:sp>
-        <p:nvSpPr>
-          <p:cNvPr id="8" name="テキスト ボックス 7">
-            <a:extLst>
-              <a:ext uri="{FF2B5EF4-FFF2-40B4-BE49-F238E27FC236}">
-                <a16:creationId xmlns:a16="http://schemas.microsoft.com/office/drawing/2014/main" id="{8018ECFD-4638-8240-41FB-B2BD44AFC230}"/>
-              </a:ext>
-            </a:extLst>
-          </p:cNvPr>
-          <p:cNvSpPr txBox="1"/>
-          <p:nvPr/>
-        </p:nvSpPr>
-        <p:spPr>
-          <a:xfrm>
-            <a:off x="7117525" y="3301030"/>
-            <a:ext cx="5085046" cy="1138773"/>
-          </a:xfrm>
-          <a:prstGeom prst="rect">
-            <a:avLst/>
-          </a:prstGeom>
-          <a:noFill/>
-        </p:spPr>
-        <p:txBody>
-          <a:bodyPr wrap="none" rtlCol="0">
-            <a:spAutoFit/>
-          </a:bodyPr>
-          <a:lstStyle/>
-          <a:p>
-            <a:pPr algn="ctr"/>
-            <a:r>
-              <a:rPr lang="ja-JP" altLang="en-US" sz="3600" dirty="0">
-                <a:solidFill>
-                  <a:schemeClr val="accent6"/>
-                </a:solidFill>
-                <a:effectLst>
-                  <a:glow rad="127000">
-                    <a:schemeClr val="bg1"/>
-                  </a:glow>
-                  <a:outerShdw blurRad="38100" dist="38100" dir="2700000" algn="tl">
-                    <a:srgbClr val="000000">
-                      <a:alpha val="43137"/>
-                    </a:srgbClr>
-                  </a:outerShdw>
-                </a:effectLst>
-                <a:latin typeface="HGP創英角ｺﾞｼｯｸUB" panose="020B0900000000000000" pitchFamily="50" charset="-128"/>
-                <a:ea typeface="HGP創英角ｺﾞｼｯｸUB" panose="020B0900000000000000" pitchFamily="50" charset="-128"/>
-              </a:rPr>
-              <a:t>跳ね橋</a:t>
-            </a:r>
-            <a:endParaRPr lang="en-US" altLang="ja-JP" sz="3600" dirty="0">
-              <a:solidFill>
-                <a:schemeClr val="accent6"/>
-              </a:solidFill>
-              <a:effectLst>
-                <a:glow rad="127000">
-                  <a:schemeClr val="bg1"/>
-                </a:glow>
-                <a:outerShdw blurRad="38100" dist="38100" dir="2700000" algn="tl">
-                  <a:srgbClr val="000000">
-                    <a:alpha val="43137"/>
-                  </a:srgbClr>
-                </a:outerShdw>
-              </a:effectLst>
-              <a:latin typeface="HGP創英角ｺﾞｼｯｸUB" panose="020B0900000000000000" pitchFamily="50" charset="-128"/>
-              <a:ea typeface="HGP創英角ｺﾞｼｯｸUB" panose="020B0900000000000000" pitchFamily="50" charset="-128"/>
-            </a:endParaRPr>
-          </a:p>
-          <a:p>
-            <a:pPr algn="ctr"/>
-            <a:r>
-              <a:rPr kumimoji="1" lang="ja-JP" altLang="en-US" sz="3200" dirty="0">
-                <a:effectLst>
-                  <a:glow rad="127000">
-                    <a:schemeClr val="bg1"/>
-                  </a:glow>
-                  <a:outerShdw blurRad="38100" dist="38100" dir="2700000" algn="tl">
-                    <a:srgbClr val="000000">
-                      <a:alpha val="43137"/>
-                    </a:srgbClr>
-                  </a:outerShdw>
-                </a:effectLst>
-                <a:latin typeface="HGP創英角ｺﾞｼｯｸUB" panose="020B0900000000000000" pitchFamily="50" charset="-128"/>
-                <a:ea typeface="HGP創英角ｺﾞｼｯｸUB" panose="020B0900000000000000" pitchFamily="50" charset="-128"/>
-              </a:rPr>
-              <a:t>時間経過で進めるようになる</a:t>
-            </a:r>
-          </a:p>
-        </p:txBody>
-      </p:sp>
-      <p:sp>
-        <p:nvSpPr>
-          <p:cNvPr id="2" name="テキスト ボックス 1">
-            <a:extLst>
-              <a:ext uri="{FF2B5EF4-FFF2-40B4-BE49-F238E27FC236}">
-                <a16:creationId xmlns:a16="http://schemas.microsoft.com/office/drawing/2014/main" id="{93B97338-0E9B-97D3-B4E1-12488EE5EF77}"/>
-              </a:ext>
-            </a:extLst>
-          </p:cNvPr>
-          <p:cNvSpPr txBox="1"/>
-          <p:nvPr/>
-        </p:nvSpPr>
-        <p:spPr>
-          <a:xfrm>
-            <a:off x="366340" y="180000"/>
-            <a:ext cx="1853392" cy="523220"/>
-          </a:xfrm>
-          <a:prstGeom prst="rect">
-            <a:avLst/>
-          </a:prstGeom>
-          <a:solidFill>
-            <a:schemeClr val="accent2"/>
-          </a:solidFill>
+        </p:nvGrpSpPr>
+        <p:grpSpPr>
+          <a:xfrm rot="20085702">
+            <a:off x="9109550" y="4546697"/>
+            <a:ext cx="1455078" cy="882671"/>
+            <a:chOff x="2820067" y="1067639"/>
+            <a:chExt cx="4900950" cy="2972988"/>
+          </a:xfrm>
           <a:effectLst>
             <a:outerShdw blurRad="50800" dist="38100" dir="2700000" algn="tl" rotWithShape="0">
               <a:prstClr val="black">
@@ -11681,39 +11970,86 @@
               </a:prstClr>
             </a:outerShdw>
           </a:effectLst>
-        </p:spPr>
-        <p:txBody>
-          <a:bodyPr wrap="none" rtlCol="0">
-            <a:spAutoFit/>
-          </a:bodyPr>
-          <a:lstStyle/>
-          <a:p>
-            <a:r>
-              <a:rPr kumimoji="1" lang="ja-JP" altLang="en-US" sz="2800" dirty="0">
-                <a:effectLst>
-                  <a:glow rad="127000">
-                    <a:schemeClr val="bg1"/>
-                  </a:glow>
-                  <a:outerShdw blurRad="38100" dist="38100" dir="2700000" algn="tl">
-                    <a:srgbClr val="000000">
-                      <a:alpha val="43137"/>
-                    </a:srgbClr>
-                  </a:outerShdw>
-                </a:effectLst>
-                <a:latin typeface="HGP創英角ｺﾞｼｯｸUB" panose="020B0900000000000000" pitchFamily="50" charset="-128"/>
-                <a:ea typeface="HGP創英角ｺﾞｼｯｸUB" panose="020B0900000000000000" pitchFamily="50" charset="-128"/>
-              </a:rPr>
-              <a:t>ゲーム概要</a:t>
-            </a:r>
-          </a:p>
-        </p:txBody>
-      </p:sp>
+        </p:grpSpPr>
+        <p:pic>
+          <p:nvPicPr>
+            <p:cNvPr id="12" name="図 11" descr="アイコン&#10;&#10;自動的に生成された説明">
+              <a:extLst>
+                <a:ext uri="{FF2B5EF4-FFF2-40B4-BE49-F238E27FC236}">
+                  <a16:creationId xmlns:a16="http://schemas.microsoft.com/office/drawing/2014/main" id="{AA12BC68-F1C9-457A-B1EE-68DA8AD8EDED}"/>
+                </a:ext>
+              </a:extLst>
+            </p:cNvPr>
+            <p:cNvPicPr>
+              <a:picLocks noChangeAspect="1"/>
+            </p:cNvPicPr>
+            <p:nvPr/>
+          </p:nvPicPr>
+          <p:blipFill>
+            <a:blip r:embed="rId7">
+              <a:extLst>
+                <a:ext uri="{28A0092B-C50C-407E-A947-70E740481C1C}">
+                  <a14:useLocalDpi xmlns:a14="http://schemas.microsoft.com/office/drawing/2010/main" val="0"/>
+                </a:ext>
+              </a:extLst>
+            </a:blip>
+            <a:stretch>
+              <a:fillRect/>
+            </a:stretch>
+          </p:blipFill>
+          <p:spPr>
+            <a:xfrm rot="16200000">
+              <a:off x="2820067" y="1526084"/>
+              <a:ext cx="2330214" cy="2330214"/>
+            </a:xfrm>
+            <a:prstGeom prst="rect">
+              <a:avLst/>
+            </a:prstGeom>
+          </p:spPr>
+        </p:pic>
+        <p:pic>
+          <p:nvPicPr>
+            <p:cNvPr id="14" name="図 13" descr="アイコン&#10;&#10;低い精度で自動的に生成された説明">
+              <a:extLst>
+                <a:ext uri="{FF2B5EF4-FFF2-40B4-BE49-F238E27FC236}">
+                  <a16:creationId xmlns:a16="http://schemas.microsoft.com/office/drawing/2014/main" id="{9174E7A0-B9F8-C361-D265-72E7D72561DD}"/>
+                </a:ext>
+              </a:extLst>
+            </p:cNvPr>
+            <p:cNvPicPr>
+              <a:picLocks noChangeAspect="1"/>
+            </p:cNvPicPr>
+            <p:nvPr/>
+          </p:nvPicPr>
+          <p:blipFill>
+            <a:blip r:embed="rId8">
+              <a:extLst>
+                <a:ext uri="{28A0092B-C50C-407E-A947-70E740481C1C}">
+                  <a14:useLocalDpi xmlns:a14="http://schemas.microsoft.com/office/drawing/2010/main" val="0"/>
+                </a:ext>
+              </a:extLst>
+            </a:blip>
+            <a:stretch>
+              <a:fillRect/>
+            </a:stretch>
+          </p:blipFill>
+          <p:spPr>
+            <a:xfrm flipH="1">
+              <a:off x="4589318" y="1067639"/>
+              <a:ext cx="3131699" cy="2972988"/>
+            </a:xfrm>
+            <a:prstGeom prst="rect">
+              <a:avLst/>
+            </a:prstGeom>
+          </p:spPr>
+        </p:pic>
+      </p:grpSp>
       <p:pic>
         <p:nvPicPr>
-          <p:cNvPr id="13" name="図 12" descr="座る, 消火栓, ストリート, タワー が含まれている画像&#10;&#10;自動的に生成された説明">
-            <a:extLst>
-              <a:ext uri="{FF2B5EF4-FFF2-40B4-BE49-F238E27FC236}">
-                <a16:creationId xmlns:a16="http://schemas.microsoft.com/office/drawing/2014/main" id="{9D3D2B2E-5830-78FD-E86F-306C14E5E720}"/>
+          <p:cNvPr id="19" name="図 18" descr="アイコン が含まれている画像&#10;&#10;自動的に生成された説明">
+            <a:extLst>
+              <a:ext uri="{FF2B5EF4-FFF2-40B4-BE49-F238E27FC236}">
+                <a16:creationId xmlns:a16="http://schemas.microsoft.com/office/drawing/2014/main" id="{C600EDBA-CC73-2E0A-9560-F99813CC29B9}"/>
               </a:ext>
             </a:extLst>
           </p:cNvPr>
@@ -11723,7 +12059,7 @@
           <p:nvPr/>
         </p:nvPicPr>
         <p:blipFill>
-          <a:blip r:embed="rId4">
+          <a:blip r:embed="rId9">
             <a:extLst>
               <a:ext uri="{28A0092B-C50C-407E-A947-70E740481C1C}">
                 <a14:useLocalDpi xmlns:a14="http://schemas.microsoft.com/office/drawing/2010/main" val="0"/>
@@ -11736,94 +12072,8 @@
         </p:blipFill>
         <p:spPr>
           <a:xfrm>
-            <a:off x="6000686" y="2931703"/>
-            <a:ext cx="1040921" cy="1387895"/>
-          </a:xfrm>
-          <a:prstGeom prst="rect">
-            <a:avLst/>
-          </a:prstGeom>
-          <a:effectLst>
-            <a:outerShdw blurRad="50800" dist="38100" dir="2700000" algn="tl" rotWithShape="0">
-              <a:prstClr val="black">
-                <a:alpha val="40000"/>
-              </a:prstClr>
-            </a:outerShdw>
-          </a:effectLst>
-        </p:spPr>
-      </p:pic>
-      <p:pic>
-        <p:nvPicPr>
-          <p:cNvPr id="15" name="図 14" descr="白いバックグラウンドの前に立っている建物&#10;&#10;中程度の精度で自動的に生成された説明">
-            <a:extLst>
-              <a:ext uri="{FF2B5EF4-FFF2-40B4-BE49-F238E27FC236}">
-                <a16:creationId xmlns:a16="http://schemas.microsoft.com/office/drawing/2014/main" id="{967AAA7E-9FE0-BAC7-5BDE-06BD97CCD619}"/>
-              </a:ext>
-            </a:extLst>
-          </p:cNvPr>
-          <p:cNvPicPr>
-            <a:picLocks noChangeAspect="1"/>
-          </p:cNvPicPr>
-          <p:nvPr/>
-        </p:nvPicPr>
-        <p:blipFill>
-          <a:blip r:embed="rId5">
-            <a:extLst>
-              <a:ext uri="{28A0092B-C50C-407E-A947-70E740481C1C}">
-                <a14:useLocalDpi xmlns:a14="http://schemas.microsoft.com/office/drawing/2010/main" val="0"/>
-              </a:ext>
-            </a:extLst>
-          </a:blip>
-          <a:stretch>
-            <a:fillRect/>
-          </a:stretch>
-        </p:blipFill>
-        <p:spPr>
-          <a:xfrm>
-            <a:off x="7810500" y="1138931"/>
-            <a:ext cx="3918060" cy="2938546"/>
-          </a:xfrm>
-          <a:prstGeom prst="rect">
-            <a:avLst/>
-          </a:prstGeom>
-          <a:effectLst>
-            <a:outerShdw blurRad="50800" dist="38100" dir="2700000" algn="tl" rotWithShape="0">
-              <a:prstClr val="black">
-                <a:alpha val="40000"/>
-              </a:prstClr>
-            </a:outerShdw>
-          </a:effectLst>
-        </p:spPr>
-      </p:pic>
-      <p:pic>
-        <p:nvPicPr>
-          <p:cNvPr id="17" name="図 16" descr="ダイアグラム が含まれている画像&#10;&#10;自動的に生成された説明">
-            <a:extLst>
-              <a:ext uri="{FF2B5EF4-FFF2-40B4-BE49-F238E27FC236}">
-                <a16:creationId xmlns:a16="http://schemas.microsoft.com/office/drawing/2014/main" id="{CE4793C8-F087-D187-E386-470953D99EBD}"/>
-              </a:ext>
-            </a:extLst>
-          </p:cNvPr>
-          <p:cNvPicPr>
-            <a:picLocks noChangeAspect="1"/>
-          </p:cNvPicPr>
-          <p:nvPr/>
-        </p:nvPicPr>
-        <p:blipFill>
-          <a:blip r:embed="rId6">
-            <a:extLst>
-              <a:ext uri="{28A0092B-C50C-407E-A947-70E740481C1C}">
-                <a14:useLocalDpi xmlns:a14="http://schemas.microsoft.com/office/drawing/2010/main" val="0"/>
-              </a:ext>
-            </a:extLst>
-          </a:blip>
-          <a:stretch>
-            <a:fillRect/>
-          </a:stretch>
-        </p:blipFill>
-        <p:spPr>
-          <a:xfrm>
-            <a:off x="1152103" y="843740"/>
-            <a:ext cx="2182622" cy="2182622"/>
+            <a:off x="7026459" y="4489152"/>
+            <a:ext cx="1343824" cy="981372"/>
           </a:xfrm>
           <a:prstGeom prst="rect">
             <a:avLst/>
@@ -11881,8 +12131,8 @@
         </p:nvSpPr>
         <p:spPr>
           <a:xfrm>
-            <a:off x="385006" y="2301482"/>
-            <a:ext cx="11067453" cy="707886"/>
+            <a:off x="5360732" y="2301482"/>
+            <a:ext cx="1116010" cy="707886"/>
           </a:xfrm>
           <a:prstGeom prst="rect">
             <a:avLst/>
@@ -11910,6 +12160,9 @@
             <a:pPr algn="ctr"/>
             <a:r>
               <a:rPr kumimoji="1" lang="ja-JP" altLang="en-US" sz="4000" dirty="0">
+                <a:solidFill>
+                  <a:srgbClr val="FF0000"/>
+                </a:solidFill>
                 <a:effectLst>
                   <a:glow rad="127000">
                     <a:schemeClr val="bg1"/>
@@ -11923,42 +12176,8 @@
                 <a:latin typeface="HGP創英角ｺﾞｼｯｸUB" panose="020B0900000000000000" pitchFamily="50" charset="-128"/>
                 <a:ea typeface="HGP創英角ｺﾞｼｯｸUB" panose="020B0900000000000000" pitchFamily="50" charset="-128"/>
               </a:rPr>
-              <a:t>スクーター</a:t>
-            </a:r>
-            <a:r>
-              <a:rPr lang="ja-JP" altLang="en-US" sz="4000" dirty="0">
-                <a:effectLst>
-                  <a:glow rad="127000">
-                    <a:schemeClr val="bg1"/>
-                  </a:glow>
-                  <a:outerShdw blurRad="38100" dist="38100" dir="2700000" algn="tl">
-                    <a:srgbClr val="000000">
-                      <a:alpha val="43137"/>
-                    </a:srgbClr>
-                  </a:outerShdw>
-                </a:effectLst>
-                <a:latin typeface="HGP創英角ｺﾞｼｯｸUB" panose="020B0900000000000000" pitchFamily="50" charset="-128"/>
-                <a:ea typeface="HGP創英角ｺﾞｼｯｸUB" panose="020B0900000000000000" pitchFamily="50" charset="-128"/>
-              </a:rPr>
-              <a:t>が壊れないようにアイスが溶けないように</a:t>
-            </a:r>
-            <a:endParaRPr kumimoji="1" lang="ja-JP" altLang="en-US" sz="4000" dirty="0">
-              <a:solidFill>
-                <a:srgbClr val="FF0000"/>
-              </a:solidFill>
-              <a:effectLst>
-                <a:glow rad="127000">
-                  <a:schemeClr val="bg1"/>
-                </a:glow>
-                <a:outerShdw blurRad="38100" dist="38100" dir="2700000" algn="tl">
-                  <a:srgbClr val="000000">
-                    <a:alpha val="43137"/>
-                  </a:srgbClr>
-                </a:outerShdw>
-              </a:effectLst>
-              <a:latin typeface="HGP創英角ｺﾞｼｯｸUB" panose="020B0900000000000000" pitchFamily="50" charset="-128"/>
-              <a:ea typeface="HGP創英角ｺﾞｼｯｸUB" panose="020B0900000000000000" pitchFamily="50" charset="-128"/>
-            </a:endParaRPr>
+              <a:t>速さ</a:t>
+            </a:r>
           </a:p>
         </p:txBody>
       </p:sp>

--- a/企画書/カットビ企画書.pptx
+++ b/企画書/カットビ企画書.pptx
@@ -3635,7 +3635,7 @@
         </p:nvSpPr>
         <p:spPr>
           <a:xfrm>
-            <a:off x="3087002" y="1490008"/>
+            <a:off x="3087002" y="2284013"/>
             <a:ext cx="6017994" cy="1938992"/>
           </a:xfrm>
           <a:prstGeom prst="rect">
@@ -3718,13 +3718,18 @@
         </p:nvSpPr>
         <p:spPr>
           <a:xfrm>
-            <a:off x="4976141" y="4479411"/>
+            <a:off x="4976141" y="5098247"/>
             <a:ext cx="2239716" cy="1015663"/>
           </a:xfrm>
           <a:prstGeom prst="rect">
             <a:avLst/>
           </a:prstGeom>
           <a:noFill/>
+          <a:ln w="19050">
+            <a:solidFill>
+              <a:schemeClr val="tx1"/>
+            </a:solidFill>
+          </a:ln>
         </p:spPr>
         <p:txBody>
           <a:bodyPr wrap="none" rtlCol="0">
@@ -3936,8 +3941,8 @@
         </p:nvSpPr>
         <p:spPr>
           <a:xfrm>
-            <a:off x="627791" y="1536174"/>
-            <a:ext cx="10947228" cy="3785652"/>
+            <a:off x="664065" y="2644170"/>
+            <a:ext cx="10863871" cy="1569660"/>
           </a:xfrm>
           <a:prstGeom prst="rect">
             <a:avLst/>
@@ -3949,6 +3954,46 @@
             <a:spAutoFit/>
           </a:bodyPr>
           <a:lstStyle/>
+          <a:p>
+            <a:pPr algn="ctr"/>
+            <a:r>
+              <a:rPr kumimoji="1" lang="ja-JP" altLang="en-US" sz="4800" dirty="0">
+                <a:solidFill>
+                  <a:srgbClr val="FF0000"/>
+                </a:solidFill>
+                <a:effectLst>
+                  <a:glow rad="127000">
+                    <a:schemeClr val="bg1"/>
+                  </a:glow>
+                  <a:outerShdw blurRad="38100" dist="38100" dir="2700000" algn="tl">
+                    <a:srgbClr val="000000">
+                      <a:alpha val="43137"/>
+                    </a:srgbClr>
+                  </a:outerShdw>
+                </a:effectLst>
+                <a:latin typeface="HGP創英角ｺﾞｼｯｸUB" panose="020B0900000000000000" pitchFamily="50" charset="-128"/>
+                <a:ea typeface="HGP創英角ｺﾞｼｯｸUB" panose="020B0900000000000000" pitchFamily="50" charset="-128"/>
+              </a:rPr>
+              <a:t>怪しまれないよう隠密に時には大胆に動く</a:t>
+            </a:r>
+            <a:endParaRPr lang="en-US" altLang="ja-JP" sz="4800" dirty="0">
+              <a:solidFill>
+                <a:srgbClr val="FF0000"/>
+              </a:solidFill>
+              <a:effectLst>
+                <a:glow rad="127000">
+                  <a:schemeClr val="bg1"/>
+                </a:glow>
+                <a:outerShdw blurRad="38100" dist="38100" dir="2700000" algn="tl">
+                  <a:srgbClr val="000000">
+                    <a:alpha val="43137"/>
+                  </a:srgbClr>
+                </a:outerShdw>
+              </a:effectLst>
+              <a:latin typeface="HGP創英角ｺﾞｼｯｸUB" panose="020B0900000000000000" pitchFamily="50" charset="-128"/>
+              <a:ea typeface="HGP創英角ｺﾞｼｯｸUB" panose="020B0900000000000000" pitchFamily="50" charset="-128"/>
+            </a:endParaRPr>
+          </a:p>
           <a:p>
             <a:pPr algn="ctr"/>
             <a:r>
@@ -3969,167 +4014,7 @@
                 <a:latin typeface="HGP創英角ｺﾞｼｯｸUB" panose="020B0900000000000000" pitchFamily="50" charset="-128"/>
                 <a:ea typeface="HGP創英角ｺﾞｼｯｸUB" panose="020B0900000000000000" pitchFamily="50" charset="-128"/>
               </a:rPr>
-              <a:t>怪しまれないように動く</a:t>
-            </a:r>
-            <a:endParaRPr lang="en-US" altLang="ja-JP" sz="4800" dirty="0">
-              <a:solidFill>
-                <a:srgbClr val="FF0000"/>
-              </a:solidFill>
-              <a:effectLst>
-                <a:glow rad="127000">
-                  <a:schemeClr val="bg1"/>
-                </a:glow>
-                <a:outerShdw blurRad="38100" dist="38100" dir="2700000" algn="tl">
-                  <a:srgbClr val="000000">
-                    <a:alpha val="43137"/>
-                  </a:srgbClr>
-                </a:outerShdw>
-              </a:effectLst>
-              <a:latin typeface="HGP創英角ｺﾞｼｯｸUB" panose="020B0900000000000000" pitchFamily="50" charset="-128"/>
-              <a:ea typeface="HGP創英角ｺﾞｼｯｸUB" panose="020B0900000000000000" pitchFamily="50" charset="-128"/>
-            </a:endParaRPr>
-          </a:p>
-          <a:p>
-            <a:pPr algn="ctr"/>
-            <a:r>
-              <a:rPr lang="ja-JP" altLang="en-US" sz="4800" dirty="0">
-                <a:solidFill>
-                  <a:srgbClr val="FF0000"/>
-                </a:solidFill>
-                <a:effectLst>
-                  <a:glow rad="127000">
-                    <a:schemeClr val="bg1"/>
-                  </a:glow>
-                  <a:outerShdw blurRad="38100" dist="38100" dir="2700000" algn="tl">
-                    <a:srgbClr val="000000">
-                      <a:alpha val="43137"/>
-                    </a:srgbClr>
-                  </a:outerShdw>
-                </a:effectLst>
-                <a:latin typeface="HGP創英角ｺﾞｼｯｸUB" panose="020B0900000000000000" pitchFamily="50" charset="-128"/>
-                <a:ea typeface="HGP創英角ｺﾞｼｯｸUB" panose="020B0900000000000000" pitchFamily="50" charset="-128"/>
-              </a:rPr>
-              <a:t>緊張感を</a:t>
-            </a:r>
-            <a:r>
-              <a:rPr kumimoji="1" lang="ja-JP" altLang="en-US" sz="4800" dirty="0">
-                <a:solidFill>
-                  <a:srgbClr val="FF0000"/>
-                </a:solidFill>
-                <a:effectLst>
-                  <a:glow rad="127000">
-                    <a:schemeClr val="bg1"/>
-                  </a:glow>
-                  <a:outerShdw blurRad="38100" dist="38100" dir="2700000" algn="tl">
-                    <a:srgbClr val="000000">
-                      <a:alpha val="43137"/>
-                    </a:srgbClr>
-                  </a:outerShdw>
-                </a:effectLst>
-                <a:latin typeface="HGP創英角ｺﾞｼｯｸUB" panose="020B0900000000000000" pitchFamily="50" charset="-128"/>
-                <a:ea typeface="HGP創英角ｺﾞｼｯｸUB" panose="020B0900000000000000" pitchFamily="50" charset="-128"/>
-              </a:rPr>
-              <a:t>体験できるゲーム</a:t>
-            </a:r>
-            <a:endParaRPr kumimoji="1" lang="en-US" altLang="ja-JP" sz="4800" dirty="0">
-              <a:solidFill>
-                <a:srgbClr val="FF0000"/>
-              </a:solidFill>
-              <a:effectLst>
-                <a:glow rad="127000">
-                  <a:schemeClr val="bg1"/>
-                </a:glow>
-                <a:outerShdw blurRad="38100" dist="38100" dir="2700000" algn="tl">
-                  <a:srgbClr val="000000">
-                    <a:alpha val="43137"/>
-                  </a:srgbClr>
-                </a:outerShdw>
-              </a:effectLst>
-              <a:latin typeface="HGP創英角ｺﾞｼｯｸUB" panose="020B0900000000000000" pitchFamily="50" charset="-128"/>
-              <a:ea typeface="HGP創英角ｺﾞｼｯｸUB" panose="020B0900000000000000" pitchFamily="50" charset="-128"/>
-            </a:endParaRPr>
-          </a:p>
-          <a:p>
-            <a:pPr algn="ctr"/>
-            <a:endParaRPr lang="en-US" altLang="ja-JP" sz="4800" dirty="0">
-              <a:solidFill>
-                <a:srgbClr val="FF0000"/>
-              </a:solidFill>
-              <a:effectLst>
-                <a:glow rad="127000">
-                  <a:schemeClr val="bg1"/>
-                </a:glow>
-                <a:outerShdw blurRad="38100" dist="38100" dir="2700000" algn="tl">
-                  <a:srgbClr val="000000">
-                    <a:alpha val="43137"/>
-                  </a:srgbClr>
-                </a:outerShdw>
-              </a:effectLst>
-              <a:latin typeface="HGP創英角ｺﾞｼｯｸUB" panose="020B0900000000000000" pitchFamily="50" charset="-128"/>
-              <a:ea typeface="HGP創英角ｺﾞｼｯｸUB" panose="020B0900000000000000" pitchFamily="50" charset="-128"/>
-            </a:endParaRPr>
-          </a:p>
-          <a:p>
-            <a:pPr algn="ctr"/>
-            <a:r>
-              <a:rPr kumimoji="1" lang="ja-JP" altLang="en-US" sz="4800" dirty="0">
-                <a:solidFill>
-                  <a:srgbClr val="FF0000"/>
-                </a:solidFill>
-                <a:effectLst>
-                  <a:glow rad="127000">
-                    <a:schemeClr val="bg1"/>
-                  </a:glow>
-                  <a:outerShdw blurRad="38100" dist="38100" dir="2700000" algn="tl">
-                    <a:srgbClr val="000000">
-                      <a:alpha val="43137"/>
-                    </a:srgbClr>
-                  </a:outerShdw>
-                </a:effectLst>
-                <a:latin typeface="HGP創英角ｺﾞｼｯｸUB" panose="020B0900000000000000" pitchFamily="50" charset="-128"/>
-                <a:ea typeface="HGP創英角ｺﾞｼｯｸUB" panose="020B0900000000000000" pitchFamily="50" charset="-128"/>
-              </a:rPr>
-              <a:t>怪しまれないよう隠密に時には大胆に動き</a:t>
-            </a:r>
-            <a:endParaRPr kumimoji="1" lang="en-US" altLang="ja-JP" sz="4800" dirty="0">
-              <a:solidFill>
-                <a:srgbClr val="FF0000"/>
-              </a:solidFill>
-              <a:effectLst>
-                <a:glow rad="127000">
-                  <a:schemeClr val="bg1"/>
-                </a:glow>
-                <a:outerShdw blurRad="38100" dist="38100" dir="2700000" algn="tl">
-                  <a:srgbClr val="000000">
-                    <a:alpha val="43137"/>
-                  </a:srgbClr>
-                </a:outerShdw>
-              </a:effectLst>
-              <a:latin typeface="HGP創英角ｺﾞｼｯｸUB" panose="020B0900000000000000" pitchFamily="50" charset="-128"/>
-              <a:ea typeface="HGP創英角ｺﾞｼｯｸUB" panose="020B0900000000000000" pitchFamily="50" charset="-128"/>
-            </a:endParaRPr>
-          </a:p>
-          <a:p>
-            <a:pPr algn="ctr"/>
-            <a:r>
-              <a:rPr lang="ja-JP" altLang="en-US" sz="4800" dirty="0">
-                <a:solidFill>
-                  <a:srgbClr val="FF0000"/>
-                </a:solidFill>
-                <a:effectLst>
-                  <a:glow rad="127000">
-                    <a:schemeClr val="bg1"/>
-                  </a:glow>
-                  <a:outerShdw blurRad="38100" dist="38100" dir="2700000" algn="tl">
-                    <a:srgbClr val="000000">
-                      <a:alpha val="43137"/>
-                    </a:srgbClr>
-                  </a:outerShdw>
-                </a:effectLst>
-                <a:latin typeface="HGP創英角ｺﾞｼｯｸUB" panose="020B0900000000000000" pitchFamily="50" charset="-128"/>
-                <a:ea typeface="HGP創英角ｺﾞｼｯｸUB" panose="020B0900000000000000" pitchFamily="50" charset="-128"/>
-              </a:rPr>
-              <a:t>顧客満足度を保つゲーム</a:t>
+              <a:t>楽しさを味わえるゲーム</a:t>
             </a:r>
             <a:endParaRPr kumimoji="1" lang="ja-JP" altLang="en-US" sz="4800" dirty="0">
               <a:solidFill>
@@ -4181,48 +4066,6 @@
           <a:chExt cx="0" cy="0"/>
         </a:xfrm>
       </p:grpSpPr>
-      <p:pic>
-        <p:nvPicPr>
-          <p:cNvPr id="11" name="図 10" descr="バイクに乗っている人のイラスト&#10;&#10;低い精度で自動的に生成された説明">
-            <a:extLst>
-              <a:ext uri="{FF2B5EF4-FFF2-40B4-BE49-F238E27FC236}">
-                <a16:creationId xmlns:a16="http://schemas.microsoft.com/office/drawing/2014/main" id="{FD41AED3-8881-588E-8CE2-AF7CDA00C3B5}"/>
-              </a:ext>
-            </a:extLst>
-          </p:cNvPr>
-          <p:cNvPicPr>
-            <a:picLocks noChangeAspect="1"/>
-          </p:cNvPicPr>
-          <p:nvPr/>
-        </p:nvPicPr>
-        <p:blipFill>
-          <a:blip r:embed="rId2">
-            <a:extLst>
-              <a:ext uri="{28A0092B-C50C-407E-A947-70E740481C1C}">
-                <a14:useLocalDpi xmlns:a14="http://schemas.microsoft.com/office/drawing/2010/main" val="0"/>
-              </a:ext>
-            </a:extLst>
-          </a:blip>
-          <a:srcRect l="31847"/>
-          <a:stretch/>
-        </p:blipFill>
-        <p:spPr>
-          <a:xfrm>
-            <a:off x="8346442" y="233414"/>
-            <a:ext cx="2080733" cy="2290664"/>
-          </a:xfrm>
-          <a:prstGeom prst="rect">
-            <a:avLst/>
-          </a:prstGeom>
-          <a:effectLst>
-            <a:outerShdw blurRad="50800" dist="38100" dir="2700000" algn="tl" rotWithShape="0">
-              <a:prstClr val="black">
-                <a:alpha val="40000"/>
-              </a:prstClr>
-            </a:outerShdw>
-          </a:effectLst>
-        </p:spPr>
-      </p:pic>
       <p:sp>
         <p:nvSpPr>
           <p:cNvPr id="6" name="テキスト ボックス 5">
@@ -4294,8 +4137,8 @@
         </p:nvSpPr>
         <p:spPr>
           <a:xfrm>
-            <a:off x="1471699" y="1033331"/>
-            <a:ext cx="4455066" cy="1631216"/>
+            <a:off x="2198939" y="1209474"/>
+            <a:ext cx="7794121" cy="1138773"/>
           </a:xfrm>
           <a:prstGeom prst="rect">
             <a:avLst/>
@@ -4308,6 +4151,7 @@
           </a:bodyPr>
           <a:lstStyle/>
           <a:p>
+            <a:pPr algn="ctr"/>
             <a:r>
               <a:rPr lang="ja-JP" altLang="en-US" sz="3200" dirty="0">
                 <a:effectLst>
@@ -4323,7 +4167,7 @@
                 <a:latin typeface="HGP創英角ｺﾞｼｯｸUB" panose="020B0900000000000000" pitchFamily="50" charset="-128"/>
                 <a:ea typeface="HGP創英角ｺﾞｼｯｸUB" panose="020B0900000000000000" pitchFamily="50" charset="-128"/>
               </a:rPr>
-              <a:t>アイスが溶ける前に</a:t>
+              <a:t>アイスが溶ける前に複数の目的地へ届けよう</a:t>
             </a:r>
             <a:endParaRPr lang="en-US" altLang="ja-JP" sz="3200" dirty="0">
               <a:effectLst>
@@ -4341,39 +4185,7 @@
             </a:endParaRPr>
           </a:p>
           <a:p>
-            <a:r>
-              <a:rPr lang="ja-JP" altLang="en-US" sz="3200" dirty="0">
-                <a:effectLst>
-                  <a:glow rad="127000">
-                    <a:schemeClr val="bg1"/>
-                  </a:glow>
-                  <a:outerShdw blurRad="38100" dist="38100" dir="2700000" algn="tl">
-                    <a:srgbClr val="000000">
-                      <a:alpha val="43137"/>
-                    </a:srgbClr>
-                  </a:outerShdw>
-                </a:effectLst>
-                <a:latin typeface="HGP創英角ｺﾞｼｯｸUB" panose="020B0900000000000000" pitchFamily="50" charset="-128"/>
-                <a:ea typeface="HGP創英角ｺﾞｼｯｸUB" panose="020B0900000000000000" pitchFamily="50" charset="-128"/>
-              </a:rPr>
-              <a:t>複数の目的地へ届けよう</a:t>
-            </a:r>
-            <a:endParaRPr lang="en-US" altLang="ja-JP" sz="3200" dirty="0">
-              <a:effectLst>
-                <a:glow rad="127000">
-                  <a:schemeClr val="bg1"/>
-                </a:glow>
-                <a:outerShdw blurRad="38100" dist="38100" dir="2700000" algn="tl">
-                  <a:srgbClr val="000000">
-                    <a:alpha val="43137"/>
-                  </a:srgbClr>
-                </a:outerShdw>
-              </a:effectLst>
-              <a:latin typeface="HGP創英角ｺﾞｼｯｸUB" panose="020B0900000000000000" pitchFamily="50" charset="-128"/>
-              <a:ea typeface="HGP創英角ｺﾞｼｯｸUB" panose="020B0900000000000000" pitchFamily="50" charset="-128"/>
-            </a:endParaRPr>
-          </a:p>
-          <a:p>
+            <a:pPr algn="ctr"/>
             <a:r>
               <a:rPr kumimoji="1" lang="ja-JP" altLang="en-US" sz="3600" dirty="0">
                 <a:solidFill>
@@ -4399,10 +4211,10 @@
       </p:sp>
       <p:sp>
         <p:nvSpPr>
-          <p:cNvPr id="5" name="テキスト ボックス 4">
-            <a:extLst>
-              <a:ext uri="{FF2B5EF4-FFF2-40B4-BE49-F238E27FC236}">
-                <a16:creationId xmlns:a16="http://schemas.microsoft.com/office/drawing/2014/main" id="{CC52A559-CEAF-EDA5-FA88-A19373AE00BC}"/>
+          <p:cNvPr id="18" name="テキスト ボックス 17">
+            <a:extLst>
+              <a:ext uri="{FF2B5EF4-FFF2-40B4-BE49-F238E27FC236}">
+                <a16:creationId xmlns:a16="http://schemas.microsoft.com/office/drawing/2014/main" id="{86E12423-9D65-55CD-A311-909E0D7E9317}"/>
               </a:ext>
             </a:extLst>
           </p:cNvPr>
@@ -4411,171 +4223,7 @@
         </p:nvSpPr>
         <p:spPr>
           <a:xfrm>
-            <a:off x="6663343" y="1945935"/>
-            <a:ext cx="5075428" cy="1015663"/>
-          </a:xfrm>
-          <a:prstGeom prst="rect">
-            <a:avLst/>
-          </a:prstGeom>
-          <a:noFill/>
-        </p:spPr>
-        <p:txBody>
-          <a:bodyPr wrap="none">
-            <a:spAutoFit/>
-          </a:bodyPr>
-          <a:lstStyle/>
-          <a:p>
-            <a:r>
-              <a:rPr kumimoji="1" lang="ja-JP" altLang="en-US" sz="2800" dirty="0">
-                <a:effectLst>
-                  <a:glow rad="127000">
-                    <a:schemeClr val="bg1"/>
-                  </a:glow>
-                  <a:outerShdw blurRad="38100" dist="38100" dir="2700000" algn="tl">
-                    <a:srgbClr val="000000">
-                      <a:alpha val="43137"/>
-                    </a:srgbClr>
-                  </a:outerShdw>
-                </a:effectLst>
-                <a:latin typeface="HGP創英角ｺﾞｼｯｸUB" panose="020B0900000000000000" pitchFamily="50" charset="-128"/>
-                <a:ea typeface="HGP創英角ｺﾞｼｯｸUB" panose="020B0900000000000000" pitchFamily="50" charset="-128"/>
-              </a:rPr>
-              <a:t>アイスはすれ違いざまに投げ渡す</a:t>
-            </a:r>
-            <a:endParaRPr kumimoji="1" lang="en-US" altLang="ja-JP" sz="2800" dirty="0">
-              <a:effectLst>
-                <a:glow rad="127000">
-                  <a:schemeClr val="bg1"/>
-                </a:glow>
-                <a:outerShdw blurRad="38100" dist="38100" dir="2700000" algn="tl">
-                  <a:srgbClr val="000000">
-                    <a:alpha val="43137"/>
-                  </a:srgbClr>
-                </a:outerShdw>
-              </a:effectLst>
-              <a:latin typeface="HGP創英角ｺﾞｼｯｸUB" panose="020B0900000000000000" pitchFamily="50" charset="-128"/>
-              <a:ea typeface="HGP創英角ｺﾞｼｯｸUB" panose="020B0900000000000000" pitchFamily="50" charset="-128"/>
-            </a:endParaRPr>
-          </a:p>
-          <a:p>
-            <a:r>
-              <a:rPr kumimoji="1" lang="ja-JP" altLang="en-US" sz="2800" dirty="0">
-                <a:effectLst>
-                  <a:glow rad="127000">
-                    <a:schemeClr val="bg1"/>
-                  </a:glow>
-                  <a:outerShdw blurRad="38100" dist="38100" dir="2700000" algn="tl">
-                    <a:srgbClr val="000000">
-                      <a:alpha val="43137"/>
-                    </a:srgbClr>
-                  </a:outerShdw>
-                </a:effectLst>
-                <a:latin typeface="HGP創英角ｺﾞｼｯｸUB" panose="020B0900000000000000" pitchFamily="50" charset="-128"/>
-                <a:ea typeface="HGP創英角ｺﾞｼｯｸUB" panose="020B0900000000000000" pitchFamily="50" charset="-128"/>
-              </a:rPr>
-              <a:t>でも</a:t>
-            </a:r>
-            <a:r>
-              <a:rPr kumimoji="1" lang="ja-JP" altLang="en-US" sz="3200" dirty="0">
-                <a:solidFill>
-                  <a:srgbClr val="FF0000"/>
-                </a:solidFill>
-                <a:effectLst>
-                  <a:glow rad="127000">
-                    <a:schemeClr val="bg1"/>
-                  </a:glow>
-                  <a:outerShdw blurRad="38100" dist="38100" dir="2700000" algn="tl">
-                    <a:srgbClr val="000000">
-                      <a:alpha val="43137"/>
-                    </a:srgbClr>
-                  </a:outerShdw>
-                </a:effectLst>
-                <a:latin typeface="HGP創英角ｺﾞｼｯｸUB" panose="020B0900000000000000" pitchFamily="50" charset="-128"/>
-                <a:ea typeface="HGP創英角ｺﾞｼｯｸUB" panose="020B0900000000000000" pitchFamily="50" charset="-128"/>
-              </a:rPr>
-              <a:t>速すぎると渡せない</a:t>
-            </a:r>
-            <a:endParaRPr kumimoji="1" lang="en-US" altLang="ja-JP" sz="3200" dirty="0">
-              <a:solidFill>
-                <a:srgbClr val="FF0000"/>
-              </a:solidFill>
-              <a:effectLst>
-                <a:glow rad="127000">
-                  <a:schemeClr val="bg1"/>
-                </a:glow>
-                <a:outerShdw blurRad="38100" dist="38100" dir="2700000" algn="tl">
-                  <a:srgbClr val="000000">
-                    <a:alpha val="43137"/>
-                  </a:srgbClr>
-                </a:outerShdw>
-              </a:effectLst>
-              <a:latin typeface="HGP創英角ｺﾞｼｯｸUB" panose="020B0900000000000000" pitchFamily="50" charset="-128"/>
-              <a:ea typeface="HGP創英角ｺﾞｼｯｸUB" panose="020B0900000000000000" pitchFamily="50" charset="-128"/>
-            </a:endParaRPr>
-          </a:p>
-        </p:txBody>
-      </p:sp>
-      <p:pic>
-        <p:nvPicPr>
-          <p:cNvPr id="16" name="図 15" descr="アイコン&#10;&#10;自動的に生成された説明">
-            <a:extLst>
-              <a:ext uri="{FF2B5EF4-FFF2-40B4-BE49-F238E27FC236}">
-                <a16:creationId xmlns:a16="http://schemas.microsoft.com/office/drawing/2014/main" id="{542C0060-0378-A5CB-FA6F-81B33FB43698}"/>
-              </a:ext>
-            </a:extLst>
-          </p:cNvPr>
-          <p:cNvPicPr>
-            <a:picLocks noChangeAspect="1"/>
-          </p:cNvPicPr>
-          <p:nvPr/>
-        </p:nvPicPr>
-        <p:blipFill>
-          <a:blip r:embed="rId3">
-            <a:extLst>
-              <a:ext uri="{28A0092B-C50C-407E-A947-70E740481C1C}">
-                <a14:useLocalDpi xmlns:a14="http://schemas.microsoft.com/office/drawing/2010/main" val="0"/>
-              </a:ext>
-            </a:extLst>
-          </a:blip>
-          <a:stretch>
-            <a:fillRect/>
-          </a:stretch>
-        </p:blipFill>
-        <p:spPr>
-          <a:xfrm rot="20447033" flipH="1">
-            <a:off x="8237376" y="249585"/>
-            <a:ext cx="292780" cy="661898"/>
-          </a:xfrm>
-          <a:prstGeom prst="rect">
-            <a:avLst/>
-          </a:prstGeom>
-          <a:effectLst>
-            <a:glow rad="12700">
-              <a:schemeClr val="tx1"/>
-            </a:glow>
-            <a:outerShdw blurRad="50800" dist="38100" dir="2700000" algn="tl" rotWithShape="0">
-              <a:prstClr val="black">
-                <a:alpha val="40000"/>
-              </a:prstClr>
-            </a:outerShdw>
-          </a:effectLst>
-        </p:spPr>
-      </p:pic>
-      <p:sp>
-        <p:nvSpPr>
-          <p:cNvPr id="18" name="テキスト ボックス 17">
-            <a:extLst>
-              <a:ext uri="{FF2B5EF4-FFF2-40B4-BE49-F238E27FC236}">
-                <a16:creationId xmlns:a16="http://schemas.microsoft.com/office/drawing/2014/main" id="{86E12423-9D65-55CD-A311-909E0D7E9317}"/>
-              </a:ext>
-            </a:extLst>
-          </p:cNvPr>
-          <p:cNvSpPr txBox="1"/>
-          <p:nvPr/>
-        </p:nvSpPr>
-        <p:spPr>
-          <a:xfrm>
-            <a:off x="1293036" y="4551520"/>
+            <a:off x="1293036" y="4182067"/>
             <a:ext cx="9607117" cy="2000548"/>
           </a:xfrm>
           <a:prstGeom prst="rect">
@@ -4739,7 +4387,7 @@
           <p:nvPr/>
         </p:nvPicPr>
         <p:blipFill>
-          <a:blip r:embed="rId4">
+          <a:blip r:embed="rId2">
             <a:extLst>
               <a:ext uri="{28A0092B-C50C-407E-A947-70E740481C1C}">
                 <a14:useLocalDpi xmlns:a14="http://schemas.microsoft.com/office/drawing/2010/main" val="0"/>
@@ -4752,7 +4400,7 @@
         </p:blipFill>
         <p:spPr>
           <a:xfrm>
-            <a:off x="4061927" y="3429000"/>
+            <a:off x="4061927" y="2957951"/>
             <a:ext cx="1358341" cy="1358341"/>
           </a:xfrm>
           <a:prstGeom prst="rect">
@@ -4782,7 +4430,7 @@
           <p:nvPr/>
         </p:nvPicPr>
         <p:blipFill>
-          <a:blip r:embed="rId5">
+          <a:blip r:embed="rId3">
             <a:extLst>
               <a:ext uri="{28A0092B-C50C-407E-A947-70E740481C1C}">
                 <a14:useLocalDpi xmlns:a14="http://schemas.microsoft.com/office/drawing/2010/main" val="0"/>
@@ -4794,7 +4442,7 @@
         </p:blipFill>
         <p:spPr>
           <a:xfrm>
-            <a:off x="5926765" y="3528787"/>
+            <a:off x="5926765" y="3057738"/>
             <a:ext cx="2967930" cy="1253035"/>
           </a:xfrm>
           <a:prstGeom prst="rect">
@@ -10717,7 +10365,7 @@
         </p:nvSpPr>
         <p:spPr>
           <a:xfrm>
-            <a:off x="5604575" y="4802076"/>
+            <a:off x="5586102" y="5383966"/>
             <a:ext cx="6458819" cy="1138773"/>
           </a:xfrm>
           <a:prstGeom prst="rect">
@@ -10832,7 +10480,7 @@
         </p:nvSpPr>
         <p:spPr>
           <a:xfrm>
-            <a:off x="471093" y="3429000"/>
+            <a:off x="475481" y="3574529"/>
             <a:ext cx="5878532" cy="646331"/>
           </a:xfrm>
           <a:prstGeom prst="rect">
@@ -10931,7 +10579,7 @@
         </p:blipFill>
         <p:spPr>
           <a:xfrm>
-            <a:off x="7042109" y="3194219"/>
+            <a:off x="7023636" y="3839750"/>
             <a:ext cx="3583749" cy="1544216"/>
           </a:xfrm>
           <a:prstGeom prst="rect">
@@ -10974,7 +10622,7 @@
         </p:blipFill>
         <p:spPr>
           <a:xfrm>
-            <a:off x="1105432" y="1562878"/>
+            <a:off x="1109820" y="1708407"/>
             <a:ext cx="4192438" cy="1631341"/>
           </a:xfrm>
           <a:prstGeom prst="rect">
@@ -11046,6 +10694,212 @@
           </a:p>
         </p:txBody>
       </p:sp>
+      <p:pic>
+        <p:nvPicPr>
+          <p:cNvPr id="11" name="図 10" descr="バイクに乗っている人のイラスト&#10;&#10;低い精度で自動的に生成された説明">
+            <a:extLst>
+              <a:ext uri="{FF2B5EF4-FFF2-40B4-BE49-F238E27FC236}">
+                <a16:creationId xmlns:a16="http://schemas.microsoft.com/office/drawing/2014/main" id="{FD41AED3-8881-588E-8CE2-AF7CDA00C3B5}"/>
+              </a:ext>
+            </a:extLst>
+          </p:cNvPr>
+          <p:cNvPicPr>
+            <a:picLocks noChangeAspect="1"/>
+          </p:cNvPicPr>
+          <p:nvPr/>
+        </p:nvPicPr>
+        <p:blipFill>
+          <a:blip r:embed="rId4">
+            <a:extLst>
+              <a:ext uri="{28A0092B-C50C-407E-A947-70E740481C1C}">
+                <a14:useLocalDpi xmlns:a14="http://schemas.microsoft.com/office/drawing/2010/main" val="0"/>
+              </a:ext>
+            </a:extLst>
+          </a:blip>
+          <a:srcRect l="31847"/>
+          <a:stretch/>
+        </p:blipFill>
+        <p:spPr>
+          <a:xfrm>
+            <a:off x="8263315" y="481272"/>
+            <a:ext cx="2080733" cy="2290664"/>
+          </a:xfrm>
+          <a:prstGeom prst="rect">
+            <a:avLst/>
+          </a:prstGeom>
+          <a:effectLst>
+            <a:outerShdw blurRad="50800" dist="38100" dir="2700000" algn="tl" rotWithShape="0">
+              <a:prstClr val="black">
+                <a:alpha val="40000"/>
+              </a:prstClr>
+            </a:outerShdw>
+          </a:effectLst>
+        </p:spPr>
+      </p:pic>
+      <p:sp>
+        <p:nvSpPr>
+          <p:cNvPr id="2" name="テキスト ボックス 1">
+            <a:extLst>
+              <a:ext uri="{FF2B5EF4-FFF2-40B4-BE49-F238E27FC236}">
+                <a16:creationId xmlns:a16="http://schemas.microsoft.com/office/drawing/2014/main" id="{CC52A559-CEAF-EDA5-FA88-A19373AE00BC}"/>
+              </a:ext>
+            </a:extLst>
+          </p:cNvPr>
+          <p:cNvSpPr txBox="1"/>
+          <p:nvPr/>
+        </p:nvSpPr>
+        <p:spPr>
+          <a:xfrm>
+            <a:off x="6580216" y="2193793"/>
+            <a:ext cx="5075428" cy="1015663"/>
+          </a:xfrm>
+          <a:prstGeom prst="rect">
+            <a:avLst/>
+          </a:prstGeom>
+          <a:noFill/>
+        </p:spPr>
+        <p:txBody>
+          <a:bodyPr wrap="none">
+            <a:spAutoFit/>
+          </a:bodyPr>
+          <a:lstStyle/>
+          <a:p>
+            <a:r>
+              <a:rPr kumimoji="1" lang="ja-JP" altLang="en-US" sz="2800" dirty="0">
+                <a:effectLst>
+                  <a:glow rad="127000">
+                    <a:schemeClr val="bg1"/>
+                  </a:glow>
+                  <a:outerShdw blurRad="38100" dist="38100" dir="2700000" algn="tl">
+                    <a:srgbClr val="000000">
+                      <a:alpha val="43137"/>
+                    </a:srgbClr>
+                  </a:outerShdw>
+                </a:effectLst>
+                <a:latin typeface="HGP創英角ｺﾞｼｯｸUB" panose="020B0900000000000000" pitchFamily="50" charset="-128"/>
+                <a:ea typeface="HGP創英角ｺﾞｼｯｸUB" panose="020B0900000000000000" pitchFamily="50" charset="-128"/>
+              </a:rPr>
+              <a:t>アイスはすれ違いざまに投げ渡す</a:t>
+            </a:r>
+            <a:endParaRPr kumimoji="1" lang="en-US" altLang="ja-JP" sz="2800" dirty="0">
+              <a:effectLst>
+                <a:glow rad="127000">
+                  <a:schemeClr val="bg1"/>
+                </a:glow>
+                <a:outerShdw blurRad="38100" dist="38100" dir="2700000" algn="tl">
+                  <a:srgbClr val="000000">
+                    <a:alpha val="43137"/>
+                  </a:srgbClr>
+                </a:outerShdw>
+              </a:effectLst>
+              <a:latin typeface="HGP創英角ｺﾞｼｯｸUB" panose="020B0900000000000000" pitchFamily="50" charset="-128"/>
+              <a:ea typeface="HGP創英角ｺﾞｼｯｸUB" panose="020B0900000000000000" pitchFamily="50" charset="-128"/>
+            </a:endParaRPr>
+          </a:p>
+          <a:p>
+            <a:r>
+              <a:rPr kumimoji="1" lang="ja-JP" altLang="en-US" sz="2800" dirty="0">
+                <a:effectLst>
+                  <a:glow rad="127000">
+                    <a:schemeClr val="bg1"/>
+                  </a:glow>
+                  <a:outerShdw blurRad="38100" dist="38100" dir="2700000" algn="tl">
+                    <a:srgbClr val="000000">
+                      <a:alpha val="43137"/>
+                    </a:srgbClr>
+                  </a:outerShdw>
+                </a:effectLst>
+                <a:latin typeface="HGP創英角ｺﾞｼｯｸUB" panose="020B0900000000000000" pitchFamily="50" charset="-128"/>
+                <a:ea typeface="HGP創英角ｺﾞｼｯｸUB" panose="020B0900000000000000" pitchFamily="50" charset="-128"/>
+              </a:rPr>
+              <a:t>でも</a:t>
+            </a:r>
+            <a:r>
+              <a:rPr kumimoji="1" lang="ja-JP" altLang="en-US" sz="3200" dirty="0">
+                <a:solidFill>
+                  <a:srgbClr val="FF0000"/>
+                </a:solidFill>
+                <a:effectLst>
+                  <a:glow rad="127000">
+                    <a:schemeClr val="bg1"/>
+                  </a:glow>
+                  <a:outerShdw blurRad="38100" dist="38100" dir="2700000" algn="tl">
+                    <a:srgbClr val="000000">
+                      <a:alpha val="43137"/>
+                    </a:srgbClr>
+                  </a:outerShdw>
+                </a:effectLst>
+                <a:latin typeface="HGP創英角ｺﾞｼｯｸUB" panose="020B0900000000000000" pitchFamily="50" charset="-128"/>
+                <a:ea typeface="HGP創英角ｺﾞｼｯｸUB" panose="020B0900000000000000" pitchFamily="50" charset="-128"/>
+              </a:rPr>
+              <a:t>速すぎると渡せない</a:t>
+            </a:r>
+            <a:endParaRPr kumimoji="1" lang="en-US" altLang="ja-JP" sz="3200" dirty="0">
+              <a:solidFill>
+                <a:srgbClr val="FF0000"/>
+              </a:solidFill>
+              <a:effectLst>
+                <a:glow rad="127000">
+                  <a:schemeClr val="bg1"/>
+                </a:glow>
+                <a:outerShdw blurRad="38100" dist="38100" dir="2700000" algn="tl">
+                  <a:srgbClr val="000000">
+                    <a:alpha val="43137"/>
+                  </a:srgbClr>
+                </a:outerShdw>
+              </a:effectLst>
+              <a:latin typeface="HGP創英角ｺﾞｼｯｸUB" panose="020B0900000000000000" pitchFamily="50" charset="-128"/>
+              <a:ea typeface="HGP創英角ｺﾞｼｯｸUB" panose="020B0900000000000000" pitchFamily="50" charset="-128"/>
+            </a:endParaRPr>
+          </a:p>
+        </p:txBody>
+      </p:sp>
+      <p:pic>
+        <p:nvPicPr>
+          <p:cNvPr id="16" name="図 15" descr="アイコン&#10;&#10;自動的に生成された説明">
+            <a:extLst>
+              <a:ext uri="{FF2B5EF4-FFF2-40B4-BE49-F238E27FC236}">
+                <a16:creationId xmlns:a16="http://schemas.microsoft.com/office/drawing/2014/main" id="{542C0060-0378-A5CB-FA6F-81B33FB43698}"/>
+              </a:ext>
+            </a:extLst>
+          </p:cNvPr>
+          <p:cNvPicPr>
+            <a:picLocks noChangeAspect="1"/>
+          </p:cNvPicPr>
+          <p:nvPr/>
+        </p:nvPicPr>
+        <p:blipFill>
+          <a:blip r:embed="rId5">
+            <a:extLst>
+              <a:ext uri="{28A0092B-C50C-407E-A947-70E740481C1C}">
+                <a14:useLocalDpi xmlns:a14="http://schemas.microsoft.com/office/drawing/2010/main" val="0"/>
+              </a:ext>
+            </a:extLst>
+          </a:blip>
+          <a:stretch>
+            <a:fillRect/>
+          </a:stretch>
+        </p:blipFill>
+        <p:spPr>
+          <a:xfrm rot="20447033" flipH="1">
+            <a:off x="8154249" y="497443"/>
+            <a:ext cx="292780" cy="661898"/>
+          </a:xfrm>
+          <a:prstGeom prst="rect">
+            <a:avLst/>
+          </a:prstGeom>
+          <a:effectLst>
+            <a:glow rad="12700">
+              <a:schemeClr val="tx1"/>
+            </a:glow>
+            <a:outerShdw blurRad="50800" dist="38100" dir="2700000" algn="tl" rotWithShape="0">
+              <a:prstClr val="black">
+                <a:alpha val="40000"/>
+              </a:prstClr>
+            </a:outerShdw>
+          </a:effectLst>
+        </p:spPr>
+      </p:pic>
     </p:spTree>
     <p:extLst>
       <p:ext uri="{BB962C8B-B14F-4D97-AF65-F5344CB8AC3E}">
@@ -12131,8 +11985,8 @@
         </p:nvSpPr>
         <p:spPr>
           <a:xfrm>
-            <a:off x="5360732" y="2301482"/>
-            <a:ext cx="1116010" cy="707886"/>
+            <a:off x="1430192" y="1489029"/>
+            <a:ext cx="8977137" cy="830997"/>
           </a:xfrm>
           <a:prstGeom prst="rect">
             <a:avLst/>
@@ -12160,6 +12014,23 @@
             <a:pPr algn="ctr"/>
             <a:r>
               <a:rPr kumimoji="1" lang="ja-JP" altLang="en-US" sz="4000" dirty="0">
+                <a:effectLst>
+                  <a:glow rad="127000">
+                    <a:schemeClr val="bg1"/>
+                  </a:glow>
+                  <a:outerShdw blurRad="38100" dist="38100" dir="2700000" algn="tl">
+                    <a:srgbClr val="000000">
+                      <a:alpha val="43137"/>
+                    </a:srgbClr>
+                  </a:outerShdw>
+                </a:effectLst>
+                <a:latin typeface="HGP創英角ｺﾞｼｯｸUB" panose="020B0900000000000000" pitchFamily="50" charset="-128"/>
+                <a:ea typeface="HGP創英角ｺﾞｼｯｸUB" panose="020B0900000000000000" pitchFamily="50" charset="-128"/>
+              </a:rPr>
+              <a:t>疑われないよう密かに行動する</a:t>
+            </a:r>
+            <a:r>
+              <a:rPr kumimoji="1" lang="ja-JP" altLang="en-US" sz="4800" dirty="0">
                 <a:solidFill>
                   <a:srgbClr val="FF0000"/>
                 </a:solidFill>
@@ -12176,8 +12047,25 @@
                 <a:latin typeface="HGP創英角ｺﾞｼｯｸUB" panose="020B0900000000000000" pitchFamily="50" charset="-128"/>
                 <a:ea typeface="HGP創英角ｺﾞｼｯｸUB" panose="020B0900000000000000" pitchFamily="50" charset="-128"/>
               </a:rPr>
-              <a:t>速さ</a:t>
-            </a:r>
+              <a:t>ハラハラ</a:t>
+            </a:r>
+            <a:endParaRPr kumimoji="1" lang="en-US" altLang="ja-JP" sz="4800" dirty="0">
+              <a:solidFill>
+                <a:srgbClr val="FF0000"/>
+              </a:solidFill>
+              <a:effectLst>
+                <a:glow rad="127000">
+                  <a:schemeClr val="bg1"/>
+                </a:glow>
+                <a:outerShdw blurRad="38100" dist="38100" dir="2700000" algn="tl">
+                  <a:srgbClr val="000000">
+                    <a:alpha val="43137"/>
+                  </a:srgbClr>
+                </a:outerShdw>
+              </a:effectLst>
+              <a:latin typeface="HGP創英角ｺﾞｼｯｸUB" panose="020B0900000000000000" pitchFamily="50" charset="-128"/>
+              <a:ea typeface="HGP創英角ｺﾞｼｯｸUB" panose="020B0900000000000000" pitchFamily="50" charset="-128"/>
+            </a:endParaRPr>
           </a:p>
         </p:txBody>
       </p:sp>
@@ -12195,8 +12083,8 @@
         </p:nvSpPr>
         <p:spPr>
           <a:xfrm>
-            <a:off x="1095121" y="3648220"/>
-            <a:ext cx="9647193" cy="769441"/>
+            <a:off x="2484959" y="4599530"/>
+            <a:ext cx="6867586" cy="830997"/>
           </a:xfrm>
           <a:prstGeom prst="rect">
             <a:avLst/>
@@ -12223,7 +12111,7 @@
           <a:p>
             <a:pPr algn="ctr"/>
             <a:r>
-              <a:rPr kumimoji="1" lang="ja-JP" altLang="en-US" sz="4000" dirty="0">
+              <a:rPr lang="ja-JP" altLang="en-US" sz="4000" dirty="0">
                 <a:effectLst>
                   <a:glow rad="127000">
                     <a:schemeClr val="bg1"/>
@@ -12237,12 +12125,12 @@
                 <a:latin typeface="HGP創英角ｺﾞｼｯｸUB" panose="020B0900000000000000" pitchFamily="50" charset="-128"/>
                 <a:ea typeface="HGP創英角ｺﾞｼｯｸUB" panose="020B0900000000000000" pitchFamily="50" charset="-128"/>
               </a:rPr>
-              <a:t>届ける順番やギミックの使い方を考える</a:t>
-            </a:r>
-            <a:r>
-              <a:rPr kumimoji="1" lang="ja-JP" altLang="en-US" sz="4400" dirty="0">
+              <a:t>欺いてクリアしたときの</a:t>
+            </a:r>
+            <a:r>
+              <a:rPr lang="ja-JP" altLang="en-US" sz="4800" dirty="0">
                 <a:solidFill>
-                  <a:srgbClr val="FF0000"/>
+                  <a:srgbClr val="FFC000"/>
                 </a:solidFill>
                 <a:effectLst>
                   <a:glow rad="127000">
@@ -12257,11 +12145,11 @@
                 <a:latin typeface="HGP創英角ｺﾞｼｯｸUB" panose="020B0900000000000000" pitchFamily="50" charset="-128"/>
                 <a:ea typeface="HGP創英角ｺﾞｼｯｸUB" panose="020B0900000000000000" pitchFamily="50" charset="-128"/>
               </a:rPr>
-              <a:t>思考</a:t>
-            </a:r>
-            <a:endParaRPr kumimoji="1" lang="ja-JP" altLang="en-US" sz="4000" dirty="0">
+              <a:t>達成感</a:t>
+            </a:r>
+            <a:endParaRPr kumimoji="1" lang="en-US" altLang="ja-JP" sz="4400" dirty="0">
               <a:solidFill>
-                <a:srgbClr val="FF0000"/>
+                <a:srgbClr val="FFC000"/>
               </a:solidFill>
               <a:effectLst>
                 <a:glow rad="127000">
@@ -12333,6 +12221,104 @@
               </a:rPr>
               <a:t>アピールポイント</a:t>
             </a:r>
+          </a:p>
+        </p:txBody>
+      </p:sp>
+      <p:sp>
+        <p:nvSpPr>
+          <p:cNvPr id="2" name="テキスト ボックス 1">
+            <a:extLst>
+              <a:ext uri="{FF2B5EF4-FFF2-40B4-BE49-F238E27FC236}">
+                <a16:creationId xmlns:a16="http://schemas.microsoft.com/office/drawing/2014/main" id="{7C87346E-269A-61C2-3E67-4C559FAC3C07}"/>
+              </a:ext>
+            </a:extLst>
+          </p:cNvPr>
+          <p:cNvSpPr txBox="1"/>
+          <p:nvPr/>
+        </p:nvSpPr>
+        <p:spPr>
+          <a:xfrm>
+            <a:off x="2502602" y="3044279"/>
+            <a:ext cx="6832320" cy="830997"/>
+          </a:xfrm>
+          <a:prstGeom prst="rect">
+            <a:avLst/>
+          </a:prstGeom>
+          <a:solidFill>
+            <a:schemeClr val="accent1">
+              <a:lumMod val="20000"/>
+              <a:lumOff val="80000"/>
+            </a:schemeClr>
+          </a:solidFill>
+          <a:effectLst>
+            <a:outerShdw blurRad="50800" dist="38100" dir="2700000" algn="tl" rotWithShape="0">
+              <a:prstClr val="black">
+                <a:alpha val="40000"/>
+              </a:prstClr>
+            </a:outerShdw>
+          </a:effectLst>
+        </p:spPr>
+        <p:txBody>
+          <a:bodyPr wrap="none" rtlCol="0">
+            <a:spAutoFit/>
+          </a:bodyPr>
+          <a:lstStyle/>
+          <a:p>
+            <a:pPr algn="ctr"/>
+            <a:r>
+              <a:rPr kumimoji="1" lang="ja-JP" altLang="en-US" sz="4000" dirty="0">
+                <a:effectLst>
+                  <a:glow rad="127000">
+                    <a:schemeClr val="bg1"/>
+                  </a:glow>
+                  <a:outerShdw blurRad="38100" dist="38100" dir="2700000" algn="tl">
+                    <a:srgbClr val="000000">
+                      <a:alpha val="43137"/>
+                    </a:srgbClr>
+                  </a:outerShdw>
+                </a:effectLst>
+                <a:latin typeface="HGP創英角ｺﾞｼｯｸUB" panose="020B0900000000000000" pitchFamily="50" charset="-128"/>
+                <a:ea typeface="HGP創英角ｺﾞｼｯｸUB" panose="020B0900000000000000" pitchFamily="50" charset="-128"/>
+              </a:rPr>
+              <a:t>時に恐れず駆け抜ける</a:t>
+            </a:r>
+            <a:r>
+              <a:rPr kumimoji="1" lang="ja-JP" altLang="en-US" sz="4800" dirty="0">
+                <a:solidFill>
+                  <a:srgbClr val="00B0F0"/>
+                </a:solidFill>
+                <a:effectLst>
+                  <a:glow rad="127000">
+                    <a:schemeClr val="bg1"/>
+                  </a:glow>
+                  <a:outerShdw blurRad="38100" dist="38100" dir="2700000" algn="tl">
+                    <a:srgbClr val="000000">
+                      <a:alpha val="43137"/>
+                    </a:srgbClr>
+                  </a:outerShdw>
+                </a:effectLst>
+                <a:latin typeface="HGP創英角ｺﾞｼｯｸUB" panose="020B0900000000000000" pitchFamily="50" charset="-128"/>
+                <a:ea typeface="HGP創英角ｺﾞｼｯｸUB" panose="020B0900000000000000" pitchFamily="50" charset="-128"/>
+              </a:rPr>
+              <a:t>爽快感</a:t>
+            </a:r>
+            <a:endParaRPr kumimoji="1" lang="en-US" altLang="ja-JP" sz="4800" dirty="0">
+              <a:solidFill>
+                <a:srgbClr val="00B0F0"/>
+              </a:solidFill>
+              <a:effectLst>
+                <a:glow rad="127000">
+                  <a:schemeClr val="bg1"/>
+                </a:glow>
+                <a:outerShdw blurRad="38100" dist="38100" dir="2700000" algn="tl">
+                  <a:srgbClr val="000000">
+                    <a:alpha val="43137"/>
+                  </a:srgbClr>
+                </a:outerShdw>
+              </a:effectLst>
+              <a:latin typeface="HGP創英角ｺﾞｼｯｸUB" panose="020B0900000000000000" pitchFamily="50" charset="-128"/>
+              <a:ea typeface="HGP創英角ｺﾞｼｯｸUB" panose="020B0900000000000000" pitchFamily="50" charset="-128"/>
+            </a:endParaRPr>
           </a:p>
         </p:txBody>
       </p:sp>

--- a/企画書/カットビ企画書.pptx
+++ b/企画書/カットビ企画書.pptx
@@ -13,6 +13,7 @@
     <p:sldId id="267" r:id="rId7"/>
     <p:sldId id="263" r:id="rId8"/>
     <p:sldId id="266" r:id="rId9"/>
+    <p:sldId id="268" r:id="rId10"/>
   </p:sldIdLst>
   <p:sldSz cx="12192000" cy="6858000"/>
   <p:notesSz cx="6858000" cy="9144000"/>
@@ -266,7 +267,7 @@
           <a:p>
             <a:fld id="{D3F3F0CB-2965-4B73-9552-621131830563}" type="datetimeFigureOut">
               <a:rPr kumimoji="1" lang="ja-JP" altLang="en-US" smtClean="0"/>
-              <a:t>2024/10/10</a:t>
+              <a:t>2024/10/11</a:t>
             </a:fld>
             <a:endParaRPr kumimoji="1" lang="ja-JP" altLang="en-US"/>
           </a:p>
@@ -496,7 +497,7 @@
           <a:p>
             <a:fld id="{D3F3F0CB-2965-4B73-9552-621131830563}" type="datetimeFigureOut">
               <a:rPr kumimoji="1" lang="ja-JP" altLang="en-US" smtClean="0"/>
-              <a:t>2024/10/10</a:t>
+              <a:t>2024/10/11</a:t>
             </a:fld>
             <a:endParaRPr kumimoji="1" lang="ja-JP" altLang="en-US"/>
           </a:p>
@@ -736,7 +737,7 @@
           <a:p>
             <a:fld id="{D3F3F0CB-2965-4B73-9552-621131830563}" type="datetimeFigureOut">
               <a:rPr kumimoji="1" lang="ja-JP" altLang="en-US" smtClean="0"/>
-              <a:t>2024/10/10</a:t>
+              <a:t>2024/10/11</a:t>
             </a:fld>
             <a:endParaRPr kumimoji="1" lang="ja-JP" altLang="en-US"/>
           </a:p>
@@ -966,7 +967,7 @@
           <a:p>
             <a:fld id="{D3F3F0CB-2965-4B73-9552-621131830563}" type="datetimeFigureOut">
               <a:rPr kumimoji="1" lang="ja-JP" altLang="en-US" smtClean="0"/>
-              <a:t>2024/10/10</a:t>
+              <a:t>2024/10/11</a:t>
             </a:fld>
             <a:endParaRPr kumimoji="1" lang="ja-JP" altLang="en-US"/>
           </a:p>
@@ -1241,7 +1242,7 @@
           <a:p>
             <a:fld id="{D3F3F0CB-2965-4B73-9552-621131830563}" type="datetimeFigureOut">
               <a:rPr kumimoji="1" lang="ja-JP" altLang="en-US" smtClean="0"/>
-              <a:t>2024/10/10</a:t>
+              <a:t>2024/10/11</a:t>
             </a:fld>
             <a:endParaRPr kumimoji="1" lang="ja-JP" altLang="en-US"/>
           </a:p>
@@ -1570,7 +1571,7 @@
           <a:p>
             <a:fld id="{D3F3F0CB-2965-4B73-9552-621131830563}" type="datetimeFigureOut">
               <a:rPr kumimoji="1" lang="ja-JP" altLang="en-US" smtClean="0"/>
-              <a:t>2024/10/10</a:t>
+              <a:t>2024/10/11</a:t>
             </a:fld>
             <a:endParaRPr kumimoji="1" lang="ja-JP" altLang="en-US"/>
           </a:p>
@@ -2046,7 +2047,7 @@
           <a:p>
             <a:fld id="{D3F3F0CB-2965-4B73-9552-621131830563}" type="datetimeFigureOut">
               <a:rPr kumimoji="1" lang="ja-JP" altLang="en-US" smtClean="0"/>
-              <a:t>2024/10/10</a:t>
+              <a:t>2024/10/11</a:t>
             </a:fld>
             <a:endParaRPr kumimoji="1" lang="ja-JP" altLang="en-US"/>
           </a:p>
@@ -2187,7 +2188,7 @@
           <a:p>
             <a:fld id="{D3F3F0CB-2965-4B73-9552-621131830563}" type="datetimeFigureOut">
               <a:rPr kumimoji="1" lang="ja-JP" altLang="en-US" smtClean="0"/>
-              <a:t>2024/10/10</a:t>
+              <a:t>2024/10/11</a:t>
             </a:fld>
             <a:endParaRPr kumimoji="1" lang="ja-JP" altLang="en-US"/>
           </a:p>
@@ -2300,7 +2301,7 @@
           <a:p>
             <a:fld id="{D3F3F0CB-2965-4B73-9552-621131830563}" type="datetimeFigureOut">
               <a:rPr kumimoji="1" lang="ja-JP" altLang="en-US" smtClean="0"/>
-              <a:t>2024/10/10</a:t>
+              <a:t>2024/10/11</a:t>
             </a:fld>
             <a:endParaRPr kumimoji="1" lang="ja-JP" altLang="en-US"/>
           </a:p>
@@ -2643,7 +2644,7 @@
           <a:p>
             <a:fld id="{D3F3F0CB-2965-4B73-9552-621131830563}" type="datetimeFigureOut">
               <a:rPr kumimoji="1" lang="ja-JP" altLang="en-US" smtClean="0"/>
-              <a:t>2024/10/10</a:t>
+              <a:t>2024/10/11</a:t>
             </a:fld>
             <a:endParaRPr kumimoji="1" lang="ja-JP" altLang="en-US"/>
           </a:p>
@@ -2931,7 +2932,7 @@
           <a:p>
             <a:fld id="{D3F3F0CB-2965-4B73-9552-621131830563}" type="datetimeFigureOut">
               <a:rPr kumimoji="1" lang="ja-JP" altLang="en-US" smtClean="0"/>
-              <a:t>2024/10/10</a:t>
+              <a:t>2024/10/11</a:t>
             </a:fld>
             <a:endParaRPr kumimoji="1" lang="ja-JP" altLang="en-US"/>
           </a:p>
@@ -3204,7 +3205,7 @@
           <a:p>
             <a:fld id="{D3F3F0CB-2965-4B73-9552-621131830563}" type="datetimeFigureOut">
               <a:rPr kumimoji="1" lang="ja-JP" altLang="en-US" smtClean="0"/>
-              <a:t>2024/10/10</a:t>
+              <a:t>2024/10/11</a:t>
             </a:fld>
             <a:endParaRPr kumimoji="1" lang="ja-JP" altLang="en-US"/>
           </a:p>
@@ -3635,8 +3636,8 @@
         </p:nvSpPr>
         <p:spPr>
           <a:xfrm>
-            <a:off x="3087002" y="2284013"/>
-            <a:ext cx="6017994" cy="1938992"/>
+            <a:off x="4492035" y="2434104"/>
+            <a:ext cx="3207930" cy="1323439"/>
           </a:xfrm>
           <a:prstGeom prst="rect">
             <a:avLst/>
@@ -3651,7 +3652,7 @@
           <a:p>
             <a:pPr algn="ctr"/>
             <a:r>
-              <a:rPr kumimoji="1" lang="ja-JP" altLang="en-US" sz="6000" dirty="0">
+              <a:rPr kumimoji="1" lang="en-US" altLang="ja-JP" sz="8000" dirty="0">
                 <a:effectLst>
                   <a:glow rad="127000">
                     <a:schemeClr val="bg1"/>
@@ -3665,9 +3666,9 @@
                 <a:latin typeface="HGP創英角ｺﾞｼｯｸUB" panose="020B0900000000000000" pitchFamily="50" charset="-128"/>
                 <a:ea typeface="HGP創英角ｺﾞｼｯｸUB" panose="020B0900000000000000" pitchFamily="50" charset="-128"/>
               </a:rPr>
-              <a:t>カットビ！宅配くん</a:t>
-            </a:r>
-            <a:endParaRPr kumimoji="1" lang="en-US" altLang="ja-JP" sz="6000" dirty="0">
+              <a:t>Deliver</a:t>
+            </a:r>
+            <a:endParaRPr kumimoji="1" lang="ja-JP" altLang="en-US" sz="8000" dirty="0">
               <a:effectLst>
                 <a:glow rad="127000">
                   <a:schemeClr val="bg1"/>
@@ -3681,26 +3682,6 @@
               <a:latin typeface="HGP創英角ｺﾞｼｯｸUB" panose="020B0900000000000000" pitchFamily="50" charset="-128"/>
               <a:ea typeface="HGP創英角ｺﾞｼｯｸUB" panose="020B0900000000000000" pitchFamily="50" charset="-128"/>
             </a:endParaRPr>
-          </a:p>
-          <a:p>
-            <a:pPr algn="ctr"/>
-            <a:r>
-              <a:rPr kumimoji="1" lang="ja-JP" altLang="en-US" sz="6000" dirty="0">
-                <a:effectLst>
-                  <a:glow rad="127000">
-                    <a:schemeClr val="bg1"/>
-                  </a:glow>
-                  <a:outerShdw blurRad="38100" dist="38100" dir="2700000" algn="tl">
-                    <a:srgbClr val="000000">
-                      <a:alpha val="43137"/>
-                    </a:srgbClr>
-                  </a:outerShdw>
-                </a:effectLst>
-                <a:latin typeface="HGP創英角ｺﾞｼｯｸUB" panose="020B0900000000000000" pitchFamily="50" charset="-128"/>
-                <a:ea typeface="HGP創英角ｺﾞｼｯｸUB" panose="020B0900000000000000" pitchFamily="50" charset="-128"/>
-              </a:rPr>
-              <a:t>精神的続編</a:t>
-            </a:r>
           </a:p>
         </p:txBody>
       </p:sp>
@@ -3941,8 +3922,8 @@
         </p:nvSpPr>
         <p:spPr>
           <a:xfrm>
-            <a:off x="664065" y="2644170"/>
-            <a:ext cx="10863871" cy="1569660"/>
+            <a:off x="613572" y="2025335"/>
+            <a:ext cx="10964861" cy="1569660"/>
           </a:xfrm>
           <a:prstGeom prst="rect">
             <a:avLst/>
@@ -3956,6 +3937,29 @@
           <a:lstStyle/>
           <a:p>
             <a:pPr algn="ctr"/>
+            <a:r>
+              <a:rPr kumimoji="1" lang="ja-JP" altLang="en-US" sz="8000" dirty="0">
+                <a:solidFill>
+                  <a:schemeClr val="accent5">
+                    <a:lumMod val="60000"/>
+                    <a:lumOff val="40000"/>
+                  </a:schemeClr>
+                </a:solidFill>
+                <a:effectLst>
+                  <a:glow rad="127000">
+                    <a:schemeClr val="bg1"/>
+                  </a:glow>
+                  <a:outerShdw blurRad="38100" dist="38100" dir="2700000" algn="tl">
+                    <a:srgbClr val="000000">
+                      <a:alpha val="43137"/>
+                    </a:srgbClr>
+                  </a:outerShdw>
+                </a:effectLst>
+                <a:latin typeface="HGP創英角ｺﾞｼｯｸUB" panose="020B0900000000000000" pitchFamily="50" charset="-128"/>
+                <a:ea typeface="HGP創英角ｺﾞｼｯｸUB" panose="020B0900000000000000" pitchFamily="50" charset="-128"/>
+              </a:rPr>
+              <a:t>怪</a:t>
+            </a:r>
             <a:r>
               <a:rPr kumimoji="1" lang="ja-JP" altLang="en-US" sz="4800" dirty="0">
                 <a:solidFill>
@@ -3974,30 +3978,30 @@
                 <a:latin typeface="HGP創英角ｺﾞｼｯｸUB" panose="020B0900000000000000" pitchFamily="50" charset="-128"/>
                 <a:ea typeface="HGP創英角ｺﾞｼｯｸUB" panose="020B0900000000000000" pitchFamily="50" charset="-128"/>
               </a:rPr>
-              <a:t>怪しまれないよう隠密に時には大胆に動く</a:t>
-            </a:r>
-            <a:endParaRPr lang="en-US" altLang="ja-JP" sz="4800" dirty="0">
-              <a:solidFill>
-                <a:srgbClr val="FF0000"/>
-              </a:solidFill>
-              <a:effectLst>
-                <a:glow rad="127000">
-                  <a:schemeClr val="bg1"/>
-                </a:glow>
-                <a:outerShdw blurRad="38100" dist="38100" dir="2700000" algn="tl">
-                  <a:srgbClr val="000000">
-                    <a:alpha val="43137"/>
-                  </a:srgbClr>
-                </a:outerShdw>
-              </a:effectLst>
-              <a:latin typeface="HGP創英角ｺﾞｼｯｸUB" panose="020B0900000000000000" pitchFamily="50" charset="-128"/>
-              <a:ea typeface="HGP創英角ｺﾞｼｯｸUB" panose="020B0900000000000000" pitchFamily="50" charset="-128"/>
-            </a:endParaRPr>
-          </a:p>
-          <a:p>
-            <a:pPr algn="ctr"/>
-            <a:r>
-              <a:rPr lang="ja-JP" altLang="en-US" sz="4800" dirty="0">
+              <a:t>しまれないよう</a:t>
+            </a:r>
+            <a:r>
+              <a:rPr kumimoji="1" lang="ja-JP" altLang="en-US" sz="2800" dirty="0">
+                <a:solidFill>
+                  <a:srgbClr val="0070C0"/>
+                </a:solidFill>
+                <a:effectLst>
+                  <a:glow rad="127000">
+                    <a:schemeClr val="bg1"/>
+                  </a:glow>
+                  <a:outerShdw blurRad="38100" dist="38100" dir="2700000" algn="tl">
+                    <a:srgbClr val="000000">
+                      <a:alpha val="43137"/>
+                    </a:srgbClr>
+                  </a:outerShdw>
+                </a:effectLst>
+                <a:latin typeface="HGP創英角ｺﾞｼｯｸUB" panose="020B0900000000000000" pitchFamily="50" charset="-128"/>
+                <a:ea typeface="HGP創英角ｺﾞｼｯｸUB" panose="020B0900000000000000" pitchFamily="50" charset="-128"/>
+              </a:rPr>
+              <a:t>隠密</a:t>
+            </a:r>
+            <a:r>
+              <a:rPr kumimoji="1" lang="ja-JP" altLang="en-US" sz="4800" dirty="0">
                 <a:solidFill>
                   <a:srgbClr val="FF0000"/>
                 </a:solidFill>
@@ -4014,25 +4018,48 @@
                 <a:latin typeface="HGP創英角ｺﾞｼｯｸUB" panose="020B0900000000000000" pitchFamily="50" charset="-128"/>
                 <a:ea typeface="HGP創英角ｺﾞｼｯｸUB" panose="020B0900000000000000" pitchFamily="50" charset="-128"/>
               </a:rPr>
-              <a:t>楽しさを味わえるゲーム</a:t>
-            </a:r>
-            <a:endParaRPr kumimoji="1" lang="ja-JP" altLang="en-US" sz="4800" dirty="0">
-              <a:solidFill>
-                <a:srgbClr val="FF0000"/>
-              </a:solidFill>
-              <a:effectLst>
-                <a:glow rad="127000">
-                  <a:schemeClr val="bg1"/>
-                </a:glow>
-                <a:outerShdw blurRad="38100" dist="38100" dir="2700000" algn="tl">
-                  <a:srgbClr val="000000">
-                    <a:alpha val="43137"/>
-                  </a:srgbClr>
-                </a:outerShdw>
-              </a:effectLst>
-              <a:latin typeface="HGP創英角ｺﾞｼｯｸUB" panose="020B0900000000000000" pitchFamily="50" charset="-128"/>
-              <a:ea typeface="HGP創英角ｺﾞｼｯｸUB" panose="020B0900000000000000" pitchFamily="50" charset="-128"/>
-            </a:endParaRPr>
+              <a:t>に時には</a:t>
+            </a:r>
+            <a:r>
+              <a:rPr kumimoji="1" lang="ja-JP" altLang="en-US" sz="9600" dirty="0">
+                <a:solidFill>
+                  <a:srgbClr val="FF0000"/>
+                </a:solidFill>
+                <a:effectLst>
+                  <a:glow rad="127000">
+                    <a:schemeClr val="bg1"/>
+                  </a:glow>
+                  <a:outerShdw blurRad="38100" dist="38100" dir="2700000" algn="tl">
+                    <a:srgbClr val="000000">
+                      <a:alpha val="43137"/>
+                    </a:srgbClr>
+                  </a:outerShdw>
+                </a:effectLst>
+                <a:latin typeface="HGP創英角ｺﾞｼｯｸUB" panose="020B0900000000000000" pitchFamily="50" charset="-128"/>
+                <a:ea typeface="HGP創英角ｺﾞｼｯｸUB" panose="020B0900000000000000" pitchFamily="50" charset="-128"/>
+              </a:rPr>
+              <a:t>大胆</a:t>
+            </a:r>
+            <a:r>
+              <a:rPr kumimoji="1" lang="ja-JP" altLang="en-US" sz="4800" dirty="0">
+                <a:solidFill>
+                  <a:srgbClr val="FF0000"/>
+                </a:solidFill>
+                <a:effectLst>
+                  <a:glow rad="127000">
+                    <a:schemeClr val="bg1"/>
+                  </a:glow>
+                  <a:outerShdw blurRad="38100" dist="38100" dir="2700000" algn="tl">
+                    <a:srgbClr val="000000">
+                      <a:alpha val="43137"/>
+                    </a:srgbClr>
+                  </a:outerShdw>
+                </a:effectLst>
+                <a:latin typeface="HGP創英角ｺﾞｼｯｸUB" panose="020B0900000000000000" pitchFamily="50" charset="-128"/>
+                <a:ea typeface="HGP創英角ｺﾞｼｯｸUB" panose="020B0900000000000000" pitchFamily="50" charset="-128"/>
+              </a:rPr>
+              <a:t>に</a:t>
+            </a:r>
           </a:p>
         </p:txBody>
       </p:sp>
@@ -6253,6 +6280,13 @@
           <a:prstGeom prst="curvedDownArrow">
             <a:avLst/>
           </a:prstGeom>
+          <a:effectLst>
+            <a:outerShdw blurRad="50800" dist="38100" dir="2700000" algn="tl" rotWithShape="0">
+              <a:prstClr val="black">
+                <a:alpha val="40000"/>
+              </a:prstClr>
+            </a:outerShdw>
+          </a:effectLst>
         </p:spPr>
         <p:style>
           <a:lnRef idx="2">
@@ -6305,6 +6339,13 @@
           <a:prstGeom prst="curvedUpArrow">
             <a:avLst/>
           </a:prstGeom>
+          <a:effectLst>
+            <a:outerShdw blurRad="50800" dist="38100" dir="2700000" algn="tl" rotWithShape="0">
+              <a:prstClr val="black">
+                <a:alpha val="40000"/>
+              </a:prstClr>
+            </a:outerShdw>
+          </a:effectLst>
         </p:spPr>
         <p:style>
           <a:lnRef idx="2">
@@ -6368,7 +6409,13 @@
           <a:prstGeom prst="rect">
             <a:avLst/>
           </a:prstGeom>
-          <a:effectLst/>
+          <a:effectLst>
+            <a:outerShdw blurRad="50800" dist="38100" dir="2700000" algn="tl" rotWithShape="0">
+              <a:prstClr val="black">
+                <a:alpha val="40000"/>
+              </a:prstClr>
+            </a:outerShdw>
+          </a:effectLst>
         </p:spPr>
       </p:pic>
       <p:sp>
@@ -7110,7 +7157,13 @@
           <a:prstGeom prst="rect">
             <a:avLst/>
           </a:prstGeom>
-          <a:effectLst/>
+          <a:effectLst>
+            <a:outerShdw blurRad="50800" dist="38100" dir="2700000" algn="tl" rotWithShape="0">
+              <a:prstClr val="black">
+                <a:alpha val="40000"/>
+              </a:prstClr>
+            </a:outerShdw>
+          </a:effectLst>
         </p:spPr>
       </p:pic>
       <p:pic>
@@ -7147,7 +7200,13 @@
           <a:prstGeom prst="rect">
             <a:avLst/>
           </a:prstGeom>
-          <a:effectLst/>
+          <a:effectLst>
+            <a:outerShdw blurRad="50800" dist="38100" dir="2700000" algn="tl" rotWithShape="0">
+              <a:prstClr val="black">
+                <a:alpha val="40000"/>
+              </a:prstClr>
+            </a:outerShdw>
+          </a:effectLst>
         </p:spPr>
       </p:pic>
       <p:sp>
@@ -9713,7 +9772,13 @@
           <a:prstGeom prst="rect">
             <a:avLst/>
           </a:prstGeom>
-          <a:effectLst/>
+          <a:effectLst>
+            <a:outerShdw blurRad="50800" dist="38100" dir="2700000" algn="tl" rotWithShape="0">
+              <a:prstClr val="black">
+                <a:alpha val="40000"/>
+              </a:prstClr>
+            </a:outerShdw>
+          </a:effectLst>
         </p:spPr>
       </p:pic>
       <p:sp>
@@ -9929,6 +9994,13 @@
           <a:prstGeom prst="rect">
             <a:avLst/>
           </a:prstGeom>
+          <a:effectLst>
+            <a:outerShdw blurRad="50800" dist="38100" dir="2700000" algn="tl" rotWithShape="0">
+              <a:prstClr val="black">
+                <a:alpha val="40000"/>
+              </a:prstClr>
+            </a:outerShdw>
+          </a:effectLst>
         </p:spPr>
       </p:pic>
       <p:grpSp>
@@ -11985,8 +12057,8 @@
         </p:nvSpPr>
         <p:spPr>
           <a:xfrm>
-            <a:off x="1430192" y="1489029"/>
-            <a:ext cx="8977137" cy="830997"/>
+            <a:off x="1485307" y="1365918"/>
+            <a:ext cx="7518404" cy="830997"/>
           </a:xfrm>
           <a:prstGeom prst="rect">
             <a:avLst/>
@@ -12027,7 +12099,7 @@
                 <a:latin typeface="HGP創英角ｺﾞｼｯｸUB" panose="020B0900000000000000" pitchFamily="50" charset="-128"/>
                 <a:ea typeface="HGP創英角ｺﾞｼｯｸUB" panose="020B0900000000000000" pitchFamily="50" charset="-128"/>
               </a:rPr>
-              <a:t>疑われないよう密かに行動する</a:t>
+              <a:t>気づかれないように進む</a:t>
             </a:r>
             <a:r>
               <a:rPr kumimoji="1" lang="ja-JP" altLang="en-US" sz="4800" dirty="0">
@@ -12083,8 +12155,8 @@
         </p:nvSpPr>
         <p:spPr>
           <a:xfrm>
-            <a:off x="2484959" y="4599530"/>
-            <a:ext cx="6867586" cy="830997"/>
+            <a:off x="4396622" y="3142780"/>
+            <a:ext cx="5689378" cy="830997"/>
           </a:xfrm>
           <a:prstGeom prst="rect">
             <a:avLst/>
@@ -12125,7 +12197,7 @@
                 <a:latin typeface="HGP創英角ｺﾞｼｯｸUB" panose="020B0900000000000000" pitchFamily="50" charset="-128"/>
                 <a:ea typeface="HGP創英角ｺﾞｼｯｸUB" panose="020B0900000000000000" pitchFamily="50" charset="-128"/>
               </a:rPr>
-              <a:t>欺いてクリアしたときの</a:t>
+              <a:t>欺いてクリアして</a:t>
             </a:r>
             <a:r>
               <a:rPr lang="ja-JP" altLang="en-US" sz="4800" dirty="0">
@@ -12145,9 +12217,9 @@
                 <a:latin typeface="HGP創英角ｺﾞｼｯｸUB" panose="020B0900000000000000" pitchFamily="50" charset="-128"/>
                 <a:ea typeface="HGP創英角ｺﾞｼｯｸUB" panose="020B0900000000000000" pitchFamily="50" charset="-128"/>
               </a:rPr>
-              <a:t>達成感</a:t>
-            </a:r>
-            <a:endParaRPr kumimoji="1" lang="en-US" altLang="ja-JP" sz="4400" dirty="0">
+              <a:t>スッキリ</a:t>
+            </a:r>
+            <a:endParaRPr lang="en-US" altLang="ja-JP" sz="4800" dirty="0">
               <a:solidFill>
                 <a:srgbClr val="FFC000"/>
               </a:solidFill>
@@ -12238,8 +12310,8 @@
         </p:nvSpPr>
         <p:spPr>
           <a:xfrm>
-            <a:off x="2502602" y="3044279"/>
-            <a:ext cx="6832320" cy="830997"/>
+            <a:off x="2011893" y="4919642"/>
+            <a:ext cx="6465231" cy="830997"/>
           </a:xfrm>
           <a:prstGeom prst="rect">
             <a:avLst/>
@@ -12280,10 +12352,10 @@
                 <a:latin typeface="HGP創英角ｺﾞｼｯｸUB" panose="020B0900000000000000" pitchFamily="50" charset="-128"/>
                 <a:ea typeface="HGP創英角ｺﾞｼｯｸUB" panose="020B0900000000000000" pitchFamily="50" charset="-128"/>
               </a:rPr>
-              <a:t>時に恐れず駆け抜ける</a:t>
-            </a:r>
-            <a:r>
-              <a:rPr kumimoji="1" lang="ja-JP" altLang="en-US" sz="4800" dirty="0">
+              <a:t>恐れず</a:t>
+            </a:r>
+            <a:r>
+              <a:rPr lang="ja-JP" altLang="en-US" sz="4800" dirty="0">
                 <a:solidFill>
                   <a:srgbClr val="00B0F0"/>
                 </a:solidFill>
@@ -12300,7 +12372,24 @@
                 <a:latin typeface="HGP創英角ｺﾞｼｯｸUB" panose="020B0900000000000000" pitchFamily="50" charset="-128"/>
                 <a:ea typeface="HGP創英角ｺﾞｼｯｸUB" panose="020B0900000000000000" pitchFamily="50" charset="-128"/>
               </a:rPr>
-              <a:t>爽快感</a:t>
+              <a:t>シャーっと</a:t>
+            </a:r>
+            <a:r>
+              <a:rPr kumimoji="1" lang="ja-JP" altLang="en-US" sz="4000" dirty="0">
+                <a:effectLst>
+                  <a:glow rad="127000">
+                    <a:schemeClr val="bg1"/>
+                  </a:glow>
+                  <a:outerShdw blurRad="38100" dist="38100" dir="2700000" algn="tl">
+                    <a:srgbClr val="000000">
+                      <a:alpha val="43137"/>
+                    </a:srgbClr>
+                  </a:outerShdw>
+                </a:effectLst>
+                <a:latin typeface="HGP創英角ｺﾞｼｯｸUB" panose="020B0900000000000000" pitchFamily="50" charset="-128"/>
+                <a:ea typeface="HGP創英角ｺﾞｼｯｸUB" panose="020B0900000000000000" pitchFamily="50" charset="-128"/>
+              </a:rPr>
+              <a:t>駆け抜けろ</a:t>
             </a:r>
             <a:endParaRPr kumimoji="1" lang="en-US" altLang="ja-JP" sz="4800" dirty="0">
               <a:solidFill>
@@ -12326,6 +12415,436 @@
     <p:extLst>
       <p:ext uri="{BB962C8B-B14F-4D97-AF65-F5344CB8AC3E}">
         <p14:creationId xmlns:p14="http://schemas.microsoft.com/office/powerpoint/2010/main" val="3197013244"/>
+      </p:ext>
+    </p:extLst>
+  </p:cSld>
+  <p:clrMapOvr>
+    <a:masterClrMapping/>
+  </p:clrMapOvr>
+</p:sld>
+</file>
+
+<file path=ppt/slides/slide9.xml><?xml version="1.0" encoding="utf-8"?>
+<p:sld xmlns:a="http://schemas.openxmlformats.org/drawingml/2006/main" xmlns:r="http://schemas.openxmlformats.org/officeDocument/2006/relationships" xmlns:p="http://schemas.openxmlformats.org/presentationml/2006/main">
+  <p:cSld>
+    <p:spTree>
+      <p:nvGrpSpPr>
+        <p:cNvPr id="1" name=""/>
+        <p:cNvGrpSpPr/>
+        <p:nvPr/>
+      </p:nvGrpSpPr>
+      <p:grpSpPr>
+        <a:xfrm>
+          <a:off x="0" y="0"/>
+          <a:ext cx="0" cy="0"/>
+          <a:chOff x="0" y="0"/>
+          <a:chExt cx="0" cy="0"/>
+        </a:xfrm>
+      </p:grpSpPr>
+      <p:sp>
+        <p:nvSpPr>
+          <p:cNvPr id="4" name="テキスト ボックス 3">
+            <a:extLst>
+              <a:ext uri="{FF2B5EF4-FFF2-40B4-BE49-F238E27FC236}">
+                <a16:creationId xmlns:a16="http://schemas.microsoft.com/office/drawing/2014/main" id="{3CD22AB0-BAA9-AAD0-5F27-B93BFD7C47D6}"/>
+              </a:ext>
+            </a:extLst>
+          </p:cNvPr>
+          <p:cNvSpPr txBox="1"/>
+          <p:nvPr/>
+        </p:nvSpPr>
+        <p:spPr>
+          <a:xfrm>
+            <a:off x="3270253" y="1365918"/>
+            <a:ext cx="3948517" cy="707886"/>
+          </a:xfrm>
+          <a:prstGeom prst="rect">
+            <a:avLst/>
+          </a:prstGeom>
+          <a:solidFill>
+            <a:schemeClr val="accent1">
+              <a:lumMod val="20000"/>
+              <a:lumOff val="80000"/>
+            </a:schemeClr>
+          </a:solidFill>
+          <a:effectLst>
+            <a:outerShdw blurRad="50800" dist="38100" dir="2700000" algn="tl" rotWithShape="0">
+              <a:prstClr val="black">
+                <a:alpha val="40000"/>
+              </a:prstClr>
+            </a:outerShdw>
+          </a:effectLst>
+        </p:spPr>
+        <p:txBody>
+          <a:bodyPr wrap="none" rtlCol="0">
+            <a:spAutoFit/>
+          </a:bodyPr>
+          <a:lstStyle/>
+          <a:p>
+            <a:pPr algn="ctr"/>
+            <a:r>
+              <a:rPr kumimoji="1" lang="ja-JP" altLang="en-US" sz="4000" dirty="0">
+                <a:effectLst>
+                  <a:glow rad="127000">
+                    <a:schemeClr val="bg1"/>
+                  </a:glow>
+                  <a:outerShdw blurRad="38100" dist="38100" dir="2700000" algn="tl">
+                    <a:srgbClr val="000000">
+                      <a:alpha val="43137"/>
+                    </a:srgbClr>
+                  </a:outerShdw>
+                </a:effectLst>
+                <a:latin typeface="HGP創英角ｺﾞｼｯｸUB" panose="020B0900000000000000" pitchFamily="50" charset="-128"/>
+                <a:ea typeface="HGP創英角ｺﾞｼｯｸUB" panose="020B0900000000000000" pitchFamily="50" charset="-128"/>
+              </a:rPr>
+              <a:t>怪しまれない隠密</a:t>
+            </a:r>
+            <a:endParaRPr kumimoji="1" lang="en-US" altLang="ja-JP" sz="4000" dirty="0">
+              <a:effectLst>
+                <a:glow rad="127000">
+                  <a:schemeClr val="bg1"/>
+                </a:glow>
+                <a:outerShdw blurRad="38100" dist="38100" dir="2700000" algn="tl">
+                  <a:srgbClr val="000000">
+                    <a:alpha val="43137"/>
+                  </a:srgbClr>
+                </a:outerShdw>
+              </a:effectLst>
+              <a:latin typeface="HGP創英角ｺﾞｼｯｸUB" panose="020B0900000000000000" pitchFamily="50" charset="-128"/>
+              <a:ea typeface="HGP創英角ｺﾞｼｯｸUB" panose="020B0900000000000000" pitchFamily="50" charset="-128"/>
+            </a:endParaRPr>
+          </a:p>
+        </p:txBody>
+      </p:sp>
+      <p:sp>
+        <p:nvSpPr>
+          <p:cNvPr id="5" name="テキスト ボックス 4">
+            <a:extLst>
+              <a:ext uri="{FF2B5EF4-FFF2-40B4-BE49-F238E27FC236}">
+                <a16:creationId xmlns:a16="http://schemas.microsoft.com/office/drawing/2014/main" id="{53F09B88-5E39-F753-24EC-8DB2872359C1}"/>
+              </a:ext>
+            </a:extLst>
+          </p:cNvPr>
+          <p:cNvSpPr txBox="1"/>
+          <p:nvPr/>
+        </p:nvSpPr>
+        <p:spPr>
+          <a:xfrm>
+            <a:off x="784388" y="3216671"/>
+            <a:ext cx="10309232" cy="830997"/>
+          </a:xfrm>
+          <a:prstGeom prst="rect">
+            <a:avLst/>
+          </a:prstGeom>
+          <a:solidFill>
+            <a:schemeClr val="accent1">
+              <a:lumMod val="20000"/>
+              <a:lumOff val="80000"/>
+            </a:schemeClr>
+          </a:solidFill>
+          <a:effectLst>
+            <a:outerShdw blurRad="50800" dist="38100" dir="2700000" algn="tl" rotWithShape="0">
+              <a:prstClr val="black">
+                <a:alpha val="40000"/>
+              </a:prstClr>
+            </a:outerShdw>
+          </a:effectLst>
+        </p:spPr>
+        <p:txBody>
+          <a:bodyPr wrap="none" rtlCol="0">
+            <a:spAutoFit/>
+          </a:bodyPr>
+          <a:lstStyle/>
+          <a:p>
+            <a:pPr algn="ctr"/>
+            <a:r>
+              <a:rPr lang="ja-JP" altLang="en-US" sz="4800" dirty="0">
+                <a:solidFill>
+                  <a:srgbClr val="FFC000"/>
+                </a:solidFill>
+                <a:effectLst>
+                  <a:glow rad="127000">
+                    <a:schemeClr val="bg1"/>
+                  </a:glow>
+                  <a:outerShdw blurRad="38100" dist="38100" dir="2700000" algn="tl">
+                    <a:srgbClr val="000000">
+                      <a:alpha val="43137"/>
+                    </a:srgbClr>
+                  </a:outerShdw>
+                </a:effectLst>
+                <a:latin typeface="HGP創英角ｺﾞｼｯｸUB" panose="020B0900000000000000" pitchFamily="50" charset="-128"/>
+                <a:ea typeface="HGP創英角ｺﾞｼｯｸUB" panose="020B0900000000000000" pitchFamily="50" charset="-128"/>
+              </a:rPr>
+              <a:t>ギミックを利用して攻略へ繋げる可能性</a:t>
+            </a:r>
+            <a:endParaRPr lang="en-US" altLang="ja-JP" sz="4800" dirty="0">
+              <a:solidFill>
+                <a:srgbClr val="FFC000"/>
+              </a:solidFill>
+              <a:effectLst>
+                <a:glow rad="127000">
+                  <a:schemeClr val="bg1"/>
+                </a:glow>
+                <a:outerShdw blurRad="38100" dist="38100" dir="2700000" algn="tl">
+                  <a:srgbClr val="000000">
+                    <a:alpha val="43137"/>
+                  </a:srgbClr>
+                </a:outerShdw>
+              </a:effectLst>
+              <a:latin typeface="HGP創英角ｺﾞｼｯｸUB" panose="020B0900000000000000" pitchFamily="50" charset="-128"/>
+              <a:ea typeface="HGP創英角ｺﾞｼｯｸUB" panose="020B0900000000000000" pitchFamily="50" charset="-128"/>
+            </a:endParaRPr>
+          </a:p>
+        </p:txBody>
+      </p:sp>
+      <p:sp>
+        <p:nvSpPr>
+          <p:cNvPr id="6" name="テキスト ボックス 5">
+            <a:extLst>
+              <a:ext uri="{FF2B5EF4-FFF2-40B4-BE49-F238E27FC236}">
+                <a16:creationId xmlns:a16="http://schemas.microsoft.com/office/drawing/2014/main" id="{9BA82B86-C611-8C1D-5C33-5434AD411FFB}"/>
+              </a:ext>
+            </a:extLst>
+          </p:cNvPr>
+          <p:cNvSpPr txBox="1"/>
+          <p:nvPr/>
+        </p:nvSpPr>
+        <p:spPr>
+          <a:xfrm>
+            <a:off x="366340" y="180000"/>
+            <a:ext cx="2566728" cy="523220"/>
+          </a:xfrm>
+          <a:prstGeom prst="rect">
+            <a:avLst/>
+          </a:prstGeom>
+          <a:solidFill>
+            <a:schemeClr val="accent2"/>
+          </a:solidFill>
+          <a:effectLst>
+            <a:outerShdw blurRad="50800" dist="38100" dir="2700000" algn="tl" rotWithShape="0">
+              <a:prstClr val="black">
+                <a:alpha val="40000"/>
+              </a:prstClr>
+            </a:outerShdw>
+          </a:effectLst>
+        </p:spPr>
+        <p:txBody>
+          <a:bodyPr wrap="none" rtlCol="0">
+            <a:spAutoFit/>
+          </a:bodyPr>
+          <a:lstStyle/>
+          <a:p>
+            <a:r>
+              <a:rPr kumimoji="1" lang="ja-JP" altLang="en-US" sz="2800" dirty="0">
+                <a:effectLst>
+                  <a:glow rad="127000">
+                    <a:schemeClr val="bg1"/>
+                  </a:glow>
+                  <a:outerShdw blurRad="38100" dist="38100" dir="2700000" algn="tl">
+                    <a:srgbClr val="000000">
+                      <a:alpha val="43137"/>
+                    </a:srgbClr>
+                  </a:outerShdw>
+                </a:effectLst>
+                <a:latin typeface="HGP創英角ｺﾞｼｯｸUB" panose="020B0900000000000000" pitchFamily="50" charset="-128"/>
+                <a:ea typeface="HGP創英角ｺﾞｼｯｸUB" panose="020B0900000000000000" pitchFamily="50" charset="-128"/>
+              </a:rPr>
+              <a:t>アピールポイント</a:t>
+            </a:r>
+          </a:p>
+        </p:txBody>
+      </p:sp>
+      <p:sp>
+        <p:nvSpPr>
+          <p:cNvPr id="7" name="テキスト ボックス 6">
+            <a:extLst>
+              <a:ext uri="{FF2B5EF4-FFF2-40B4-BE49-F238E27FC236}">
+                <a16:creationId xmlns:a16="http://schemas.microsoft.com/office/drawing/2014/main" id="{F6D2CE83-6ABC-F799-C9F8-6015C387C0F1}"/>
+              </a:ext>
+            </a:extLst>
+          </p:cNvPr>
+          <p:cNvSpPr txBox="1"/>
+          <p:nvPr/>
+        </p:nvSpPr>
+        <p:spPr>
+          <a:xfrm>
+            <a:off x="3917867" y="4919642"/>
+            <a:ext cx="2653290" cy="707886"/>
+          </a:xfrm>
+          <a:prstGeom prst="rect">
+            <a:avLst/>
+          </a:prstGeom>
+          <a:solidFill>
+            <a:schemeClr val="accent1">
+              <a:lumMod val="20000"/>
+              <a:lumOff val="80000"/>
+            </a:schemeClr>
+          </a:solidFill>
+          <a:effectLst>
+            <a:outerShdw blurRad="50800" dist="38100" dir="2700000" algn="tl" rotWithShape="0">
+              <a:prstClr val="black">
+                <a:alpha val="40000"/>
+              </a:prstClr>
+            </a:outerShdw>
+          </a:effectLst>
+        </p:spPr>
+        <p:txBody>
+          <a:bodyPr wrap="none" rtlCol="0">
+            <a:spAutoFit/>
+          </a:bodyPr>
+          <a:lstStyle/>
+          <a:p>
+            <a:pPr algn="ctr"/>
+            <a:r>
+              <a:rPr kumimoji="1" lang="ja-JP" altLang="en-US" sz="4000" dirty="0">
+                <a:effectLst>
+                  <a:glow rad="127000">
+                    <a:schemeClr val="bg1"/>
+                  </a:glow>
+                  <a:outerShdw blurRad="38100" dist="38100" dir="2700000" algn="tl">
+                    <a:srgbClr val="000000">
+                      <a:alpha val="43137"/>
+                    </a:srgbClr>
+                  </a:outerShdw>
+                </a:effectLst>
+                <a:latin typeface="HGP創英角ｺﾞｼｯｸUB" panose="020B0900000000000000" pitchFamily="50" charset="-128"/>
+                <a:ea typeface="HGP創英角ｺﾞｼｯｸUB" panose="020B0900000000000000" pitchFamily="50" charset="-128"/>
+              </a:rPr>
+              <a:t>恐れず大胆</a:t>
+            </a:r>
+            <a:endParaRPr kumimoji="1" lang="en-US" altLang="ja-JP" sz="4800" dirty="0">
+              <a:solidFill>
+                <a:srgbClr val="00B0F0"/>
+              </a:solidFill>
+              <a:effectLst>
+                <a:glow rad="127000">
+                  <a:schemeClr val="bg1"/>
+                </a:glow>
+                <a:outerShdw blurRad="38100" dist="38100" dir="2700000" algn="tl">
+                  <a:srgbClr val="000000">
+                    <a:alpha val="43137"/>
+                  </a:srgbClr>
+                </a:outerShdw>
+              </a:effectLst>
+              <a:latin typeface="HGP創英角ｺﾞｼｯｸUB" panose="020B0900000000000000" pitchFamily="50" charset="-128"/>
+              <a:ea typeface="HGP創英角ｺﾞｼｯｸUB" panose="020B0900000000000000" pitchFamily="50" charset="-128"/>
+            </a:endParaRPr>
+          </a:p>
+        </p:txBody>
+      </p:sp>
+      <p:sp>
+        <p:nvSpPr>
+          <p:cNvPr id="8" name="テキスト ボックス 7">
+            <a:extLst>
+              <a:ext uri="{FF2B5EF4-FFF2-40B4-BE49-F238E27FC236}">
+                <a16:creationId xmlns:a16="http://schemas.microsoft.com/office/drawing/2014/main" id="{BD11E982-5C82-3A66-4036-AC88555D4F18}"/>
+              </a:ext>
+            </a:extLst>
+          </p:cNvPr>
+          <p:cNvSpPr txBox="1"/>
+          <p:nvPr/>
+        </p:nvSpPr>
+        <p:spPr>
+          <a:xfrm>
+            <a:off x="7376627" y="256944"/>
+            <a:ext cx="3416320" cy="369332"/>
+          </a:xfrm>
+          <a:prstGeom prst="rect">
+            <a:avLst/>
+          </a:prstGeom>
+          <a:solidFill>
+            <a:schemeClr val="accent1">
+              <a:lumMod val="20000"/>
+              <a:lumOff val="80000"/>
+            </a:schemeClr>
+          </a:solidFill>
+          <a:effectLst>
+            <a:outerShdw blurRad="50800" dist="38100" dir="2700000" algn="tl" rotWithShape="0">
+              <a:prstClr val="black">
+                <a:alpha val="40000"/>
+              </a:prstClr>
+            </a:outerShdw>
+          </a:effectLst>
+        </p:spPr>
+        <p:txBody>
+          <a:bodyPr wrap="none" rtlCol="0">
+            <a:spAutoFit/>
+          </a:bodyPr>
+          <a:lstStyle/>
+          <a:p>
+            <a:pPr algn="ctr"/>
+            <a:r>
+              <a:rPr kumimoji="1" lang="ja-JP" altLang="en-US" dirty="0">
+                <a:effectLst>
+                  <a:glow rad="127000">
+                    <a:schemeClr val="bg1"/>
+                  </a:glow>
+                  <a:outerShdw blurRad="38100" dist="38100" dir="2700000" algn="tl">
+                    <a:srgbClr val="000000">
+                      <a:alpha val="43137"/>
+                    </a:srgbClr>
+                  </a:outerShdw>
+                </a:effectLst>
+                <a:latin typeface="HGP創英角ｺﾞｼｯｸUB" panose="020B0900000000000000" pitchFamily="50" charset="-128"/>
+                <a:ea typeface="HGP創英角ｺﾞｼｯｸUB" panose="020B0900000000000000" pitchFamily="50" charset="-128"/>
+              </a:rPr>
+              <a:t>達成感・緊張感・爽快感・</a:t>
+            </a:r>
+            <a:r>
+              <a:rPr kumimoji="1" lang="ja-JP" altLang="en-US" strike="sngStrike" dirty="0">
+                <a:effectLst>
+                  <a:glow rad="127000">
+                    <a:schemeClr val="bg1"/>
+                  </a:glow>
+                  <a:outerShdw blurRad="38100" dist="38100" dir="2700000" algn="tl">
+                    <a:srgbClr val="000000">
+                      <a:alpha val="43137"/>
+                    </a:srgbClr>
+                  </a:outerShdw>
+                </a:effectLst>
+                <a:latin typeface="HGP創英角ｺﾞｼｯｸUB" panose="020B0900000000000000" pitchFamily="50" charset="-128"/>
+                <a:ea typeface="HGP創英角ｺﾞｼｯｸUB" panose="020B0900000000000000" pitchFamily="50" charset="-128"/>
+              </a:rPr>
+              <a:t>戦略性</a:t>
+            </a:r>
+            <a:r>
+              <a:rPr kumimoji="1" lang="ja-JP" altLang="en-US" dirty="0">
+                <a:effectLst>
+                  <a:glow rad="127000">
+                    <a:schemeClr val="bg1"/>
+                  </a:glow>
+                  <a:outerShdw blurRad="38100" dist="38100" dir="2700000" algn="tl">
+                    <a:srgbClr val="000000">
+                      <a:alpha val="43137"/>
+                    </a:srgbClr>
+                  </a:outerShdw>
+                </a:effectLst>
+                <a:latin typeface="HGP創英角ｺﾞｼｯｸUB" panose="020B0900000000000000" pitchFamily="50" charset="-128"/>
+                <a:ea typeface="HGP創英角ｺﾞｼｯｸUB" panose="020B0900000000000000" pitchFamily="50" charset="-128"/>
+              </a:rPr>
+              <a:t>・</a:t>
+            </a:r>
+            <a:endParaRPr kumimoji="1" lang="en-US" altLang="ja-JP" dirty="0">
+              <a:effectLst>
+                <a:glow rad="127000">
+                  <a:schemeClr val="bg1"/>
+                </a:glow>
+                <a:outerShdw blurRad="38100" dist="38100" dir="2700000" algn="tl">
+                  <a:srgbClr val="000000">
+                    <a:alpha val="43137"/>
+                  </a:srgbClr>
+                </a:outerShdw>
+              </a:effectLst>
+              <a:latin typeface="HGP創英角ｺﾞｼｯｸUB" panose="020B0900000000000000" pitchFamily="50" charset="-128"/>
+              <a:ea typeface="HGP創英角ｺﾞｼｯｸUB" panose="020B0900000000000000" pitchFamily="50" charset="-128"/>
+            </a:endParaRPr>
+          </a:p>
+        </p:txBody>
+      </p:sp>
+    </p:spTree>
+    <p:extLst>
+      <p:ext uri="{BB962C8B-B14F-4D97-AF65-F5344CB8AC3E}">
+        <p14:creationId xmlns:p14="http://schemas.microsoft.com/office/powerpoint/2010/main" val="2216761312"/>
       </p:ext>
     </p:extLst>
   </p:cSld>
